--- a/css-bootstrap.pptx
+++ b/css-bootstrap.pptx
@@ -10,42 +10,43 @@
     <p:sldId id="257" r:id="rId4"/>
     <p:sldId id="259" r:id="rId5"/>
     <p:sldId id="292" r:id="rId6"/>
-    <p:sldId id="282" r:id="rId7"/>
-    <p:sldId id="295" r:id="rId8"/>
-    <p:sldId id="283" r:id="rId9"/>
-    <p:sldId id="293" r:id="rId10"/>
-    <p:sldId id="284" r:id="rId11"/>
-    <p:sldId id="294" r:id="rId12"/>
-    <p:sldId id="287" r:id="rId13"/>
-    <p:sldId id="288" r:id="rId14"/>
-    <p:sldId id="286" r:id="rId15"/>
-    <p:sldId id="285" r:id="rId16"/>
-    <p:sldId id="289" r:id="rId17"/>
-    <p:sldId id="291" r:id="rId18"/>
-    <p:sldId id="290" r:id="rId19"/>
-    <p:sldId id="273" r:id="rId20"/>
-    <p:sldId id="274" r:id="rId21"/>
-    <p:sldId id="275" r:id="rId22"/>
-    <p:sldId id="276" r:id="rId23"/>
-    <p:sldId id="277" r:id="rId24"/>
-    <p:sldId id="278" r:id="rId25"/>
-    <p:sldId id="279" r:id="rId26"/>
-    <p:sldId id="280" r:id="rId27"/>
-    <p:sldId id="281" r:id="rId28"/>
-    <p:sldId id="260" r:id="rId29"/>
-    <p:sldId id="261" r:id="rId30"/>
-    <p:sldId id="262" r:id="rId31"/>
-    <p:sldId id="296" r:id="rId32"/>
-    <p:sldId id="263" r:id="rId33"/>
-    <p:sldId id="264" r:id="rId34"/>
-    <p:sldId id="265" r:id="rId35"/>
-    <p:sldId id="266" r:id="rId36"/>
-    <p:sldId id="267" r:id="rId37"/>
-    <p:sldId id="268" r:id="rId38"/>
-    <p:sldId id="269" r:id="rId39"/>
-    <p:sldId id="270" r:id="rId40"/>
-    <p:sldId id="271" r:id="rId41"/>
-    <p:sldId id="272" r:id="rId42"/>
+    <p:sldId id="297" r:id="rId7"/>
+    <p:sldId id="282" r:id="rId8"/>
+    <p:sldId id="295" r:id="rId9"/>
+    <p:sldId id="283" r:id="rId10"/>
+    <p:sldId id="293" r:id="rId11"/>
+    <p:sldId id="284" r:id="rId12"/>
+    <p:sldId id="294" r:id="rId13"/>
+    <p:sldId id="287" r:id="rId14"/>
+    <p:sldId id="288" r:id="rId15"/>
+    <p:sldId id="286" r:id="rId16"/>
+    <p:sldId id="285" r:id="rId17"/>
+    <p:sldId id="289" r:id="rId18"/>
+    <p:sldId id="291" r:id="rId19"/>
+    <p:sldId id="290" r:id="rId20"/>
+    <p:sldId id="273" r:id="rId21"/>
+    <p:sldId id="274" r:id="rId22"/>
+    <p:sldId id="275" r:id="rId23"/>
+    <p:sldId id="276" r:id="rId24"/>
+    <p:sldId id="277" r:id="rId25"/>
+    <p:sldId id="278" r:id="rId26"/>
+    <p:sldId id="279" r:id="rId27"/>
+    <p:sldId id="280" r:id="rId28"/>
+    <p:sldId id="281" r:id="rId29"/>
+    <p:sldId id="260" r:id="rId30"/>
+    <p:sldId id="261" r:id="rId31"/>
+    <p:sldId id="262" r:id="rId32"/>
+    <p:sldId id="296" r:id="rId33"/>
+    <p:sldId id="263" r:id="rId34"/>
+    <p:sldId id="264" r:id="rId35"/>
+    <p:sldId id="265" r:id="rId36"/>
+    <p:sldId id="266" r:id="rId37"/>
+    <p:sldId id="267" r:id="rId38"/>
+    <p:sldId id="268" r:id="rId39"/>
+    <p:sldId id="269" r:id="rId40"/>
+    <p:sldId id="270" r:id="rId41"/>
+    <p:sldId id="271" r:id="rId42"/>
+    <p:sldId id="272" r:id="rId43"/>
   </p:sldIdLst>
   <p:sldSz cx="12192000" cy="6858000"/>
   <p:notesSz cx="6858000" cy="9144000"/>
@@ -2357,7 +2358,7 @@
           <a:p>
             <a:fld id="{E6AC5789-5D9A-40D2-B1E5-0553B5BA21B2}" type="datetimeFigureOut">
               <a:rPr lang="en-US" smtClean="0"/>
-              <a:t>1/27/2021</a:t>
+              <a:t>1/28/2021</a:t>
             </a:fld>
             <a:endParaRPr lang="en-US"/>
           </a:p>
@@ -5598,79 +5599,16 @@
               <a:buNone/>
             </a:pPr>
             <a:r>
-              <a:rPr lang="en-US" dirty="0" err="1">
+              <a:rPr lang="en-US" sz="4000" dirty="0" err="1">
                 <a:latin typeface="Consolas" panose="020B0609020204030204" pitchFamily="49" charset="0"/>
               </a:rPr>
-              <a:t>Git</a:t>
-            </a:r>
-            <a:r>
-              <a:rPr lang="en-US" dirty="0">
+              <a:t>git</a:t>
+            </a:r>
+            <a:r>
+              <a:rPr lang="en-US" sz="4000" dirty="0">
                 <a:latin typeface="Consolas" panose="020B0609020204030204" pitchFamily="49" charset="0"/>
               </a:rPr>
-              <a:t> checkout</a:t>
-            </a:r>
-          </a:p>
-          <a:p>
-            <a:pPr marL="0" indent="0">
-              <a:buNone/>
-            </a:pPr>
-            <a:r>
-              <a:rPr lang="en-US" dirty="0">
-                <a:latin typeface="+mn-lt"/>
-              </a:rPr>
-              <a:t>“Updates files in the working tree to match the version in the index or the specified tree. If no </a:t>
-            </a:r>
-            <a:r>
-              <a:rPr lang="en-US" dirty="0" err="1">
-                <a:latin typeface="+mn-lt"/>
-              </a:rPr>
-              <a:t>pathspec</a:t>
-            </a:r>
-            <a:r>
-              <a:rPr lang="en-US" dirty="0">
-                <a:latin typeface="+mn-lt"/>
-              </a:rPr>
-              <a:t> was given, </a:t>
-            </a:r>
-            <a:r>
-              <a:rPr lang="en-US" dirty="0" err="1">
-                <a:latin typeface="+mn-lt"/>
-              </a:rPr>
-              <a:t>git</a:t>
-            </a:r>
-            <a:r>
-              <a:rPr lang="en-US" dirty="0">
-                <a:latin typeface="+mn-lt"/>
-              </a:rPr>
-              <a:t> checkout will also update HEAD to set the specified branch as the current branch.</a:t>
-            </a:r>
-          </a:p>
-          <a:p>
-            <a:pPr marL="0" indent="0">
-              <a:buNone/>
-            </a:pPr>
-            <a:r>
-              <a:rPr lang="en-US" dirty="0" err="1">
-                <a:latin typeface="+mn-lt"/>
-              </a:rPr>
-              <a:t>git</a:t>
-            </a:r>
-            <a:r>
-              <a:rPr lang="en-US" dirty="0">
-                <a:latin typeface="+mn-lt"/>
-              </a:rPr>
-              <a:t> checkout [&lt;branch&gt;]</a:t>
-            </a:r>
-          </a:p>
-          <a:p>
-            <a:pPr marL="0" indent="0">
-              <a:buNone/>
-            </a:pPr>
-            <a:r>
-              <a:rPr lang="en-US" dirty="0">
-                <a:latin typeface="+mn-lt"/>
-              </a:rPr>
-              <a:t>To prepare for working on &lt;branch&gt;, switch to it by updating the index and the files in the working tree, and by pointing HEAD at the branch. Local modifications to the files in the working tree are kept, so that they can be committed to the &lt;branch&gt;.</a:t>
+              <a:t> status is your best friend. </a:t>
             </a:r>
           </a:p>
           <a:p>
@@ -5685,106 +5623,10 @@
             <a:pPr marL="0" indent="0">
               <a:buNone/>
             </a:pPr>
-            <a:r>
-              <a:rPr lang="en-US" dirty="0" err="1">
-                <a:latin typeface="+mn-lt"/>
-              </a:rPr>
-              <a:t>git</a:t>
-            </a:r>
-            <a:r>
-              <a:rPr lang="en-US" dirty="0">
-                <a:latin typeface="+mn-lt"/>
-              </a:rPr>
-              <a:t> checkout -b|-B &lt;</a:t>
-            </a:r>
-            <a:r>
-              <a:rPr lang="en-US" dirty="0" err="1">
-                <a:latin typeface="+mn-lt"/>
-              </a:rPr>
-              <a:t>new_branch</a:t>
-            </a:r>
-            <a:r>
-              <a:rPr lang="en-US" dirty="0">
-                <a:latin typeface="+mn-lt"/>
-              </a:rPr>
-              <a:t>&gt; [&lt;start point&gt;]</a:t>
-            </a:r>
-          </a:p>
-          <a:p>
-            <a:pPr marL="0" indent="0">
-              <a:buNone/>
-            </a:pPr>
-            <a:r>
-              <a:rPr lang="en-US" dirty="0">
-                <a:latin typeface="+mn-lt"/>
-              </a:rPr>
-              <a:t>Specifying -b causes a new branch to be created as if </a:t>
-            </a:r>
-            <a:r>
-              <a:rPr lang="en-US" dirty="0" err="1">
-                <a:latin typeface="+mn-lt"/>
-              </a:rPr>
-              <a:t>git</a:t>
-            </a:r>
-            <a:r>
-              <a:rPr lang="en-US" dirty="0">
-                <a:latin typeface="+mn-lt"/>
-              </a:rPr>
-              <a:t>-branch[1] were called and then checked out. In this case you can use the --track or --no-track options, which will be passed to </a:t>
-            </a:r>
-            <a:r>
-              <a:rPr lang="en-US" dirty="0" err="1">
-                <a:latin typeface="+mn-lt"/>
-              </a:rPr>
-              <a:t>git</a:t>
-            </a:r>
-            <a:r>
-              <a:rPr lang="en-US" dirty="0">
-                <a:latin typeface="+mn-lt"/>
-              </a:rPr>
-              <a:t> branch. As a convenience, --track without -b implies branch creation; see the description of --track below.”</a:t>
-            </a:r>
-          </a:p>
-          <a:p>
-            <a:pPr marL="0" indent="0">
-              <a:buNone/>
-            </a:pPr>
             <a:endParaRPr lang="en-US" dirty="0">
               <a:latin typeface="Consolas" panose="020B0609020204030204" pitchFamily="49" charset="0"/>
             </a:endParaRPr>
           </a:p>
-          <a:p>
-            <a:pPr marL="0" indent="0">
-              <a:buNone/>
-            </a:pPr>
-            <a:endParaRPr lang="en-US" dirty="0">
-              <a:latin typeface="Consolas" panose="020B0609020204030204" pitchFamily="49" charset="0"/>
-            </a:endParaRPr>
-          </a:p>
-          <a:p>
-            <a:pPr marL="0" indent="0">
-              <a:buNone/>
-            </a:pPr>
-            <a:endParaRPr lang="en-US" dirty="0">
-              <a:latin typeface="Consolas" panose="020B0609020204030204" pitchFamily="49" charset="0"/>
-            </a:endParaRPr>
-          </a:p>
-          <a:p>
-            <a:pPr marL="0" indent="0">
-              <a:buNone/>
-            </a:pPr>
-            <a:endParaRPr lang="en-US" dirty="0">
-              <a:latin typeface="Consolas" panose="020B0609020204030204" pitchFamily="49" charset="0"/>
-            </a:endParaRPr>
-          </a:p>
-          <a:p>
-            <a:pPr marL="0" indent="0">
-              <a:buNone/>
-            </a:pPr>
-            <a:endParaRPr lang="en-US" dirty="0">
-              <a:latin typeface="Consolas" panose="020B0609020204030204" pitchFamily="49" charset="0"/>
-            </a:endParaRPr>
-          </a:p>
         </p:txBody>
       </p:sp>
       <p:sp>
@@ -5809,7 +5651,7 @@
     </p:spTree>
     <p:extLst>
       <p:ext uri="{BB962C8B-B14F-4D97-AF65-F5344CB8AC3E}">
-        <p14:creationId xmlns:p14="http://schemas.microsoft.com/office/powerpoint/2010/main" val="1788241101"/>
+        <p14:creationId xmlns:p14="http://schemas.microsoft.com/office/powerpoint/2010/main" val="1183914367"/>
       </p:ext>
     </p:extLst>
   </p:cSld>
@@ -5877,6 +5719,285 @@
               <a:buNone/>
             </a:pPr>
             <a:r>
+              <a:rPr lang="en-US" dirty="0" err="1">
+                <a:latin typeface="Consolas" panose="020B0609020204030204" pitchFamily="49" charset="0"/>
+              </a:rPr>
+              <a:t>Git</a:t>
+            </a:r>
+            <a:r>
+              <a:rPr lang="en-US" dirty="0">
+                <a:latin typeface="Consolas" panose="020B0609020204030204" pitchFamily="49" charset="0"/>
+              </a:rPr>
+              <a:t> checkout</a:t>
+            </a:r>
+          </a:p>
+          <a:p>
+            <a:pPr marL="0" indent="0">
+              <a:buNone/>
+            </a:pPr>
+            <a:r>
+              <a:rPr lang="en-US" dirty="0">
+                <a:latin typeface="+mn-lt"/>
+              </a:rPr>
+              <a:t>“Updates files in the working tree to match the version in the index or the specified tree. If no </a:t>
+            </a:r>
+            <a:r>
+              <a:rPr lang="en-US" dirty="0" err="1">
+                <a:latin typeface="+mn-lt"/>
+              </a:rPr>
+              <a:t>pathspec</a:t>
+            </a:r>
+            <a:r>
+              <a:rPr lang="en-US" dirty="0">
+                <a:latin typeface="+mn-lt"/>
+              </a:rPr>
+              <a:t> was given, </a:t>
+            </a:r>
+            <a:r>
+              <a:rPr lang="en-US" dirty="0" err="1">
+                <a:latin typeface="+mn-lt"/>
+              </a:rPr>
+              <a:t>git</a:t>
+            </a:r>
+            <a:r>
+              <a:rPr lang="en-US" dirty="0">
+                <a:latin typeface="+mn-lt"/>
+              </a:rPr>
+              <a:t> checkout will also update HEAD to set the specified branch as the current branch.</a:t>
+            </a:r>
+          </a:p>
+          <a:p>
+            <a:pPr marL="0" indent="0">
+              <a:buNone/>
+            </a:pPr>
+            <a:r>
+              <a:rPr lang="en-US" dirty="0" err="1">
+                <a:latin typeface="+mn-lt"/>
+              </a:rPr>
+              <a:t>git</a:t>
+            </a:r>
+            <a:r>
+              <a:rPr lang="en-US" dirty="0">
+                <a:latin typeface="+mn-lt"/>
+              </a:rPr>
+              <a:t> checkout [&lt;branch&gt;]</a:t>
+            </a:r>
+          </a:p>
+          <a:p>
+            <a:pPr marL="0" indent="0">
+              <a:buNone/>
+            </a:pPr>
+            <a:r>
+              <a:rPr lang="en-US" dirty="0">
+                <a:latin typeface="+mn-lt"/>
+              </a:rPr>
+              <a:t>To prepare for working on &lt;branch&gt;, switch to it by updating the index and the files in the working tree, and by pointing HEAD at the branch. Local modifications to the files in the working tree are kept, so that they can be committed to the &lt;branch&gt;.</a:t>
+            </a:r>
+          </a:p>
+          <a:p>
+            <a:pPr marL="0" indent="0">
+              <a:buNone/>
+            </a:pPr>
+            <a:endParaRPr lang="en-US" dirty="0">
+              <a:latin typeface="+mn-lt"/>
+            </a:endParaRPr>
+          </a:p>
+          <a:p>
+            <a:pPr marL="0" indent="0">
+              <a:buNone/>
+            </a:pPr>
+            <a:r>
+              <a:rPr lang="en-US" dirty="0" err="1">
+                <a:latin typeface="+mn-lt"/>
+              </a:rPr>
+              <a:t>git</a:t>
+            </a:r>
+            <a:r>
+              <a:rPr lang="en-US" dirty="0">
+                <a:latin typeface="+mn-lt"/>
+              </a:rPr>
+              <a:t> checkout -b|-B &lt;</a:t>
+            </a:r>
+            <a:r>
+              <a:rPr lang="en-US" dirty="0" err="1">
+                <a:latin typeface="+mn-lt"/>
+              </a:rPr>
+              <a:t>new_branch</a:t>
+            </a:r>
+            <a:r>
+              <a:rPr lang="en-US" dirty="0">
+                <a:latin typeface="+mn-lt"/>
+              </a:rPr>
+              <a:t>&gt; [&lt;start point&gt;]</a:t>
+            </a:r>
+          </a:p>
+          <a:p>
+            <a:pPr marL="0" indent="0">
+              <a:buNone/>
+            </a:pPr>
+            <a:r>
+              <a:rPr lang="en-US" dirty="0">
+                <a:latin typeface="+mn-lt"/>
+              </a:rPr>
+              <a:t>Specifying -b causes a new branch to be created as if </a:t>
+            </a:r>
+            <a:r>
+              <a:rPr lang="en-US" dirty="0" err="1">
+                <a:latin typeface="+mn-lt"/>
+              </a:rPr>
+              <a:t>git</a:t>
+            </a:r>
+            <a:r>
+              <a:rPr lang="en-US" dirty="0">
+                <a:latin typeface="+mn-lt"/>
+              </a:rPr>
+              <a:t>-branch[1] were called and then checked out. In this case you can use the --track or --no-track options, which will be passed to </a:t>
+            </a:r>
+            <a:r>
+              <a:rPr lang="en-US" dirty="0" err="1">
+                <a:latin typeface="+mn-lt"/>
+              </a:rPr>
+              <a:t>git</a:t>
+            </a:r>
+            <a:r>
+              <a:rPr lang="en-US" dirty="0">
+                <a:latin typeface="+mn-lt"/>
+              </a:rPr>
+              <a:t> branch. As a convenience, --track without -b implies branch creation; see the description of --track below.”</a:t>
+            </a:r>
+          </a:p>
+          <a:p>
+            <a:pPr marL="0" indent="0">
+              <a:buNone/>
+            </a:pPr>
+            <a:endParaRPr lang="en-US" dirty="0">
+              <a:latin typeface="Consolas" panose="020B0609020204030204" pitchFamily="49" charset="0"/>
+            </a:endParaRPr>
+          </a:p>
+          <a:p>
+            <a:pPr marL="0" indent="0">
+              <a:buNone/>
+            </a:pPr>
+            <a:endParaRPr lang="en-US" dirty="0">
+              <a:latin typeface="Consolas" panose="020B0609020204030204" pitchFamily="49" charset="0"/>
+            </a:endParaRPr>
+          </a:p>
+          <a:p>
+            <a:pPr marL="0" indent="0">
+              <a:buNone/>
+            </a:pPr>
+            <a:endParaRPr lang="en-US" dirty="0">
+              <a:latin typeface="Consolas" panose="020B0609020204030204" pitchFamily="49" charset="0"/>
+            </a:endParaRPr>
+          </a:p>
+          <a:p>
+            <a:pPr marL="0" indent="0">
+              <a:buNone/>
+            </a:pPr>
+            <a:endParaRPr lang="en-US" dirty="0">
+              <a:latin typeface="Consolas" panose="020B0609020204030204" pitchFamily="49" charset="0"/>
+            </a:endParaRPr>
+          </a:p>
+          <a:p>
+            <a:pPr marL="0" indent="0">
+              <a:buNone/>
+            </a:pPr>
+            <a:endParaRPr lang="en-US" dirty="0">
+              <a:latin typeface="Consolas" panose="020B0609020204030204" pitchFamily="49" charset="0"/>
+            </a:endParaRPr>
+          </a:p>
+        </p:txBody>
+      </p:sp>
+      <p:sp>
+        <p:nvSpPr>
+          <p:cNvPr id="6" name="Text Placeholder 5"/>
+          <p:cNvSpPr>
+            <a:spLocks noGrp="1"/>
+          </p:cNvSpPr>
+          <p:nvPr>
+            <p:ph type="body" sz="quarter" idx="11"/>
+          </p:nvPr>
+        </p:nvSpPr>
+        <p:spPr/>
+        <p:txBody>
+          <a:bodyPr/>
+          <a:lstStyle/>
+          <a:p>
+            <a:endParaRPr lang="en-US"/>
+          </a:p>
+        </p:txBody>
+      </p:sp>
+    </p:spTree>
+    <p:extLst>
+      <p:ext uri="{BB962C8B-B14F-4D97-AF65-F5344CB8AC3E}">
+        <p14:creationId xmlns:p14="http://schemas.microsoft.com/office/powerpoint/2010/main" val="1788241101"/>
+      </p:ext>
+    </p:extLst>
+  </p:cSld>
+  <p:clrMapOvr>
+    <a:masterClrMapping/>
+  </p:clrMapOvr>
+</p:sld>
+</file>
+
+<file path=ppt/slides/slide12.xml><?xml version="1.0" encoding="utf-8"?>
+<p:sld xmlns:a="http://schemas.openxmlformats.org/drawingml/2006/main" xmlns:r="http://schemas.openxmlformats.org/officeDocument/2006/relationships" xmlns:p="http://schemas.openxmlformats.org/presentationml/2006/main">
+  <p:cSld>
+    <p:spTree>
+      <p:nvGrpSpPr>
+        <p:cNvPr id="1" name=""/>
+        <p:cNvGrpSpPr/>
+        <p:nvPr/>
+      </p:nvGrpSpPr>
+      <p:grpSpPr>
+        <a:xfrm>
+          <a:off x="0" y="0"/>
+          <a:ext cx="0" cy="0"/>
+          <a:chOff x="0" y="0"/>
+          <a:chExt cx="0" cy="0"/>
+        </a:xfrm>
+      </p:grpSpPr>
+      <p:sp>
+        <p:nvSpPr>
+          <p:cNvPr id="4" name="Title 3"/>
+          <p:cNvSpPr>
+            <a:spLocks noGrp="1"/>
+          </p:cNvSpPr>
+          <p:nvPr>
+            <p:ph type="title"/>
+          </p:nvPr>
+        </p:nvSpPr>
+        <p:spPr/>
+        <p:txBody>
+          <a:bodyPr/>
+          <a:lstStyle/>
+          <a:p>
+            <a:r>
+              <a:rPr lang="en-US" dirty="0"/>
+              <a:t>The Fundamental Workflow</a:t>
+            </a:r>
+          </a:p>
+        </p:txBody>
+      </p:sp>
+      <p:sp>
+        <p:nvSpPr>
+          <p:cNvPr id="5" name="Content Placeholder 4"/>
+          <p:cNvSpPr>
+            <a:spLocks noGrp="1"/>
+          </p:cNvSpPr>
+          <p:nvPr>
+            <p:ph idx="1"/>
+          </p:nvPr>
+        </p:nvSpPr>
+        <p:spPr/>
+        <p:txBody>
+          <a:bodyPr/>
+          <a:lstStyle/>
+          <a:p>
+            <a:pPr marL="0" indent="0">
+              <a:buNone/>
+            </a:pPr>
+            <a:r>
               <a:rPr lang="en-US" dirty="0">
                 <a:latin typeface="+mn-lt"/>
               </a:rPr>
@@ -5980,7 +6101,7 @@
 </p:sld>
 </file>
 
-<file path=ppt/slides/slide12.xml><?xml version="1.0" encoding="utf-8"?>
+<file path=ppt/slides/slide13.xml><?xml version="1.0" encoding="utf-8"?>
 <p:sld xmlns:a="http://schemas.openxmlformats.org/drawingml/2006/main" xmlns:r="http://schemas.openxmlformats.org/officeDocument/2006/relationships" xmlns:p="http://schemas.openxmlformats.org/presentationml/2006/main">
   <p:cSld>
     <p:spTree>
@@ -6126,7 +6247,7 @@
 </p:sld>
 </file>
 
-<file path=ppt/slides/slide13.xml><?xml version="1.0" encoding="utf-8"?>
+<file path=ppt/slides/slide14.xml><?xml version="1.0" encoding="utf-8"?>
 <p:sld xmlns:a="http://schemas.openxmlformats.org/drawingml/2006/main" xmlns:r="http://schemas.openxmlformats.org/officeDocument/2006/relationships" xmlns:p="http://schemas.openxmlformats.org/presentationml/2006/main">
   <p:cSld>
     <p:spTree>
@@ -6294,7 +6415,7 @@
 </p:sld>
 </file>
 
-<file path=ppt/slides/slide14.xml><?xml version="1.0" encoding="utf-8"?>
+<file path=ppt/slides/slide15.xml><?xml version="1.0" encoding="utf-8"?>
 <p:sld xmlns:a="http://schemas.openxmlformats.org/drawingml/2006/main" xmlns:r="http://schemas.openxmlformats.org/officeDocument/2006/relationships" xmlns:p="http://schemas.openxmlformats.org/presentationml/2006/main">
   <p:cSld>
     <p:spTree>
@@ -6428,7 +6549,7 @@
 </p:sld>
 </file>
 
-<file path=ppt/slides/slide15.xml><?xml version="1.0" encoding="utf-8"?>
+<file path=ppt/slides/slide16.xml><?xml version="1.0" encoding="utf-8"?>
 <p:sld xmlns:a="http://schemas.openxmlformats.org/drawingml/2006/main" xmlns:r="http://schemas.openxmlformats.org/officeDocument/2006/relationships" xmlns:p="http://schemas.openxmlformats.org/presentationml/2006/main">
   <p:cSld>
     <p:spTree>
@@ -6571,7 +6692,7 @@
 </p:sld>
 </file>
 
-<file path=ppt/slides/slide16.xml><?xml version="1.0" encoding="utf-8"?>
+<file path=ppt/slides/slide17.xml><?xml version="1.0" encoding="utf-8"?>
 <p:sld xmlns:a="http://schemas.openxmlformats.org/drawingml/2006/main" xmlns:r="http://schemas.openxmlformats.org/officeDocument/2006/relationships" xmlns:p="http://schemas.openxmlformats.org/presentationml/2006/main">
   <p:cSld>
     <p:spTree>
@@ -6722,129 +6843,6 @@
 </p:sld>
 </file>
 
-<file path=ppt/slides/slide17.xml><?xml version="1.0" encoding="utf-8"?>
-<p:sld xmlns:a="http://schemas.openxmlformats.org/drawingml/2006/main" xmlns:r="http://schemas.openxmlformats.org/officeDocument/2006/relationships" xmlns:p="http://schemas.openxmlformats.org/presentationml/2006/main">
-  <p:cSld>
-    <p:spTree>
-      <p:nvGrpSpPr>
-        <p:cNvPr id="1" name=""/>
-        <p:cNvGrpSpPr/>
-        <p:nvPr/>
-      </p:nvGrpSpPr>
-      <p:grpSpPr>
-        <a:xfrm>
-          <a:off x="0" y="0"/>
-          <a:ext cx="0" cy="0"/>
-          <a:chOff x="0" y="0"/>
-          <a:chExt cx="0" cy="0"/>
-        </a:xfrm>
-      </p:grpSpPr>
-      <p:sp>
-        <p:nvSpPr>
-          <p:cNvPr id="4" name="Title 3"/>
-          <p:cNvSpPr>
-            <a:spLocks noGrp="1"/>
-          </p:cNvSpPr>
-          <p:nvPr>
-            <p:ph type="title"/>
-          </p:nvPr>
-        </p:nvSpPr>
-        <p:spPr/>
-        <p:txBody>
-          <a:bodyPr/>
-          <a:lstStyle/>
-          <a:p>
-            <a:r>
-              <a:rPr lang="en-US" dirty="0"/>
-              <a:t>The Fundamental Workflow</a:t>
-            </a:r>
-          </a:p>
-        </p:txBody>
-      </p:sp>
-      <p:sp>
-        <p:nvSpPr>
-          <p:cNvPr id="5" name="Content Placeholder 4"/>
-          <p:cNvSpPr>
-            <a:spLocks noGrp="1"/>
-          </p:cNvSpPr>
-          <p:nvPr>
-            <p:ph idx="1"/>
-          </p:nvPr>
-        </p:nvSpPr>
-        <p:spPr/>
-        <p:txBody>
-          <a:bodyPr/>
-          <a:lstStyle/>
-          <a:p>
-            <a:pPr marL="0" indent="0">
-              <a:buNone/>
-            </a:pPr>
-            <a:r>
-              <a:rPr lang="en-US" dirty="0" err="1">
-                <a:latin typeface="Consolas" panose="020B0609020204030204" pitchFamily="49" charset="0"/>
-              </a:rPr>
-              <a:t>git</a:t>
-            </a:r>
-            <a:r>
-              <a:rPr lang="en-US" dirty="0">
-                <a:latin typeface="Consolas" panose="020B0609020204030204" pitchFamily="49" charset="0"/>
-              </a:rPr>
-              <a:t> push</a:t>
-            </a:r>
-          </a:p>
-          <a:p>
-            <a:pPr marL="0" indent="0">
-              <a:buNone/>
-            </a:pPr>
-            <a:r>
-              <a:rPr lang="en-US" dirty="0">
-                <a:latin typeface="+mn-lt"/>
-              </a:rPr>
-              <a:t>“Updates remote refs using local refs, while sending objects necessary to complete the given refs.”</a:t>
-            </a:r>
-          </a:p>
-          <a:p>
-            <a:pPr marL="0" indent="0">
-              <a:buNone/>
-            </a:pPr>
-            <a:endParaRPr lang="en-US" dirty="0">
-              <a:latin typeface="Consolas" panose="020B0609020204030204" pitchFamily="49" charset="0"/>
-            </a:endParaRPr>
-          </a:p>
-        </p:txBody>
-      </p:sp>
-      <p:sp>
-        <p:nvSpPr>
-          <p:cNvPr id="6" name="Text Placeholder 5"/>
-          <p:cNvSpPr>
-            <a:spLocks noGrp="1"/>
-          </p:cNvSpPr>
-          <p:nvPr>
-            <p:ph type="body" sz="quarter" idx="11"/>
-          </p:nvPr>
-        </p:nvSpPr>
-        <p:spPr/>
-        <p:txBody>
-          <a:bodyPr/>
-          <a:lstStyle/>
-          <a:p>
-            <a:endParaRPr lang="en-US"/>
-          </a:p>
-        </p:txBody>
-      </p:sp>
-    </p:spTree>
-    <p:extLst>
-      <p:ext uri="{BB962C8B-B14F-4D97-AF65-F5344CB8AC3E}">
-        <p14:creationId xmlns:p14="http://schemas.microsoft.com/office/powerpoint/2010/main" val="556425987"/>
-      </p:ext>
-    </p:extLst>
-  </p:cSld>
-  <p:clrMapOvr>
-    <a:masterClrMapping/>
-  </p:clrMapOvr>
-</p:sld>
-</file>
-
 <file path=ppt/slides/slide18.xml><?xml version="1.0" encoding="utf-8"?>
 <p:sld xmlns:a="http://schemas.openxmlformats.org/drawingml/2006/main" xmlns:r="http://schemas.openxmlformats.org/officeDocument/2006/relationships" xmlns:p="http://schemas.openxmlformats.org/presentationml/2006/main">
   <p:cSld>
@@ -6884,32 +6882,58 @@
           </a:p>
         </p:txBody>
       </p:sp>
-      <p:pic>
-        <p:nvPicPr>
-          <p:cNvPr id="3" name="Content Placeholder 2"/>
-          <p:cNvPicPr>
-            <a:picLocks noGrp="1" noChangeAspect="1"/>
-          </p:cNvPicPr>
+      <p:sp>
+        <p:nvSpPr>
+          <p:cNvPr id="5" name="Content Placeholder 4"/>
+          <p:cNvSpPr>
+            <a:spLocks noGrp="1"/>
+          </p:cNvSpPr>
           <p:nvPr>
             <p:ph idx="1"/>
           </p:nvPr>
-        </p:nvPicPr>
-        <p:blipFill>
-          <a:blip r:embed="rId2"/>
-          <a:stretch>
-            <a:fillRect/>
-          </a:stretch>
-        </p:blipFill>
-        <p:spPr>
-          <a:xfrm>
-            <a:off x="609600" y="1008887"/>
-            <a:ext cx="6679110" cy="5698585"/>
-          </a:xfrm>
-          <a:prstGeom prst="rect">
-            <a:avLst/>
-          </a:prstGeom>
-        </p:spPr>
-      </p:pic>
+        </p:nvSpPr>
+        <p:spPr/>
+        <p:txBody>
+          <a:bodyPr/>
+          <a:lstStyle/>
+          <a:p>
+            <a:pPr marL="0" indent="0">
+              <a:buNone/>
+            </a:pPr>
+            <a:r>
+              <a:rPr lang="en-US" dirty="0" err="1">
+                <a:latin typeface="Consolas" panose="020B0609020204030204" pitchFamily="49" charset="0"/>
+              </a:rPr>
+              <a:t>git</a:t>
+            </a:r>
+            <a:r>
+              <a:rPr lang="en-US" dirty="0">
+                <a:latin typeface="Consolas" panose="020B0609020204030204" pitchFamily="49" charset="0"/>
+              </a:rPr>
+              <a:t> push</a:t>
+            </a:r>
+          </a:p>
+          <a:p>
+            <a:pPr marL="0" indent="0">
+              <a:buNone/>
+            </a:pPr>
+            <a:r>
+              <a:rPr lang="en-US" dirty="0">
+                <a:latin typeface="+mn-lt"/>
+              </a:rPr>
+              <a:t>“Updates remote refs using local refs, while sending objects necessary to complete the given refs.”</a:t>
+            </a:r>
+          </a:p>
+          <a:p>
+            <a:pPr marL="0" indent="0">
+              <a:buNone/>
+            </a:pPr>
+            <a:endParaRPr lang="en-US" dirty="0">
+              <a:latin typeface="Consolas" panose="020B0609020204030204" pitchFamily="49" charset="0"/>
+            </a:endParaRPr>
+          </a:p>
+        </p:txBody>
+      </p:sp>
       <p:sp>
         <p:nvSpPr>
           <p:cNvPr id="6" name="Text Placeholder 5"/>
@@ -6932,7 +6956,7 @@
     </p:spTree>
     <p:extLst>
       <p:ext uri="{BB962C8B-B14F-4D97-AF65-F5344CB8AC3E}">
-        <p14:creationId xmlns:p14="http://schemas.microsoft.com/office/powerpoint/2010/main" val="1027211612"/>
+        <p14:creationId xmlns:p14="http://schemas.microsoft.com/office/powerpoint/2010/main" val="556425987"/>
       </p:ext>
     </p:extLst>
   </p:cSld>
@@ -6976,148 +7000,37 @@
           <a:p>
             <a:r>
               <a:rPr lang="en-US" dirty="0"/>
-              <a:t>Cheap local branching</a:t>
-            </a:r>
-          </a:p>
-        </p:txBody>
-      </p:sp>
-      <p:sp>
-        <p:nvSpPr>
-          <p:cNvPr id="5" name="Content Placeholder 4"/>
-          <p:cNvSpPr>
-            <a:spLocks noGrp="1"/>
-          </p:cNvSpPr>
+              <a:t>The Fundamental Workflow</a:t>
+            </a:r>
+          </a:p>
+        </p:txBody>
+      </p:sp>
+      <p:pic>
+        <p:nvPicPr>
+          <p:cNvPr id="3" name="Content Placeholder 2"/>
+          <p:cNvPicPr>
+            <a:picLocks noGrp="1" noChangeAspect="1"/>
+          </p:cNvPicPr>
           <p:nvPr>
             <p:ph idx="1"/>
           </p:nvPr>
-        </p:nvSpPr>
-        <p:spPr/>
-        <p:txBody>
-          <a:bodyPr/>
-          <a:lstStyle/>
-          <a:p>
-            <a:pPr marL="0" indent="0">
-              <a:buNone/>
-            </a:pPr>
-            <a:r>
-              <a:rPr lang="en-US" dirty="0"/>
-              <a:t>How cheap is branching?</a:t>
-            </a:r>
-          </a:p>
-          <a:p>
-            <a:pPr marL="0" indent="0">
-              <a:buNone/>
-            </a:pPr>
-            <a:r>
-              <a:rPr lang="en-US" dirty="0">
-                <a:latin typeface="Consolas" panose="020B0609020204030204" pitchFamily="49" charset="0"/>
-              </a:rPr>
-              <a:t>rlarsen@RLARSEN1 MINGW64 ~/Documents/GitHub/temp/</a:t>
-            </a:r>
-            <a:r>
-              <a:rPr lang="en-US" dirty="0" err="1">
-                <a:latin typeface="Consolas" panose="020B0609020204030204" pitchFamily="49" charset="0"/>
-              </a:rPr>
-              <a:t>sherpa</a:t>
-            </a:r>
-            <a:r>
-              <a:rPr lang="en-US" dirty="0">
-                <a:latin typeface="Consolas" panose="020B0609020204030204" pitchFamily="49" charset="0"/>
-              </a:rPr>
-              <a:t>-enterprise-data-</a:t>
-            </a:r>
-            <a:r>
-              <a:rPr lang="en-US" dirty="0" err="1">
-                <a:latin typeface="Consolas" panose="020B0609020204030204" pitchFamily="49" charset="0"/>
-              </a:rPr>
-              <a:t>ui</a:t>
-            </a:r>
-            <a:r>
-              <a:rPr lang="en-US" dirty="0">
-                <a:latin typeface="Consolas" panose="020B0609020204030204" pitchFamily="49" charset="0"/>
-              </a:rPr>
-              <a:t> (Development)</a:t>
-            </a:r>
-          </a:p>
-          <a:p>
-            <a:pPr marL="0" indent="0">
-              <a:buNone/>
-            </a:pPr>
-            <a:r>
-              <a:rPr lang="en-US" dirty="0">
-                <a:latin typeface="Consolas" panose="020B0609020204030204" pitchFamily="49" charset="0"/>
-              </a:rPr>
-              <a:t>$ </a:t>
-            </a:r>
-            <a:r>
-              <a:rPr lang="en-US" dirty="0" err="1">
-                <a:latin typeface="Consolas" panose="020B0609020204030204" pitchFamily="49" charset="0"/>
-              </a:rPr>
-              <a:t>git</a:t>
-            </a:r>
-            <a:r>
-              <a:rPr lang="en-US" dirty="0">
-                <a:latin typeface="Consolas" panose="020B0609020204030204" pitchFamily="49" charset="0"/>
-              </a:rPr>
-              <a:t> checkout -b </a:t>
-            </a:r>
-            <a:r>
-              <a:rPr lang="en-US" dirty="0" err="1">
-                <a:latin typeface="Consolas" panose="020B0609020204030204" pitchFamily="49" charset="0"/>
-              </a:rPr>
-              <a:t>newbranch</a:t>
-            </a:r>
-            <a:endParaRPr lang="en-US" dirty="0">
-              <a:latin typeface="Consolas" panose="020B0609020204030204" pitchFamily="49" charset="0"/>
-            </a:endParaRPr>
-          </a:p>
-          <a:p>
-            <a:pPr marL="0" indent="0">
-              <a:buNone/>
-            </a:pPr>
-            <a:r>
-              <a:rPr lang="en-US" dirty="0">
-                <a:latin typeface="Consolas" panose="020B0609020204030204" pitchFamily="49" charset="0"/>
-              </a:rPr>
-              <a:t>Switched to a new branch '</a:t>
-            </a:r>
-            <a:r>
-              <a:rPr lang="en-US" dirty="0" err="1">
-                <a:latin typeface="Consolas" panose="020B0609020204030204" pitchFamily="49" charset="0"/>
-              </a:rPr>
-              <a:t>newbranch</a:t>
-            </a:r>
-            <a:r>
-              <a:rPr lang="en-US" dirty="0">
-                <a:latin typeface="Consolas" panose="020B0609020204030204" pitchFamily="49" charset="0"/>
-              </a:rPr>
-              <a:t>‘</a:t>
-            </a:r>
-          </a:p>
-          <a:p>
-            <a:pPr marL="0" indent="0">
-              <a:buNone/>
-            </a:pPr>
-            <a:endParaRPr lang="en-US" dirty="0">
-              <a:latin typeface="Consolas" panose="020B0609020204030204" pitchFamily="49" charset="0"/>
-            </a:endParaRPr>
-          </a:p>
-          <a:p>
-            <a:pPr marL="0" indent="0">
-              <a:buNone/>
-            </a:pPr>
-            <a:endParaRPr lang="en-US" dirty="0">
-              <a:latin typeface="Consolas" panose="020B0609020204030204" pitchFamily="49" charset="0"/>
-            </a:endParaRPr>
-          </a:p>
-          <a:p>
-            <a:pPr marL="0" indent="0">
-              <a:buNone/>
-            </a:pPr>
-            <a:endParaRPr lang="en-US" dirty="0"/>
-          </a:p>
-        </p:txBody>
-      </p:sp>
+        </p:nvPicPr>
+        <p:blipFill>
+          <a:blip r:embed="rId2"/>
+          <a:stretch>
+            <a:fillRect/>
+          </a:stretch>
+        </p:blipFill>
+        <p:spPr>
+          <a:xfrm>
+            <a:off x="609600" y="1008887"/>
+            <a:ext cx="6679110" cy="5698585"/>
+          </a:xfrm>
+          <a:prstGeom prst="rect">
+            <a:avLst/>
+          </a:prstGeom>
+        </p:spPr>
+      </p:pic>
       <p:sp>
         <p:nvSpPr>
           <p:cNvPr id="6" name="Text Placeholder 5"/>
@@ -7140,7 +7053,7 @@
     </p:spTree>
     <p:extLst>
       <p:ext uri="{BB962C8B-B14F-4D97-AF65-F5344CB8AC3E}">
-        <p14:creationId xmlns:p14="http://schemas.microsoft.com/office/powerpoint/2010/main" val="4015422942"/>
+        <p14:creationId xmlns:p14="http://schemas.microsoft.com/office/powerpoint/2010/main" val="1027211612"/>
       </p:ext>
     </p:extLst>
   </p:cSld>
@@ -7253,6 +7166,214 @@
 </file>
 
 <file path=ppt/slides/slide20.xml><?xml version="1.0" encoding="utf-8"?>
+<p:sld xmlns:a="http://schemas.openxmlformats.org/drawingml/2006/main" xmlns:r="http://schemas.openxmlformats.org/officeDocument/2006/relationships" xmlns:p="http://schemas.openxmlformats.org/presentationml/2006/main">
+  <p:cSld>
+    <p:spTree>
+      <p:nvGrpSpPr>
+        <p:cNvPr id="1" name=""/>
+        <p:cNvGrpSpPr/>
+        <p:nvPr/>
+      </p:nvGrpSpPr>
+      <p:grpSpPr>
+        <a:xfrm>
+          <a:off x="0" y="0"/>
+          <a:ext cx="0" cy="0"/>
+          <a:chOff x="0" y="0"/>
+          <a:chExt cx="0" cy="0"/>
+        </a:xfrm>
+      </p:grpSpPr>
+      <p:sp>
+        <p:nvSpPr>
+          <p:cNvPr id="4" name="Title 3"/>
+          <p:cNvSpPr>
+            <a:spLocks noGrp="1"/>
+          </p:cNvSpPr>
+          <p:nvPr>
+            <p:ph type="title"/>
+          </p:nvPr>
+        </p:nvSpPr>
+        <p:spPr/>
+        <p:txBody>
+          <a:bodyPr/>
+          <a:lstStyle/>
+          <a:p>
+            <a:r>
+              <a:rPr lang="en-US" dirty="0"/>
+              <a:t>Cheap local branching</a:t>
+            </a:r>
+          </a:p>
+        </p:txBody>
+      </p:sp>
+      <p:sp>
+        <p:nvSpPr>
+          <p:cNvPr id="5" name="Content Placeholder 4"/>
+          <p:cNvSpPr>
+            <a:spLocks noGrp="1"/>
+          </p:cNvSpPr>
+          <p:nvPr>
+            <p:ph idx="1"/>
+          </p:nvPr>
+        </p:nvSpPr>
+        <p:spPr/>
+        <p:txBody>
+          <a:bodyPr/>
+          <a:lstStyle/>
+          <a:p>
+            <a:pPr marL="0" indent="0">
+              <a:buNone/>
+            </a:pPr>
+            <a:r>
+              <a:rPr lang="en-US" dirty="0"/>
+              <a:t>How cheap is branching?</a:t>
+            </a:r>
+          </a:p>
+          <a:p>
+            <a:pPr marL="0" indent="0">
+              <a:buNone/>
+            </a:pPr>
+            <a:r>
+              <a:rPr lang="en-US" dirty="0">
+                <a:latin typeface="Consolas" panose="020B0609020204030204" pitchFamily="49" charset="0"/>
+              </a:rPr>
+              <a:t>rlarsen@RLARSEN1 MINGW64 ~/Documents/GitHub/temp/</a:t>
+            </a:r>
+            <a:r>
+              <a:rPr lang="en-US" dirty="0" err="1">
+                <a:latin typeface="Consolas" panose="020B0609020204030204" pitchFamily="49" charset="0"/>
+              </a:rPr>
+              <a:t>sherpa</a:t>
+            </a:r>
+            <a:r>
+              <a:rPr lang="en-US" dirty="0">
+                <a:latin typeface="Consolas" panose="020B0609020204030204" pitchFamily="49" charset="0"/>
+              </a:rPr>
+              <a:t>-enterprise-data-</a:t>
+            </a:r>
+            <a:r>
+              <a:rPr lang="en-US" dirty="0" err="1">
+                <a:latin typeface="Consolas" panose="020B0609020204030204" pitchFamily="49" charset="0"/>
+              </a:rPr>
+              <a:t>ui</a:t>
+            </a:r>
+            <a:r>
+              <a:rPr lang="en-US" dirty="0">
+                <a:latin typeface="Consolas" panose="020B0609020204030204" pitchFamily="49" charset="0"/>
+              </a:rPr>
+              <a:t> (Development)</a:t>
+            </a:r>
+          </a:p>
+          <a:p>
+            <a:pPr marL="0" indent="0">
+              <a:buNone/>
+            </a:pPr>
+            <a:r>
+              <a:rPr lang="en-US" dirty="0">
+                <a:latin typeface="Consolas" panose="020B0609020204030204" pitchFamily="49" charset="0"/>
+              </a:rPr>
+              <a:t>$ </a:t>
+            </a:r>
+            <a:r>
+              <a:rPr lang="en-US" dirty="0" err="1">
+                <a:latin typeface="Consolas" panose="020B0609020204030204" pitchFamily="49" charset="0"/>
+              </a:rPr>
+              <a:t>git</a:t>
+            </a:r>
+            <a:r>
+              <a:rPr lang="en-US" dirty="0">
+                <a:latin typeface="Consolas" panose="020B0609020204030204" pitchFamily="49" charset="0"/>
+              </a:rPr>
+              <a:t> checkout -b </a:t>
+            </a:r>
+            <a:r>
+              <a:rPr lang="en-US" dirty="0" err="1">
+                <a:latin typeface="Consolas" panose="020B0609020204030204" pitchFamily="49" charset="0"/>
+              </a:rPr>
+              <a:t>newbranch</a:t>
+            </a:r>
+            <a:endParaRPr lang="en-US" dirty="0">
+              <a:latin typeface="Consolas" panose="020B0609020204030204" pitchFamily="49" charset="0"/>
+            </a:endParaRPr>
+          </a:p>
+          <a:p>
+            <a:pPr marL="0" indent="0">
+              <a:buNone/>
+            </a:pPr>
+            <a:r>
+              <a:rPr lang="en-US" dirty="0">
+                <a:latin typeface="Consolas" panose="020B0609020204030204" pitchFamily="49" charset="0"/>
+              </a:rPr>
+              <a:t>Switched to a new branch '</a:t>
+            </a:r>
+            <a:r>
+              <a:rPr lang="en-US" dirty="0" err="1">
+                <a:latin typeface="Consolas" panose="020B0609020204030204" pitchFamily="49" charset="0"/>
+              </a:rPr>
+              <a:t>newbranch</a:t>
+            </a:r>
+            <a:r>
+              <a:rPr lang="en-US" dirty="0">
+                <a:latin typeface="Consolas" panose="020B0609020204030204" pitchFamily="49" charset="0"/>
+              </a:rPr>
+              <a:t>‘</a:t>
+            </a:r>
+          </a:p>
+          <a:p>
+            <a:pPr marL="0" indent="0">
+              <a:buNone/>
+            </a:pPr>
+            <a:endParaRPr lang="en-US" dirty="0">
+              <a:latin typeface="Consolas" panose="020B0609020204030204" pitchFamily="49" charset="0"/>
+            </a:endParaRPr>
+          </a:p>
+          <a:p>
+            <a:pPr marL="0" indent="0">
+              <a:buNone/>
+            </a:pPr>
+            <a:endParaRPr lang="en-US" dirty="0">
+              <a:latin typeface="Consolas" panose="020B0609020204030204" pitchFamily="49" charset="0"/>
+            </a:endParaRPr>
+          </a:p>
+          <a:p>
+            <a:pPr marL="0" indent="0">
+              <a:buNone/>
+            </a:pPr>
+            <a:endParaRPr lang="en-US" dirty="0"/>
+          </a:p>
+        </p:txBody>
+      </p:sp>
+      <p:sp>
+        <p:nvSpPr>
+          <p:cNvPr id="6" name="Text Placeholder 5"/>
+          <p:cNvSpPr>
+            <a:spLocks noGrp="1"/>
+          </p:cNvSpPr>
+          <p:nvPr>
+            <p:ph type="body" sz="quarter" idx="11"/>
+          </p:nvPr>
+        </p:nvSpPr>
+        <p:spPr/>
+        <p:txBody>
+          <a:bodyPr/>
+          <a:lstStyle/>
+          <a:p>
+            <a:endParaRPr lang="en-US"/>
+          </a:p>
+        </p:txBody>
+      </p:sp>
+    </p:spTree>
+    <p:extLst>
+      <p:ext uri="{BB962C8B-B14F-4D97-AF65-F5344CB8AC3E}">
+        <p14:creationId xmlns:p14="http://schemas.microsoft.com/office/powerpoint/2010/main" val="4015422942"/>
+      </p:ext>
+    </p:extLst>
+  </p:cSld>
+  <p:clrMapOvr>
+    <a:masterClrMapping/>
+  </p:clrMapOvr>
+</p:sld>
+</file>
+
+<file path=ppt/slides/slide21.xml><?xml version="1.0" encoding="utf-8"?>
 <p:sld xmlns:a="http://schemas.openxmlformats.org/drawingml/2006/main" xmlns:r="http://schemas.openxmlformats.org/officeDocument/2006/relationships" xmlns:p="http://schemas.openxmlformats.org/presentationml/2006/main">
   <p:cSld>
     <p:spTree>
@@ -7394,7 +7515,7 @@
 </p:sld>
 </file>
 
-<file path=ppt/slides/slide21.xml><?xml version="1.0" encoding="utf-8"?>
+<file path=ppt/slides/slide22.xml><?xml version="1.0" encoding="utf-8"?>
 <p:sld xmlns:a="http://schemas.openxmlformats.org/drawingml/2006/main" xmlns:r="http://schemas.openxmlformats.org/officeDocument/2006/relationships" xmlns:p="http://schemas.openxmlformats.org/presentationml/2006/main">
   <p:cSld>
     <p:spTree>
@@ -7536,7 +7657,7 @@
 </p:sld>
 </file>
 
-<file path=ppt/slides/slide22.xml><?xml version="1.0" encoding="utf-8"?>
+<file path=ppt/slides/slide23.xml><?xml version="1.0" encoding="utf-8"?>
 <p:sld xmlns:a="http://schemas.openxmlformats.org/drawingml/2006/main" xmlns:r="http://schemas.openxmlformats.org/officeDocument/2006/relationships" xmlns:p="http://schemas.openxmlformats.org/presentationml/2006/main">
   <p:cSld>
     <p:spTree>
@@ -7678,7 +7799,7 @@
 </p:sld>
 </file>
 
-<file path=ppt/slides/slide23.xml><?xml version="1.0" encoding="utf-8"?>
+<file path=ppt/slides/slide24.xml><?xml version="1.0" encoding="utf-8"?>
 <p:sld xmlns:a="http://schemas.openxmlformats.org/drawingml/2006/main" xmlns:r="http://schemas.openxmlformats.org/officeDocument/2006/relationships" xmlns:p="http://schemas.openxmlformats.org/presentationml/2006/main">
   <p:cSld>
     <p:spTree>
@@ -7820,7 +7941,7 @@
 </p:sld>
 </file>
 
-<file path=ppt/slides/slide24.xml><?xml version="1.0" encoding="utf-8"?>
+<file path=ppt/slides/slide25.xml><?xml version="1.0" encoding="utf-8"?>
 <p:sld xmlns:a="http://schemas.openxmlformats.org/drawingml/2006/main" xmlns:r="http://schemas.openxmlformats.org/officeDocument/2006/relationships" xmlns:p="http://schemas.openxmlformats.org/presentationml/2006/main">
   <p:cSld>
     <p:spTree>
@@ -7962,7 +8083,7 @@
 </p:sld>
 </file>
 
-<file path=ppt/slides/slide25.xml><?xml version="1.0" encoding="utf-8"?>
+<file path=ppt/slides/slide26.xml><?xml version="1.0" encoding="utf-8"?>
 <p:sld xmlns:a="http://schemas.openxmlformats.org/drawingml/2006/main" xmlns:r="http://schemas.openxmlformats.org/officeDocument/2006/relationships" xmlns:p="http://schemas.openxmlformats.org/presentationml/2006/main">
   <p:cSld>
     <p:spTree>
@@ -8104,7 +8225,7 @@
 </p:sld>
 </file>
 
-<file path=ppt/slides/slide26.xml><?xml version="1.0" encoding="utf-8"?>
+<file path=ppt/slides/slide27.xml><?xml version="1.0" encoding="utf-8"?>
 <p:sld xmlns:a="http://schemas.openxmlformats.org/drawingml/2006/main" xmlns:r="http://schemas.openxmlformats.org/officeDocument/2006/relationships" xmlns:p="http://schemas.openxmlformats.org/presentationml/2006/main">
   <p:cSld>
     <p:spTree>
@@ -8230,7 +8351,7 @@
 </p:sld>
 </file>
 
-<file path=ppt/slides/slide27.xml><?xml version="1.0" encoding="utf-8"?>
+<file path=ppt/slides/slide28.xml><?xml version="1.0" encoding="utf-8"?>
 <p:sld xmlns:a="http://schemas.openxmlformats.org/drawingml/2006/main" xmlns:r="http://schemas.openxmlformats.org/officeDocument/2006/relationships" xmlns:p="http://schemas.openxmlformats.org/presentationml/2006/main">
   <p:cSld>
     <p:spTree>
@@ -8356,102 +8477,6 @@
 </p:sld>
 </file>
 
-<file path=ppt/slides/slide28.xml><?xml version="1.0" encoding="utf-8"?>
-<p:sld xmlns:a="http://schemas.openxmlformats.org/drawingml/2006/main" xmlns:r="http://schemas.openxmlformats.org/officeDocument/2006/relationships" xmlns:p="http://schemas.openxmlformats.org/presentationml/2006/main">
-  <p:cSld>
-    <p:spTree>
-      <p:nvGrpSpPr>
-        <p:cNvPr id="1" name=""/>
-        <p:cNvGrpSpPr/>
-        <p:nvPr/>
-      </p:nvGrpSpPr>
-      <p:grpSpPr>
-        <a:xfrm>
-          <a:off x="0" y="0"/>
-          <a:ext cx="0" cy="0"/>
-          <a:chOff x="0" y="0"/>
-          <a:chExt cx="0" cy="0"/>
-        </a:xfrm>
-      </p:grpSpPr>
-      <p:sp>
-        <p:nvSpPr>
-          <p:cNvPr id="4" name="Title 3"/>
-          <p:cNvSpPr>
-            <a:spLocks noGrp="1"/>
-          </p:cNvSpPr>
-          <p:nvPr>
-            <p:ph type="title"/>
-          </p:nvPr>
-        </p:nvSpPr>
-        <p:spPr/>
-        <p:txBody>
-          <a:bodyPr/>
-          <a:lstStyle/>
-          <a:p>
-            <a:r>
-              <a:rPr lang="en-US" dirty="0"/>
-              <a:t>Multiple Workflows</a:t>
-            </a:r>
-          </a:p>
-        </p:txBody>
-      </p:sp>
-      <p:sp>
-        <p:nvSpPr>
-          <p:cNvPr id="5" name="Content Placeholder 4"/>
-          <p:cNvSpPr>
-            <a:spLocks noGrp="1"/>
-          </p:cNvSpPr>
-          <p:nvPr>
-            <p:ph idx="1"/>
-          </p:nvPr>
-        </p:nvSpPr>
-        <p:spPr/>
-        <p:txBody>
-          <a:bodyPr/>
-          <a:lstStyle/>
-          <a:p>
-            <a:pPr marL="0" indent="0">
-              <a:buNone/>
-            </a:pPr>
-            <a:r>
-              <a:rPr lang="en-US" dirty="0"/>
-              <a:t>We have a workflow that we use, but it’s not the only one and because of how flexible Git is, we can (and often have to) adjust our workflow to solve problems that arise during the development process. You can lay as much or as little process on top of Git as you want. </a:t>
-            </a:r>
-          </a:p>
-        </p:txBody>
-      </p:sp>
-      <p:sp>
-        <p:nvSpPr>
-          <p:cNvPr id="6" name="Text Placeholder 5"/>
-          <p:cNvSpPr>
-            <a:spLocks noGrp="1"/>
-          </p:cNvSpPr>
-          <p:nvPr>
-            <p:ph type="body" sz="quarter" idx="11"/>
-          </p:nvPr>
-        </p:nvSpPr>
-        <p:spPr/>
-        <p:txBody>
-          <a:bodyPr/>
-          <a:lstStyle/>
-          <a:p>
-            <a:endParaRPr lang="en-US"/>
-          </a:p>
-        </p:txBody>
-      </p:sp>
-    </p:spTree>
-    <p:extLst>
-      <p:ext uri="{BB962C8B-B14F-4D97-AF65-F5344CB8AC3E}">
-        <p14:creationId xmlns:p14="http://schemas.microsoft.com/office/powerpoint/2010/main" val="3191693923"/>
-      </p:ext>
-    </p:extLst>
-  </p:cSld>
-  <p:clrMapOvr>
-    <a:masterClrMapping/>
-  </p:clrMapOvr>
-</p:sld>
-</file>
-
 <file path=ppt/slides/slide29.xml><?xml version="1.0" encoding="utf-8"?>
 <p:sld xmlns:a="http://schemas.openxmlformats.org/drawingml/2006/main" xmlns:r="http://schemas.openxmlformats.org/officeDocument/2006/relationships" xmlns:p="http://schemas.openxmlformats.org/presentationml/2006/main">
   <p:cSld>
@@ -8486,7 +8511,7 @@
           <a:p>
             <a:r>
               <a:rPr lang="en-US" dirty="0"/>
-              <a:t>About GitHub</a:t>
+              <a:t>Multiple Workflows</a:t>
             </a:r>
           </a:p>
         </p:txBody>
@@ -8511,16 +8536,7 @@
             </a:pPr>
             <a:r>
               <a:rPr lang="en-US" dirty="0"/>
-              <a:t>GitHub is not Git. Git is not GitHub. Git was created in 2005 by Linux Torvalds to aid in development of the Linux kernel. GitHub, the commercial enterprise, was founded in 2007 and has since built a sprawling ecosystem on top of Git. It is the home to most of the world's largest open source projects. It provides a number of very powerful tools built on top of Git to help with software development.</a:t>
-            </a:r>
-          </a:p>
-          <a:p>
-            <a:pPr marL="0" indent="0">
-              <a:buNone/>
-            </a:pPr>
-            <a:r>
-              <a:rPr lang="en-US" dirty="0"/>
-              <a:t>For our purposes, this means things like Pull Requests, Code Reviews and GitHub Actions (near future)</a:t>
+              <a:t>We have a workflow that we use, but it’s not the only one and because of how flexible Git is, we can (and often have to) adjust our workflow to solve problems that arise during the development process. You can lay as much or as little process on top of Git as you want. </a:t>
             </a:r>
           </a:p>
         </p:txBody>
@@ -8547,7 +8563,7 @@
     </p:spTree>
     <p:extLst>
       <p:ext uri="{BB962C8B-B14F-4D97-AF65-F5344CB8AC3E}">
-        <p14:creationId xmlns:p14="http://schemas.microsoft.com/office/powerpoint/2010/main" val="2005800389"/>
+        <p14:creationId xmlns:p14="http://schemas.microsoft.com/office/powerpoint/2010/main" val="3191693923"/>
       </p:ext>
     </p:extLst>
   </p:cSld>
@@ -8687,7 +8703,7 @@
           <a:p>
             <a:r>
               <a:rPr lang="en-US" dirty="0"/>
-              <a:t>Our Workflow</a:t>
+              <a:t>About GitHub</a:t>
             </a:r>
           </a:p>
         </p:txBody>
@@ -8712,7 +8728,16 @@
             </a:pPr>
             <a:r>
               <a:rPr lang="en-US" dirty="0"/>
-              <a:t>Once you've gotten an issue assigned to you or pulled an issue out of the backlog, it's time to work on your task. The Git process for that is in the following slides</a:t>
+              <a:t>GitHub is not Git. Git is not GitHub. Git was created in 2005 by Linux Torvalds to aid in development of the Linux kernel. GitHub, the commercial enterprise, was founded in 2007 and has since built a sprawling ecosystem on top of Git. It is the home to most of the world's largest open source projects. It provides a number of very powerful tools built on top of Git to help with software development.</a:t>
+            </a:r>
+          </a:p>
+          <a:p>
+            <a:pPr marL="0" indent="0">
+              <a:buNone/>
+            </a:pPr>
+            <a:r>
+              <a:rPr lang="en-US" dirty="0"/>
+              <a:t>For our purposes, this means things like Pull Requests, Code Reviews and GitHub Actions (near future)</a:t>
             </a:r>
           </a:p>
         </p:txBody>
@@ -8739,7 +8764,7 @@
     </p:spTree>
     <p:extLst>
       <p:ext uri="{BB962C8B-B14F-4D97-AF65-F5344CB8AC3E}">
-        <p14:creationId xmlns:p14="http://schemas.microsoft.com/office/powerpoint/2010/main" val="4151070049"/>
+        <p14:creationId xmlns:p14="http://schemas.microsoft.com/office/powerpoint/2010/main" val="2005800389"/>
       </p:ext>
     </p:extLst>
   </p:cSld>
@@ -8788,35 +8813,31 @@
           </a:p>
         </p:txBody>
       </p:sp>
-      <p:pic>
-        <p:nvPicPr>
-          <p:cNvPr id="2" name="Content Placeholder 1"/>
-          <p:cNvPicPr>
-            <a:picLocks noGrp="1" noChangeAspect="1"/>
-          </p:cNvPicPr>
+      <p:sp>
+        <p:nvSpPr>
+          <p:cNvPr id="5" name="Content Placeholder 4"/>
+          <p:cNvSpPr>
+            <a:spLocks noGrp="1"/>
+          </p:cNvSpPr>
           <p:nvPr>
             <p:ph idx="1"/>
           </p:nvPr>
-        </p:nvPicPr>
-        <p:blipFill>
-          <a:blip r:embed="rId2" cstate="print">
-            <a:extLst>
-              <a:ext uri="{28A0092B-C50C-407E-A947-70E740481C1C}">
-                <a14:useLocalDpi xmlns:a14="http://schemas.microsoft.com/office/drawing/2010/main" val="0"/>
-              </a:ext>
-            </a:extLst>
-          </a:blip>
-          <a:stretch>
-            <a:fillRect/>
-          </a:stretch>
-        </p:blipFill>
-        <p:spPr>
-          <a:xfrm>
-            <a:off x="609600" y="1082021"/>
-            <a:ext cx="2971943" cy="4576377"/>
-          </a:xfrm>
-        </p:spPr>
-      </p:pic>
+        </p:nvSpPr>
+        <p:spPr/>
+        <p:txBody>
+          <a:bodyPr/>
+          <a:lstStyle/>
+          <a:p>
+            <a:pPr marL="0" indent="0">
+              <a:buNone/>
+            </a:pPr>
+            <a:r>
+              <a:rPr lang="en-US" dirty="0"/>
+              <a:t>Once you've gotten an issue assigned to you or pulled an issue out of the backlog, it's time to work on your task. The Git process for that is in the following slides</a:t>
+            </a:r>
+          </a:p>
+        </p:txBody>
+      </p:sp>
       <p:sp>
         <p:nvSpPr>
           <p:cNvPr id="6" name="Text Placeholder 5"/>
@@ -8832,48 +8853,14 @@
           <a:bodyPr/>
           <a:lstStyle/>
           <a:p>
-            <a:endParaRPr lang="en-US" dirty="0"/>
-          </a:p>
-        </p:txBody>
-      </p:sp>
-      <p:sp>
-        <p:nvSpPr>
-          <p:cNvPr id="3" name="Rectangle 2"/>
-          <p:cNvSpPr/>
-          <p:nvPr/>
-        </p:nvSpPr>
-        <p:spPr>
-          <a:xfrm>
-            <a:off x="3581543" y="1082021"/>
-            <a:ext cx="6096000" cy="923330"/>
-          </a:xfrm>
-          <a:prstGeom prst="rect">
-            <a:avLst/>
-          </a:prstGeom>
-        </p:spPr>
-        <p:txBody>
-          <a:bodyPr>
-            <a:spAutoFit/>
-          </a:bodyPr>
-          <a:lstStyle/>
-          <a:p>
-            <a:r>
-              <a:rPr lang="en-US" dirty="0">
-                <a:hlinkClick r:id="rId3"/>
-              </a:rPr>
-              <a:t>https://eatonvance.atlassian.net/wiki/spaces/SHER/pages/834699276/Feature+Workflow</a:t>
-            </a:r>
-            <a:endParaRPr lang="en-US" dirty="0"/>
-          </a:p>
-          <a:p>
-            <a:endParaRPr lang="en-US" dirty="0"/>
+            <a:endParaRPr lang="en-US"/>
           </a:p>
         </p:txBody>
       </p:sp>
     </p:spTree>
     <p:extLst>
       <p:ext uri="{BB962C8B-B14F-4D97-AF65-F5344CB8AC3E}">
-        <p14:creationId xmlns:p14="http://schemas.microsoft.com/office/powerpoint/2010/main" val="2945022893"/>
+        <p14:creationId xmlns:p14="http://schemas.microsoft.com/office/powerpoint/2010/main" val="4151070049"/>
       </p:ext>
     </p:extLst>
   </p:cSld>
@@ -8922,162 +8909,92 @@
           </a:p>
         </p:txBody>
       </p:sp>
-      <p:sp>
-        <p:nvSpPr>
-          <p:cNvPr id="5" name="Content Placeholder 4"/>
-          <p:cNvSpPr>
-            <a:spLocks noGrp="1"/>
-          </p:cNvSpPr>
+      <p:pic>
+        <p:nvPicPr>
+          <p:cNvPr id="2" name="Content Placeholder 1"/>
+          <p:cNvPicPr>
+            <a:picLocks noGrp="1" noChangeAspect="1"/>
+          </p:cNvPicPr>
           <p:nvPr>
             <p:ph idx="1"/>
           </p:nvPr>
-        </p:nvSpPr>
-        <p:spPr/>
-        <p:txBody>
-          <a:bodyPr/>
-          <a:lstStyle/>
-          <a:p>
-            <a:pPr marL="0" indent="0">
-              <a:buNone/>
-            </a:pPr>
-            <a:r>
-              <a:rPr lang="en-US" dirty="0"/>
-              <a:t>If you’ve never done this before, check to make sure your local repository is in a clean state. This example was run from Development, but you might be in another branch and you want to make sure you’re in a clean state</a:t>
-            </a:r>
-          </a:p>
-          <a:p>
-            <a:pPr marL="0" indent="0">
-              <a:buNone/>
-            </a:pPr>
+        </p:nvPicPr>
+        <p:blipFill>
+          <a:blip r:embed="rId2" cstate="print">
+            <a:extLst>
+              <a:ext uri="{28A0092B-C50C-407E-A947-70E740481C1C}">
+                <a14:useLocalDpi xmlns:a14="http://schemas.microsoft.com/office/drawing/2010/main" val="0"/>
+              </a:ext>
+            </a:extLst>
+          </a:blip>
+          <a:stretch>
+            <a:fillRect/>
+          </a:stretch>
+        </p:blipFill>
+        <p:spPr>
+          <a:xfrm>
+            <a:off x="609600" y="1082021"/>
+            <a:ext cx="2971943" cy="4576377"/>
+          </a:xfrm>
+        </p:spPr>
+      </p:pic>
+      <p:sp>
+        <p:nvSpPr>
+          <p:cNvPr id="6" name="Text Placeholder 5"/>
+          <p:cNvSpPr>
+            <a:spLocks noGrp="1"/>
+          </p:cNvSpPr>
+          <p:nvPr>
+            <p:ph type="body" sz="quarter" idx="11"/>
+          </p:nvPr>
+        </p:nvSpPr>
+        <p:spPr/>
+        <p:txBody>
+          <a:bodyPr/>
+          <a:lstStyle/>
+          <a:p>
             <a:endParaRPr lang="en-US" dirty="0"/>
           </a:p>
-          <a:p>
-            <a:pPr marL="0" indent="0">
-              <a:buNone/>
-            </a:pPr>
+        </p:txBody>
+      </p:sp>
+      <p:sp>
+        <p:nvSpPr>
+          <p:cNvPr id="3" name="Rectangle 2"/>
+          <p:cNvSpPr/>
+          <p:nvPr/>
+        </p:nvSpPr>
+        <p:spPr>
+          <a:xfrm>
+            <a:off x="3581543" y="1082021"/>
+            <a:ext cx="6096000" cy="923330"/>
+          </a:xfrm>
+          <a:prstGeom prst="rect">
+            <a:avLst/>
+          </a:prstGeom>
+        </p:spPr>
+        <p:txBody>
+          <a:bodyPr>
+            <a:spAutoFit/>
+          </a:bodyPr>
+          <a:lstStyle/>
+          <a:p>
             <a:r>
               <a:rPr lang="en-US" dirty="0">
-                <a:latin typeface="Consolas" panose="020B0609020204030204" pitchFamily="49" charset="0"/>
+                <a:hlinkClick r:id="rId3"/>
               </a:rPr>
-              <a:t>rlarsen@RLARSEN1 MINGW64 ~/</a:t>
-            </a:r>
-            <a:r>
-              <a:rPr lang="en-US" dirty="0" err="1">
-                <a:latin typeface="Consolas" panose="020B0609020204030204" pitchFamily="49" charset="0"/>
-              </a:rPr>
-              <a:t>sherpa</a:t>
-            </a:r>
-            <a:r>
-              <a:rPr lang="en-US" dirty="0">
-                <a:latin typeface="Consolas" panose="020B0609020204030204" pitchFamily="49" charset="0"/>
-              </a:rPr>
-              <a:t>-enterprise-data-</a:t>
-            </a:r>
-            <a:r>
-              <a:rPr lang="en-US" dirty="0" err="1">
-                <a:latin typeface="Consolas" panose="020B0609020204030204" pitchFamily="49" charset="0"/>
-              </a:rPr>
-              <a:t>ui</a:t>
-            </a:r>
-            <a:r>
-              <a:rPr lang="en-US" dirty="0">
-                <a:latin typeface="Consolas" panose="020B0609020204030204" pitchFamily="49" charset="0"/>
-              </a:rPr>
-              <a:t> (Development)      </a:t>
-            </a:r>
-          </a:p>
-          <a:p>
-            <a:pPr marL="0" indent="0">
-              <a:buNone/>
-            </a:pPr>
-            <a:r>
-              <a:rPr lang="en-US" dirty="0">
-                <a:latin typeface="Consolas" panose="020B0609020204030204" pitchFamily="49" charset="0"/>
-              </a:rPr>
-              <a:t>$ </a:t>
-            </a:r>
-            <a:r>
-              <a:rPr lang="en-US" dirty="0" err="1">
-                <a:latin typeface="Consolas" panose="020B0609020204030204" pitchFamily="49" charset="0"/>
-              </a:rPr>
-              <a:t>git</a:t>
-            </a:r>
-            <a:r>
-              <a:rPr lang="en-US" dirty="0">
-                <a:latin typeface="Consolas" panose="020B0609020204030204" pitchFamily="49" charset="0"/>
-              </a:rPr>
-              <a:t> status                                                                    </a:t>
-            </a:r>
-          </a:p>
-          <a:p>
-            <a:pPr marL="0" indent="0">
-              <a:buNone/>
-            </a:pPr>
-            <a:r>
-              <a:rPr lang="en-US" dirty="0">
-                <a:latin typeface="Consolas" panose="020B0609020204030204" pitchFamily="49" charset="0"/>
-              </a:rPr>
-              <a:t>On branch Development                                                           </a:t>
-            </a:r>
-          </a:p>
-          <a:p>
-            <a:pPr marL="0" indent="0">
-              <a:buNone/>
-            </a:pPr>
-            <a:r>
-              <a:rPr lang="en-US" dirty="0">
-                <a:latin typeface="Consolas" panose="020B0609020204030204" pitchFamily="49" charset="0"/>
-              </a:rPr>
-              <a:t>Your branch is up to date with 'origin/Development'.                            </a:t>
-            </a:r>
-          </a:p>
-          <a:p>
-            <a:pPr marL="0" indent="0">
-              <a:buNone/>
-            </a:pPr>
-            <a:r>
-              <a:rPr lang="en-US" dirty="0">
-                <a:latin typeface="Consolas" panose="020B0609020204030204" pitchFamily="49" charset="0"/>
-              </a:rPr>
-              <a:t>                                                                                </a:t>
-            </a:r>
-          </a:p>
-          <a:p>
-            <a:pPr marL="0" indent="0">
-              <a:buNone/>
-            </a:pPr>
-            <a:r>
-              <a:rPr lang="en-US" dirty="0">
-                <a:latin typeface="Consolas" panose="020B0609020204030204" pitchFamily="49" charset="0"/>
-              </a:rPr>
-              <a:t>nothing to commit, working tree clean </a:t>
-            </a:r>
-          </a:p>
-        </p:txBody>
-      </p:sp>
-      <p:sp>
-        <p:nvSpPr>
-          <p:cNvPr id="6" name="Text Placeholder 5"/>
-          <p:cNvSpPr>
-            <a:spLocks noGrp="1"/>
-          </p:cNvSpPr>
-          <p:nvPr>
-            <p:ph type="body" sz="quarter" idx="11"/>
-          </p:nvPr>
-        </p:nvSpPr>
-        <p:spPr/>
-        <p:txBody>
-          <a:bodyPr/>
-          <a:lstStyle/>
-          <a:p>
-            <a:endParaRPr lang="en-US"/>
+              <a:t>https://eatonvance.atlassian.net/wiki/spaces/SHER/pages/834699276/Feature+Workflow</a:t>
+            </a:r>
+            <a:endParaRPr lang="en-US" dirty="0"/>
+          </a:p>
+          <a:p>
+            <a:endParaRPr lang="en-US" dirty="0"/>
           </a:p>
         </p:txBody>
       </p:sp>
     </p:spTree>
     <p:extLst>
       <p:ext uri="{BB962C8B-B14F-4D97-AF65-F5344CB8AC3E}">
-        <p14:creationId xmlns:p14="http://schemas.microsoft.com/office/powerpoint/2010/main" val="4194661398"/>
+        <p14:creationId xmlns:p14="http://schemas.microsoft.com/office/powerpoint/2010/main" val="2945022893"/>
       </p:ext>
     </p:extLst>
   </p:cSld>
@@ -9146,16 +9063,7 @@
             </a:pPr>
             <a:r>
               <a:rPr lang="en-US" dirty="0"/>
-              <a:t>If your working tree is clean, then go onto the next step. If it’s not either Git stash your changes or commit them to your branch.</a:t>
-            </a:r>
-          </a:p>
-          <a:p>
-            <a:pPr marL="0" indent="0">
-              <a:buNone/>
-            </a:pPr>
-            <a:r>
-              <a:rPr lang="en-US" dirty="0"/>
-              <a:t>To get started, run:</a:t>
+              <a:t>If you’ve never done this before, check to make sure your local repository is in a clean state. This example was run from Development, but you might be in another branch and you want to make sure you’re in a clean state</a:t>
             </a:r>
           </a:p>
           <a:p>
@@ -9168,6 +9076,47 @@
             <a:pPr marL="0" indent="0">
               <a:buNone/>
             </a:pPr>
+            <a:r>
+              <a:rPr lang="en-US" dirty="0">
+                <a:latin typeface="Consolas" panose="020B0609020204030204" pitchFamily="49" charset="0"/>
+              </a:rPr>
+              <a:t>rlarsen@RLARSEN1 MINGW64 ~/</a:t>
+            </a:r>
+            <a:r>
+              <a:rPr lang="en-US" dirty="0" err="1">
+                <a:latin typeface="Consolas" panose="020B0609020204030204" pitchFamily="49" charset="0"/>
+              </a:rPr>
+              <a:t>sherpa</a:t>
+            </a:r>
+            <a:r>
+              <a:rPr lang="en-US" dirty="0">
+                <a:latin typeface="Consolas" panose="020B0609020204030204" pitchFamily="49" charset="0"/>
+              </a:rPr>
+              <a:t>-enterprise-data-</a:t>
+            </a:r>
+            <a:r>
+              <a:rPr lang="en-US" dirty="0" err="1">
+                <a:latin typeface="Consolas" panose="020B0609020204030204" pitchFamily="49" charset="0"/>
+              </a:rPr>
+              <a:t>ui</a:t>
+            </a:r>
+            <a:r>
+              <a:rPr lang="en-US" dirty="0">
+                <a:latin typeface="Consolas" panose="020B0609020204030204" pitchFamily="49" charset="0"/>
+              </a:rPr>
+              <a:t> (Development)      </a:t>
+            </a:r>
+          </a:p>
+          <a:p>
+            <a:pPr marL="0" indent="0">
+              <a:buNone/>
+            </a:pPr>
+            <a:r>
+              <a:rPr lang="en-US" dirty="0">
+                <a:latin typeface="Consolas" panose="020B0609020204030204" pitchFamily="49" charset="0"/>
+              </a:rPr>
+              <a:t>$ </a:t>
+            </a:r>
             <a:r>
               <a:rPr lang="en-US" dirty="0" err="1">
                 <a:latin typeface="Consolas" panose="020B0609020204030204" pitchFamily="49" charset="0"/>
@@ -9178,81 +9127,52 @@
               <a:rPr lang="en-US" dirty="0">
                 <a:latin typeface="Consolas" panose="020B0609020204030204" pitchFamily="49" charset="0"/>
               </a:rPr>
-              <a:t> checkout Development</a:t>
-            </a:r>
-          </a:p>
-          <a:p>
-            <a:pPr marL="0" indent="0">
-              <a:buNone/>
-            </a:pPr>
-            <a:r>
-              <a:rPr lang="en-US" dirty="0" err="1">
-                <a:latin typeface="Consolas" panose="020B0609020204030204" pitchFamily="49" charset="0"/>
-              </a:rPr>
-              <a:t>git</a:t>
-            </a:r>
+              <a:t> status                                                                    </a:t>
+            </a:r>
+          </a:p>
+          <a:p>
+            <a:pPr marL="0" indent="0">
+              <a:buNone/>
+            </a:pPr>
             <a:r>
               <a:rPr lang="en-US" dirty="0">
                 <a:latin typeface="Consolas" panose="020B0609020204030204" pitchFamily="49" charset="0"/>
               </a:rPr>
-              <a:t> pull</a:t>
-            </a:r>
-          </a:p>
-          <a:p>
-            <a:pPr marL="0" indent="0">
-              <a:buNone/>
-            </a:pPr>
-            <a:r>
-              <a:rPr lang="en-US" dirty="0" err="1">
-                <a:latin typeface="Consolas" panose="020B0609020204030204" pitchFamily="49" charset="0"/>
-              </a:rPr>
-              <a:t>git</a:t>
-            </a:r>
+              <a:t>On branch Development                                                           </a:t>
+            </a:r>
+          </a:p>
+          <a:p>
+            <a:pPr marL="0" indent="0">
+              <a:buNone/>
+            </a:pPr>
             <a:r>
               <a:rPr lang="en-US" dirty="0">
                 <a:latin typeface="Consolas" panose="020B0609020204030204" pitchFamily="49" charset="0"/>
               </a:rPr>
-              <a:t> checkout -b [branch name from options below]</a:t>
-            </a:r>
-          </a:p>
-          <a:p>
-            <a:pPr marL="0" indent="0">
-              <a:buNone/>
-            </a:pPr>
-            <a:endParaRPr lang="en-US" dirty="0"/>
-          </a:p>
-          <a:p>
-            <a:pPr marL="285750" indent="-285750"/>
-            <a:r>
-              <a:rPr lang="en-US" dirty="0"/>
-              <a:t>bug/[JIRA Issue Name]</a:t>
-            </a:r>
-          </a:p>
-          <a:p>
-            <a:pPr marL="285750" indent="-285750"/>
-            <a:r>
-              <a:rPr lang="en-US" dirty="0"/>
-              <a:t>feature/[JIRA Issue Name]</a:t>
-            </a:r>
-          </a:p>
-          <a:p>
-            <a:pPr marL="285750" indent="-285750"/>
-            <a:r>
-              <a:rPr lang="en-US" dirty="0"/>
-              <a:t>[other]/[description of work] Used for refactoring, net new features, etc.</a:t>
-            </a:r>
-          </a:p>
-          <a:p>
-            <a:pPr marL="0" indent="0">
-              <a:buNone/>
-            </a:pPr>
-            <a:endParaRPr lang="en-US" dirty="0"/>
-          </a:p>
-          <a:p>
-            <a:pPr marL="0" indent="0">
-              <a:buNone/>
-            </a:pPr>
-            <a:endParaRPr lang="en-US" dirty="0"/>
+              <a:t>Your branch is up to date with 'origin/Development'.                            </a:t>
+            </a:r>
+          </a:p>
+          <a:p>
+            <a:pPr marL="0" indent="0">
+              <a:buNone/>
+            </a:pPr>
+            <a:r>
+              <a:rPr lang="en-US" dirty="0">
+                <a:latin typeface="Consolas" panose="020B0609020204030204" pitchFamily="49" charset="0"/>
+              </a:rPr>
+              <a:t>                                                                                </a:t>
+            </a:r>
+          </a:p>
+          <a:p>
+            <a:pPr marL="0" indent="0">
+              <a:buNone/>
+            </a:pPr>
+            <a:r>
+              <a:rPr lang="en-US" dirty="0">
+                <a:latin typeface="Consolas" panose="020B0609020204030204" pitchFamily="49" charset="0"/>
+              </a:rPr>
+              <a:t>nothing to commit, working tree clean </a:t>
+            </a:r>
           </a:p>
         </p:txBody>
       </p:sp>
@@ -9278,7 +9198,7 @@
     </p:spTree>
     <p:extLst>
       <p:ext uri="{BB962C8B-B14F-4D97-AF65-F5344CB8AC3E}">
-        <p14:creationId xmlns:p14="http://schemas.microsoft.com/office/powerpoint/2010/main" val="3336633769"/>
+        <p14:creationId xmlns:p14="http://schemas.microsoft.com/office/powerpoint/2010/main" val="4194661398"/>
       </p:ext>
     </p:extLst>
   </p:cSld>
@@ -9347,8 +9267,113 @@
             </a:pPr>
             <a:r>
               <a:rPr lang="en-US" dirty="0"/>
-              <a:t>As you work on your task, be sure to pull in the latest changes from Development often and push your code to your branch often. Because we will squash your commits in the pull request process, there's no real penalty for committing early and often.</a:t>
-            </a:r>
+              <a:t>If your working tree is clean, then go onto the next step. If it’s not either Git stash your changes or commit them to your branch.</a:t>
+            </a:r>
+          </a:p>
+          <a:p>
+            <a:pPr marL="0" indent="0">
+              <a:buNone/>
+            </a:pPr>
+            <a:r>
+              <a:rPr lang="en-US" dirty="0"/>
+              <a:t>To get started, run:</a:t>
+            </a:r>
+          </a:p>
+          <a:p>
+            <a:pPr marL="0" indent="0">
+              <a:buNone/>
+            </a:pPr>
+            <a:endParaRPr lang="en-US" dirty="0"/>
+          </a:p>
+          <a:p>
+            <a:pPr marL="0" indent="0">
+              <a:buNone/>
+            </a:pPr>
+            <a:r>
+              <a:rPr lang="en-US" dirty="0" err="1">
+                <a:latin typeface="Consolas" panose="020B0609020204030204" pitchFamily="49" charset="0"/>
+              </a:rPr>
+              <a:t>git</a:t>
+            </a:r>
+            <a:r>
+              <a:rPr lang="en-US" dirty="0">
+                <a:latin typeface="Consolas" panose="020B0609020204030204" pitchFamily="49" charset="0"/>
+              </a:rPr>
+              <a:t> checkout Development</a:t>
+            </a:r>
+          </a:p>
+          <a:p>
+            <a:pPr marL="0" indent="0">
+              <a:buNone/>
+            </a:pPr>
+            <a:r>
+              <a:rPr lang="en-US" dirty="0" err="1">
+                <a:latin typeface="Consolas" panose="020B0609020204030204" pitchFamily="49" charset="0"/>
+              </a:rPr>
+              <a:t>git</a:t>
+            </a:r>
+            <a:r>
+              <a:rPr lang="en-US" dirty="0">
+                <a:latin typeface="Consolas" panose="020B0609020204030204" pitchFamily="49" charset="0"/>
+              </a:rPr>
+              <a:t> pull</a:t>
+            </a:r>
+          </a:p>
+          <a:p>
+            <a:pPr marL="0" indent="0">
+              <a:buNone/>
+            </a:pPr>
+            <a:r>
+              <a:rPr lang="en-US" dirty="0" err="1">
+                <a:latin typeface="Consolas" panose="020B0609020204030204" pitchFamily="49" charset="0"/>
+              </a:rPr>
+              <a:t>git</a:t>
+            </a:r>
+            <a:r>
+              <a:rPr lang="en-US" dirty="0">
+                <a:latin typeface="Consolas" panose="020B0609020204030204" pitchFamily="49" charset="0"/>
+              </a:rPr>
+              <a:t> checkout -b [branch name from options below]</a:t>
+            </a:r>
+          </a:p>
+          <a:p>
+            <a:pPr marL="0" indent="0">
+              <a:buNone/>
+            </a:pPr>
+            <a:endParaRPr lang="en-US" dirty="0"/>
+          </a:p>
+          <a:p>
+            <a:pPr marL="285750" indent="-285750"/>
+            <a:r>
+              <a:rPr lang="en-US" dirty="0"/>
+              <a:t>bug/[JIRA Issue Name]</a:t>
+            </a:r>
+          </a:p>
+          <a:p>
+            <a:pPr marL="285750" indent="-285750"/>
+            <a:r>
+              <a:rPr lang="en-US" dirty="0"/>
+              <a:t>feature/[JIRA Issue Name]</a:t>
+            </a:r>
+          </a:p>
+          <a:p>
+            <a:pPr marL="285750" indent="-285750"/>
+            <a:r>
+              <a:rPr lang="en-US" dirty="0"/>
+              <a:t>[other]/[description of work] Used for refactoring, net new features, etc.</a:t>
+            </a:r>
+          </a:p>
+          <a:p>
+            <a:pPr marL="0" indent="0">
+              <a:buNone/>
+            </a:pPr>
+            <a:endParaRPr lang="en-US" dirty="0"/>
+          </a:p>
+          <a:p>
+            <a:pPr marL="0" indent="0">
+              <a:buNone/>
+            </a:pPr>
+            <a:endParaRPr lang="en-US" dirty="0"/>
           </a:p>
         </p:txBody>
       </p:sp>
@@ -9367,14 +9392,14 @@
           <a:bodyPr/>
           <a:lstStyle/>
           <a:p>
-            <a:endParaRPr lang="en-US" dirty="0"/>
+            <a:endParaRPr lang="en-US"/>
           </a:p>
         </p:txBody>
       </p:sp>
     </p:spTree>
     <p:extLst>
       <p:ext uri="{BB962C8B-B14F-4D97-AF65-F5344CB8AC3E}">
-        <p14:creationId xmlns:p14="http://schemas.microsoft.com/office/powerpoint/2010/main" val="1919543426"/>
+        <p14:creationId xmlns:p14="http://schemas.microsoft.com/office/powerpoint/2010/main" val="3336633769"/>
       </p:ext>
     </p:extLst>
   </p:cSld>
@@ -9403,7 +9428,7 @@
       </p:grpSpPr>
       <p:sp>
         <p:nvSpPr>
-          <p:cNvPr id="2" name="Title 1"/>
+          <p:cNvPr id="4" name="Title 3"/>
           <p:cNvSpPr>
             <a:spLocks noGrp="1"/>
           </p:cNvSpPr>
@@ -9425,7 +9450,7 @@
       </p:sp>
       <p:sp>
         <p:nvSpPr>
-          <p:cNvPr id="3" name="Content Placeholder 2"/>
+          <p:cNvPr id="5" name="Content Placeholder 4"/>
           <p:cNvSpPr>
             <a:spLocks noGrp="1"/>
           </p:cNvSpPr>
@@ -9443,100 +9468,34 @@
             </a:pPr>
             <a:r>
               <a:rPr lang="en-US" dirty="0"/>
-              <a:t>Working with Pull Requests</a:t>
-            </a:r>
-          </a:p>
-          <a:p>
-            <a:pPr marL="0" indent="0">
-              <a:buNone/>
-            </a:pPr>
-            <a:r>
-              <a:rPr lang="en-US" dirty="0"/>
-              <a:t>As soon as you have complete some work, commit your code and push your branch to GitHub. If your branch is called bug/SHERPA-1999 you would run the following commands:</a:t>
-            </a:r>
-          </a:p>
-          <a:p>
-            <a:pPr marL="0" indent="0">
-              <a:buNone/>
-            </a:pPr>
+              <a:t>As you work on your task, be sure to pull in the latest changes from Development often and push your code to your branch often. Because we will squash your commits in the pull request process, there's no real penalty for committing early and often.</a:t>
+            </a:r>
+          </a:p>
+        </p:txBody>
+      </p:sp>
+      <p:sp>
+        <p:nvSpPr>
+          <p:cNvPr id="6" name="Text Placeholder 5"/>
+          <p:cNvSpPr>
+            <a:spLocks noGrp="1"/>
+          </p:cNvSpPr>
+          <p:nvPr>
+            <p:ph type="body" sz="quarter" idx="11"/>
+          </p:nvPr>
+        </p:nvSpPr>
+        <p:spPr/>
+        <p:txBody>
+          <a:bodyPr/>
+          <a:lstStyle/>
+          <a:p>
             <a:endParaRPr lang="en-US" dirty="0"/>
-          </a:p>
-          <a:p>
-            <a:pPr marL="0" indent="0">
-              <a:buNone/>
-            </a:pPr>
-            <a:r>
-              <a:rPr lang="en-US" dirty="0" err="1">
-                <a:latin typeface="Consolas" panose="020B0609020204030204" pitchFamily="49" charset="0"/>
-              </a:rPr>
-              <a:t>git</a:t>
-            </a:r>
-            <a:r>
-              <a:rPr lang="en-US" dirty="0">
-                <a:latin typeface="Consolas" panose="020B0609020204030204" pitchFamily="49" charset="0"/>
-              </a:rPr>
-              <a:t> add .</a:t>
-            </a:r>
-          </a:p>
-          <a:p>
-            <a:pPr marL="0" indent="0">
-              <a:buNone/>
-            </a:pPr>
-            <a:r>
-              <a:rPr lang="en-US" dirty="0" err="1">
-                <a:latin typeface="Consolas" panose="020B0609020204030204" pitchFamily="49" charset="0"/>
-              </a:rPr>
-              <a:t>git</a:t>
-            </a:r>
-            <a:r>
-              <a:rPr lang="en-US" dirty="0">
-                <a:latin typeface="Consolas" panose="020B0609020204030204" pitchFamily="49" charset="0"/>
-              </a:rPr>
-              <a:t> commit -m "these are my changes"</a:t>
-            </a:r>
-          </a:p>
-          <a:p>
-            <a:pPr marL="0" indent="0">
-              <a:buNone/>
-            </a:pPr>
-            <a:r>
-              <a:rPr lang="en-US" dirty="0" err="1">
-                <a:latin typeface="Consolas" panose="020B0609020204030204" pitchFamily="49" charset="0"/>
-              </a:rPr>
-              <a:t>git</a:t>
-            </a:r>
-            <a:r>
-              <a:rPr lang="en-US" dirty="0">
-                <a:latin typeface="Consolas" panose="020B0609020204030204" pitchFamily="49" charset="0"/>
-              </a:rPr>
-              <a:t> push --set-upstream origin bug/SHERPA-1999</a:t>
-            </a:r>
-          </a:p>
-        </p:txBody>
-      </p:sp>
-      <p:sp>
-        <p:nvSpPr>
-          <p:cNvPr id="4" name="Text Placeholder 3"/>
-          <p:cNvSpPr>
-            <a:spLocks noGrp="1"/>
-          </p:cNvSpPr>
-          <p:nvPr>
-            <p:ph type="body" sz="quarter" idx="11"/>
-          </p:nvPr>
-        </p:nvSpPr>
-        <p:spPr/>
-        <p:txBody>
-          <a:bodyPr/>
-          <a:lstStyle/>
-          <a:p>
-            <a:endParaRPr lang="en-US"/>
           </a:p>
         </p:txBody>
       </p:sp>
     </p:spTree>
     <p:extLst>
       <p:ext uri="{BB962C8B-B14F-4D97-AF65-F5344CB8AC3E}">
-        <p14:creationId xmlns:p14="http://schemas.microsoft.com/office/powerpoint/2010/main" val="2108417135"/>
+        <p14:creationId xmlns:p14="http://schemas.microsoft.com/office/powerpoint/2010/main" val="1919543426"/>
       </p:ext>
     </p:extLst>
   </p:cSld>
@@ -9605,6 +9564,168 @@
             </a:pPr>
             <a:r>
               <a:rPr lang="en-US" dirty="0"/>
+              <a:t>Working with Pull Requests</a:t>
+            </a:r>
+          </a:p>
+          <a:p>
+            <a:pPr marL="0" indent="0">
+              <a:buNone/>
+            </a:pPr>
+            <a:r>
+              <a:rPr lang="en-US" dirty="0"/>
+              <a:t>As soon as you have complete some work, commit your code and push your branch to GitHub. If your branch is called bug/SHERPA-1999 you would run the following commands:</a:t>
+            </a:r>
+          </a:p>
+          <a:p>
+            <a:pPr marL="0" indent="0">
+              <a:buNone/>
+            </a:pPr>
+            <a:endParaRPr lang="en-US" dirty="0"/>
+          </a:p>
+          <a:p>
+            <a:pPr marL="0" indent="0">
+              <a:buNone/>
+            </a:pPr>
+            <a:r>
+              <a:rPr lang="en-US" dirty="0" err="1">
+                <a:latin typeface="Consolas" panose="020B0609020204030204" pitchFamily="49" charset="0"/>
+              </a:rPr>
+              <a:t>git</a:t>
+            </a:r>
+            <a:r>
+              <a:rPr lang="en-US" dirty="0">
+                <a:latin typeface="Consolas" panose="020B0609020204030204" pitchFamily="49" charset="0"/>
+              </a:rPr>
+              <a:t> add .</a:t>
+            </a:r>
+          </a:p>
+          <a:p>
+            <a:pPr marL="0" indent="0">
+              <a:buNone/>
+            </a:pPr>
+            <a:r>
+              <a:rPr lang="en-US" dirty="0" err="1">
+                <a:latin typeface="Consolas" panose="020B0609020204030204" pitchFamily="49" charset="0"/>
+              </a:rPr>
+              <a:t>git</a:t>
+            </a:r>
+            <a:r>
+              <a:rPr lang="en-US" dirty="0">
+                <a:latin typeface="Consolas" panose="020B0609020204030204" pitchFamily="49" charset="0"/>
+              </a:rPr>
+              <a:t> commit -m "these are my changes"</a:t>
+            </a:r>
+          </a:p>
+          <a:p>
+            <a:pPr marL="0" indent="0">
+              <a:buNone/>
+            </a:pPr>
+            <a:r>
+              <a:rPr lang="en-US" dirty="0" err="1">
+                <a:latin typeface="Consolas" panose="020B0609020204030204" pitchFamily="49" charset="0"/>
+              </a:rPr>
+              <a:t>git</a:t>
+            </a:r>
+            <a:r>
+              <a:rPr lang="en-US" dirty="0">
+                <a:latin typeface="Consolas" panose="020B0609020204030204" pitchFamily="49" charset="0"/>
+              </a:rPr>
+              <a:t> push --set-upstream origin bug/SHERPA-1999</a:t>
+            </a:r>
+          </a:p>
+        </p:txBody>
+      </p:sp>
+      <p:sp>
+        <p:nvSpPr>
+          <p:cNvPr id="4" name="Text Placeholder 3"/>
+          <p:cNvSpPr>
+            <a:spLocks noGrp="1"/>
+          </p:cNvSpPr>
+          <p:nvPr>
+            <p:ph type="body" sz="quarter" idx="11"/>
+          </p:nvPr>
+        </p:nvSpPr>
+        <p:spPr/>
+        <p:txBody>
+          <a:bodyPr/>
+          <a:lstStyle/>
+          <a:p>
+            <a:endParaRPr lang="en-US"/>
+          </a:p>
+        </p:txBody>
+      </p:sp>
+    </p:spTree>
+    <p:extLst>
+      <p:ext uri="{BB962C8B-B14F-4D97-AF65-F5344CB8AC3E}">
+        <p14:creationId xmlns:p14="http://schemas.microsoft.com/office/powerpoint/2010/main" val="2108417135"/>
+      </p:ext>
+    </p:extLst>
+  </p:cSld>
+  <p:clrMapOvr>
+    <a:masterClrMapping/>
+  </p:clrMapOvr>
+</p:sld>
+</file>
+
+<file path=ppt/slides/slide37.xml><?xml version="1.0" encoding="utf-8"?>
+<p:sld xmlns:a="http://schemas.openxmlformats.org/drawingml/2006/main" xmlns:r="http://schemas.openxmlformats.org/officeDocument/2006/relationships" xmlns:p="http://schemas.openxmlformats.org/presentationml/2006/main">
+  <p:cSld>
+    <p:spTree>
+      <p:nvGrpSpPr>
+        <p:cNvPr id="1" name=""/>
+        <p:cNvGrpSpPr/>
+        <p:nvPr/>
+      </p:nvGrpSpPr>
+      <p:grpSpPr>
+        <a:xfrm>
+          <a:off x="0" y="0"/>
+          <a:ext cx="0" cy="0"/>
+          <a:chOff x="0" y="0"/>
+          <a:chExt cx="0" cy="0"/>
+        </a:xfrm>
+      </p:grpSpPr>
+      <p:sp>
+        <p:nvSpPr>
+          <p:cNvPr id="2" name="Title 1"/>
+          <p:cNvSpPr>
+            <a:spLocks noGrp="1"/>
+          </p:cNvSpPr>
+          <p:nvPr>
+            <p:ph type="title"/>
+          </p:nvPr>
+        </p:nvSpPr>
+        <p:spPr/>
+        <p:txBody>
+          <a:bodyPr/>
+          <a:lstStyle/>
+          <a:p>
+            <a:r>
+              <a:rPr lang="en-US" dirty="0"/>
+              <a:t>Our Workflow</a:t>
+            </a:r>
+          </a:p>
+        </p:txBody>
+      </p:sp>
+      <p:sp>
+        <p:nvSpPr>
+          <p:cNvPr id="3" name="Content Placeholder 2"/>
+          <p:cNvSpPr>
+            <a:spLocks noGrp="1"/>
+          </p:cNvSpPr>
+          <p:nvPr>
+            <p:ph idx="1"/>
+          </p:nvPr>
+        </p:nvSpPr>
+        <p:spPr/>
+        <p:txBody>
+          <a:bodyPr/>
+          <a:lstStyle/>
+          <a:p>
+            <a:pPr marL="0" indent="0">
+              <a:buNone/>
+            </a:pPr>
+            <a:r>
+              <a:rPr lang="en-US" dirty="0"/>
               <a:t>Alternatively, you can set something like Visual Studio Code to be your default editor in </a:t>
             </a:r>
             <a:r>
@@ -9729,7 +9850,7 @@
 </p:sld>
 </file>
 
-<file path=ppt/slides/slide37.xml><?xml version="1.0" encoding="utf-8"?>
+<file path=ppt/slides/slide38.xml><?xml version="1.0" encoding="utf-8"?>
 <p:sld xmlns:a="http://schemas.openxmlformats.org/drawingml/2006/main" xmlns:r="http://schemas.openxmlformats.org/officeDocument/2006/relationships" xmlns:p="http://schemas.openxmlformats.org/presentationml/2006/main">
   <p:cSld>
     <p:spTree>
@@ -9846,117 +9967,6 @@
 </p:sld>
 </file>
 
-<file path=ppt/slides/slide38.xml><?xml version="1.0" encoding="utf-8"?>
-<p:sld xmlns:a="http://schemas.openxmlformats.org/drawingml/2006/main" xmlns:r="http://schemas.openxmlformats.org/officeDocument/2006/relationships" xmlns:p="http://schemas.openxmlformats.org/presentationml/2006/main">
-  <p:cSld>
-    <p:spTree>
-      <p:nvGrpSpPr>
-        <p:cNvPr id="1" name=""/>
-        <p:cNvGrpSpPr/>
-        <p:nvPr/>
-      </p:nvGrpSpPr>
-      <p:grpSpPr>
-        <a:xfrm>
-          <a:off x="0" y="0"/>
-          <a:ext cx="0" cy="0"/>
-          <a:chOff x="0" y="0"/>
-          <a:chExt cx="0" cy="0"/>
-        </a:xfrm>
-      </p:grpSpPr>
-      <p:sp>
-        <p:nvSpPr>
-          <p:cNvPr id="2" name="Title 1"/>
-          <p:cNvSpPr>
-            <a:spLocks noGrp="1"/>
-          </p:cNvSpPr>
-          <p:nvPr>
-            <p:ph type="title"/>
-          </p:nvPr>
-        </p:nvSpPr>
-        <p:spPr/>
-        <p:txBody>
-          <a:bodyPr/>
-          <a:lstStyle/>
-          <a:p>
-            <a:r>
-              <a:rPr lang="en-US" dirty="0"/>
-              <a:t>Our Workflow</a:t>
-            </a:r>
-          </a:p>
-        </p:txBody>
-      </p:sp>
-      <p:sp>
-        <p:nvSpPr>
-          <p:cNvPr id="3" name="Content Placeholder 2"/>
-          <p:cNvSpPr>
-            <a:spLocks noGrp="1"/>
-          </p:cNvSpPr>
-          <p:nvPr>
-            <p:ph idx="1"/>
-          </p:nvPr>
-        </p:nvSpPr>
-        <p:spPr/>
-        <p:txBody>
-          <a:bodyPr/>
-          <a:lstStyle/>
-          <a:p>
-            <a:pPr marL="0" indent="0">
-              <a:buNone/>
-            </a:pPr>
-            <a:r>
-              <a:rPr lang="en-US" dirty="0"/>
-              <a:t>Once you have pushed your changes to GitHub, open a pull request.</a:t>
-            </a:r>
-          </a:p>
-          <a:p>
-            <a:pPr marL="0" indent="0">
-              <a:buNone/>
-            </a:pPr>
-            <a:endParaRPr lang="en-US" dirty="0"/>
-          </a:p>
-          <a:p>
-            <a:pPr marL="0" indent="0">
-              <a:buNone/>
-            </a:pPr>
-            <a:r>
-              <a:rPr lang="en-US" dirty="0"/>
-              <a:t>There are two aspects of working with pull requests, one is as a developer and the other is as a reviewer. You're going to be expected to take part in both roles.</a:t>
-            </a:r>
-          </a:p>
-        </p:txBody>
-      </p:sp>
-      <p:sp>
-        <p:nvSpPr>
-          <p:cNvPr id="4" name="Text Placeholder 3"/>
-          <p:cNvSpPr>
-            <a:spLocks noGrp="1"/>
-          </p:cNvSpPr>
-          <p:nvPr>
-            <p:ph type="body" sz="quarter" idx="11"/>
-          </p:nvPr>
-        </p:nvSpPr>
-        <p:spPr/>
-        <p:txBody>
-          <a:bodyPr/>
-          <a:lstStyle/>
-          <a:p>
-            <a:endParaRPr lang="en-US"/>
-          </a:p>
-        </p:txBody>
-      </p:sp>
-    </p:spTree>
-    <p:extLst>
-      <p:ext uri="{BB962C8B-B14F-4D97-AF65-F5344CB8AC3E}">
-        <p14:creationId xmlns:p14="http://schemas.microsoft.com/office/powerpoint/2010/main" val="1047804675"/>
-      </p:ext>
-    </p:extLst>
-  </p:cSld>
-  <p:clrMapOvr>
-    <a:masterClrMapping/>
-  </p:clrMapOvr>
-</p:sld>
-</file>
-
 <file path=ppt/slides/slide39.xml><?xml version="1.0" encoding="utf-8"?>
 <p:sld xmlns:a="http://schemas.openxmlformats.org/drawingml/2006/main" xmlns:r="http://schemas.openxmlformats.org/officeDocument/2006/relationships" xmlns:p="http://schemas.openxmlformats.org/presentationml/2006/main">
   <p:cSld>
@@ -10016,94 +10026,23 @@
             </a:pPr>
             <a:r>
               <a:rPr lang="en-US" dirty="0"/>
-              <a:t>Developer</a:t>
-            </a:r>
-          </a:p>
-          <a:p>
-            <a:pPr marL="285750" indent="-285750"/>
-            <a:r>
-              <a:rPr lang="en-US" dirty="0"/>
-              <a:t>Open pull request within GitHub</a:t>
-            </a:r>
-          </a:p>
-          <a:p>
-            <a:pPr marL="285750" indent="-285750"/>
-            <a:r>
-              <a:rPr lang="en-US" dirty="0"/>
-              <a:t>Enter short summary of work completed.</a:t>
-            </a:r>
-          </a:p>
-          <a:p>
-            <a:pPr marL="285750" indent="-285750"/>
-            <a:r>
-              <a:rPr lang="en-US" dirty="0"/>
-              <a:t>Assign team-</a:t>
-            </a:r>
-            <a:r>
-              <a:rPr lang="en-US" dirty="0" err="1"/>
-              <a:t>sherpa</a:t>
-            </a:r>
-            <a:r>
-              <a:rPr lang="en-US" dirty="0"/>
-              <a:t> as reviewers</a:t>
-            </a:r>
-          </a:p>
-          <a:p>
-            <a:pPr marL="285750" indent="-285750"/>
-            <a:r>
-              <a:rPr lang="en-US" dirty="0"/>
-              <a:t>Assign yourself as the assignee</a:t>
-            </a:r>
-          </a:p>
-          <a:p>
-            <a:pPr marL="285750" indent="-285750"/>
-            <a:r>
-              <a:rPr lang="en-US" dirty="0"/>
-              <a:t>If the code is "ready to review" then tag it that way and mention that the code is ready to review in Microsoft Teams</a:t>
-            </a:r>
-          </a:p>
-          <a:p>
-            <a:pPr marL="285750" indent="-285750"/>
-            <a:r>
-              <a:rPr lang="en-US" dirty="0"/>
-              <a:t>If it's not ready, tag is "work in progress" or add WIP to the title.</a:t>
-            </a:r>
-          </a:p>
-          <a:p>
-            <a:pPr marL="285750" indent="-285750"/>
-            <a:r>
-              <a:rPr lang="en-US" dirty="0"/>
-              <a:t>When you're ready for review, personally review files for the PR. Ensure there are no accidental files added to the PR.</a:t>
-            </a:r>
-          </a:p>
-          <a:p>
-            <a:pPr marL="285750" indent="-285750"/>
-            <a:r>
-              <a:rPr lang="en-US" dirty="0"/>
-              <a:t>At this point it should also be ready for testing. Build the code to our integration environment and move the ticket to testing so the product team can know to test it. </a:t>
-            </a:r>
-          </a:p>
-          <a:p>
-            <a:pPr marL="860425" lvl="1" indent="-285750"/>
-            <a:r>
-              <a:rPr lang="en-US" dirty="0"/>
-              <a:t>If the product team is not satisfied with your work and you need to continue to make changes, make sure you’re merging Development into your branch as you continue to work on your issue</a:t>
-            </a:r>
-          </a:p>
-          <a:p>
-            <a:pPr marL="285750" indent="-285750"/>
-            <a:r>
-              <a:rPr lang="en-US" dirty="0"/>
-              <a:t>Once you have received one or more positive reviews and the code is approved by the product team. Squash and merge your PR and delete the branch.</a:t>
-            </a:r>
-          </a:p>
-          <a:p>
-            <a:pPr marL="285750" indent="-285750"/>
+              <a:t>Once you have pushed your changes to GitHub, open a pull request.</a:t>
+            </a:r>
+          </a:p>
+          <a:p>
+            <a:pPr marL="0" indent="0">
+              <a:buNone/>
+            </a:pPr>
             <a:endParaRPr lang="en-US" dirty="0"/>
           </a:p>
           <a:p>
-            <a:pPr marL="285750" indent="-285750"/>
-            <a:endParaRPr lang="en-US" dirty="0"/>
+            <a:pPr marL="0" indent="0">
+              <a:buNone/>
+            </a:pPr>
+            <a:r>
+              <a:rPr lang="en-US" dirty="0"/>
+              <a:t>There are two aspects of working with pull requests, one is as a developer and the other is as a reviewer. You're going to be expected to take part in both roles.</a:t>
+            </a:r>
           </a:p>
         </p:txBody>
       </p:sp>
@@ -10129,7 +10068,7 @@
     </p:spTree>
     <p:extLst>
       <p:ext uri="{BB962C8B-B14F-4D97-AF65-F5344CB8AC3E}">
-        <p14:creationId xmlns:p14="http://schemas.microsoft.com/office/powerpoint/2010/main" val="2835047296"/>
+        <p14:creationId xmlns:p14="http://schemas.microsoft.com/office/powerpoint/2010/main" val="1047804675"/>
       </p:ext>
     </p:extLst>
   </p:cSld>
@@ -10392,6 +10331,188 @@
             </a:pPr>
             <a:r>
               <a:rPr lang="en-US" dirty="0"/>
+              <a:t>Developer</a:t>
+            </a:r>
+          </a:p>
+          <a:p>
+            <a:pPr marL="285750" indent="-285750"/>
+            <a:r>
+              <a:rPr lang="en-US" dirty="0"/>
+              <a:t>Open pull request within GitHub</a:t>
+            </a:r>
+          </a:p>
+          <a:p>
+            <a:pPr marL="285750" indent="-285750"/>
+            <a:r>
+              <a:rPr lang="en-US" dirty="0"/>
+              <a:t>Enter short summary of work completed.</a:t>
+            </a:r>
+          </a:p>
+          <a:p>
+            <a:pPr marL="285750" indent="-285750"/>
+            <a:r>
+              <a:rPr lang="en-US" dirty="0"/>
+              <a:t>Assign team-</a:t>
+            </a:r>
+            <a:r>
+              <a:rPr lang="en-US" dirty="0" err="1"/>
+              <a:t>sherpa</a:t>
+            </a:r>
+            <a:r>
+              <a:rPr lang="en-US" dirty="0"/>
+              <a:t> as reviewers</a:t>
+            </a:r>
+          </a:p>
+          <a:p>
+            <a:pPr marL="285750" indent="-285750"/>
+            <a:r>
+              <a:rPr lang="en-US" dirty="0"/>
+              <a:t>Assign yourself as the assignee</a:t>
+            </a:r>
+          </a:p>
+          <a:p>
+            <a:pPr marL="285750" indent="-285750"/>
+            <a:r>
+              <a:rPr lang="en-US" dirty="0"/>
+              <a:t>If the code is "ready to review" then tag it that way and mention that the code is ready to review in Microsoft Teams</a:t>
+            </a:r>
+          </a:p>
+          <a:p>
+            <a:pPr marL="285750" indent="-285750"/>
+            <a:r>
+              <a:rPr lang="en-US" dirty="0"/>
+              <a:t>If it's not ready, tag is "work in progress" or add WIP to the title.</a:t>
+            </a:r>
+          </a:p>
+          <a:p>
+            <a:pPr marL="285750" indent="-285750"/>
+            <a:r>
+              <a:rPr lang="en-US" dirty="0"/>
+              <a:t>When you're ready for review, personally review files for the PR. Ensure there are no accidental files added to the PR.</a:t>
+            </a:r>
+          </a:p>
+          <a:p>
+            <a:pPr marL="285750" indent="-285750"/>
+            <a:r>
+              <a:rPr lang="en-US" dirty="0"/>
+              <a:t>At this point it should also be ready for testing. Build the code to our integration environment and move the ticket to testing so the product team can know to test it. </a:t>
+            </a:r>
+          </a:p>
+          <a:p>
+            <a:pPr marL="860425" lvl="1" indent="-285750"/>
+            <a:r>
+              <a:rPr lang="en-US" dirty="0"/>
+              <a:t>If the product team is not satisfied with your work and you need to continue to make changes, make sure you’re merging Development into your branch as you continue to work on your issue</a:t>
+            </a:r>
+          </a:p>
+          <a:p>
+            <a:pPr marL="285750" indent="-285750"/>
+            <a:r>
+              <a:rPr lang="en-US" dirty="0"/>
+              <a:t>Once you have received one or more positive reviews and the code is approved by the product team. Squash and merge your PR and delete the branch.</a:t>
+            </a:r>
+          </a:p>
+          <a:p>
+            <a:pPr marL="285750" indent="-285750"/>
+            <a:endParaRPr lang="en-US" dirty="0"/>
+          </a:p>
+          <a:p>
+            <a:pPr marL="285750" indent="-285750"/>
+            <a:endParaRPr lang="en-US" dirty="0"/>
+          </a:p>
+        </p:txBody>
+      </p:sp>
+      <p:sp>
+        <p:nvSpPr>
+          <p:cNvPr id="4" name="Text Placeholder 3"/>
+          <p:cNvSpPr>
+            <a:spLocks noGrp="1"/>
+          </p:cNvSpPr>
+          <p:nvPr>
+            <p:ph type="body" sz="quarter" idx="11"/>
+          </p:nvPr>
+        </p:nvSpPr>
+        <p:spPr/>
+        <p:txBody>
+          <a:bodyPr/>
+          <a:lstStyle/>
+          <a:p>
+            <a:endParaRPr lang="en-US"/>
+          </a:p>
+        </p:txBody>
+      </p:sp>
+    </p:spTree>
+    <p:extLst>
+      <p:ext uri="{BB962C8B-B14F-4D97-AF65-F5344CB8AC3E}">
+        <p14:creationId xmlns:p14="http://schemas.microsoft.com/office/powerpoint/2010/main" val="2835047296"/>
+      </p:ext>
+    </p:extLst>
+  </p:cSld>
+  <p:clrMapOvr>
+    <a:masterClrMapping/>
+  </p:clrMapOvr>
+</p:sld>
+</file>
+
+<file path=ppt/slides/slide41.xml><?xml version="1.0" encoding="utf-8"?>
+<p:sld xmlns:a="http://schemas.openxmlformats.org/drawingml/2006/main" xmlns:r="http://schemas.openxmlformats.org/officeDocument/2006/relationships" xmlns:p="http://schemas.openxmlformats.org/presentationml/2006/main">
+  <p:cSld>
+    <p:spTree>
+      <p:nvGrpSpPr>
+        <p:cNvPr id="1" name=""/>
+        <p:cNvGrpSpPr/>
+        <p:nvPr/>
+      </p:nvGrpSpPr>
+      <p:grpSpPr>
+        <a:xfrm>
+          <a:off x="0" y="0"/>
+          <a:ext cx="0" cy="0"/>
+          <a:chOff x="0" y="0"/>
+          <a:chExt cx="0" cy="0"/>
+        </a:xfrm>
+      </p:grpSpPr>
+      <p:sp>
+        <p:nvSpPr>
+          <p:cNvPr id="2" name="Title 1"/>
+          <p:cNvSpPr>
+            <a:spLocks noGrp="1"/>
+          </p:cNvSpPr>
+          <p:nvPr>
+            <p:ph type="title"/>
+          </p:nvPr>
+        </p:nvSpPr>
+        <p:spPr/>
+        <p:txBody>
+          <a:bodyPr/>
+          <a:lstStyle/>
+          <a:p>
+            <a:r>
+              <a:rPr lang="en-US" dirty="0"/>
+              <a:t>Our Workflow</a:t>
+            </a:r>
+          </a:p>
+        </p:txBody>
+      </p:sp>
+      <p:sp>
+        <p:nvSpPr>
+          <p:cNvPr id="3" name="Content Placeholder 2"/>
+          <p:cNvSpPr>
+            <a:spLocks noGrp="1"/>
+          </p:cNvSpPr>
+          <p:nvPr>
+            <p:ph idx="1"/>
+          </p:nvPr>
+        </p:nvSpPr>
+        <p:spPr/>
+        <p:txBody>
+          <a:bodyPr/>
+          <a:lstStyle/>
+          <a:p>
+            <a:pPr marL="0" indent="0">
+              <a:buNone/>
+            </a:pPr>
+            <a:r>
+              <a:rPr lang="en-US" dirty="0"/>
               <a:t>Reviewer</a:t>
             </a:r>
           </a:p>
@@ -10564,7 +10685,7 @@
 </p:sld>
 </file>
 
-<file path=ppt/slides/slide41.xml><?xml version="1.0" encoding="utf-8"?>
+<file path=ppt/slides/slide42.xml><?xml version="1.0" encoding="utf-8"?>
 <p:sld xmlns:a="http://schemas.openxmlformats.org/drawingml/2006/main" xmlns:r="http://schemas.openxmlformats.org/officeDocument/2006/relationships" xmlns:p="http://schemas.openxmlformats.org/presentationml/2006/main">
   <p:cSld>
     <p:spTree>
@@ -10703,7 +10824,7 @@
           <a:p>
             <a:r>
               <a:rPr lang="en-US" dirty="0"/>
-              <a:t>What’s up with the “cascading” part?</a:t>
+              <a:t>How are the rules applied?</a:t>
             </a:r>
           </a:p>
         </p:txBody>
@@ -10727,9 +10848,31 @@
               <a:buNone/>
             </a:pPr>
             <a:r>
-              <a:rPr lang="en-US" dirty="0"/>
-              <a:t>Before we look more closely at branching, let’s look at some basic usage- getting a copy of the repo to pushing your own change up to the remote server.</a:t>
-            </a:r>
+              <a:rPr lang="en-US" b="1" i="0" dirty="0">
+                <a:solidFill>
+                  <a:srgbClr val="212121"/>
+                </a:solidFill>
+                <a:effectLst/>
+                <a:latin typeface="arial" panose="020B0604020202020204" pitchFamily="34" charset="0"/>
+              </a:rPr>
+              <a:t>Source order </a:t>
+            </a:r>
+            <a:r>
+              <a:rPr lang="en-US" dirty="0">
+                <a:solidFill>
+                  <a:srgbClr val="212121"/>
+                </a:solidFill>
+                <a:latin typeface="arial" panose="020B0604020202020204" pitchFamily="34" charset="0"/>
+              </a:rPr>
+              <a:t>matters. All things being equal, if a later rule appears that overrides and earlier rule then it is applied to the element. This is how themes and custom styles work in systems like Wordpress and Bootstrap work. You apply your style sheet after the system style is applied and your styles are the ones rendered in the browser.</a:t>
+            </a:r>
+            <a:endParaRPr lang="en-US" b="0" i="0" dirty="0">
+              <a:solidFill>
+                <a:srgbClr val="212121"/>
+              </a:solidFill>
+              <a:effectLst/>
+              <a:latin typeface="arial" panose="020B0604020202020204" pitchFamily="34" charset="0"/>
+            </a:endParaRPr>
           </a:p>
         </p:txBody>
       </p:sp>
@@ -10799,7 +10942,7 @@
           <a:p>
             <a:r>
               <a:rPr lang="en-US" dirty="0"/>
-              <a:t>The Fundamental Workflow</a:t>
+              <a:t>How are the rules applied?</a:t>
             </a:r>
           </a:p>
         </p:txBody>
@@ -10823,39 +10966,150 @@
               <a:buNone/>
             </a:pPr>
             <a:r>
-              <a:rPr lang="en-US" dirty="0" err="1">
+              <a:rPr lang="en-US" b="1" i="0" dirty="0">
+                <a:solidFill>
+                  <a:srgbClr val="212121"/>
+                </a:solidFill>
+                <a:effectLst/>
+                <a:latin typeface="arial" panose="020B0604020202020204" pitchFamily="34" charset="0"/>
+              </a:rPr>
+              <a:t>Specificity</a:t>
+            </a:r>
+            <a:r>
+              <a:rPr lang="en-US" b="0" i="0" dirty="0">
+                <a:solidFill>
+                  <a:srgbClr val="212121"/>
+                </a:solidFill>
+                <a:effectLst/>
+                <a:latin typeface="arial" panose="020B0604020202020204" pitchFamily="34" charset="0"/>
+              </a:rPr>
+              <a:t> is the method by which browsers decide which CSS property values will be applied to an element.</a:t>
+            </a:r>
+          </a:p>
+          <a:p>
+            <a:pPr marL="0" indent="0">
+              <a:buNone/>
+            </a:pPr>
+            <a:r>
+              <a:rPr lang="en-US" dirty="0">
+                <a:solidFill>
+                  <a:srgbClr val="212121"/>
+                </a:solidFill>
+                <a:latin typeface="arial" panose="020B0604020202020204" pitchFamily="34" charset="0"/>
+              </a:rPr>
+              <a:t>Each CSS declaration has a weight, calculated by the number of each selector type in the matching selector. </a:t>
+            </a:r>
+          </a:p>
+          <a:p>
+            <a:pPr marL="0" indent="0">
+              <a:buNone/>
+            </a:pPr>
+            <a:r>
+              <a:rPr lang="en-US" dirty="0">
+                <a:solidFill>
+                  <a:srgbClr val="212121"/>
+                </a:solidFill>
+                <a:latin typeface="arial" panose="020B0604020202020204" pitchFamily="34" charset="0"/>
+              </a:rPr>
+              <a:t>Selector types, in order of increasing specificity</a:t>
+            </a:r>
+          </a:p>
+          <a:p>
+            <a:pPr marL="342900" indent="-342900">
+              <a:buFont typeface="+mj-lt"/>
+              <a:buAutoNum type="arabicPeriod"/>
+            </a:pPr>
+            <a:r>
+              <a:rPr lang="en-US" dirty="0">
+                <a:solidFill>
+                  <a:srgbClr val="212121"/>
+                </a:solidFill>
+                <a:latin typeface="arial" panose="020B0604020202020204" pitchFamily="34" charset="0"/>
+              </a:rPr>
+              <a:t>Type selectors and pseudo-elements (e.g., H1, P, DIV and P::before)</a:t>
+            </a:r>
+          </a:p>
+          <a:p>
+            <a:pPr marL="342900" indent="-342900">
+              <a:buFont typeface="+mj-lt"/>
+              <a:buAutoNum type="arabicPeriod"/>
+            </a:pPr>
+            <a:r>
+              <a:rPr lang="en-US" dirty="0">
+                <a:solidFill>
+                  <a:srgbClr val="212121"/>
+                </a:solidFill>
+                <a:latin typeface="arial" panose="020B0604020202020204" pitchFamily="34" charset="0"/>
+              </a:rPr>
+              <a:t>Class selectors, attribute selectors and pseudo-classes (e.g., .class-name, [type= “radio”] and :hover).</a:t>
+            </a:r>
+          </a:p>
+          <a:p>
+            <a:pPr marL="342900" indent="-342900">
+              <a:buFont typeface="+mj-lt"/>
+              <a:buAutoNum type="arabicPeriod"/>
+            </a:pPr>
+            <a:r>
+              <a:rPr lang="en-US" dirty="0">
+                <a:solidFill>
+                  <a:srgbClr val="212121"/>
+                </a:solidFill>
+                <a:latin typeface="arial" panose="020B0604020202020204" pitchFamily="34" charset="0"/>
+              </a:rPr>
+              <a:t>ID selectors (e.g., #myId).</a:t>
+            </a:r>
+          </a:p>
+          <a:p>
+            <a:pPr marL="342900" indent="-342900">
+              <a:buFont typeface="+mj-lt"/>
+              <a:buAutoNum type="arabicPeriod"/>
+            </a:pPr>
+            <a:endParaRPr lang="en-US" dirty="0">
+              <a:solidFill>
+                <a:srgbClr val="212121"/>
+              </a:solidFill>
+              <a:latin typeface="arial" panose="020B0604020202020204" pitchFamily="34" charset="0"/>
+            </a:endParaRPr>
+          </a:p>
+          <a:p>
+            <a:pPr marL="0" indent="0">
+              <a:buNone/>
+            </a:pPr>
+            <a:r>
+              <a:rPr lang="en-US" dirty="0">
+                <a:solidFill>
+                  <a:srgbClr val="212121"/>
+                </a:solidFill>
+                <a:latin typeface="arial" panose="020B0604020202020204" pitchFamily="34" charset="0"/>
+              </a:rPr>
+              <a:t>Two exceptions to that basic formula (which are to be avoided) are inline styles set on an elements </a:t>
+            </a:r>
+            <a:r>
+              <a:rPr lang="en-US" dirty="0">
+                <a:solidFill>
+                  <a:srgbClr val="212121"/>
+                </a:solidFill>
                 <a:latin typeface="Consolas" panose="020B0609020204030204" pitchFamily="49" charset="0"/>
               </a:rPr>
-              <a:t>git</a:t>
+              <a:t>style</a:t>
             </a:r>
             <a:r>
               <a:rPr lang="en-US" dirty="0">
+                <a:solidFill>
+                  <a:srgbClr val="212121"/>
+                </a:solidFill>
+                <a:latin typeface="arial" panose="020B0604020202020204" pitchFamily="34" charset="0"/>
+              </a:rPr>
+              <a:t> attribute (which always override) and declarations marked </a:t>
+            </a:r>
+            <a:r>
+              <a:rPr lang="en-US" dirty="0">
+                <a:solidFill>
+                  <a:srgbClr val="212121"/>
+                </a:solidFill>
                 <a:latin typeface="Consolas" panose="020B0609020204030204" pitchFamily="49" charset="0"/>
               </a:rPr>
-              <a:t> clone</a:t>
-            </a:r>
-          </a:p>
-          <a:p>
-            <a:pPr marL="0" indent="0">
-              <a:buNone/>
-            </a:pPr>
-            <a:r>
-              <a:rPr lang="en-US" dirty="0">
-                <a:latin typeface="+mn-lt"/>
-              </a:rPr>
-              <a:t>“Clones a repository into a newly created directory, creates remote-tracking branches for each branch in the cloned repository (visible using </a:t>
-            </a:r>
-            <a:r>
-              <a:rPr lang="en-US" dirty="0" err="1">
-                <a:latin typeface="+mn-lt"/>
-              </a:rPr>
-              <a:t>git</a:t>
-            </a:r>
-            <a:r>
-              <a:rPr lang="en-US" dirty="0">
-                <a:latin typeface="+mn-lt"/>
-              </a:rPr>
-              <a:t> branch --remotes), and creates and checks out an initial branch that is forked from the cloned repository’s currently active branch.”</a:t>
+              <a:t>!important.</a:t>
             </a:r>
           </a:p>
           <a:p>
@@ -10863,9 +11117,34 @@
               <a:buNone/>
             </a:pPr>
             <a:endParaRPr lang="en-US" dirty="0">
+              <a:solidFill>
+                <a:srgbClr val="212121"/>
+              </a:solidFill>
               <a:latin typeface="Consolas" panose="020B0609020204030204" pitchFamily="49" charset="0"/>
             </a:endParaRPr>
           </a:p>
+          <a:p>
+            <a:pPr marL="0" indent="0">
+              <a:buNone/>
+            </a:pPr>
+            <a:endParaRPr lang="en-US" dirty="0">
+              <a:solidFill>
+                <a:srgbClr val="212121"/>
+              </a:solidFill>
+              <a:latin typeface="+mj-lt"/>
+            </a:endParaRPr>
+          </a:p>
+          <a:p>
+            <a:pPr marL="0" indent="0">
+              <a:buNone/>
+            </a:pPr>
+            <a:endParaRPr lang="en-US" dirty="0">
+              <a:solidFill>
+                <a:srgbClr val="212121"/>
+              </a:solidFill>
+              <a:latin typeface="arial" panose="020B0604020202020204" pitchFamily="34" charset="0"/>
+            </a:endParaRPr>
+          </a:p>
         </p:txBody>
       </p:sp>
       <p:sp>
@@ -10887,34 +11166,10 @@
           </a:p>
         </p:txBody>
       </p:sp>
-      <p:pic>
-        <p:nvPicPr>
-          <p:cNvPr id="2" name="Picture 1"/>
-          <p:cNvPicPr>
-            <a:picLocks noChangeAspect="1"/>
-          </p:cNvPicPr>
-          <p:nvPr/>
-        </p:nvPicPr>
-        <p:blipFill>
-          <a:blip r:embed="rId2"/>
-          <a:stretch>
-            <a:fillRect/>
-          </a:stretch>
-        </p:blipFill>
-        <p:spPr>
-          <a:xfrm>
-            <a:off x="571500" y="2392572"/>
-            <a:ext cx="5524500" cy="3524250"/>
-          </a:xfrm>
-          <a:prstGeom prst="rect">
-            <a:avLst/>
-          </a:prstGeom>
-        </p:spPr>
-      </p:pic>
     </p:spTree>
     <p:extLst>
       <p:ext uri="{BB962C8B-B14F-4D97-AF65-F5344CB8AC3E}">
-        <p14:creationId xmlns:p14="http://schemas.microsoft.com/office/powerpoint/2010/main" val="3054918822"/>
+        <p14:creationId xmlns:p14="http://schemas.microsoft.com/office/powerpoint/2010/main" val="4141527171"/>
       </p:ext>
     </p:extLst>
   </p:cSld>
@@ -10943,6 +11198,101 @@
       </p:grpSpPr>
       <p:sp>
         <p:nvSpPr>
+          <p:cNvPr id="4" name="Title 3"/>
+          <p:cNvSpPr>
+            <a:spLocks noGrp="1"/>
+          </p:cNvSpPr>
+          <p:nvPr>
+            <p:ph type="title"/>
+          </p:nvPr>
+        </p:nvSpPr>
+        <p:spPr/>
+        <p:txBody>
+          <a:bodyPr/>
+          <a:lstStyle/>
+          <a:p>
+            <a:r>
+              <a:rPr lang="en-US" dirty="0"/>
+              <a:t>How the weights are calculated</a:t>
+            </a:r>
+          </a:p>
+        </p:txBody>
+      </p:sp>
+      <p:sp>
+        <p:nvSpPr>
+          <p:cNvPr id="5" name="Content Placeholder 4"/>
+          <p:cNvSpPr>
+            <a:spLocks noGrp="1"/>
+          </p:cNvSpPr>
+          <p:nvPr>
+            <p:ph idx="1"/>
+          </p:nvPr>
+        </p:nvSpPr>
+        <p:spPr/>
+        <p:txBody>
+          <a:bodyPr/>
+          <a:lstStyle/>
+          <a:p>
+            <a:pPr marL="0" indent="0">
+              <a:buNone/>
+            </a:pPr>
+            <a:endParaRPr lang="en-US" dirty="0">
+              <a:latin typeface="Consolas" panose="020B0609020204030204" pitchFamily="49" charset="0"/>
+            </a:endParaRPr>
+          </a:p>
+        </p:txBody>
+      </p:sp>
+      <p:sp>
+        <p:nvSpPr>
+          <p:cNvPr id="6" name="Text Placeholder 5"/>
+          <p:cNvSpPr>
+            <a:spLocks noGrp="1"/>
+          </p:cNvSpPr>
+          <p:nvPr>
+            <p:ph type="body" sz="quarter" idx="11"/>
+          </p:nvPr>
+        </p:nvSpPr>
+        <p:spPr/>
+        <p:txBody>
+          <a:bodyPr/>
+          <a:lstStyle/>
+          <a:p>
+            <a:endParaRPr lang="en-US"/>
+          </a:p>
+        </p:txBody>
+      </p:sp>
+    </p:spTree>
+    <p:extLst>
+      <p:ext uri="{BB962C8B-B14F-4D97-AF65-F5344CB8AC3E}">
+        <p14:creationId xmlns:p14="http://schemas.microsoft.com/office/powerpoint/2010/main" val="3054918822"/>
+      </p:ext>
+    </p:extLst>
+  </p:cSld>
+  <p:clrMapOvr>
+    <a:masterClrMapping/>
+  </p:clrMapOvr>
+</p:sld>
+</file>
+
+<file path=ppt/slides/slide8.xml><?xml version="1.0" encoding="utf-8"?>
+<p:sld xmlns:a="http://schemas.openxmlformats.org/drawingml/2006/main" xmlns:r="http://schemas.openxmlformats.org/officeDocument/2006/relationships" xmlns:p="http://schemas.openxmlformats.org/presentationml/2006/main">
+  <p:cSld>
+    <p:spTree>
+      <p:nvGrpSpPr>
+        <p:cNvPr id="1" name=""/>
+        <p:cNvGrpSpPr/>
+        <p:nvPr/>
+      </p:nvGrpSpPr>
+      <p:grpSpPr>
+        <a:xfrm>
+          <a:off x="0" y="0"/>
+          <a:ext cx="0" cy="0"/>
+          <a:chOff x="0" y="0"/>
+          <a:chExt cx="0" cy="0"/>
+        </a:xfrm>
+      </p:grpSpPr>
+      <p:sp>
+        <p:nvSpPr>
           <p:cNvPr id="2" name="Title 1"/>
           <p:cNvSpPr>
             <a:spLocks noGrp="1"/>
@@ -11035,7 +11385,7 @@
 </p:sld>
 </file>
 
-<file path=ppt/slides/slide8.xml><?xml version="1.0" encoding="utf-8"?>
+<file path=ppt/slides/slide9.xml><?xml version="1.0" encoding="utf-8"?>
 <p:sld xmlns:a="http://schemas.openxmlformats.org/drawingml/2006/main" xmlns:r="http://schemas.openxmlformats.org/officeDocument/2006/relationships" xmlns:p="http://schemas.openxmlformats.org/presentationml/2006/main">
   <p:cSld>
     <p:spTree>
@@ -11233,126 +11583,6 @@
     <p:extLst>
       <p:ext uri="{BB962C8B-B14F-4D97-AF65-F5344CB8AC3E}">
         <p14:creationId xmlns:p14="http://schemas.microsoft.com/office/powerpoint/2010/main" val="4075163429"/>
-      </p:ext>
-    </p:extLst>
-  </p:cSld>
-  <p:clrMapOvr>
-    <a:masterClrMapping/>
-  </p:clrMapOvr>
-</p:sld>
-</file>
-
-<file path=ppt/slides/slide9.xml><?xml version="1.0" encoding="utf-8"?>
-<p:sld xmlns:a="http://schemas.openxmlformats.org/drawingml/2006/main" xmlns:r="http://schemas.openxmlformats.org/officeDocument/2006/relationships" xmlns:p="http://schemas.openxmlformats.org/presentationml/2006/main">
-  <p:cSld>
-    <p:spTree>
-      <p:nvGrpSpPr>
-        <p:cNvPr id="1" name=""/>
-        <p:cNvGrpSpPr/>
-        <p:nvPr/>
-      </p:nvGrpSpPr>
-      <p:grpSpPr>
-        <a:xfrm>
-          <a:off x="0" y="0"/>
-          <a:ext cx="0" cy="0"/>
-          <a:chOff x="0" y="0"/>
-          <a:chExt cx="0" cy="0"/>
-        </a:xfrm>
-      </p:grpSpPr>
-      <p:sp>
-        <p:nvSpPr>
-          <p:cNvPr id="4" name="Title 3"/>
-          <p:cNvSpPr>
-            <a:spLocks noGrp="1"/>
-          </p:cNvSpPr>
-          <p:nvPr>
-            <p:ph type="title"/>
-          </p:nvPr>
-        </p:nvSpPr>
-        <p:spPr/>
-        <p:txBody>
-          <a:bodyPr/>
-          <a:lstStyle/>
-          <a:p>
-            <a:r>
-              <a:rPr lang="en-US" dirty="0"/>
-              <a:t>The Fundamental Workflow</a:t>
-            </a:r>
-          </a:p>
-        </p:txBody>
-      </p:sp>
-      <p:sp>
-        <p:nvSpPr>
-          <p:cNvPr id="5" name="Content Placeholder 4"/>
-          <p:cNvSpPr>
-            <a:spLocks noGrp="1"/>
-          </p:cNvSpPr>
-          <p:nvPr>
-            <p:ph idx="1"/>
-          </p:nvPr>
-        </p:nvSpPr>
-        <p:spPr/>
-        <p:txBody>
-          <a:bodyPr/>
-          <a:lstStyle/>
-          <a:p>
-            <a:pPr marL="0" indent="0">
-              <a:buNone/>
-            </a:pPr>
-            <a:r>
-              <a:rPr lang="en-US" sz="4000" dirty="0" err="1">
-                <a:latin typeface="Consolas" panose="020B0609020204030204" pitchFamily="49" charset="0"/>
-              </a:rPr>
-              <a:t>git</a:t>
-            </a:r>
-            <a:r>
-              <a:rPr lang="en-US" sz="4000" dirty="0">
-                <a:latin typeface="Consolas" panose="020B0609020204030204" pitchFamily="49" charset="0"/>
-              </a:rPr>
-              <a:t> status is your best friend. </a:t>
-            </a:r>
-          </a:p>
-          <a:p>
-            <a:pPr marL="0" indent="0">
-              <a:buNone/>
-            </a:pPr>
-            <a:endParaRPr lang="en-US" dirty="0">
-              <a:latin typeface="+mn-lt"/>
-            </a:endParaRPr>
-          </a:p>
-          <a:p>
-            <a:pPr marL="0" indent="0">
-              <a:buNone/>
-            </a:pPr>
-            <a:endParaRPr lang="en-US" dirty="0">
-              <a:latin typeface="Consolas" panose="020B0609020204030204" pitchFamily="49" charset="0"/>
-            </a:endParaRPr>
-          </a:p>
-        </p:txBody>
-      </p:sp>
-      <p:sp>
-        <p:nvSpPr>
-          <p:cNvPr id="6" name="Text Placeholder 5"/>
-          <p:cNvSpPr>
-            <a:spLocks noGrp="1"/>
-          </p:cNvSpPr>
-          <p:nvPr>
-            <p:ph type="body" sz="quarter" idx="11"/>
-          </p:nvPr>
-        </p:nvSpPr>
-        <p:spPr/>
-        <p:txBody>
-          <a:bodyPr/>
-          <a:lstStyle/>
-          <a:p>
-            <a:endParaRPr lang="en-US"/>
-          </a:p>
-        </p:txBody>
-      </p:sp>
-    </p:spTree>
-    <p:extLst>
-      <p:ext uri="{BB962C8B-B14F-4D97-AF65-F5344CB8AC3E}">
-        <p14:creationId xmlns:p14="http://schemas.microsoft.com/office/powerpoint/2010/main" val="1183914367"/>
       </p:ext>
     </p:extLst>
   </p:cSld>

--- a/css-bootstrap.pptx
+++ b/css-bootstrap.pptx
@@ -12,41 +12,42 @@
     <p:sldId id="292" r:id="rId6"/>
     <p:sldId id="297" r:id="rId7"/>
     <p:sldId id="282" r:id="rId8"/>
-    <p:sldId id="295" r:id="rId9"/>
-    <p:sldId id="283" r:id="rId10"/>
-    <p:sldId id="293" r:id="rId11"/>
-    <p:sldId id="284" r:id="rId12"/>
-    <p:sldId id="294" r:id="rId13"/>
-    <p:sldId id="287" r:id="rId14"/>
-    <p:sldId id="288" r:id="rId15"/>
-    <p:sldId id="286" r:id="rId16"/>
-    <p:sldId id="285" r:id="rId17"/>
-    <p:sldId id="289" r:id="rId18"/>
-    <p:sldId id="291" r:id="rId19"/>
-    <p:sldId id="290" r:id="rId20"/>
-    <p:sldId id="273" r:id="rId21"/>
-    <p:sldId id="274" r:id="rId22"/>
-    <p:sldId id="275" r:id="rId23"/>
-    <p:sldId id="276" r:id="rId24"/>
-    <p:sldId id="277" r:id="rId25"/>
-    <p:sldId id="278" r:id="rId26"/>
-    <p:sldId id="279" r:id="rId27"/>
-    <p:sldId id="280" r:id="rId28"/>
-    <p:sldId id="281" r:id="rId29"/>
-    <p:sldId id="260" r:id="rId30"/>
-    <p:sldId id="261" r:id="rId31"/>
-    <p:sldId id="262" r:id="rId32"/>
-    <p:sldId id="296" r:id="rId33"/>
-    <p:sldId id="263" r:id="rId34"/>
-    <p:sldId id="264" r:id="rId35"/>
-    <p:sldId id="265" r:id="rId36"/>
-    <p:sldId id="266" r:id="rId37"/>
-    <p:sldId id="267" r:id="rId38"/>
-    <p:sldId id="268" r:id="rId39"/>
-    <p:sldId id="269" r:id="rId40"/>
-    <p:sldId id="270" r:id="rId41"/>
-    <p:sldId id="271" r:id="rId42"/>
-    <p:sldId id="272" r:id="rId43"/>
+    <p:sldId id="298" r:id="rId9"/>
+    <p:sldId id="295" r:id="rId10"/>
+    <p:sldId id="283" r:id="rId11"/>
+    <p:sldId id="293" r:id="rId12"/>
+    <p:sldId id="284" r:id="rId13"/>
+    <p:sldId id="294" r:id="rId14"/>
+    <p:sldId id="287" r:id="rId15"/>
+    <p:sldId id="288" r:id="rId16"/>
+    <p:sldId id="286" r:id="rId17"/>
+    <p:sldId id="285" r:id="rId18"/>
+    <p:sldId id="289" r:id="rId19"/>
+    <p:sldId id="291" r:id="rId20"/>
+    <p:sldId id="290" r:id="rId21"/>
+    <p:sldId id="273" r:id="rId22"/>
+    <p:sldId id="274" r:id="rId23"/>
+    <p:sldId id="275" r:id="rId24"/>
+    <p:sldId id="276" r:id="rId25"/>
+    <p:sldId id="277" r:id="rId26"/>
+    <p:sldId id="278" r:id="rId27"/>
+    <p:sldId id="279" r:id="rId28"/>
+    <p:sldId id="280" r:id="rId29"/>
+    <p:sldId id="281" r:id="rId30"/>
+    <p:sldId id="260" r:id="rId31"/>
+    <p:sldId id="261" r:id="rId32"/>
+    <p:sldId id="262" r:id="rId33"/>
+    <p:sldId id="296" r:id="rId34"/>
+    <p:sldId id="263" r:id="rId35"/>
+    <p:sldId id="264" r:id="rId36"/>
+    <p:sldId id="265" r:id="rId37"/>
+    <p:sldId id="266" r:id="rId38"/>
+    <p:sldId id="267" r:id="rId39"/>
+    <p:sldId id="268" r:id="rId40"/>
+    <p:sldId id="269" r:id="rId41"/>
+    <p:sldId id="270" r:id="rId42"/>
+    <p:sldId id="271" r:id="rId43"/>
+    <p:sldId id="272" r:id="rId44"/>
   </p:sldIdLst>
   <p:sldSz cx="12192000" cy="6858000"/>
   <p:notesSz cx="6858000" cy="9144000"/>
@@ -2358,7 +2359,7 @@
           <a:p>
             <a:fld id="{E6AC5789-5D9A-40D2-B1E5-0553B5BA21B2}" type="datetimeFigureOut">
               <a:rPr lang="en-US" smtClean="0"/>
-              <a:t>1/28/2021</a:t>
+              <a:t>2/1/2021</a:t>
             </a:fld>
             <a:endParaRPr lang="en-US"/>
           </a:p>
@@ -5599,25 +5600,88 @@
               <a:buNone/>
             </a:pPr>
             <a:r>
-              <a:rPr lang="en-US" sz="4000" dirty="0" err="1">
+              <a:rPr lang="en-US" dirty="0" err="1">
                 <a:latin typeface="Consolas" panose="020B0609020204030204" pitchFamily="49" charset="0"/>
               </a:rPr>
               <a:t>git</a:t>
             </a:r>
             <a:r>
-              <a:rPr lang="en-US" sz="4000" dirty="0">
+              <a:rPr lang="en-US" dirty="0">
                 <a:latin typeface="Consolas" panose="020B0609020204030204" pitchFamily="49" charset="0"/>
               </a:rPr>
-              <a:t> status is your best friend. </a:t>
-            </a:r>
-          </a:p>
-          <a:p>
-            <a:pPr marL="0" indent="0">
-              <a:buNone/>
-            </a:pPr>
-            <a:endParaRPr lang="en-US" dirty="0">
-              <a:latin typeface="+mn-lt"/>
-            </a:endParaRPr>
+              <a:t> status</a:t>
+            </a:r>
+          </a:p>
+          <a:p>
+            <a:pPr marL="0" indent="0">
+              <a:buNone/>
+            </a:pPr>
+            <a:r>
+              <a:rPr lang="en-US" dirty="0">
+                <a:latin typeface="+mn-lt"/>
+              </a:rPr>
+              <a:t>“Displays paths that have differences between the index file and the current HEAD commit, paths that have differences between the working tree and the index file, and paths in the working tree that are not tracked by </a:t>
+            </a:r>
+            <a:r>
+              <a:rPr lang="en-US" dirty="0" err="1">
+                <a:latin typeface="+mn-lt"/>
+              </a:rPr>
+              <a:t>Git</a:t>
+            </a:r>
+            <a:r>
+              <a:rPr lang="en-US" dirty="0">
+                <a:latin typeface="+mn-lt"/>
+              </a:rPr>
+              <a:t> (and are not ignored by </a:t>
+            </a:r>
+            <a:r>
+              <a:rPr lang="en-US" dirty="0" err="1">
+                <a:latin typeface="+mn-lt"/>
+              </a:rPr>
+              <a:t>gitignore</a:t>
+            </a:r>
+            <a:r>
+              <a:rPr lang="en-US" dirty="0">
+                <a:latin typeface="+mn-lt"/>
+              </a:rPr>
+              <a:t>[5]). The first are what you would commit by running </a:t>
+            </a:r>
+            <a:r>
+              <a:rPr lang="en-US" dirty="0" err="1">
+                <a:latin typeface="+mn-lt"/>
+              </a:rPr>
+              <a:t>git</a:t>
+            </a:r>
+            <a:r>
+              <a:rPr lang="en-US" dirty="0">
+                <a:latin typeface="+mn-lt"/>
+              </a:rPr>
+              <a:t> commit; the second and third are what you could commit by running </a:t>
+            </a:r>
+            <a:r>
+              <a:rPr lang="en-US" dirty="0" err="1">
+                <a:latin typeface="+mn-lt"/>
+              </a:rPr>
+              <a:t>git</a:t>
+            </a:r>
+            <a:r>
+              <a:rPr lang="en-US" dirty="0">
+                <a:latin typeface="+mn-lt"/>
+              </a:rPr>
+              <a:t> add before running </a:t>
+            </a:r>
+            <a:r>
+              <a:rPr lang="en-US" dirty="0" err="1">
+                <a:latin typeface="+mn-lt"/>
+              </a:rPr>
+              <a:t>git</a:t>
+            </a:r>
+            <a:r>
+              <a:rPr lang="en-US" dirty="0">
+                <a:latin typeface="+mn-lt"/>
+              </a:rPr>
+              <a:t> commit.”</a:t>
+            </a:r>
           </a:p>
           <a:p>
             <a:pPr marL="0" indent="0">
@@ -5648,10 +5712,34 @@
           </a:p>
         </p:txBody>
       </p:sp>
+      <p:pic>
+        <p:nvPicPr>
+          <p:cNvPr id="3" name="Picture 2"/>
+          <p:cNvPicPr>
+            <a:picLocks noChangeAspect="1"/>
+          </p:cNvPicPr>
+          <p:nvPr/>
+        </p:nvPicPr>
+        <p:blipFill>
+          <a:blip r:embed="rId2"/>
+          <a:stretch>
+            <a:fillRect/>
+          </a:stretch>
+        </p:blipFill>
+        <p:spPr>
+          <a:xfrm>
+            <a:off x="609600" y="2975419"/>
+            <a:ext cx="7524201" cy="2739581"/>
+          </a:xfrm>
+          <a:prstGeom prst="rect">
+            <a:avLst/>
+          </a:prstGeom>
+        </p:spPr>
+      </p:pic>
     </p:spTree>
     <p:extLst>
       <p:ext uri="{BB962C8B-B14F-4D97-AF65-F5344CB8AC3E}">
-        <p14:creationId xmlns:p14="http://schemas.microsoft.com/office/powerpoint/2010/main" val="1183914367"/>
+        <p14:creationId xmlns:p14="http://schemas.microsoft.com/office/powerpoint/2010/main" val="4075163429"/>
       </p:ext>
     </p:extLst>
   </p:cSld>
@@ -5719,79 +5807,16 @@
               <a:buNone/>
             </a:pPr>
             <a:r>
-              <a:rPr lang="en-US" dirty="0" err="1">
+              <a:rPr lang="en-US" sz="4000" dirty="0" err="1">
                 <a:latin typeface="Consolas" panose="020B0609020204030204" pitchFamily="49" charset="0"/>
               </a:rPr>
-              <a:t>Git</a:t>
-            </a:r>
-            <a:r>
-              <a:rPr lang="en-US" dirty="0">
+              <a:t>git</a:t>
+            </a:r>
+            <a:r>
+              <a:rPr lang="en-US" sz="4000" dirty="0">
                 <a:latin typeface="Consolas" panose="020B0609020204030204" pitchFamily="49" charset="0"/>
               </a:rPr>
-              <a:t> checkout</a:t>
-            </a:r>
-          </a:p>
-          <a:p>
-            <a:pPr marL="0" indent="0">
-              <a:buNone/>
-            </a:pPr>
-            <a:r>
-              <a:rPr lang="en-US" dirty="0">
-                <a:latin typeface="+mn-lt"/>
-              </a:rPr>
-              <a:t>“Updates files in the working tree to match the version in the index or the specified tree. If no </a:t>
-            </a:r>
-            <a:r>
-              <a:rPr lang="en-US" dirty="0" err="1">
-                <a:latin typeface="+mn-lt"/>
-              </a:rPr>
-              <a:t>pathspec</a:t>
-            </a:r>
-            <a:r>
-              <a:rPr lang="en-US" dirty="0">
-                <a:latin typeface="+mn-lt"/>
-              </a:rPr>
-              <a:t> was given, </a:t>
-            </a:r>
-            <a:r>
-              <a:rPr lang="en-US" dirty="0" err="1">
-                <a:latin typeface="+mn-lt"/>
-              </a:rPr>
-              <a:t>git</a:t>
-            </a:r>
-            <a:r>
-              <a:rPr lang="en-US" dirty="0">
-                <a:latin typeface="+mn-lt"/>
-              </a:rPr>
-              <a:t> checkout will also update HEAD to set the specified branch as the current branch.</a:t>
-            </a:r>
-          </a:p>
-          <a:p>
-            <a:pPr marL="0" indent="0">
-              <a:buNone/>
-            </a:pPr>
-            <a:r>
-              <a:rPr lang="en-US" dirty="0" err="1">
-                <a:latin typeface="+mn-lt"/>
-              </a:rPr>
-              <a:t>git</a:t>
-            </a:r>
-            <a:r>
-              <a:rPr lang="en-US" dirty="0">
-                <a:latin typeface="+mn-lt"/>
-              </a:rPr>
-              <a:t> checkout [&lt;branch&gt;]</a:t>
-            </a:r>
-          </a:p>
-          <a:p>
-            <a:pPr marL="0" indent="0">
-              <a:buNone/>
-            </a:pPr>
-            <a:r>
-              <a:rPr lang="en-US" dirty="0">
-                <a:latin typeface="+mn-lt"/>
-              </a:rPr>
-              <a:t>To prepare for working on &lt;branch&gt;, switch to it by updating the index and the files in the working tree, and by pointing HEAD at the branch. Local modifications to the files in the working tree are kept, so that they can be committed to the &lt;branch&gt;.</a:t>
+              <a:t> status is your best friend. </a:t>
             </a:r>
           </a:p>
           <a:p>
@@ -5806,106 +5831,10 @@
             <a:pPr marL="0" indent="0">
               <a:buNone/>
             </a:pPr>
-            <a:r>
-              <a:rPr lang="en-US" dirty="0" err="1">
-                <a:latin typeface="+mn-lt"/>
-              </a:rPr>
-              <a:t>git</a:t>
-            </a:r>
-            <a:r>
-              <a:rPr lang="en-US" dirty="0">
-                <a:latin typeface="+mn-lt"/>
-              </a:rPr>
-              <a:t> checkout -b|-B &lt;</a:t>
-            </a:r>
-            <a:r>
-              <a:rPr lang="en-US" dirty="0" err="1">
-                <a:latin typeface="+mn-lt"/>
-              </a:rPr>
-              <a:t>new_branch</a:t>
-            </a:r>
-            <a:r>
-              <a:rPr lang="en-US" dirty="0">
-                <a:latin typeface="+mn-lt"/>
-              </a:rPr>
-              <a:t>&gt; [&lt;start point&gt;]</a:t>
-            </a:r>
-          </a:p>
-          <a:p>
-            <a:pPr marL="0" indent="0">
-              <a:buNone/>
-            </a:pPr>
-            <a:r>
-              <a:rPr lang="en-US" dirty="0">
-                <a:latin typeface="+mn-lt"/>
-              </a:rPr>
-              <a:t>Specifying -b causes a new branch to be created as if </a:t>
-            </a:r>
-            <a:r>
-              <a:rPr lang="en-US" dirty="0" err="1">
-                <a:latin typeface="+mn-lt"/>
-              </a:rPr>
-              <a:t>git</a:t>
-            </a:r>
-            <a:r>
-              <a:rPr lang="en-US" dirty="0">
-                <a:latin typeface="+mn-lt"/>
-              </a:rPr>
-              <a:t>-branch[1] were called and then checked out. In this case you can use the --track or --no-track options, which will be passed to </a:t>
-            </a:r>
-            <a:r>
-              <a:rPr lang="en-US" dirty="0" err="1">
-                <a:latin typeface="+mn-lt"/>
-              </a:rPr>
-              <a:t>git</a:t>
-            </a:r>
-            <a:r>
-              <a:rPr lang="en-US" dirty="0">
-                <a:latin typeface="+mn-lt"/>
-              </a:rPr>
-              <a:t> branch. As a convenience, --track without -b implies branch creation; see the description of --track below.”</a:t>
-            </a:r>
-          </a:p>
-          <a:p>
-            <a:pPr marL="0" indent="0">
-              <a:buNone/>
-            </a:pPr>
             <a:endParaRPr lang="en-US" dirty="0">
               <a:latin typeface="Consolas" panose="020B0609020204030204" pitchFamily="49" charset="0"/>
             </a:endParaRPr>
           </a:p>
-          <a:p>
-            <a:pPr marL="0" indent="0">
-              <a:buNone/>
-            </a:pPr>
-            <a:endParaRPr lang="en-US" dirty="0">
-              <a:latin typeface="Consolas" panose="020B0609020204030204" pitchFamily="49" charset="0"/>
-            </a:endParaRPr>
-          </a:p>
-          <a:p>
-            <a:pPr marL="0" indent="0">
-              <a:buNone/>
-            </a:pPr>
-            <a:endParaRPr lang="en-US" dirty="0">
-              <a:latin typeface="Consolas" panose="020B0609020204030204" pitchFamily="49" charset="0"/>
-            </a:endParaRPr>
-          </a:p>
-          <a:p>
-            <a:pPr marL="0" indent="0">
-              <a:buNone/>
-            </a:pPr>
-            <a:endParaRPr lang="en-US" dirty="0">
-              <a:latin typeface="Consolas" panose="020B0609020204030204" pitchFamily="49" charset="0"/>
-            </a:endParaRPr>
-          </a:p>
-          <a:p>
-            <a:pPr marL="0" indent="0">
-              <a:buNone/>
-            </a:pPr>
-            <a:endParaRPr lang="en-US" dirty="0">
-              <a:latin typeface="Consolas" panose="020B0609020204030204" pitchFamily="49" charset="0"/>
-            </a:endParaRPr>
-          </a:p>
         </p:txBody>
       </p:sp>
       <p:sp>
@@ -5930,7 +5859,7 @@
     </p:spTree>
     <p:extLst>
       <p:ext uri="{BB962C8B-B14F-4D97-AF65-F5344CB8AC3E}">
-        <p14:creationId xmlns:p14="http://schemas.microsoft.com/office/powerpoint/2010/main" val="1788241101"/>
+        <p14:creationId xmlns:p14="http://schemas.microsoft.com/office/powerpoint/2010/main" val="1183914367"/>
       </p:ext>
     </p:extLst>
   </p:cSld>
@@ -5998,6 +5927,285 @@
               <a:buNone/>
             </a:pPr>
             <a:r>
+              <a:rPr lang="en-US" dirty="0" err="1">
+                <a:latin typeface="Consolas" panose="020B0609020204030204" pitchFamily="49" charset="0"/>
+              </a:rPr>
+              <a:t>Git</a:t>
+            </a:r>
+            <a:r>
+              <a:rPr lang="en-US" dirty="0">
+                <a:latin typeface="Consolas" panose="020B0609020204030204" pitchFamily="49" charset="0"/>
+              </a:rPr>
+              <a:t> checkout</a:t>
+            </a:r>
+          </a:p>
+          <a:p>
+            <a:pPr marL="0" indent="0">
+              <a:buNone/>
+            </a:pPr>
+            <a:r>
+              <a:rPr lang="en-US" dirty="0">
+                <a:latin typeface="+mn-lt"/>
+              </a:rPr>
+              <a:t>“Updates files in the working tree to match the version in the index or the specified tree. If no </a:t>
+            </a:r>
+            <a:r>
+              <a:rPr lang="en-US" dirty="0" err="1">
+                <a:latin typeface="+mn-lt"/>
+              </a:rPr>
+              <a:t>pathspec</a:t>
+            </a:r>
+            <a:r>
+              <a:rPr lang="en-US" dirty="0">
+                <a:latin typeface="+mn-lt"/>
+              </a:rPr>
+              <a:t> was given, </a:t>
+            </a:r>
+            <a:r>
+              <a:rPr lang="en-US" dirty="0" err="1">
+                <a:latin typeface="+mn-lt"/>
+              </a:rPr>
+              <a:t>git</a:t>
+            </a:r>
+            <a:r>
+              <a:rPr lang="en-US" dirty="0">
+                <a:latin typeface="+mn-lt"/>
+              </a:rPr>
+              <a:t> checkout will also update HEAD to set the specified branch as the current branch.</a:t>
+            </a:r>
+          </a:p>
+          <a:p>
+            <a:pPr marL="0" indent="0">
+              <a:buNone/>
+            </a:pPr>
+            <a:r>
+              <a:rPr lang="en-US" dirty="0" err="1">
+                <a:latin typeface="+mn-lt"/>
+              </a:rPr>
+              <a:t>git</a:t>
+            </a:r>
+            <a:r>
+              <a:rPr lang="en-US" dirty="0">
+                <a:latin typeface="+mn-lt"/>
+              </a:rPr>
+              <a:t> checkout [&lt;branch&gt;]</a:t>
+            </a:r>
+          </a:p>
+          <a:p>
+            <a:pPr marL="0" indent="0">
+              <a:buNone/>
+            </a:pPr>
+            <a:r>
+              <a:rPr lang="en-US" dirty="0">
+                <a:latin typeface="+mn-lt"/>
+              </a:rPr>
+              <a:t>To prepare for working on &lt;branch&gt;, switch to it by updating the index and the files in the working tree, and by pointing HEAD at the branch. Local modifications to the files in the working tree are kept, so that they can be committed to the &lt;branch&gt;.</a:t>
+            </a:r>
+          </a:p>
+          <a:p>
+            <a:pPr marL="0" indent="0">
+              <a:buNone/>
+            </a:pPr>
+            <a:endParaRPr lang="en-US" dirty="0">
+              <a:latin typeface="+mn-lt"/>
+            </a:endParaRPr>
+          </a:p>
+          <a:p>
+            <a:pPr marL="0" indent="0">
+              <a:buNone/>
+            </a:pPr>
+            <a:r>
+              <a:rPr lang="en-US" dirty="0" err="1">
+                <a:latin typeface="+mn-lt"/>
+              </a:rPr>
+              <a:t>git</a:t>
+            </a:r>
+            <a:r>
+              <a:rPr lang="en-US" dirty="0">
+                <a:latin typeface="+mn-lt"/>
+              </a:rPr>
+              <a:t> checkout -b|-B &lt;</a:t>
+            </a:r>
+            <a:r>
+              <a:rPr lang="en-US" dirty="0" err="1">
+                <a:latin typeface="+mn-lt"/>
+              </a:rPr>
+              <a:t>new_branch</a:t>
+            </a:r>
+            <a:r>
+              <a:rPr lang="en-US" dirty="0">
+                <a:latin typeface="+mn-lt"/>
+              </a:rPr>
+              <a:t>&gt; [&lt;start point&gt;]</a:t>
+            </a:r>
+          </a:p>
+          <a:p>
+            <a:pPr marL="0" indent="0">
+              <a:buNone/>
+            </a:pPr>
+            <a:r>
+              <a:rPr lang="en-US" dirty="0">
+                <a:latin typeface="+mn-lt"/>
+              </a:rPr>
+              <a:t>Specifying -b causes a new branch to be created as if </a:t>
+            </a:r>
+            <a:r>
+              <a:rPr lang="en-US" dirty="0" err="1">
+                <a:latin typeface="+mn-lt"/>
+              </a:rPr>
+              <a:t>git</a:t>
+            </a:r>
+            <a:r>
+              <a:rPr lang="en-US" dirty="0">
+                <a:latin typeface="+mn-lt"/>
+              </a:rPr>
+              <a:t>-branch[1] were called and then checked out. In this case you can use the --track or --no-track options, which will be passed to </a:t>
+            </a:r>
+            <a:r>
+              <a:rPr lang="en-US" dirty="0" err="1">
+                <a:latin typeface="+mn-lt"/>
+              </a:rPr>
+              <a:t>git</a:t>
+            </a:r>
+            <a:r>
+              <a:rPr lang="en-US" dirty="0">
+                <a:latin typeface="+mn-lt"/>
+              </a:rPr>
+              <a:t> branch. As a convenience, --track without -b implies branch creation; see the description of --track below.”</a:t>
+            </a:r>
+          </a:p>
+          <a:p>
+            <a:pPr marL="0" indent="0">
+              <a:buNone/>
+            </a:pPr>
+            <a:endParaRPr lang="en-US" dirty="0">
+              <a:latin typeface="Consolas" panose="020B0609020204030204" pitchFamily="49" charset="0"/>
+            </a:endParaRPr>
+          </a:p>
+          <a:p>
+            <a:pPr marL="0" indent="0">
+              <a:buNone/>
+            </a:pPr>
+            <a:endParaRPr lang="en-US" dirty="0">
+              <a:latin typeface="Consolas" panose="020B0609020204030204" pitchFamily="49" charset="0"/>
+            </a:endParaRPr>
+          </a:p>
+          <a:p>
+            <a:pPr marL="0" indent="0">
+              <a:buNone/>
+            </a:pPr>
+            <a:endParaRPr lang="en-US" dirty="0">
+              <a:latin typeface="Consolas" panose="020B0609020204030204" pitchFamily="49" charset="0"/>
+            </a:endParaRPr>
+          </a:p>
+          <a:p>
+            <a:pPr marL="0" indent="0">
+              <a:buNone/>
+            </a:pPr>
+            <a:endParaRPr lang="en-US" dirty="0">
+              <a:latin typeface="Consolas" panose="020B0609020204030204" pitchFamily="49" charset="0"/>
+            </a:endParaRPr>
+          </a:p>
+          <a:p>
+            <a:pPr marL="0" indent="0">
+              <a:buNone/>
+            </a:pPr>
+            <a:endParaRPr lang="en-US" dirty="0">
+              <a:latin typeface="Consolas" panose="020B0609020204030204" pitchFamily="49" charset="0"/>
+            </a:endParaRPr>
+          </a:p>
+        </p:txBody>
+      </p:sp>
+      <p:sp>
+        <p:nvSpPr>
+          <p:cNvPr id="6" name="Text Placeholder 5"/>
+          <p:cNvSpPr>
+            <a:spLocks noGrp="1"/>
+          </p:cNvSpPr>
+          <p:nvPr>
+            <p:ph type="body" sz="quarter" idx="11"/>
+          </p:nvPr>
+        </p:nvSpPr>
+        <p:spPr/>
+        <p:txBody>
+          <a:bodyPr/>
+          <a:lstStyle/>
+          <a:p>
+            <a:endParaRPr lang="en-US"/>
+          </a:p>
+        </p:txBody>
+      </p:sp>
+    </p:spTree>
+    <p:extLst>
+      <p:ext uri="{BB962C8B-B14F-4D97-AF65-F5344CB8AC3E}">
+        <p14:creationId xmlns:p14="http://schemas.microsoft.com/office/powerpoint/2010/main" val="1788241101"/>
+      </p:ext>
+    </p:extLst>
+  </p:cSld>
+  <p:clrMapOvr>
+    <a:masterClrMapping/>
+  </p:clrMapOvr>
+</p:sld>
+</file>
+
+<file path=ppt/slides/slide13.xml><?xml version="1.0" encoding="utf-8"?>
+<p:sld xmlns:a="http://schemas.openxmlformats.org/drawingml/2006/main" xmlns:r="http://schemas.openxmlformats.org/officeDocument/2006/relationships" xmlns:p="http://schemas.openxmlformats.org/presentationml/2006/main">
+  <p:cSld>
+    <p:spTree>
+      <p:nvGrpSpPr>
+        <p:cNvPr id="1" name=""/>
+        <p:cNvGrpSpPr/>
+        <p:nvPr/>
+      </p:nvGrpSpPr>
+      <p:grpSpPr>
+        <a:xfrm>
+          <a:off x="0" y="0"/>
+          <a:ext cx="0" cy="0"/>
+          <a:chOff x="0" y="0"/>
+          <a:chExt cx="0" cy="0"/>
+        </a:xfrm>
+      </p:grpSpPr>
+      <p:sp>
+        <p:nvSpPr>
+          <p:cNvPr id="4" name="Title 3"/>
+          <p:cNvSpPr>
+            <a:spLocks noGrp="1"/>
+          </p:cNvSpPr>
+          <p:nvPr>
+            <p:ph type="title"/>
+          </p:nvPr>
+        </p:nvSpPr>
+        <p:spPr/>
+        <p:txBody>
+          <a:bodyPr/>
+          <a:lstStyle/>
+          <a:p>
+            <a:r>
+              <a:rPr lang="en-US" dirty="0"/>
+              <a:t>The Fundamental Workflow</a:t>
+            </a:r>
+          </a:p>
+        </p:txBody>
+      </p:sp>
+      <p:sp>
+        <p:nvSpPr>
+          <p:cNvPr id="5" name="Content Placeholder 4"/>
+          <p:cNvSpPr>
+            <a:spLocks noGrp="1"/>
+          </p:cNvSpPr>
+          <p:nvPr>
+            <p:ph idx="1"/>
+          </p:nvPr>
+        </p:nvSpPr>
+        <p:spPr/>
+        <p:txBody>
+          <a:bodyPr/>
+          <a:lstStyle/>
+          <a:p>
+            <a:pPr marL="0" indent="0">
+              <a:buNone/>
+            </a:pPr>
+            <a:r>
               <a:rPr lang="en-US" dirty="0">
                 <a:latin typeface="+mn-lt"/>
               </a:rPr>
@@ -6101,7 +6309,7 @@
 </p:sld>
 </file>
 
-<file path=ppt/slides/slide13.xml><?xml version="1.0" encoding="utf-8"?>
+<file path=ppt/slides/slide14.xml><?xml version="1.0" encoding="utf-8"?>
 <p:sld xmlns:a="http://schemas.openxmlformats.org/drawingml/2006/main" xmlns:r="http://schemas.openxmlformats.org/officeDocument/2006/relationships" xmlns:p="http://schemas.openxmlformats.org/presentationml/2006/main">
   <p:cSld>
     <p:spTree>
@@ -6247,7 +6455,7 @@
 </p:sld>
 </file>
 
-<file path=ppt/slides/slide14.xml><?xml version="1.0" encoding="utf-8"?>
+<file path=ppt/slides/slide15.xml><?xml version="1.0" encoding="utf-8"?>
 <p:sld xmlns:a="http://schemas.openxmlformats.org/drawingml/2006/main" xmlns:r="http://schemas.openxmlformats.org/officeDocument/2006/relationships" xmlns:p="http://schemas.openxmlformats.org/presentationml/2006/main">
   <p:cSld>
     <p:spTree>
@@ -6415,7 +6623,7 @@
 </p:sld>
 </file>
 
-<file path=ppt/slides/slide15.xml><?xml version="1.0" encoding="utf-8"?>
+<file path=ppt/slides/slide16.xml><?xml version="1.0" encoding="utf-8"?>
 <p:sld xmlns:a="http://schemas.openxmlformats.org/drawingml/2006/main" xmlns:r="http://schemas.openxmlformats.org/officeDocument/2006/relationships" xmlns:p="http://schemas.openxmlformats.org/presentationml/2006/main">
   <p:cSld>
     <p:spTree>
@@ -6549,7 +6757,7 @@
 </p:sld>
 </file>
 
-<file path=ppt/slides/slide16.xml><?xml version="1.0" encoding="utf-8"?>
+<file path=ppt/slides/slide17.xml><?xml version="1.0" encoding="utf-8"?>
 <p:sld xmlns:a="http://schemas.openxmlformats.org/drawingml/2006/main" xmlns:r="http://schemas.openxmlformats.org/officeDocument/2006/relationships" xmlns:p="http://schemas.openxmlformats.org/presentationml/2006/main">
   <p:cSld>
     <p:spTree>
@@ -6692,7 +6900,7 @@
 </p:sld>
 </file>
 
-<file path=ppt/slides/slide17.xml><?xml version="1.0" encoding="utf-8"?>
+<file path=ppt/slides/slide18.xml><?xml version="1.0" encoding="utf-8"?>
 <p:sld xmlns:a="http://schemas.openxmlformats.org/drawingml/2006/main" xmlns:r="http://schemas.openxmlformats.org/officeDocument/2006/relationships" xmlns:p="http://schemas.openxmlformats.org/presentationml/2006/main">
   <p:cSld>
     <p:spTree>
@@ -6843,129 +7051,6 @@
 </p:sld>
 </file>
 
-<file path=ppt/slides/slide18.xml><?xml version="1.0" encoding="utf-8"?>
-<p:sld xmlns:a="http://schemas.openxmlformats.org/drawingml/2006/main" xmlns:r="http://schemas.openxmlformats.org/officeDocument/2006/relationships" xmlns:p="http://schemas.openxmlformats.org/presentationml/2006/main">
-  <p:cSld>
-    <p:spTree>
-      <p:nvGrpSpPr>
-        <p:cNvPr id="1" name=""/>
-        <p:cNvGrpSpPr/>
-        <p:nvPr/>
-      </p:nvGrpSpPr>
-      <p:grpSpPr>
-        <a:xfrm>
-          <a:off x="0" y="0"/>
-          <a:ext cx="0" cy="0"/>
-          <a:chOff x="0" y="0"/>
-          <a:chExt cx="0" cy="0"/>
-        </a:xfrm>
-      </p:grpSpPr>
-      <p:sp>
-        <p:nvSpPr>
-          <p:cNvPr id="4" name="Title 3"/>
-          <p:cNvSpPr>
-            <a:spLocks noGrp="1"/>
-          </p:cNvSpPr>
-          <p:nvPr>
-            <p:ph type="title"/>
-          </p:nvPr>
-        </p:nvSpPr>
-        <p:spPr/>
-        <p:txBody>
-          <a:bodyPr/>
-          <a:lstStyle/>
-          <a:p>
-            <a:r>
-              <a:rPr lang="en-US" dirty="0"/>
-              <a:t>The Fundamental Workflow</a:t>
-            </a:r>
-          </a:p>
-        </p:txBody>
-      </p:sp>
-      <p:sp>
-        <p:nvSpPr>
-          <p:cNvPr id="5" name="Content Placeholder 4"/>
-          <p:cNvSpPr>
-            <a:spLocks noGrp="1"/>
-          </p:cNvSpPr>
-          <p:nvPr>
-            <p:ph idx="1"/>
-          </p:nvPr>
-        </p:nvSpPr>
-        <p:spPr/>
-        <p:txBody>
-          <a:bodyPr/>
-          <a:lstStyle/>
-          <a:p>
-            <a:pPr marL="0" indent="0">
-              <a:buNone/>
-            </a:pPr>
-            <a:r>
-              <a:rPr lang="en-US" dirty="0" err="1">
-                <a:latin typeface="Consolas" panose="020B0609020204030204" pitchFamily="49" charset="0"/>
-              </a:rPr>
-              <a:t>git</a:t>
-            </a:r>
-            <a:r>
-              <a:rPr lang="en-US" dirty="0">
-                <a:latin typeface="Consolas" panose="020B0609020204030204" pitchFamily="49" charset="0"/>
-              </a:rPr>
-              <a:t> push</a:t>
-            </a:r>
-          </a:p>
-          <a:p>
-            <a:pPr marL="0" indent="0">
-              <a:buNone/>
-            </a:pPr>
-            <a:r>
-              <a:rPr lang="en-US" dirty="0">
-                <a:latin typeface="+mn-lt"/>
-              </a:rPr>
-              <a:t>“Updates remote refs using local refs, while sending objects necessary to complete the given refs.”</a:t>
-            </a:r>
-          </a:p>
-          <a:p>
-            <a:pPr marL="0" indent="0">
-              <a:buNone/>
-            </a:pPr>
-            <a:endParaRPr lang="en-US" dirty="0">
-              <a:latin typeface="Consolas" panose="020B0609020204030204" pitchFamily="49" charset="0"/>
-            </a:endParaRPr>
-          </a:p>
-        </p:txBody>
-      </p:sp>
-      <p:sp>
-        <p:nvSpPr>
-          <p:cNvPr id="6" name="Text Placeholder 5"/>
-          <p:cNvSpPr>
-            <a:spLocks noGrp="1"/>
-          </p:cNvSpPr>
-          <p:nvPr>
-            <p:ph type="body" sz="quarter" idx="11"/>
-          </p:nvPr>
-        </p:nvSpPr>
-        <p:spPr/>
-        <p:txBody>
-          <a:bodyPr/>
-          <a:lstStyle/>
-          <a:p>
-            <a:endParaRPr lang="en-US"/>
-          </a:p>
-        </p:txBody>
-      </p:sp>
-    </p:spTree>
-    <p:extLst>
-      <p:ext uri="{BB962C8B-B14F-4D97-AF65-F5344CB8AC3E}">
-        <p14:creationId xmlns:p14="http://schemas.microsoft.com/office/powerpoint/2010/main" val="556425987"/>
-      </p:ext>
-    </p:extLst>
-  </p:cSld>
-  <p:clrMapOvr>
-    <a:masterClrMapping/>
-  </p:clrMapOvr>
-</p:sld>
-</file>
-
 <file path=ppt/slides/slide19.xml><?xml version="1.0" encoding="utf-8"?>
 <p:sld xmlns:a="http://schemas.openxmlformats.org/drawingml/2006/main" xmlns:r="http://schemas.openxmlformats.org/officeDocument/2006/relationships" xmlns:p="http://schemas.openxmlformats.org/presentationml/2006/main">
   <p:cSld>
@@ -7005,32 +7090,58 @@
           </a:p>
         </p:txBody>
       </p:sp>
-      <p:pic>
-        <p:nvPicPr>
-          <p:cNvPr id="3" name="Content Placeholder 2"/>
-          <p:cNvPicPr>
-            <a:picLocks noGrp="1" noChangeAspect="1"/>
-          </p:cNvPicPr>
+      <p:sp>
+        <p:nvSpPr>
+          <p:cNvPr id="5" name="Content Placeholder 4"/>
+          <p:cNvSpPr>
+            <a:spLocks noGrp="1"/>
+          </p:cNvSpPr>
           <p:nvPr>
             <p:ph idx="1"/>
           </p:nvPr>
-        </p:nvPicPr>
-        <p:blipFill>
-          <a:blip r:embed="rId2"/>
-          <a:stretch>
-            <a:fillRect/>
-          </a:stretch>
-        </p:blipFill>
-        <p:spPr>
-          <a:xfrm>
-            <a:off x="609600" y="1008887"/>
-            <a:ext cx="6679110" cy="5698585"/>
-          </a:xfrm>
-          <a:prstGeom prst="rect">
-            <a:avLst/>
-          </a:prstGeom>
-        </p:spPr>
-      </p:pic>
+        </p:nvSpPr>
+        <p:spPr/>
+        <p:txBody>
+          <a:bodyPr/>
+          <a:lstStyle/>
+          <a:p>
+            <a:pPr marL="0" indent="0">
+              <a:buNone/>
+            </a:pPr>
+            <a:r>
+              <a:rPr lang="en-US" dirty="0" err="1">
+                <a:latin typeface="Consolas" panose="020B0609020204030204" pitchFamily="49" charset="0"/>
+              </a:rPr>
+              <a:t>git</a:t>
+            </a:r>
+            <a:r>
+              <a:rPr lang="en-US" dirty="0">
+                <a:latin typeface="Consolas" panose="020B0609020204030204" pitchFamily="49" charset="0"/>
+              </a:rPr>
+              <a:t> push</a:t>
+            </a:r>
+          </a:p>
+          <a:p>
+            <a:pPr marL="0" indent="0">
+              <a:buNone/>
+            </a:pPr>
+            <a:r>
+              <a:rPr lang="en-US" dirty="0">
+                <a:latin typeface="+mn-lt"/>
+              </a:rPr>
+              <a:t>“Updates remote refs using local refs, while sending objects necessary to complete the given refs.”</a:t>
+            </a:r>
+          </a:p>
+          <a:p>
+            <a:pPr marL="0" indent="0">
+              <a:buNone/>
+            </a:pPr>
+            <a:endParaRPr lang="en-US" dirty="0">
+              <a:latin typeface="Consolas" panose="020B0609020204030204" pitchFamily="49" charset="0"/>
+            </a:endParaRPr>
+          </a:p>
+        </p:txBody>
+      </p:sp>
       <p:sp>
         <p:nvSpPr>
           <p:cNvPr id="6" name="Text Placeholder 5"/>
@@ -7053,7 +7164,7 @@
     </p:spTree>
     <p:extLst>
       <p:ext uri="{BB962C8B-B14F-4D97-AF65-F5344CB8AC3E}">
-        <p14:creationId xmlns:p14="http://schemas.microsoft.com/office/powerpoint/2010/main" val="1027211612"/>
+        <p14:creationId xmlns:p14="http://schemas.microsoft.com/office/powerpoint/2010/main" val="556425987"/>
       </p:ext>
     </p:extLst>
   </p:cSld>
@@ -7199,6 +7310,103 @@
           <a:p>
             <a:r>
               <a:rPr lang="en-US" dirty="0"/>
+              <a:t>The Fundamental Workflow</a:t>
+            </a:r>
+          </a:p>
+        </p:txBody>
+      </p:sp>
+      <p:pic>
+        <p:nvPicPr>
+          <p:cNvPr id="3" name="Content Placeholder 2"/>
+          <p:cNvPicPr>
+            <a:picLocks noGrp="1" noChangeAspect="1"/>
+          </p:cNvPicPr>
+          <p:nvPr>
+            <p:ph idx="1"/>
+          </p:nvPr>
+        </p:nvPicPr>
+        <p:blipFill>
+          <a:blip r:embed="rId2"/>
+          <a:stretch>
+            <a:fillRect/>
+          </a:stretch>
+        </p:blipFill>
+        <p:spPr>
+          <a:xfrm>
+            <a:off x="609600" y="1008887"/>
+            <a:ext cx="6679110" cy="5698585"/>
+          </a:xfrm>
+          <a:prstGeom prst="rect">
+            <a:avLst/>
+          </a:prstGeom>
+        </p:spPr>
+      </p:pic>
+      <p:sp>
+        <p:nvSpPr>
+          <p:cNvPr id="6" name="Text Placeholder 5"/>
+          <p:cNvSpPr>
+            <a:spLocks noGrp="1"/>
+          </p:cNvSpPr>
+          <p:nvPr>
+            <p:ph type="body" sz="quarter" idx="11"/>
+          </p:nvPr>
+        </p:nvSpPr>
+        <p:spPr/>
+        <p:txBody>
+          <a:bodyPr/>
+          <a:lstStyle/>
+          <a:p>
+            <a:endParaRPr lang="en-US"/>
+          </a:p>
+        </p:txBody>
+      </p:sp>
+    </p:spTree>
+    <p:extLst>
+      <p:ext uri="{BB962C8B-B14F-4D97-AF65-F5344CB8AC3E}">
+        <p14:creationId xmlns:p14="http://schemas.microsoft.com/office/powerpoint/2010/main" val="1027211612"/>
+      </p:ext>
+    </p:extLst>
+  </p:cSld>
+  <p:clrMapOvr>
+    <a:masterClrMapping/>
+  </p:clrMapOvr>
+</p:sld>
+</file>
+
+<file path=ppt/slides/slide21.xml><?xml version="1.0" encoding="utf-8"?>
+<p:sld xmlns:a="http://schemas.openxmlformats.org/drawingml/2006/main" xmlns:r="http://schemas.openxmlformats.org/officeDocument/2006/relationships" xmlns:p="http://schemas.openxmlformats.org/presentationml/2006/main">
+  <p:cSld>
+    <p:spTree>
+      <p:nvGrpSpPr>
+        <p:cNvPr id="1" name=""/>
+        <p:cNvGrpSpPr/>
+        <p:nvPr/>
+      </p:nvGrpSpPr>
+      <p:grpSpPr>
+        <a:xfrm>
+          <a:off x="0" y="0"/>
+          <a:ext cx="0" cy="0"/>
+          <a:chOff x="0" y="0"/>
+          <a:chExt cx="0" cy="0"/>
+        </a:xfrm>
+      </p:grpSpPr>
+      <p:sp>
+        <p:nvSpPr>
+          <p:cNvPr id="4" name="Title 3"/>
+          <p:cNvSpPr>
+            <a:spLocks noGrp="1"/>
+          </p:cNvSpPr>
+          <p:nvPr>
+            <p:ph type="title"/>
+          </p:nvPr>
+        </p:nvSpPr>
+        <p:spPr/>
+        <p:txBody>
+          <a:bodyPr/>
+          <a:lstStyle/>
+          <a:p>
+            <a:r>
+              <a:rPr lang="en-US" dirty="0"/>
               <a:t>Cheap local branching</a:t>
             </a:r>
           </a:p>
@@ -7373,7 +7581,7 @@
 </p:sld>
 </file>
 
-<file path=ppt/slides/slide21.xml><?xml version="1.0" encoding="utf-8"?>
+<file path=ppt/slides/slide22.xml><?xml version="1.0" encoding="utf-8"?>
 <p:sld xmlns:a="http://schemas.openxmlformats.org/drawingml/2006/main" xmlns:r="http://schemas.openxmlformats.org/officeDocument/2006/relationships" xmlns:p="http://schemas.openxmlformats.org/presentationml/2006/main">
   <p:cSld>
     <p:spTree>
@@ -7515,7 +7723,7 @@
 </p:sld>
 </file>
 
-<file path=ppt/slides/slide22.xml><?xml version="1.0" encoding="utf-8"?>
+<file path=ppt/slides/slide23.xml><?xml version="1.0" encoding="utf-8"?>
 <p:sld xmlns:a="http://schemas.openxmlformats.org/drawingml/2006/main" xmlns:r="http://schemas.openxmlformats.org/officeDocument/2006/relationships" xmlns:p="http://schemas.openxmlformats.org/presentationml/2006/main">
   <p:cSld>
     <p:spTree>
@@ -7657,7 +7865,7 @@
 </p:sld>
 </file>
 
-<file path=ppt/slides/slide23.xml><?xml version="1.0" encoding="utf-8"?>
+<file path=ppt/slides/slide24.xml><?xml version="1.0" encoding="utf-8"?>
 <p:sld xmlns:a="http://schemas.openxmlformats.org/drawingml/2006/main" xmlns:r="http://schemas.openxmlformats.org/officeDocument/2006/relationships" xmlns:p="http://schemas.openxmlformats.org/presentationml/2006/main">
   <p:cSld>
     <p:spTree>
@@ -7799,7 +8007,7 @@
 </p:sld>
 </file>
 
-<file path=ppt/slides/slide24.xml><?xml version="1.0" encoding="utf-8"?>
+<file path=ppt/slides/slide25.xml><?xml version="1.0" encoding="utf-8"?>
 <p:sld xmlns:a="http://schemas.openxmlformats.org/drawingml/2006/main" xmlns:r="http://schemas.openxmlformats.org/officeDocument/2006/relationships" xmlns:p="http://schemas.openxmlformats.org/presentationml/2006/main">
   <p:cSld>
     <p:spTree>
@@ -7941,7 +8149,7 @@
 </p:sld>
 </file>
 
-<file path=ppt/slides/slide25.xml><?xml version="1.0" encoding="utf-8"?>
+<file path=ppt/slides/slide26.xml><?xml version="1.0" encoding="utf-8"?>
 <p:sld xmlns:a="http://schemas.openxmlformats.org/drawingml/2006/main" xmlns:r="http://schemas.openxmlformats.org/officeDocument/2006/relationships" xmlns:p="http://schemas.openxmlformats.org/presentationml/2006/main">
   <p:cSld>
     <p:spTree>
@@ -8083,7 +8291,7 @@
 </p:sld>
 </file>
 
-<file path=ppt/slides/slide26.xml><?xml version="1.0" encoding="utf-8"?>
+<file path=ppt/slides/slide27.xml><?xml version="1.0" encoding="utf-8"?>
 <p:sld xmlns:a="http://schemas.openxmlformats.org/drawingml/2006/main" xmlns:r="http://schemas.openxmlformats.org/officeDocument/2006/relationships" xmlns:p="http://schemas.openxmlformats.org/presentationml/2006/main">
   <p:cSld>
     <p:spTree>
@@ -8225,7 +8433,7 @@
 </p:sld>
 </file>
 
-<file path=ppt/slides/slide27.xml><?xml version="1.0" encoding="utf-8"?>
+<file path=ppt/slides/slide28.xml><?xml version="1.0" encoding="utf-8"?>
 <p:sld xmlns:a="http://schemas.openxmlformats.org/drawingml/2006/main" xmlns:r="http://schemas.openxmlformats.org/officeDocument/2006/relationships" xmlns:p="http://schemas.openxmlformats.org/presentationml/2006/main">
   <p:cSld>
     <p:spTree>
@@ -8351,7 +8559,7 @@
 </p:sld>
 </file>
 
-<file path=ppt/slides/slide28.xml><?xml version="1.0" encoding="utf-8"?>
+<file path=ppt/slides/slide29.xml><?xml version="1.0" encoding="utf-8"?>
 <p:sld xmlns:a="http://schemas.openxmlformats.org/drawingml/2006/main" xmlns:r="http://schemas.openxmlformats.org/officeDocument/2006/relationships" xmlns:p="http://schemas.openxmlformats.org/presentationml/2006/main">
   <p:cSld>
     <p:spTree>
@@ -8477,102 +8685,6 @@
 </p:sld>
 </file>
 
-<file path=ppt/slides/slide29.xml><?xml version="1.0" encoding="utf-8"?>
-<p:sld xmlns:a="http://schemas.openxmlformats.org/drawingml/2006/main" xmlns:r="http://schemas.openxmlformats.org/officeDocument/2006/relationships" xmlns:p="http://schemas.openxmlformats.org/presentationml/2006/main">
-  <p:cSld>
-    <p:spTree>
-      <p:nvGrpSpPr>
-        <p:cNvPr id="1" name=""/>
-        <p:cNvGrpSpPr/>
-        <p:nvPr/>
-      </p:nvGrpSpPr>
-      <p:grpSpPr>
-        <a:xfrm>
-          <a:off x="0" y="0"/>
-          <a:ext cx="0" cy="0"/>
-          <a:chOff x="0" y="0"/>
-          <a:chExt cx="0" cy="0"/>
-        </a:xfrm>
-      </p:grpSpPr>
-      <p:sp>
-        <p:nvSpPr>
-          <p:cNvPr id="4" name="Title 3"/>
-          <p:cNvSpPr>
-            <a:spLocks noGrp="1"/>
-          </p:cNvSpPr>
-          <p:nvPr>
-            <p:ph type="title"/>
-          </p:nvPr>
-        </p:nvSpPr>
-        <p:spPr/>
-        <p:txBody>
-          <a:bodyPr/>
-          <a:lstStyle/>
-          <a:p>
-            <a:r>
-              <a:rPr lang="en-US" dirty="0"/>
-              <a:t>Multiple Workflows</a:t>
-            </a:r>
-          </a:p>
-        </p:txBody>
-      </p:sp>
-      <p:sp>
-        <p:nvSpPr>
-          <p:cNvPr id="5" name="Content Placeholder 4"/>
-          <p:cNvSpPr>
-            <a:spLocks noGrp="1"/>
-          </p:cNvSpPr>
-          <p:nvPr>
-            <p:ph idx="1"/>
-          </p:nvPr>
-        </p:nvSpPr>
-        <p:spPr/>
-        <p:txBody>
-          <a:bodyPr/>
-          <a:lstStyle/>
-          <a:p>
-            <a:pPr marL="0" indent="0">
-              <a:buNone/>
-            </a:pPr>
-            <a:r>
-              <a:rPr lang="en-US" dirty="0"/>
-              <a:t>We have a workflow that we use, but it’s not the only one and because of how flexible Git is, we can (and often have to) adjust our workflow to solve problems that arise during the development process. You can lay as much or as little process on top of Git as you want. </a:t>
-            </a:r>
-          </a:p>
-        </p:txBody>
-      </p:sp>
-      <p:sp>
-        <p:nvSpPr>
-          <p:cNvPr id="6" name="Text Placeholder 5"/>
-          <p:cNvSpPr>
-            <a:spLocks noGrp="1"/>
-          </p:cNvSpPr>
-          <p:nvPr>
-            <p:ph type="body" sz="quarter" idx="11"/>
-          </p:nvPr>
-        </p:nvSpPr>
-        <p:spPr/>
-        <p:txBody>
-          <a:bodyPr/>
-          <a:lstStyle/>
-          <a:p>
-            <a:endParaRPr lang="en-US"/>
-          </a:p>
-        </p:txBody>
-      </p:sp>
-    </p:spTree>
-    <p:extLst>
-      <p:ext uri="{BB962C8B-B14F-4D97-AF65-F5344CB8AC3E}">
-        <p14:creationId xmlns:p14="http://schemas.microsoft.com/office/powerpoint/2010/main" val="3191693923"/>
-      </p:ext>
-    </p:extLst>
-  </p:cSld>
-  <p:clrMapOvr>
-    <a:masterClrMapping/>
-  </p:clrMapOvr>
-</p:sld>
-</file>
-
 <file path=ppt/slides/slide3.xml><?xml version="1.0" encoding="utf-8"?>
 <p:sld xmlns:a="http://schemas.openxmlformats.org/drawingml/2006/main" xmlns:r="http://schemas.openxmlformats.org/officeDocument/2006/relationships" xmlns:p="http://schemas.openxmlformats.org/presentationml/2006/main">
   <p:cSld>
@@ -8703,7 +8815,7 @@
           <a:p>
             <a:r>
               <a:rPr lang="en-US" dirty="0"/>
-              <a:t>About GitHub</a:t>
+              <a:t>Multiple Workflows</a:t>
             </a:r>
           </a:p>
         </p:txBody>
@@ -8728,16 +8840,7 @@
             </a:pPr>
             <a:r>
               <a:rPr lang="en-US" dirty="0"/>
-              <a:t>GitHub is not Git. Git is not GitHub. Git was created in 2005 by Linux Torvalds to aid in development of the Linux kernel. GitHub, the commercial enterprise, was founded in 2007 and has since built a sprawling ecosystem on top of Git. It is the home to most of the world's largest open source projects. It provides a number of very powerful tools built on top of Git to help with software development.</a:t>
-            </a:r>
-          </a:p>
-          <a:p>
-            <a:pPr marL="0" indent="0">
-              <a:buNone/>
-            </a:pPr>
-            <a:r>
-              <a:rPr lang="en-US" dirty="0"/>
-              <a:t>For our purposes, this means things like Pull Requests, Code Reviews and GitHub Actions (near future)</a:t>
+              <a:t>We have a workflow that we use, but it’s not the only one and because of how flexible Git is, we can (and often have to) adjust our workflow to solve problems that arise during the development process. You can lay as much or as little process on top of Git as you want. </a:t>
             </a:r>
           </a:p>
         </p:txBody>
@@ -8764,7 +8867,7 @@
     </p:spTree>
     <p:extLst>
       <p:ext uri="{BB962C8B-B14F-4D97-AF65-F5344CB8AC3E}">
-        <p14:creationId xmlns:p14="http://schemas.microsoft.com/office/powerpoint/2010/main" val="2005800389"/>
+        <p14:creationId xmlns:p14="http://schemas.microsoft.com/office/powerpoint/2010/main" val="3191693923"/>
       </p:ext>
     </p:extLst>
   </p:cSld>
@@ -8808,7 +8911,7 @@
           <a:p>
             <a:r>
               <a:rPr lang="en-US" dirty="0"/>
-              <a:t>Our Workflow</a:t>
+              <a:t>About GitHub</a:t>
             </a:r>
           </a:p>
         </p:txBody>
@@ -8833,7 +8936,16 @@
             </a:pPr>
             <a:r>
               <a:rPr lang="en-US" dirty="0"/>
-              <a:t>Once you've gotten an issue assigned to you or pulled an issue out of the backlog, it's time to work on your task. The Git process for that is in the following slides</a:t>
+              <a:t>GitHub is not Git. Git is not GitHub. Git was created in 2005 by Linux Torvalds to aid in development of the Linux kernel. GitHub, the commercial enterprise, was founded in 2007 and has since built a sprawling ecosystem on top of Git. It is the home to most of the world's largest open source projects. It provides a number of very powerful tools built on top of Git to help with software development.</a:t>
+            </a:r>
+          </a:p>
+          <a:p>
+            <a:pPr marL="0" indent="0">
+              <a:buNone/>
+            </a:pPr>
+            <a:r>
+              <a:rPr lang="en-US" dirty="0"/>
+              <a:t>For our purposes, this means things like Pull Requests, Code Reviews and GitHub Actions (near future)</a:t>
             </a:r>
           </a:p>
         </p:txBody>
@@ -8860,7 +8972,7 @@
     </p:spTree>
     <p:extLst>
       <p:ext uri="{BB962C8B-B14F-4D97-AF65-F5344CB8AC3E}">
-        <p14:creationId xmlns:p14="http://schemas.microsoft.com/office/powerpoint/2010/main" val="4151070049"/>
+        <p14:creationId xmlns:p14="http://schemas.microsoft.com/office/powerpoint/2010/main" val="2005800389"/>
       </p:ext>
     </p:extLst>
   </p:cSld>
@@ -8909,35 +9021,31 @@
           </a:p>
         </p:txBody>
       </p:sp>
-      <p:pic>
-        <p:nvPicPr>
-          <p:cNvPr id="2" name="Content Placeholder 1"/>
-          <p:cNvPicPr>
-            <a:picLocks noGrp="1" noChangeAspect="1"/>
-          </p:cNvPicPr>
+      <p:sp>
+        <p:nvSpPr>
+          <p:cNvPr id="5" name="Content Placeholder 4"/>
+          <p:cNvSpPr>
+            <a:spLocks noGrp="1"/>
+          </p:cNvSpPr>
           <p:nvPr>
             <p:ph idx="1"/>
           </p:nvPr>
-        </p:nvPicPr>
-        <p:blipFill>
-          <a:blip r:embed="rId2" cstate="print">
-            <a:extLst>
-              <a:ext uri="{28A0092B-C50C-407E-A947-70E740481C1C}">
-                <a14:useLocalDpi xmlns:a14="http://schemas.microsoft.com/office/drawing/2010/main" val="0"/>
-              </a:ext>
-            </a:extLst>
-          </a:blip>
-          <a:stretch>
-            <a:fillRect/>
-          </a:stretch>
-        </p:blipFill>
-        <p:spPr>
-          <a:xfrm>
-            <a:off x="609600" y="1082021"/>
-            <a:ext cx="2971943" cy="4576377"/>
-          </a:xfrm>
-        </p:spPr>
-      </p:pic>
+        </p:nvSpPr>
+        <p:spPr/>
+        <p:txBody>
+          <a:bodyPr/>
+          <a:lstStyle/>
+          <a:p>
+            <a:pPr marL="0" indent="0">
+              <a:buNone/>
+            </a:pPr>
+            <a:r>
+              <a:rPr lang="en-US" dirty="0"/>
+              <a:t>Once you've gotten an issue assigned to you or pulled an issue out of the backlog, it's time to work on your task. The Git process for that is in the following slides</a:t>
+            </a:r>
+          </a:p>
+        </p:txBody>
+      </p:sp>
       <p:sp>
         <p:nvSpPr>
           <p:cNvPr id="6" name="Text Placeholder 5"/>
@@ -8953,48 +9061,14 @@
           <a:bodyPr/>
           <a:lstStyle/>
           <a:p>
-            <a:endParaRPr lang="en-US" dirty="0"/>
-          </a:p>
-        </p:txBody>
-      </p:sp>
-      <p:sp>
-        <p:nvSpPr>
-          <p:cNvPr id="3" name="Rectangle 2"/>
-          <p:cNvSpPr/>
-          <p:nvPr/>
-        </p:nvSpPr>
-        <p:spPr>
-          <a:xfrm>
-            <a:off x="3581543" y="1082021"/>
-            <a:ext cx="6096000" cy="923330"/>
-          </a:xfrm>
-          <a:prstGeom prst="rect">
-            <a:avLst/>
-          </a:prstGeom>
-        </p:spPr>
-        <p:txBody>
-          <a:bodyPr>
-            <a:spAutoFit/>
-          </a:bodyPr>
-          <a:lstStyle/>
-          <a:p>
-            <a:r>
-              <a:rPr lang="en-US" dirty="0">
-                <a:hlinkClick r:id="rId3"/>
-              </a:rPr>
-              <a:t>https://eatonvance.atlassian.net/wiki/spaces/SHER/pages/834699276/Feature+Workflow</a:t>
-            </a:r>
-            <a:endParaRPr lang="en-US" dirty="0"/>
-          </a:p>
-          <a:p>
-            <a:endParaRPr lang="en-US" dirty="0"/>
+            <a:endParaRPr lang="en-US"/>
           </a:p>
         </p:txBody>
       </p:sp>
     </p:spTree>
     <p:extLst>
       <p:ext uri="{BB962C8B-B14F-4D97-AF65-F5344CB8AC3E}">
-        <p14:creationId xmlns:p14="http://schemas.microsoft.com/office/powerpoint/2010/main" val="2945022893"/>
+        <p14:creationId xmlns:p14="http://schemas.microsoft.com/office/powerpoint/2010/main" val="4151070049"/>
       </p:ext>
     </p:extLst>
   </p:cSld>
@@ -9043,162 +9117,92 @@
           </a:p>
         </p:txBody>
       </p:sp>
-      <p:sp>
-        <p:nvSpPr>
-          <p:cNvPr id="5" name="Content Placeholder 4"/>
-          <p:cNvSpPr>
-            <a:spLocks noGrp="1"/>
-          </p:cNvSpPr>
+      <p:pic>
+        <p:nvPicPr>
+          <p:cNvPr id="2" name="Content Placeholder 1"/>
+          <p:cNvPicPr>
+            <a:picLocks noGrp="1" noChangeAspect="1"/>
+          </p:cNvPicPr>
           <p:nvPr>
             <p:ph idx="1"/>
           </p:nvPr>
-        </p:nvSpPr>
-        <p:spPr/>
-        <p:txBody>
-          <a:bodyPr/>
-          <a:lstStyle/>
-          <a:p>
-            <a:pPr marL="0" indent="0">
-              <a:buNone/>
-            </a:pPr>
-            <a:r>
-              <a:rPr lang="en-US" dirty="0"/>
-              <a:t>If you’ve never done this before, check to make sure your local repository is in a clean state. This example was run from Development, but you might be in another branch and you want to make sure you’re in a clean state</a:t>
-            </a:r>
-          </a:p>
-          <a:p>
-            <a:pPr marL="0" indent="0">
-              <a:buNone/>
-            </a:pPr>
+        </p:nvPicPr>
+        <p:blipFill>
+          <a:blip r:embed="rId2" cstate="print">
+            <a:extLst>
+              <a:ext uri="{28A0092B-C50C-407E-A947-70E740481C1C}">
+                <a14:useLocalDpi xmlns:a14="http://schemas.microsoft.com/office/drawing/2010/main" val="0"/>
+              </a:ext>
+            </a:extLst>
+          </a:blip>
+          <a:stretch>
+            <a:fillRect/>
+          </a:stretch>
+        </p:blipFill>
+        <p:spPr>
+          <a:xfrm>
+            <a:off x="609600" y="1082021"/>
+            <a:ext cx="2971943" cy="4576377"/>
+          </a:xfrm>
+        </p:spPr>
+      </p:pic>
+      <p:sp>
+        <p:nvSpPr>
+          <p:cNvPr id="6" name="Text Placeholder 5"/>
+          <p:cNvSpPr>
+            <a:spLocks noGrp="1"/>
+          </p:cNvSpPr>
+          <p:nvPr>
+            <p:ph type="body" sz="quarter" idx="11"/>
+          </p:nvPr>
+        </p:nvSpPr>
+        <p:spPr/>
+        <p:txBody>
+          <a:bodyPr/>
+          <a:lstStyle/>
+          <a:p>
             <a:endParaRPr lang="en-US" dirty="0"/>
           </a:p>
-          <a:p>
-            <a:pPr marL="0" indent="0">
-              <a:buNone/>
-            </a:pPr>
+        </p:txBody>
+      </p:sp>
+      <p:sp>
+        <p:nvSpPr>
+          <p:cNvPr id="3" name="Rectangle 2"/>
+          <p:cNvSpPr/>
+          <p:nvPr/>
+        </p:nvSpPr>
+        <p:spPr>
+          <a:xfrm>
+            <a:off x="3581543" y="1082021"/>
+            <a:ext cx="6096000" cy="923330"/>
+          </a:xfrm>
+          <a:prstGeom prst="rect">
+            <a:avLst/>
+          </a:prstGeom>
+        </p:spPr>
+        <p:txBody>
+          <a:bodyPr>
+            <a:spAutoFit/>
+          </a:bodyPr>
+          <a:lstStyle/>
+          <a:p>
             <a:r>
               <a:rPr lang="en-US" dirty="0">
-                <a:latin typeface="Consolas" panose="020B0609020204030204" pitchFamily="49" charset="0"/>
+                <a:hlinkClick r:id="rId3"/>
               </a:rPr>
-              <a:t>rlarsen@RLARSEN1 MINGW64 ~/</a:t>
-            </a:r>
-            <a:r>
-              <a:rPr lang="en-US" dirty="0" err="1">
-                <a:latin typeface="Consolas" panose="020B0609020204030204" pitchFamily="49" charset="0"/>
-              </a:rPr>
-              <a:t>sherpa</a:t>
-            </a:r>
-            <a:r>
-              <a:rPr lang="en-US" dirty="0">
-                <a:latin typeface="Consolas" panose="020B0609020204030204" pitchFamily="49" charset="0"/>
-              </a:rPr>
-              <a:t>-enterprise-data-</a:t>
-            </a:r>
-            <a:r>
-              <a:rPr lang="en-US" dirty="0" err="1">
-                <a:latin typeface="Consolas" panose="020B0609020204030204" pitchFamily="49" charset="0"/>
-              </a:rPr>
-              <a:t>ui</a:t>
-            </a:r>
-            <a:r>
-              <a:rPr lang="en-US" dirty="0">
-                <a:latin typeface="Consolas" panose="020B0609020204030204" pitchFamily="49" charset="0"/>
-              </a:rPr>
-              <a:t> (Development)      </a:t>
-            </a:r>
-          </a:p>
-          <a:p>
-            <a:pPr marL="0" indent="0">
-              <a:buNone/>
-            </a:pPr>
-            <a:r>
-              <a:rPr lang="en-US" dirty="0">
-                <a:latin typeface="Consolas" panose="020B0609020204030204" pitchFamily="49" charset="0"/>
-              </a:rPr>
-              <a:t>$ </a:t>
-            </a:r>
-            <a:r>
-              <a:rPr lang="en-US" dirty="0" err="1">
-                <a:latin typeface="Consolas" panose="020B0609020204030204" pitchFamily="49" charset="0"/>
-              </a:rPr>
-              <a:t>git</a:t>
-            </a:r>
-            <a:r>
-              <a:rPr lang="en-US" dirty="0">
-                <a:latin typeface="Consolas" panose="020B0609020204030204" pitchFamily="49" charset="0"/>
-              </a:rPr>
-              <a:t> status                                                                    </a:t>
-            </a:r>
-          </a:p>
-          <a:p>
-            <a:pPr marL="0" indent="0">
-              <a:buNone/>
-            </a:pPr>
-            <a:r>
-              <a:rPr lang="en-US" dirty="0">
-                <a:latin typeface="Consolas" panose="020B0609020204030204" pitchFamily="49" charset="0"/>
-              </a:rPr>
-              <a:t>On branch Development                                                           </a:t>
-            </a:r>
-          </a:p>
-          <a:p>
-            <a:pPr marL="0" indent="0">
-              <a:buNone/>
-            </a:pPr>
-            <a:r>
-              <a:rPr lang="en-US" dirty="0">
-                <a:latin typeface="Consolas" panose="020B0609020204030204" pitchFamily="49" charset="0"/>
-              </a:rPr>
-              <a:t>Your branch is up to date with 'origin/Development'.                            </a:t>
-            </a:r>
-          </a:p>
-          <a:p>
-            <a:pPr marL="0" indent="0">
-              <a:buNone/>
-            </a:pPr>
-            <a:r>
-              <a:rPr lang="en-US" dirty="0">
-                <a:latin typeface="Consolas" panose="020B0609020204030204" pitchFamily="49" charset="0"/>
-              </a:rPr>
-              <a:t>                                                                                </a:t>
-            </a:r>
-          </a:p>
-          <a:p>
-            <a:pPr marL="0" indent="0">
-              <a:buNone/>
-            </a:pPr>
-            <a:r>
-              <a:rPr lang="en-US" dirty="0">
-                <a:latin typeface="Consolas" panose="020B0609020204030204" pitchFamily="49" charset="0"/>
-              </a:rPr>
-              <a:t>nothing to commit, working tree clean </a:t>
-            </a:r>
-          </a:p>
-        </p:txBody>
-      </p:sp>
-      <p:sp>
-        <p:nvSpPr>
-          <p:cNvPr id="6" name="Text Placeholder 5"/>
-          <p:cNvSpPr>
-            <a:spLocks noGrp="1"/>
-          </p:cNvSpPr>
-          <p:nvPr>
-            <p:ph type="body" sz="quarter" idx="11"/>
-          </p:nvPr>
-        </p:nvSpPr>
-        <p:spPr/>
-        <p:txBody>
-          <a:bodyPr/>
-          <a:lstStyle/>
-          <a:p>
-            <a:endParaRPr lang="en-US"/>
+              <a:t>https://eatonvance.atlassian.net/wiki/spaces/SHER/pages/834699276/Feature+Workflow</a:t>
+            </a:r>
+            <a:endParaRPr lang="en-US" dirty="0"/>
+          </a:p>
+          <a:p>
+            <a:endParaRPr lang="en-US" dirty="0"/>
           </a:p>
         </p:txBody>
       </p:sp>
     </p:spTree>
     <p:extLst>
       <p:ext uri="{BB962C8B-B14F-4D97-AF65-F5344CB8AC3E}">
-        <p14:creationId xmlns:p14="http://schemas.microsoft.com/office/powerpoint/2010/main" val="4194661398"/>
+        <p14:creationId xmlns:p14="http://schemas.microsoft.com/office/powerpoint/2010/main" val="2945022893"/>
       </p:ext>
     </p:extLst>
   </p:cSld>
@@ -9267,16 +9271,7 @@
             </a:pPr>
             <a:r>
               <a:rPr lang="en-US" dirty="0"/>
-              <a:t>If your working tree is clean, then go onto the next step. If it’s not either Git stash your changes or commit them to your branch.</a:t>
-            </a:r>
-          </a:p>
-          <a:p>
-            <a:pPr marL="0" indent="0">
-              <a:buNone/>
-            </a:pPr>
-            <a:r>
-              <a:rPr lang="en-US" dirty="0"/>
-              <a:t>To get started, run:</a:t>
+              <a:t>If you’ve never done this before, check to make sure your local repository is in a clean state. This example was run from Development, but you might be in another branch and you want to make sure you’re in a clean state</a:t>
             </a:r>
           </a:p>
           <a:p>
@@ -9289,6 +9284,47 @@
             <a:pPr marL="0" indent="0">
               <a:buNone/>
             </a:pPr>
+            <a:r>
+              <a:rPr lang="en-US" dirty="0">
+                <a:latin typeface="Consolas" panose="020B0609020204030204" pitchFamily="49" charset="0"/>
+              </a:rPr>
+              <a:t>rlarsen@RLARSEN1 MINGW64 ~/</a:t>
+            </a:r>
+            <a:r>
+              <a:rPr lang="en-US" dirty="0" err="1">
+                <a:latin typeface="Consolas" panose="020B0609020204030204" pitchFamily="49" charset="0"/>
+              </a:rPr>
+              <a:t>sherpa</a:t>
+            </a:r>
+            <a:r>
+              <a:rPr lang="en-US" dirty="0">
+                <a:latin typeface="Consolas" panose="020B0609020204030204" pitchFamily="49" charset="0"/>
+              </a:rPr>
+              <a:t>-enterprise-data-</a:t>
+            </a:r>
+            <a:r>
+              <a:rPr lang="en-US" dirty="0" err="1">
+                <a:latin typeface="Consolas" panose="020B0609020204030204" pitchFamily="49" charset="0"/>
+              </a:rPr>
+              <a:t>ui</a:t>
+            </a:r>
+            <a:r>
+              <a:rPr lang="en-US" dirty="0">
+                <a:latin typeface="Consolas" panose="020B0609020204030204" pitchFamily="49" charset="0"/>
+              </a:rPr>
+              <a:t> (Development)      </a:t>
+            </a:r>
+          </a:p>
+          <a:p>
+            <a:pPr marL="0" indent="0">
+              <a:buNone/>
+            </a:pPr>
+            <a:r>
+              <a:rPr lang="en-US" dirty="0">
+                <a:latin typeface="Consolas" panose="020B0609020204030204" pitchFamily="49" charset="0"/>
+              </a:rPr>
+              <a:t>$ </a:t>
+            </a:r>
             <a:r>
               <a:rPr lang="en-US" dirty="0" err="1">
                 <a:latin typeface="Consolas" panose="020B0609020204030204" pitchFamily="49" charset="0"/>
@@ -9299,81 +9335,52 @@
               <a:rPr lang="en-US" dirty="0">
                 <a:latin typeface="Consolas" panose="020B0609020204030204" pitchFamily="49" charset="0"/>
               </a:rPr>
-              <a:t> checkout Development</a:t>
-            </a:r>
-          </a:p>
-          <a:p>
-            <a:pPr marL="0" indent="0">
-              <a:buNone/>
-            </a:pPr>
-            <a:r>
-              <a:rPr lang="en-US" dirty="0" err="1">
-                <a:latin typeface="Consolas" panose="020B0609020204030204" pitchFamily="49" charset="0"/>
-              </a:rPr>
-              <a:t>git</a:t>
-            </a:r>
+              <a:t> status                                                                    </a:t>
+            </a:r>
+          </a:p>
+          <a:p>
+            <a:pPr marL="0" indent="0">
+              <a:buNone/>
+            </a:pPr>
             <a:r>
               <a:rPr lang="en-US" dirty="0">
                 <a:latin typeface="Consolas" panose="020B0609020204030204" pitchFamily="49" charset="0"/>
               </a:rPr>
-              <a:t> pull</a:t>
-            </a:r>
-          </a:p>
-          <a:p>
-            <a:pPr marL="0" indent="0">
-              <a:buNone/>
-            </a:pPr>
-            <a:r>
-              <a:rPr lang="en-US" dirty="0" err="1">
-                <a:latin typeface="Consolas" panose="020B0609020204030204" pitchFamily="49" charset="0"/>
-              </a:rPr>
-              <a:t>git</a:t>
-            </a:r>
+              <a:t>On branch Development                                                           </a:t>
+            </a:r>
+          </a:p>
+          <a:p>
+            <a:pPr marL="0" indent="0">
+              <a:buNone/>
+            </a:pPr>
             <a:r>
               <a:rPr lang="en-US" dirty="0">
                 <a:latin typeface="Consolas" panose="020B0609020204030204" pitchFamily="49" charset="0"/>
               </a:rPr>
-              <a:t> checkout -b [branch name from options below]</a:t>
-            </a:r>
-          </a:p>
-          <a:p>
-            <a:pPr marL="0" indent="0">
-              <a:buNone/>
-            </a:pPr>
-            <a:endParaRPr lang="en-US" dirty="0"/>
-          </a:p>
-          <a:p>
-            <a:pPr marL="285750" indent="-285750"/>
-            <a:r>
-              <a:rPr lang="en-US" dirty="0"/>
-              <a:t>bug/[JIRA Issue Name]</a:t>
-            </a:r>
-          </a:p>
-          <a:p>
-            <a:pPr marL="285750" indent="-285750"/>
-            <a:r>
-              <a:rPr lang="en-US" dirty="0"/>
-              <a:t>feature/[JIRA Issue Name]</a:t>
-            </a:r>
-          </a:p>
-          <a:p>
-            <a:pPr marL="285750" indent="-285750"/>
-            <a:r>
-              <a:rPr lang="en-US" dirty="0"/>
-              <a:t>[other]/[description of work] Used for refactoring, net new features, etc.</a:t>
-            </a:r>
-          </a:p>
-          <a:p>
-            <a:pPr marL="0" indent="0">
-              <a:buNone/>
-            </a:pPr>
-            <a:endParaRPr lang="en-US" dirty="0"/>
-          </a:p>
-          <a:p>
-            <a:pPr marL="0" indent="0">
-              <a:buNone/>
-            </a:pPr>
-            <a:endParaRPr lang="en-US" dirty="0"/>
+              <a:t>Your branch is up to date with 'origin/Development'.                            </a:t>
+            </a:r>
+          </a:p>
+          <a:p>
+            <a:pPr marL="0" indent="0">
+              <a:buNone/>
+            </a:pPr>
+            <a:r>
+              <a:rPr lang="en-US" dirty="0">
+                <a:latin typeface="Consolas" panose="020B0609020204030204" pitchFamily="49" charset="0"/>
+              </a:rPr>
+              <a:t>                                                                                </a:t>
+            </a:r>
+          </a:p>
+          <a:p>
+            <a:pPr marL="0" indent="0">
+              <a:buNone/>
+            </a:pPr>
+            <a:r>
+              <a:rPr lang="en-US" dirty="0">
+                <a:latin typeface="Consolas" panose="020B0609020204030204" pitchFamily="49" charset="0"/>
+              </a:rPr>
+              <a:t>nothing to commit, working tree clean </a:t>
+            </a:r>
           </a:p>
         </p:txBody>
       </p:sp>
@@ -9399,7 +9406,7 @@
     </p:spTree>
     <p:extLst>
       <p:ext uri="{BB962C8B-B14F-4D97-AF65-F5344CB8AC3E}">
-        <p14:creationId xmlns:p14="http://schemas.microsoft.com/office/powerpoint/2010/main" val="3336633769"/>
+        <p14:creationId xmlns:p14="http://schemas.microsoft.com/office/powerpoint/2010/main" val="4194661398"/>
       </p:ext>
     </p:extLst>
   </p:cSld>
@@ -9468,8 +9475,113 @@
             </a:pPr>
             <a:r>
               <a:rPr lang="en-US" dirty="0"/>
-              <a:t>As you work on your task, be sure to pull in the latest changes from Development often and push your code to your branch often. Because we will squash your commits in the pull request process, there's no real penalty for committing early and often.</a:t>
-            </a:r>
+              <a:t>If your working tree is clean, then go onto the next step. If it’s not either Git stash your changes or commit them to your branch.</a:t>
+            </a:r>
+          </a:p>
+          <a:p>
+            <a:pPr marL="0" indent="0">
+              <a:buNone/>
+            </a:pPr>
+            <a:r>
+              <a:rPr lang="en-US" dirty="0"/>
+              <a:t>To get started, run:</a:t>
+            </a:r>
+          </a:p>
+          <a:p>
+            <a:pPr marL="0" indent="0">
+              <a:buNone/>
+            </a:pPr>
+            <a:endParaRPr lang="en-US" dirty="0"/>
+          </a:p>
+          <a:p>
+            <a:pPr marL="0" indent="0">
+              <a:buNone/>
+            </a:pPr>
+            <a:r>
+              <a:rPr lang="en-US" dirty="0" err="1">
+                <a:latin typeface="Consolas" panose="020B0609020204030204" pitchFamily="49" charset="0"/>
+              </a:rPr>
+              <a:t>git</a:t>
+            </a:r>
+            <a:r>
+              <a:rPr lang="en-US" dirty="0">
+                <a:latin typeface="Consolas" panose="020B0609020204030204" pitchFamily="49" charset="0"/>
+              </a:rPr>
+              <a:t> checkout Development</a:t>
+            </a:r>
+          </a:p>
+          <a:p>
+            <a:pPr marL="0" indent="0">
+              <a:buNone/>
+            </a:pPr>
+            <a:r>
+              <a:rPr lang="en-US" dirty="0" err="1">
+                <a:latin typeface="Consolas" panose="020B0609020204030204" pitchFamily="49" charset="0"/>
+              </a:rPr>
+              <a:t>git</a:t>
+            </a:r>
+            <a:r>
+              <a:rPr lang="en-US" dirty="0">
+                <a:latin typeface="Consolas" panose="020B0609020204030204" pitchFamily="49" charset="0"/>
+              </a:rPr>
+              <a:t> pull</a:t>
+            </a:r>
+          </a:p>
+          <a:p>
+            <a:pPr marL="0" indent="0">
+              <a:buNone/>
+            </a:pPr>
+            <a:r>
+              <a:rPr lang="en-US" dirty="0" err="1">
+                <a:latin typeface="Consolas" panose="020B0609020204030204" pitchFamily="49" charset="0"/>
+              </a:rPr>
+              <a:t>git</a:t>
+            </a:r>
+            <a:r>
+              <a:rPr lang="en-US" dirty="0">
+                <a:latin typeface="Consolas" panose="020B0609020204030204" pitchFamily="49" charset="0"/>
+              </a:rPr>
+              <a:t> checkout -b [branch name from options below]</a:t>
+            </a:r>
+          </a:p>
+          <a:p>
+            <a:pPr marL="0" indent="0">
+              <a:buNone/>
+            </a:pPr>
+            <a:endParaRPr lang="en-US" dirty="0"/>
+          </a:p>
+          <a:p>
+            <a:pPr marL="285750" indent="-285750"/>
+            <a:r>
+              <a:rPr lang="en-US" dirty="0"/>
+              <a:t>bug/[JIRA Issue Name]</a:t>
+            </a:r>
+          </a:p>
+          <a:p>
+            <a:pPr marL="285750" indent="-285750"/>
+            <a:r>
+              <a:rPr lang="en-US" dirty="0"/>
+              <a:t>feature/[JIRA Issue Name]</a:t>
+            </a:r>
+          </a:p>
+          <a:p>
+            <a:pPr marL="285750" indent="-285750"/>
+            <a:r>
+              <a:rPr lang="en-US" dirty="0"/>
+              <a:t>[other]/[description of work] Used for refactoring, net new features, etc.</a:t>
+            </a:r>
+          </a:p>
+          <a:p>
+            <a:pPr marL="0" indent="0">
+              <a:buNone/>
+            </a:pPr>
+            <a:endParaRPr lang="en-US" dirty="0"/>
+          </a:p>
+          <a:p>
+            <a:pPr marL="0" indent="0">
+              <a:buNone/>
+            </a:pPr>
+            <a:endParaRPr lang="en-US" dirty="0"/>
           </a:p>
         </p:txBody>
       </p:sp>
@@ -9488,14 +9600,14 @@
           <a:bodyPr/>
           <a:lstStyle/>
           <a:p>
-            <a:endParaRPr lang="en-US" dirty="0"/>
+            <a:endParaRPr lang="en-US"/>
           </a:p>
         </p:txBody>
       </p:sp>
     </p:spTree>
     <p:extLst>
       <p:ext uri="{BB962C8B-B14F-4D97-AF65-F5344CB8AC3E}">
-        <p14:creationId xmlns:p14="http://schemas.microsoft.com/office/powerpoint/2010/main" val="1919543426"/>
+        <p14:creationId xmlns:p14="http://schemas.microsoft.com/office/powerpoint/2010/main" val="3336633769"/>
       </p:ext>
     </p:extLst>
   </p:cSld>
@@ -9524,7 +9636,7 @@
       </p:grpSpPr>
       <p:sp>
         <p:nvSpPr>
-          <p:cNvPr id="2" name="Title 1"/>
+          <p:cNvPr id="4" name="Title 3"/>
           <p:cNvSpPr>
             <a:spLocks noGrp="1"/>
           </p:cNvSpPr>
@@ -9546,7 +9658,7 @@
       </p:sp>
       <p:sp>
         <p:nvSpPr>
-          <p:cNvPr id="3" name="Content Placeholder 2"/>
+          <p:cNvPr id="5" name="Content Placeholder 4"/>
           <p:cNvSpPr>
             <a:spLocks noGrp="1"/>
           </p:cNvSpPr>
@@ -9564,100 +9676,34 @@
             </a:pPr>
             <a:r>
               <a:rPr lang="en-US" dirty="0"/>
-              <a:t>Working with Pull Requests</a:t>
-            </a:r>
-          </a:p>
-          <a:p>
-            <a:pPr marL="0" indent="0">
-              <a:buNone/>
-            </a:pPr>
-            <a:r>
-              <a:rPr lang="en-US" dirty="0"/>
-              <a:t>As soon as you have complete some work, commit your code and push your branch to GitHub. If your branch is called bug/SHERPA-1999 you would run the following commands:</a:t>
-            </a:r>
-          </a:p>
-          <a:p>
-            <a:pPr marL="0" indent="0">
-              <a:buNone/>
-            </a:pPr>
+              <a:t>As you work on your task, be sure to pull in the latest changes from Development often and push your code to your branch often. Because we will squash your commits in the pull request process, there's no real penalty for committing early and often.</a:t>
+            </a:r>
+          </a:p>
+        </p:txBody>
+      </p:sp>
+      <p:sp>
+        <p:nvSpPr>
+          <p:cNvPr id="6" name="Text Placeholder 5"/>
+          <p:cNvSpPr>
+            <a:spLocks noGrp="1"/>
+          </p:cNvSpPr>
+          <p:nvPr>
+            <p:ph type="body" sz="quarter" idx="11"/>
+          </p:nvPr>
+        </p:nvSpPr>
+        <p:spPr/>
+        <p:txBody>
+          <a:bodyPr/>
+          <a:lstStyle/>
+          <a:p>
             <a:endParaRPr lang="en-US" dirty="0"/>
-          </a:p>
-          <a:p>
-            <a:pPr marL="0" indent="0">
-              <a:buNone/>
-            </a:pPr>
-            <a:r>
-              <a:rPr lang="en-US" dirty="0" err="1">
-                <a:latin typeface="Consolas" panose="020B0609020204030204" pitchFamily="49" charset="0"/>
-              </a:rPr>
-              <a:t>git</a:t>
-            </a:r>
-            <a:r>
-              <a:rPr lang="en-US" dirty="0">
-                <a:latin typeface="Consolas" panose="020B0609020204030204" pitchFamily="49" charset="0"/>
-              </a:rPr>
-              <a:t> add .</a:t>
-            </a:r>
-          </a:p>
-          <a:p>
-            <a:pPr marL="0" indent="0">
-              <a:buNone/>
-            </a:pPr>
-            <a:r>
-              <a:rPr lang="en-US" dirty="0" err="1">
-                <a:latin typeface="Consolas" panose="020B0609020204030204" pitchFamily="49" charset="0"/>
-              </a:rPr>
-              <a:t>git</a:t>
-            </a:r>
-            <a:r>
-              <a:rPr lang="en-US" dirty="0">
-                <a:latin typeface="Consolas" panose="020B0609020204030204" pitchFamily="49" charset="0"/>
-              </a:rPr>
-              <a:t> commit -m "these are my changes"</a:t>
-            </a:r>
-          </a:p>
-          <a:p>
-            <a:pPr marL="0" indent="0">
-              <a:buNone/>
-            </a:pPr>
-            <a:r>
-              <a:rPr lang="en-US" dirty="0" err="1">
-                <a:latin typeface="Consolas" panose="020B0609020204030204" pitchFamily="49" charset="0"/>
-              </a:rPr>
-              <a:t>git</a:t>
-            </a:r>
-            <a:r>
-              <a:rPr lang="en-US" dirty="0">
-                <a:latin typeface="Consolas" panose="020B0609020204030204" pitchFamily="49" charset="0"/>
-              </a:rPr>
-              <a:t> push --set-upstream origin bug/SHERPA-1999</a:t>
-            </a:r>
-          </a:p>
-        </p:txBody>
-      </p:sp>
-      <p:sp>
-        <p:nvSpPr>
-          <p:cNvPr id="4" name="Text Placeholder 3"/>
-          <p:cNvSpPr>
-            <a:spLocks noGrp="1"/>
-          </p:cNvSpPr>
-          <p:nvPr>
-            <p:ph type="body" sz="quarter" idx="11"/>
-          </p:nvPr>
-        </p:nvSpPr>
-        <p:spPr/>
-        <p:txBody>
-          <a:bodyPr/>
-          <a:lstStyle/>
-          <a:p>
-            <a:endParaRPr lang="en-US"/>
           </a:p>
         </p:txBody>
       </p:sp>
     </p:spTree>
     <p:extLst>
       <p:ext uri="{BB962C8B-B14F-4D97-AF65-F5344CB8AC3E}">
-        <p14:creationId xmlns:p14="http://schemas.microsoft.com/office/powerpoint/2010/main" val="2108417135"/>
+        <p14:creationId xmlns:p14="http://schemas.microsoft.com/office/powerpoint/2010/main" val="1919543426"/>
       </p:ext>
     </p:extLst>
   </p:cSld>
@@ -9726,6 +9772,168 @@
             </a:pPr>
             <a:r>
               <a:rPr lang="en-US" dirty="0"/>
+              <a:t>Working with Pull Requests</a:t>
+            </a:r>
+          </a:p>
+          <a:p>
+            <a:pPr marL="0" indent="0">
+              <a:buNone/>
+            </a:pPr>
+            <a:r>
+              <a:rPr lang="en-US" dirty="0"/>
+              <a:t>As soon as you have complete some work, commit your code and push your branch to GitHub. If your branch is called bug/SHERPA-1999 you would run the following commands:</a:t>
+            </a:r>
+          </a:p>
+          <a:p>
+            <a:pPr marL="0" indent="0">
+              <a:buNone/>
+            </a:pPr>
+            <a:endParaRPr lang="en-US" dirty="0"/>
+          </a:p>
+          <a:p>
+            <a:pPr marL="0" indent="0">
+              <a:buNone/>
+            </a:pPr>
+            <a:r>
+              <a:rPr lang="en-US" dirty="0" err="1">
+                <a:latin typeface="Consolas" panose="020B0609020204030204" pitchFamily="49" charset="0"/>
+              </a:rPr>
+              <a:t>git</a:t>
+            </a:r>
+            <a:r>
+              <a:rPr lang="en-US" dirty="0">
+                <a:latin typeface="Consolas" panose="020B0609020204030204" pitchFamily="49" charset="0"/>
+              </a:rPr>
+              <a:t> add .</a:t>
+            </a:r>
+          </a:p>
+          <a:p>
+            <a:pPr marL="0" indent="0">
+              <a:buNone/>
+            </a:pPr>
+            <a:r>
+              <a:rPr lang="en-US" dirty="0" err="1">
+                <a:latin typeface="Consolas" panose="020B0609020204030204" pitchFamily="49" charset="0"/>
+              </a:rPr>
+              <a:t>git</a:t>
+            </a:r>
+            <a:r>
+              <a:rPr lang="en-US" dirty="0">
+                <a:latin typeface="Consolas" panose="020B0609020204030204" pitchFamily="49" charset="0"/>
+              </a:rPr>
+              <a:t> commit -m "these are my changes"</a:t>
+            </a:r>
+          </a:p>
+          <a:p>
+            <a:pPr marL="0" indent="0">
+              <a:buNone/>
+            </a:pPr>
+            <a:r>
+              <a:rPr lang="en-US" dirty="0" err="1">
+                <a:latin typeface="Consolas" panose="020B0609020204030204" pitchFamily="49" charset="0"/>
+              </a:rPr>
+              <a:t>git</a:t>
+            </a:r>
+            <a:r>
+              <a:rPr lang="en-US" dirty="0">
+                <a:latin typeface="Consolas" panose="020B0609020204030204" pitchFamily="49" charset="0"/>
+              </a:rPr>
+              <a:t> push --set-upstream origin bug/SHERPA-1999</a:t>
+            </a:r>
+          </a:p>
+        </p:txBody>
+      </p:sp>
+      <p:sp>
+        <p:nvSpPr>
+          <p:cNvPr id="4" name="Text Placeholder 3"/>
+          <p:cNvSpPr>
+            <a:spLocks noGrp="1"/>
+          </p:cNvSpPr>
+          <p:nvPr>
+            <p:ph type="body" sz="quarter" idx="11"/>
+          </p:nvPr>
+        </p:nvSpPr>
+        <p:spPr/>
+        <p:txBody>
+          <a:bodyPr/>
+          <a:lstStyle/>
+          <a:p>
+            <a:endParaRPr lang="en-US"/>
+          </a:p>
+        </p:txBody>
+      </p:sp>
+    </p:spTree>
+    <p:extLst>
+      <p:ext uri="{BB962C8B-B14F-4D97-AF65-F5344CB8AC3E}">
+        <p14:creationId xmlns:p14="http://schemas.microsoft.com/office/powerpoint/2010/main" val="2108417135"/>
+      </p:ext>
+    </p:extLst>
+  </p:cSld>
+  <p:clrMapOvr>
+    <a:masterClrMapping/>
+  </p:clrMapOvr>
+</p:sld>
+</file>
+
+<file path=ppt/slides/slide38.xml><?xml version="1.0" encoding="utf-8"?>
+<p:sld xmlns:a="http://schemas.openxmlformats.org/drawingml/2006/main" xmlns:r="http://schemas.openxmlformats.org/officeDocument/2006/relationships" xmlns:p="http://schemas.openxmlformats.org/presentationml/2006/main">
+  <p:cSld>
+    <p:spTree>
+      <p:nvGrpSpPr>
+        <p:cNvPr id="1" name=""/>
+        <p:cNvGrpSpPr/>
+        <p:nvPr/>
+      </p:nvGrpSpPr>
+      <p:grpSpPr>
+        <a:xfrm>
+          <a:off x="0" y="0"/>
+          <a:ext cx="0" cy="0"/>
+          <a:chOff x="0" y="0"/>
+          <a:chExt cx="0" cy="0"/>
+        </a:xfrm>
+      </p:grpSpPr>
+      <p:sp>
+        <p:nvSpPr>
+          <p:cNvPr id="2" name="Title 1"/>
+          <p:cNvSpPr>
+            <a:spLocks noGrp="1"/>
+          </p:cNvSpPr>
+          <p:nvPr>
+            <p:ph type="title"/>
+          </p:nvPr>
+        </p:nvSpPr>
+        <p:spPr/>
+        <p:txBody>
+          <a:bodyPr/>
+          <a:lstStyle/>
+          <a:p>
+            <a:r>
+              <a:rPr lang="en-US" dirty="0"/>
+              <a:t>Our Workflow</a:t>
+            </a:r>
+          </a:p>
+        </p:txBody>
+      </p:sp>
+      <p:sp>
+        <p:nvSpPr>
+          <p:cNvPr id="3" name="Content Placeholder 2"/>
+          <p:cNvSpPr>
+            <a:spLocks noGrp="1"/>
+          </p:cNvSpPr>
+          <p:nvPr>
+            <p:ph idx="1"/>
+          </p:nvPr>
+        </p:nvSpPr>
+        <p:spPr/>
+        <p:txBody>
+          <a:bodyPr/>
+          <a:lstStyle/>
+          <a:p>
+            <a:pPr marL="0" indent="0">
+              <a:buNone/>
+            </a:pPr>
+            <a:r>
+              <a:rPr lang="en-US" dirty="0"/>
               <a:t>Alternatively, you can set something like Visual Studio Code to be your default editor in </a:t>
             </a:r>
             <a:r>
@@ -9850,7 +10058,7 @@
 </p:sld>
 </file>
 
-<file path=ppt/slides/slide38.xml><?xml version="1.0" encoding="utf-8"?>
+<file path=ppt/slides/slide39.xml><?xml version="1.0" encoding="utf-8"?>
 <p:sld xmlns:a="http://schemas.openxmlformats.org/drawingml/2006/main" xmlns:r="http://schemas.openxmlformats.org/officeDocument/2006/relationships" xmlns:p="http://schemas.openxmlformats.org/presentationml/2006/main">
   <p:cSld>
     <p:spTree>
@@ -9958,117 +10166,6 @@
     <p:extLst>
       <p:ext uri="{BB962C8B-B14F-4D97-AF65-F5344CB8AC3E}">
         <p14:creationId xmlns:p14="http://schemas.microsoft.com/office/powerpoint/2010/main" val="1322784567"/>
-      </p:ext>
-    </p:extLst>
-  </p:cSld>
-  <p:clrMapOvr>
-    <a:masterClrMapping/>
-  </p:clrMapOvr>
-</p:sld>
-</file>
-
-<file path=ppt/slides/slide39.xml><?xml version="1.0" encoding="utf-8"?>
-<p:sld xmlns:a="http://schemas.openxmlformats.org/drawingml/2006/main" xmlns:r="http://schemas.openxmlformats.org/officeDocument/2006/relationships" xmlns:p="http://schemas.openxmlformats.org/presentationml/2006/main">
-  <p:cSld>
-    <p:spTree>
-      <p:nvGrpSpPr>
-        <p:cNvPr id="1" name=""/>
-        <p:cNvGrpSpPr/>
-        <p:nvPr/>
-      </p:nvGrpSpPr>
-      <p:grpSpPr>
-        <a:xfrm>
-          <a:off x="0" y="0"/>
-          <a:ext cx="0" cy="0"/>
-          <a:chOff x="0" y="0"/>
-          <a:chExt cx="0" cy="0"/>
-        </a:xfrm>
-      </p:grpSpPr>
-      <p:sp>
-        <p:nvSpPr>
-          <p:cNvPr id="2" name="Title 1"/>
-          <p:cNvSpPr>
-            <a:spLocks noGrp="1"/>
-          </p:cNvSpPr>
-          <p:nvPr>
-            <p:ph type="title"/>
-          </p:nvPr>
-        </p:nvSpPr>
-        <p:spPr/>
-        <p:txBody>
-          <a:bodyPr/>
-          <a:lstStyle/>
-          <a:p>
-            <a:r>
-              <a:rPr lang="en-US" dirty="0"/>
-              <a:t>Our Workflow</a:t>
-            </a:r>
-          </a:p>
-        </p:txBody>
-      </p:sp>
-      <p:sp>
-        <p:nvSpPr>
-          <p:cNvPr id="3" name="Content Placeholder 2"/>
-          <p:cNvSpPr>
-            <a:spLocks noGrp="1"/>
-          </p:cNvSpPr>
-          <p:nvPr>
-            <p:ph idx="1"/>
-          </p:nvPr>
-        </p:nvSpPr>
-        <p:spPr/>
-        <p:txBody>
-          <a:bodyPr/>
-          <a:lstStyle/>
-          <a:p>
-            <a:pPr marL="0" indent="0">
-              <a:buNone/>
-            </a:pPr>
-            <a:r>
-              <a:rPr lang="en-US" dirty="0"/>
-              <a:t>Once you have pushed your changes to GitHub, open a pull request.</a:t>
-            </a:r>
-          </a:p>
-          <a:p>
-            <a:pPr marL="0" indent="0">
-              <a:buNone/>
-            </a:pPr>
-            <a:endParaRPr lang="en-US" dirty="0"/>
-          </a:p>
-          <a:p>
-            <a:pPr marL="0" indent="0">
-              <a:buNone/>
-            </a:pPr>
-            <a:r>
-              <a:rPr lang="en-US" dirty="0"/>
-              <a:t>There are two aspects of working with pull requests, one is as a developer and the other is as a reviewer. You're going to be expected to take part in both roles.</a:t>
-            </a:r>
-          </a:p>
-        </p:txBody>
-      </p:sp>
-      <p:sp>
-        <p:nvSpPr>
-          <p:cNvPr id="4" name="Text Placeholder 3"/>
-          <p:cNvSpPr>
-            <a:spLocks noGrp="1"/>
-          </p:cNvSpPr>
-          <p:nvPr>
-            <p:ph type="body" sz="quarter" idx="11"/>
-          </p:nvPr>
-        </p:nvSpPr>
-        <p:spPr/>
-        <p:txBody>
-          <a:bodyPr/>
-          <a:lstStyle/>
-          <a:p>
-            <a:endParaRPr lang="en-US"/>
-          </a:p>
-        </p:txBody>
-      </p:sp>
-    </p:spTree>
-    <p:extLst>
-      <p:ext uri="{BB962C8B-B14F-4D97-AF65-F5344CB8AC3E}">
-        <p14:creationId xmlns:p14="http://schemas.microsoft.com/office/powerpoint/2010/main" val="1047804675"/>
       </p:ext>
     </p:extLst>
   </p:cSld>
@@ -10331,94 +10428,23 @@
             </a:pPr>
             <a:r>
               <a:rPr lang="en-US" dirty="0"/>
-              <a:t>Developer</a:t>
-            </a:r>
-          </a:p>
-          <a:p>
-            <a:pPr marL="285750" indent="-285750"/>
-            <a:r>
-              <a:rPr lang="en-US" dirty="0"/>
-              <a:t>Open pull request within GitHub</a:t>
-            </a:r>
-          </a:p>
-          <a:p>
-            <a:pPr marL="285750" indent="-285750"/>
-            <a:r>
-              <a:rPr lang="en-US" dirty="0"/>
-              <a:t>Enter short summary of work completed.</a:t>
-            </a:r>
-          </a:p>
-          <a:p>
-            <a:pPr marL="285750" indent="-285750"/>
-            <a:r>
-              <a:rPr lang="en-US" dirty="0"/>
-              <a:t>Assign team-</a:t>
-            </a:r>
-            <a:r>
-              <a:rPr lang="en-US" dirty="0" err="1"/>
-              <a:t>sherpa</a:t>
-            </a:r>
-            <a:r>
-              <a:rPr lang="en-US" dirty="0"/>
-              <a:t> as reviewers</a:t>
-            </a:r>
-          </a:p>
-          <a:p>
-            <a:pPr marL="285750" indent="-285750"/>
-            <a:r>
-              <a:rPr lang="en-US" dirty="0"/>
-              <a:t>Assign yourself as the assignee</a:t>
-            </a:r>
-          </a:p>
-          <a:p>
-            <a:pPr marL="285750" indent="-285750"/>
-            <a:r>
-              <a:rPr lang="en-US" dirty="0"/>
-              <a:t>If the code is "ready to review" then tag it that way and mention that the code is ready to review in Microsoft Teams</a:t>
-            </a:r>
-          </a:p>
-          <a:p>
-            <a:pPr marL="285750" indent="-285750"/>
-            <a:r>
-              <a:rPr lang="en-US" dirty="0"/>
-              <a:t>If it's not ready, tag is "work in progress" or add WIP to the title.</a:t>
-            </a:r>
-          </a:p>
-          <a:p>
-            <a:pPr marL="285750" indent="-285750"/>
-            <a:r>
-              <a:rPr lang="en-US" dirty="0"/>
-              <a:t>When you're ready for review, personally review files for the PR. Ensure there are no accidental files added to the PR.</a:t>
-            </a:r>
-          </a:p>
-          <a:p>
-            <a:pPr marL="285750" indent="-285750"/>
-            <a:r>
-              <a:rPr lang="en-US" dirty="0"/>
-              <a:t>At this point it should also be ready for testing. Build the code to our integration environment and move the ticket to testing so the product team can know to test it. </a:t>
-            </a:r>
-          </a:p>
-          <a:p>
-            <a:pPr marL="860425" lvl="1" indent="-285750"/>
-            <a:r>
-              <a:rPr lang="en-US" dirty="0"/>
-              <a:t>If the product team is not satisfied with your work and you need to continue to make changes, make sure you’re merging Development into your branch as you continue to work on your issue</a:t>
-            </a:r>
-          </a:p>
-          <a:p>
-            <a:pPr marL="285750" indent="-285750"/>
-            <a:r>
-              <a:rPr lang="en-US" dirty="0"/>
-              <a:t>Once you have received one or more positive reviews and the code is approved by the product team. Squash and merge your PR and delete the branch.</a:t>
-            </a:r>
-          </a:p>
-          <a:p>
-            <a:pPr marL="285750" indent="-285750"/>
+              <a:t>Once you have pushed your changes to GitHub, open a pull request.</a:t>
+            </a:r>
+          </a:p>
+          <a:p>
+            <a:pPr marL="0" indent="0">
+              <a:buNone/>
+            </a:pPr>
             <a:endParaRPr lang="en-US" dirty="0"/>
           </a:p>
           <a:p>
-            <a:pPr marL="285750" indent="-285750"/>
-            <a:endParaRPr lang="en-US" dirty="0"/>
+            <a:pPr marL="0" indent="0">
+              <a:buNone/>
+            </a:pPr>
+            <a:r>
+              <a:rPr lang="en-US" dirty="0"/>
+              <a:t>There are two aspects of working with pull requests, one is as a developer and the other is as a reviewer. You're going to be expected to take part in both roles.</a:t>
+            </a:r>
           </a:p>
         </p:txBody>
       </p:sp>
@@ -10444,7 +10470,7 @@
     </p:spTree>
     <p:extLst>
       <p:ext uri="{BB962C8B-B14F-4D97-AF65-F5344CB8AC3E}">
-        <p14:creationId xmlns:p14="http://schemas.microsoft.com/office/powerpoint/2010/main" val="2835047296"/>
+        <p14:creationId xmlns:p14="http://schemas.microsoft.com/office/powerpoint/2010/main" val="1047804675"/>
       </p:ext>
     </p:extLst>
   </p:cSld>
@@ -10513,6 +10539,188 @@
             </a:pPr>
             <a:r>
               <a:rPr lang="en-US" dirty="0"/>
+              <a:t>Developer</a:t>
+            </a:r>
+          </a:p>
+          <a:p>
+            <a:pPr marL="285750" indent="-285750"/>
+            <a:r>
+              <a:rPr lang="en-US" dirty="0"/>
+              <a:t>Open pull request within GitHub</a:t>
+            </a:r>
+          </a:p>
+          <a:p>
+            <a:pPr marL="285750" indent="-285750"/>
+            <a:r>
+              <a:rPr lang="en-US" dirty="0"/>
+              <a:t>Enter short summary of work completed.</a:t>
+            </a:r>
+          </a:p>
+          <a:p>
+            <a:pPr marL="285750" indent="-285750"/>
+            <a:r>
+              <a:rPr lang="en-US" dirty="0"/>
+              <a:t>Assign team-</a:t>
+            </a:r>
+            <a:r>
+              <a:rPr lang="en-US" dirty="0" err="1"/>
+              <a:t>sherpa</a:t>
+            </a:r>
+            <a:r>
+              <a:rPr lang="en-US" dirty="0"/>
+              <a:t> as reviewers</a:t>
+            </a:r>
+          </a:p>
+          <a:p>
+            <a:pPr marL="285750" indent="-285750"/>
+            <a:r>
+              <a:rPr lang="en-US" dirty="0"/>
+              <a:t>Assign yourself as the assignee</a:t>
+            </a:r>
+          </a:p>
+          <a:p>
+            <a:pPr marL="285750" indent="-285750"/>
+            <a:r>
+              <a:rPr lang="en-US" dirty="0"/>
+              <a:t>If the code is "ready to review" then tag it that way and mention that the code is ready to review in Microsoft Teams</a:t>
+            </a:r>
+          </a:p>
+          <a:p>
+            <a:pPr marL="285750" indent="-285750"/>
+            <a:r>
+              <a:rPr lang="en-US" dirty="0"/>
+              <a:t>If it's not ready, tag is "work in progress" or add WIP to the title.</a:t>
+            </a:r>
+          </a:p>
+          <a:p>
+            <a:pPr marL="285750" indent="-285750"/>
+            <a:r>
+              <a:rPr lang="en-US" dirty="0"/>
+              <a:t>When you're ready for review, personally review files for the PR. Ensure there are no accidental files added to the PR.</a:t>
+            </a:r>
+          </a:p>
+          <a:p>
+            <a:pPr marL="285750" indent="-285750"/>
+            <a:r>
+              <a:rPr lang="en-US" dirty="0"/>
+              <a:t>At this point it should also be ready for testing. Build the code to our integration environment and move the ticket to testing so the product team can know to test it. </a:t>
+            </a:r>
+          </a:p>
+          <a:p>
+            <a:pPr marL="860425" lvl="1" indent="-285750"/>
+            <a:r>
+              <a:rPr lang="en-US" dirty="0"/>
+              <a:t>If the product team is not satisfied with your work and you need to continue to make changes, make sure you’re merging Development into your branch as you continue to work on your issue</a:t>
+            </a:r>
+          </a:p>
+          <a:p>
+            <a:pPr marL="285750" indent="-285750"/>
+            <a:r>
+              <a:rPr lang="en-US" dirty="0"/>
+              <a:t>Once you have received one or more positive reviews and the code is approved by the product team. Squash and merge your PR and delete the branch.</a:t>
+            </a:r>
+          </a:p>
+          <a:p>
+            <a:pPr marL="285750" indent="-285750"/>
+            <a:endParaRPr lang="en-US" dirty="0"/>
+          </a:p>
+          <a:p>
+            <a:pPr marL="285750" indent="-285750"/>
+            <a:endParaRPr lang="en-US" dirty="0"/>
+          </a:p>
+        </p:txBody>
+      </p:sp>
+      <p:sp>
+        <p:nvSpPr>
+          <p:cNvPr id="4" name="Text Placeholder 3"/>
+          <p:cNvSpPr>
+            <a:spLocks noGrp="1"/>
+          </p:cNvSpPr>
+          <p:nvPr>
+            <p:ph type="body" sz="quarter" idx="11"/>
+          </p:nvPr>
+        </p:nvSpPr>
+        <p:spPr/>
+        <p:txBody>
+          <a:bodyPr/>
+          <a:lstStyle/>
+          <a:p>
+            <a:endParaRPr lang="en-US"/>
+          </a:p>
+        </p:txBody>
+      </p:sp>
+    </p:spTree>
+    <p:extLst>
+      <p:ext uri="{BB962C8B-B14F-4D97-AF65-F5344CB8AC3E}">
+        <p14:creationId xmlns:p14="http://schemas.microsoft.com/office/powerpoint/2010/main" val="2835047296"/>
+      </p:ext>
+    </p:extLst>
+  </p:cSld>
+  <p:clrMapOvr>
+    <a:masterClrMapping/>
+  </p:clrMapOvr>
+</p:sld>
+</file>
+
+<file path=ppt/slides/slide42.xml><?xml version="1.0" encoding="utf-8"?>
+<p:sld xmlns:a="http://schemas.openxmlformats.org/drawingml/2006/main" xmlns:r="http://schemas.openxmlformats.org/officeDocument/2006/relationships" xmlns:p="http://schemas.openxmlformats.org/presentationml/2006/main">
+  <p:cSld>
+    <p:spTree>
+      <p:nvGrpSpPr>
+        <p:cNvPr id="1" name=""/>
+        <p:cNvGrpSpPr/>
+        <p:nvPr/>
+      </p:nvGrpSpPr>
+      <p:grpSpPr>
+        <a:xfrm>
+          <a:off x="0" y="0"/>
+          <a:ext cx="0" cy="0"/>
+          <a:chOff x="0" y="0"/>
+          <a:chExt cx="0" cy="0"/>
+        </a:xfrm>
+      </p:grpSpPr>
+      <p:sp>
+        <p:nvSpPr>
+          <p:cNvPr id="2" name="Title 1"/>
+          <p:cNvSpPr>
+            <a:spLocks noGrp="1"/>
+          </p:cNvSpPr>
+          <p:nvPr>
+            <p:ph type="title"/>
+          </p:nvPr>
+        </p:nvSpPr>
+        <p:spPr/>
+        <p:txBody>
+          <a:bodyPr/>
+          <a:lstStyle/>
+          <a:p>
+            <a:r>
+              <a:rPr lang="en-US" dirty="0"/>
+              <a:t>Our Workflow</a:t>
+            </a:r>
+          </a:p>
+        </p:txBody>
+      </p:sp>
+      <p:sp>
+        <p:nvSpPr>
+          <p:cNvPr id="3" name="Content Placeholder 2"/>
+          <p:cNvSpPr>
+            <a:spLocks noGrp="1"/>
+          </p:cNvSpPr>
+          <p:nvPr>
+            <p:ph idx="1"/>
+          </p:nvPr>
+        </p:nvSpPr>
+        <p:spPr/>
+        <p:txBody>
+          <a:bodyPr/>
+          <a:lstStyle/>
+          <a:p>
+            <a:pPr marL="0" indent="0">
+              <a:buNone/>
+            </a:pPr>
+            <a:r>
+              <a:rPr lang="en-US" dirty="0"/>
               <a:t>Reviewer</a:t>
             </a:r>
           </a:p>
@@ -10685,7 +10893,7 @@
 </p:sld>
 </file>
 
-<file path=ppt/slides/slide42.xml><?xml version="1.0" encoding="utf-8"?>
+<file path=ppt/slides/slide43.xml><?xml version="1.0" encoding="utf-8"?>
 <p:sld xmlns:a="http://schemas.openxmlformats.org/drawingml/2006/main" xmlns:r="http://schemas.openxmlformats.org/officeDocument/2006/relationships" xmlns:p="http://schemas.openxmlformats.org/presentationml/2006/main">
   <p:cSld>
     <p:spTree>
@@ -11100,7 +11308,25 @@
                 </a:solidFill>
                 <a:latin typeface="arial" panose="020B0604020202020204" pitchFamily="34" charset="0"/>
               </a:rPr>
-              <a:t> attribute (which always override) and declarations marked </a:t>
+              <a:t> attribute (which </a:t>
+            </a:r>
+            <a:r>
+              <a:rPr lang="en-US" i="1" dirty="0">
+                <a:solidFill>
+                  <a:srgbClr val="212121"/>
+                </a:solidFill>
+                <a:latin typeface="arial" panose="020B0604020202020204" pitchFamily="34" charset="0"/>
+              </a:rPr>
+              <a:t>always override</a:t>
+            </a:r>
+            <a:r>
+              <a:rPr lang="en-US" dirty="0">
+                <a:solidFill>
+                  <a:srgbClr val="212121"/>
+                </a:solidFill>
+                <a:latin typeface="arial" panose="020B0604020202020204" pitchFamily="34" charset="0"/>
+              </a:rPr>
+              <a:t>) and declarations marked </a:t>
             </a:r>
             <a:r>
               <a:rPr lang="en-US" dirty="0">
@@ -11236,9 +11462,45 @@
             <a:pPr marL="0" indent="0">
               <a:buNone/>
             </a:pPr>
-            <a:endParaRPr lang="en-US" dirty="0">
-              <a:latin typeface="Consolas" panose="020B0609020204030204" pitchFamily="49" charset="0"/>
-            </a:endParaRPr>
+            <a:r>
+              <a:rPr lang="en-US" dirty="0">
+                <a:latin typeface="Consolas" panose="020B0609020204030204" pitchFamily="49" charset="0"/>
+              </a:rPr>
+              <a:t>Thousands: The presence of any inline styles on the element scores 1000</a:t>
+            </a:r>
+          </a:p>
+          <a:p>
+            <a:pPr marL="0" indent="0">
+              <a:buNone/>
+            </a:pPr>
+            <a:r>
+              <a:rPr lang="en-US" dirty="0">
+                <a:latin typeface="Consolas" panose="020B0609020204030204" pitchFamily="49" charset="0"/>
+              </a:rPr>
+              <a:t>Hundreds: Each ID selector in the overall selector scores 1 in this column</a:t>
+            </a:r>
+          </a:p>
+          <a:p>
+            <a:pPr marL="0" indent="0">
+              <a:buNone/>
+            </a:pPr>
+            <a:r>
+              <a:rPr lang="en-US" dirty="0">
+                <a:latin typeface="Consolas" panose="020B0609020204030204" pitchFamily="49" charset="0"/>
+              </a:rPr>
+              <a:t>Tens: Each class selector, attribute selector, or pseudo-class scores 1 in this column</a:t>
+            </a:r>
+          </a:p>
+          <a:p>
+            <a:pPr marL="0" indent="0">
+              <a:buNone/>
+            </a:pPr>
+            <a:r>
+              <a:rPr lang="en-US" dirty="0">
+                <a:latin typeface="Consolas" panose="020B0609020204030204" pitchFamily="49" charset="0"/>
+              </a:rPr>
+              <a:t>Ones: Score one in this column for each element or pseudo-element selector</a:t>
+            </a:r>
           </a:p>
         </p:txBody>
       </p:sp>
@@ -11293,7 +11555,7 @@
       </p:grpSpPr>
       <p:sp>
         <p:nvSpPr>
-          <p:cNvPr id="2" name="Title 1"/>
+          <p:cNvPr id="4" name="Title 3"/>
           <p:cNvSpPr>
             <a:spLocks noGrp="1"/>
           </p:cNvSpPr>
@@ -11308,14 +11570,14 @@
           <a:p>
             <a:r>
               <a:rPr lang="en-US" dirty="0"/>
-              <a:t>The Fundamental Workflow</a:t>
-            </a:r>
-          </a:p>
-        </p:txBody>
-      </p:sp>
-      <p:sp>
-        <p:nvSpPr>
-          <p:cNvPr id="3" name="Content Placeholder 2"/>
+              <a:t>How the weights are calculated</a:t>
+            </a:r>
+          </a:p>
+        </p:txBody>
+      </p:sp>
+      <p:sp>
+        <p:nvSpPr>
+          <p:cNvPr id="5" name="Content Placeholder 4"/>
           <p:cNvSpPr>
             <a:spLocks noGrp="1"/>
           </p:cNvSpPr>
@@ -11328,34 +11590,37 @@
           <a:bodyPr/>
           <a:lstStyle/>
           <a:p>
-            <a:r>
-              <a:rPr lang="en-US" dirty="0"/>
-              <a:t>Tools</a:t>
-            </a:r>
-          </a:p>
-          <a:p>
-            <a:r>
-              <a:rPr lang="en-US" dirty="0"/>
-              <a:t>75% Command Line + 25% GitHub Desktop</a:t>
-            </a:r>
-          </a:p>
-          <a:p>
-            <a:r>
-              <a:rPr lang="en-US" dirty="0"/>
-              <a:t>Any tools you use call the exact same commands, using the exact same binary. If you understand the command you want to run and can figure out how to do it in your tool, go nuts. That said, the command line is the only place where you will never run out of functionality. </a:t>
-            </a:r>
-          </a:p>
-          <a:p>
-            <a:endParaRPr lang="en-US" dirty="0"/>
-          </a:p>
-          <a:p>
-            <a:endParaRPr lang="en-US" dirty="0"/>
-          </a:p>
-        </p:txBody>
-      </p:sp>
-      <p:sp>
-        <p:nvSpPr>
-          <p:cNvPr id="4" name="Text Placeholder 3"/>
+            <a:pPr marL="0" indent="0">
+              <a:buNone/>
+            </a:pPr>
+            <a:r>
+              <a:rPr lang="en-US" dirty="0">
+                <a:latin typeface="Consolas" panose="020B0609020204030204" pitchFamily="49" charset="0"/>
+              </a:rPr>
+              <a:t>Examples</a:t>
+            </a:r>
+          </a:p>
+          <a:p>
+            <a:pPr marL="0" indent="0">
+              <a:buNone/>
+            </a:pPr>
+            <a:endParaRPr lang="en-US" dirty="0">
+              <a:latin typeface="Consolas" panose="020B0609020204030204" pitchFamily="49" charset="0"/>
+            </a:endParaRPr>
+          </a:p>
+          <a:p>
+            <a:pPr marL="0" indent="0">
+              <a:buNone/>
+            </a:pPr>
+            <a:endParaRPr lang="en-US" dirty="0">
+              <a:latin typeface="Consolas" panose="020B0609020204030204" pitchFamily="49" charset="0"/>
+            </a:endParaRPr>
+          </a:p>
+        </p:txBody>
+      </p:sp>
+      <p:sp>
+        <p:nvSpPr>
+          <p:cNvPr id="6" name="Text Placeholder 5"/>
           <p:cNvSpPr>
             <a:spLocks noGrp="1"/>
           </p:cNvSpPr>
@@ -11375,7 +11640,7 @@
     </p:spTree>
     <p:extLst>
       <p:ext uri="{BB962C8B-B14F-4D97-AF65-F5344CB8AC3E}">
-        <p14:creationId xmlns:p14="http://schemas.microsoft.com/office/powerpoint/2010/main" val="311933491"/>
+        <p14:creationId xmlns:p14="http://schemas.microsoft.com/office/powerpoint/2010/main" val="3603572254"/>
       </p:ext>
     </p:extLst>
   </p:cSld>
@@ -11404,7 +11669,7 @@
       </p:grpSpPr>
       <p:sp>
         <p:nvSpPr>
-          <p:cNvPr id="4" name="Title 3"/>
+          <p:cNvPr id="2" name="Title 1"/>
           <p:cNvSpPr>
             <a:spLocks noGrp="1"/>
           </p:cNvSpPr>
@@ -11426,7 +11691,7 @@
       </p:sp>
       <p:sp>
         <p:nvSpPr>
-          <p:cNvPr id="5" name="Content Placeholder 4"/>
+          <p:cNvPr id="3" name="Content Placeholder 2"/>
           <p:cNvSpPr>
             <a:spLocks noGrp="1"/>
           </p:cNvSpPr>
@@ -11439,106 +11704,34 @@
           <a:bodyPr/>
           <a:lstStyle/>
           <a:p>
-            <a:pPr marL="0" indent="0">
-              <a:buNone/>
-            </a:pPr>
-            <a:r>
-              <a:rPr lang="en-US" dirty="0" err="1">
-                <a:latin typeface="Consolas" panose="020B0609020204030204" pitchFamily="49" charset="0"/>
-              </a:rPr>
-              <a:t>git</a:t>
-            </a:r>
-            <a:r>
-              <a:rPr lang="en-US" dirty="0">
-                <a:latin typeface="Consolas" panose="020B0609020204030204" pitchFamily="49" charset="0"/>
-              </a:rPr>
-              <a:t> status</a:t>
-            </a:r>
-          </a:p>
-          <a:p>
-            <a:pPr marL="0" indent="0">
-              <a:buNone/>
-            </a:pPr>
-            <a:r>
-              <a:rPr lang="en-US" dirty="0">
-                <a:latin typeface="+mn-lt"/>
-              </a:rPr>
-              <a:t>“Displays paths that have differences between the index file and the current HEAD commit, paths that have differences between the working tree and the index file, and paths in the working tree that are not tracked by </a:t>
-            </a:r>
-            <a:r>
-              <a:rPr lang="en-US" dirty="0" err="1">
-                <a:latin typeface="+mn-lt"/>
-              </a:rPr>
-              <a:t>Git</a:t>
-            </a:r>
-            <a:r>
-              <a:rPr lang="en-US" dirty="0">
-                <a:latin typeface="+mn-lt"/>
-              </a:rPr>
-              <a:t> (and are not ignored by </a:t>
-            </a:r>
-            <a:r>
-              <a:rPr lang="en-US" dirty="0" err="1">
-                <a:latin typeface="+mn-lt"/>
-              </a:rPr>
-              <a:t>gitignore</a:t>
-            </a:r>
-            <a:r>
-              <a:rPr lang="en-US" dirty="0">
-                <a:latin typeface="+mn-lt"/>
-              </a:rPr>
-              <a:t>[5]). The first are what you would commit by running </a:t>
-            </a:r>
-            <a:r>
-              <a:rPr lang="en-US" dirty="0" err="1">
-                <a:latin typeface="+mn-lt"/>
-              </a:rPr>
-              <a:t>git</a:t>
-            </a:r>
-            <a:r>
-              <a:rPr lang="en-US" dirty="0">
-                <a:latin typeface="+mn-lt"/>
-              </a:rPr>
-              <a:t> commit; the second and third are what you could commit by running </a:t>
-            </a:r>
-            <a:r>
-              <a:rPr lang="en-US" dirty="0" err="1">
-                <a:latin typeface="+mn-lt"/>
-              </a:rPr>
-              <a:t>git</a:t>
-            </a:r>
-            <a:r>
-              <a:rPr lang="en-US" dirty="0">
-                <a:latin typeface="+mn-lt"/>
-              </a:rPr>
-              <a:t> add before running </a:t>
-            </a:r>
-            <a:r>
-              <a:rPr lang="en-US" dirty="0" err="1">
-                <a:latin typeface="+mn-lt"/>
-              </a:rPr>
-              <a:t>git</a:t>
-            </a:r>
-            <a:r>
-              <a:rPr lang="en-US" dirty="0">
-                <a:latin typeface="+mn-lt"/>
-              </a:rPr>
-              <a:t> commit.”</a:t>
-            </a:r>
-          </a:p>
-          <a:p>
-            <a:pPr marL="0" indent="0">
-              <a:buNone/>
-            </a:pPr>
-            <a:endParaRPr lang="en-US" dirty="0">
-              <a:latin typeface="Consolas" panose="020B0609020204030204" pitchFamily="49" charset="0"/>
-            </a:endParaRPr>
-          </a:p>
-        </p:txBody>
-      </p:sp>
-      <p:sp>
-        <p:nvSpPr>
-          <p:cNvPr id="6" name="Text Placeholder 5"/>
+            <a:r>
+              <a:rPr lang="en-US" dirty="0"/>
+              <a:t>Tools</a:t>
+            </a:r>
+          </a:p>
+          <a:p>
+            <a:r>
+              <a:rPr lang="en-US" dirty="0"/>
+              <a:t>75% Command Line + 25% GitHub Desktop</a:t>
+            </a:r>
+          </a:p>
+          <a:p>
+            <a:r>
+              <a:rPr lang="en-US" dirty="0"/>
+              <a:t>Any tools you use call the exact same commands, using the exact same binary. If you understand the command you want to run and can figure out how to do it in your tool, go nuts. That said, the command line is the only place where you will never run out of functionality. </a:t>
+            </a:r>
+          </a:p>
+          <a:p>
+            <a:endParaRPr lang="en-US" dirty="0"/>
+          </a:p>
+          <a:p>
+            <a:endParaRPr lang="en-US" dirty="0"/>
+          </a:p>
+        </p:txBody>
+      </p:sp>
+      <p:sp>
+        <p:nvSpPr>
+          <p:cNvPr id="4" name="Text Placeholder 3"/>
           <p:cNvSpPr>
             <a:spLocks noGrp="1"/>
           </p:cNvSpPr>
@@ -11555,34 +11748,10 @@
           </a:p>
         </p:txBody>
       </p:sp>
-      <p:pic>
-        <p:nvPicPr>
-          <p:cNvPr id="3" name="Picture 2"/>
-          <p:cNvPicPr>
-            <a:picLocks noChangeAspect="1"/>
-          </p:cNvPicPr>
-          <p:nvPr/>
-        </p:nvPicPr>
-        <p:blipFill>
-          <a:blip r:embed="rId2"/>
-          <a:stretch>
-            <a:fillRect/>
-          </a:stretch>
-        </p:blipFill>
-        <p:spPr>
-          <a:xfrm>
-            <a:off x="609600" y="2975419"/>
-            <a:ext cx="7524201" cy="2739581"/>
-          </a:xfrm>
-          <a:prstGeom prst="rect">
-            <a:avLst/>
-          </a:prstGeom>
-        </p:spPr>
-      </p:pic>
     </p:spTree>
     <p:extLst>
       <p:ext uri="{BB962C8B-B14F-4D97-AF65-F5344CB8AC3E}">
-        <p14:creationId xmlns:p14="http://schemas.microsoft.com/office/powerpoint/2010/main" val="4075163429"/>
+        <p14:creationId xmlns:p14="http://schemas.microsoft.com/office/powerpoint/2010/main" val="311933491"/>
       </p:ext>
     </p:extLst>
   </p:cSld>

--- a/css-bootstrap.pptx
+++ b/css-bootstrap.pptx
@@ -14,40 +14,37 @@
     <p:sldId id="282" r:id="rId8"/>
     <p:sldId id="298" r:id="rId9"/>
     <p:sldId id="295" r:id="rId10"/>
-    <p:sldId id="283" r:id="rId11"/>
-    <p:sldId id="293" r:id="rId12"/>
-    <p:sldId id="284" r:id="rId13"/>
-    <p:sldId id="294" r:id="rId14"/>
-    <p:sldId id="287" r:id="rId15"/>
-    <p:sldId id="288" r:id="rId16"/>
-    <p:sldId id="286" r:id="rId17"/>
-    <p:sldId id="285" r:id="rId18"/>
-    <p:sldId id="289" r:id="rId19"/>
-    <p:sldId id="291" r:id="rId20"/>
-    <p:sldId id="290" r:id="rId21"/>
-    <p:sldId id="273" r:id="rId22"/>
-    <p:sldId id="274" r:id="rId23"/>
-    <p:sldId id="275" r:id="rId24"/>
-    <p:sldId id="276" r:id="rId25"/>
-    <p:sldId id="277" r:id="rId26"/>
-    <p:sldId id="278" r:id="rId27"/>
-    <p:sldId id="279" r:id="rId28"/>
-    <p:sldId id="280" r:id="rId29"/>
-    <p:sldId id="281" r:id="rId30"/>
-    <p:sldId id="260" r:id="rId31"/>
-    <p:sldId id="261" r:id="rId32"/>
-    <p:sldId id="262" r:id="rId33"/>
-    <p:sldId id="296" r:id="rId34"/>
-    <p:sldId id="263" r:id="rId35"/>
-    <p:sldId id="264" r:id="rId36"/>
-    <p:sldId id="265" r:id="rId37"/>
-    <p:sldId id="266" r:id="rId38"/>
-    <p:sldId id="267" r:id="rId39"/>
-    <p:sldId id="268" r:id="rId40"/>
-    <p:sldId id="269" r:id="rId41"/>
-    <p:sldId id="270" r:id="rId42"/>
-    <p:sldId id="271" r:id="rId43"/>
-    <p:sldId id="272" r:id="rId44"/>
+    <p:sldId id="300" r:id="rId11"/>
+    <p:sldId id="301" r:id="rId12"/>
+    <p:sldId id="302" r:id="rId13"/>
+    <p:sldId id="303" r:id="rId14"/>
+    <p:sldId id="305" r:id="rId15"/>
+    <p:sldId id="304" r:id="rId16"/>
+    <p:sldId id="307" r:id="rId17"/>
+    <p:sldId id="306" r:id="rId18"/>
+    <p:sldId id="308" r:id="rId19"/>
+    <p:sldId id="309" r:id="rId20"/>
+    <p:sldId id="310" r:id="rId21"/>
+    <p:sldId id="311" r:id="rId22"/>
+    <p:sldId id="327" r:id="rId23"/>
+    <p:sldId id="328" r:id="rId24"/>
+    <p:sldId id="329" r:id="rId25"/>
+    <p:sldId id="326" r:id="rId26"/>
+    <p:sldId id="312" r:id="rId27"/>
+    <p:sldId id="313" r:id="rId28"/>
+    <p:sldId id="316" r:id="rId29"/>
+    <p:sldId id="317" r:id="rId30"/>
+    <p:sldId id="318" r:id="rId31"/>
+    <p:sldId id="315" r:id="rId32"/>
+    <p:sldId id="319" r:id="rId33"/>
+    <p:sldId id="320" r:id="rId34"/>
+    <p:sldId id="321" r:id="rId35"/>
+    <p:sldId id="330" r:id="rId36"/>
+    <p:sldId id="331" r:id="rId37"/>
+    <p:sldId id="322" r:id="rId38"/>
+    <p:sldId id="323" r:id="rId39"/>
+    <p:sldId id="324" r:id="rId40"/>
+    <p:sldId id="325" r:id="rId41"/>
   </p:sldIdLst>
   <p:sldSz cx="12192000" cy="6858000"/>
   <p:notesSz cx="6858000" cy="9144000"/>
@@ -5561,7 +5558,7 @@
       </p:grpSpPr>
       <p:sp>
         <p:nvSpPr>
-          <p:cNvPr id="4" name="Title 3"/>
+          <p:cNvPr id="2" name="Title 1"/>
           <p:cNvSpPr>
             <a:spLocks noGrp="1"/>
           </p:cNvSpPr>
@@ -5575,15 +5572,16 @@
           <a:lstStyle/>
           <a:p>
             <a:r>
-              <a:rPr lang="en-US" dirty="0"/>
-              <a:t>The Fundamental Workflow</a:t>
-            </a:r>
-          </a:p>
-        </p:txBody>
-      </p:sp>
-      <p:sp>
-        <p:nvSpPr>
-          <p:cNvPr id="5" name="Content Placeholder 4"/>
+              <a:rPr lang="en-US" dirty="0" smtClean="0"/>
+              <a:t>Did you know?</a:t>
+            </a:r>
+            <a:endParaRPr lang="en-US" dirty="0"/>
+          </a:p>
+        </p:txBody>
+      </p:sp>
+      <p:sp>
+        <p:nvSpPr>
+          <p:cNvPr id="3" name="Content Placeholder 2"/>
           <p:cNvSpPr>
             <a:spLocks noGrp="1"/>
           </p:cNvSpPr>
@@ -5599,17 +5597,81 @@
             <a:pPr marL="0" indent="0">
               <a:buNone/>
             </a:pPr>
+            <a:r>
+              <a:rPr lang="en-US" dirty="0" smtClean="0"/>
+              <a:t>I haven’t run into this here, but I’ve definitely seen developers who didn’t know that you can add multiple classes to an element</a:t>
+            </a:r>
+            <a:endParaRPr lang="en-US" dirty="0"/>
+          </a:p>
+          <a:p>
+            <a:pPr marL="0" indent="0">
+              <a:buNone/>
+            </a:pPr>
+            <a:r>
+              <a:rPr lang="en-US" dirty="0" smtClean="0"/>
+              <a:t>This is valid (</a:t>
+            </a:r>
+            <a:r>
+              <a:rPr lang="en-US" dirty="0"/>
+              <a:t>a</a:t>
+            </a:r>
+            <a:r>
+              <a:rPr lang="en-US" dirty="0" smtClean="0"/>
+              <a:t>nd suggested!) </a:t>
+            </a:r>
+            <a:endParaRPr lang="en-US" dirty="0"/>
+          </a:p>
+          <a:p>
+            <a:pPr marL="0" indent="0">
+              <a:buNone/>
+            </a:pPr>
+            <a:r>
+              <a:rPr lang="en-US" dirty="0">
+                <a:latin typeface="Consolas" panose="020B0609020204030204" pitchFamily="49" charset="0"/>
+              </a:rPr>
+              <a:t>&lt;div _ngcontent-ymr-c91="" id="</a:t>
+            </a:r>
             <a:r>
               <a:rPr lang="en-US" dirty="0" err="1">
                 <a:latin typeface="Consolas" panose="020B0609020204030204" pitchFamily="49" charset="0"/>
               </a:rPr>
-              <a:t>git</a:t>
+              <a:t>filterPane</a:t>
             </a:r>
             <a:r>
               <a:rPr lang="en-US" dirty="0">
                 <a:latin typeface="Consolas" panose="020B0609020204030204" pitchFamily="49" charset="0"/>
               </a:rPr>
-              <a:t> status</a:t>
+              <a:t>" </a:t>
+            </a:r>
+            <a:r>
+              <a:rPr lang="en-US" b="1" dirty="0">
+                <a:latin typeface="Consolas" panose="020B0609020204030204" pitchFamily="49" charset="0"/>
+              </a:rPr>
+              <a:t>class="px-2 p-sm-0 </a:t>
+            </a:r>
+            <a:r>
+              <a:rPr lang="en-US" b="1" dirty="0" err="1">
+                <a:latin typeface="Consolas" panose="020B0609020204030204" pitchFamily="49" charset="0"/>
+              </a:rPr>
+              <a:t>bg</a:t>
+            </a:r>
+            <a:r>
+              <a:rPr lang="en-US" b="1" dirty="0">
+                <a:latin typeface="Consolas" panose="020B0609020204030204" pitchFamily="49" charset="0"/>
+              </a:rPr>
+              <a:t>-light overflow-hidden filters-left border-0</a:t>
+            </a:r>
+            <a:r>
+              <a:rPr lang="en-US" b="1" dirty="0" smtClean="0">
+                <a:latin typeface="Consolas" panose="020B0609020204030204" pitchFamily="49" charset="0"/>
+              </a:rPr>
+              <a:t>"</a:t>
+            </a:r>
+            <a:r>
+              <a:rPr lang="en-US" dirty="0" smtClean="0">
+                <a:latin typeface="Consolas" panose="020B0609020204030204" pitchFamily="49" charset="0"/>
+              </a:rPr>
+              <a:t>&gt;</a:t>
             </a:r>
           </a:p>
           <a:p>
@@ -5617,76 +5679,11 @@
               <a:buNone/>
             </a:pPr>
             <a:r>
-              <a:rPr lang="en-US" dirty="0">
-                <a:latin typeface="+mn-lt"/>
+              <a:rPr lang="en-US" dirty="0" smtClean="0">
+                <a:latin typeface="Consolas" panose="020B0609020204030204" pitchFamily="49" charset="0"/>
               </a:rPr>
-              <a:t>“Displays paths that have differences between the index file and the current HEAD commit, paths that have differences between the working tree and the index file, and paths in the working tree that are not tracked by </a:t>
-            </a:r>
-            <a:r>
-              <a:rPr lang="en-US" dirty="0" err="1">
-                <a:latin typeface="+mn-lt"/>
-              </a:rPr>
-              <a:t>Git</a:t>
-            </a:r>
-            <a:r>
-              <a:rPr lang="en-US" dirty="0">
-                <a:latin typeface="+mn-lt"/>
-              </a:rPr>
-              <a:t> (and are not ignored by </a:t>
-            </a:r>
-            <a:r>
-              <a:rPr lang="en-US" dirty="0" err="1">
-                <a:latin typeface="+mn-lt"/>
-              </a:rPr>
-              <a:t>gitignore</a:t>
-            </a:r>
-            <a:r>
-              <a:rPr lang="en-US" dirty="0">
-                <a:latin typeface="+mn-lt"/>
-              </a:rPr>
-              <a:t>[5]). The first are what you would commit by running </a:t>
-            </a:r>
-            <a:r>
-              <a:rPr lang="en-US" dirty="0" err="1">
-                <a:latin typeface="+mn-lt"/>
-              </a:rPr>
-              <a:t>git</a:t>
-            </a:r>
-            <a:r>
-              <a:rPr lang="en-US" dirty="0">
-                <a:latin typeface="+mn-lt"/>
-              </a:rPr>
-              <a:t> commit; the second and third are what you could commit by running </a:t>
-            </a:r>
-            <a:r>
-              <a:rPr lang="en-US" dirty="0" err="1">
-                <a:latin typeface="+mn-lt"/>
-              </a:rPr>
-              <a:t>git</a:t>
-            </a:r>
-            <a:r>
-              <a:rPr lang="en-US" dirty="0">
-                <a:latin typeface="+mn-lt"/>
-              </a:rPr>
-              <a:t> add before running </a:t>
-            </a:r>
-            <a:r>
-              <a:rPr lang="en-US" dirty="0" err="1">
-                <a:latin typeface="+mn-lt"/>
-              </a:rPr>
-              <a:t>git</a:t>
-            </a:r>
-            <a:r>
-              <a:rPr lang="en-US" dirty="0">
-                <a:latin typeface="+mn-lt"/>
-              </a:rPr>
-              <a:t> commit.”</a:t>
-            </a:r>
-          </a:p>
-          <a:p>
-            <a:pPr marL="0" indent="0">
-              <a:buNone/>
-            </a:pPr>
+              <a:t>(more on what some of those classed do in a little bit) </a:t>
+            </a:r>
             <a:endParaRPr lang="en-US" dirty="0">
               <a:latin typeface="Consolas" panose="020B0609020204030204" pitchFamily="49" charset="0"/>
             </a:endParaRPr>
@@ -5695,7 +5692,7 @@
       </p:sp>
       <p:sp>
         <p:nvSpPr>
-          <p:cNvPr id="6" name="Text Placeholder 5"/>
+          <p:cNvPr id="4" name="Text Placeholder 3"/>
           <p:cNvSpPr>
             <a:spLocks noGrp="1"/>
           </p:cNvSpPr>
@@ -5712,34 +5709,10 @@
           </a:p>
         </p:txBody>
       </p:sp>
-      <p:pic>
-        <p:nvPicPr>
-          <p:cNvPr id="3" name="Picture 2"/>
-          <p:cNvPicPr>
-            <a:picLocks noChangeAspect="1"/>
-          </p:cNvPicPr>
-          <p:nvPr/>
-        </p:nvPicPr>
-        <p:blipFill>
-          <a:blip r:embed="rId2"/>
-          <a:stretch>
-            <a:fillRect/>
-          </a:stretch>
-        </p:blipFill>
-        <p:spPr>
-          <a:xfrm>
-            <a:off x="609600" y="2975419"/>
-            <a:ext cx="7524201" cy="2739581"/>
-          </a:xfrm>
-          <a:prstGeom prst="rect">
-            <a:avLst/>
-          </a:prstGeom>
-        </p:spPr>
-      </p:pic>
     </p:spTree>
     <p:extLst>
       <p:ext uri="{BB962C8B-B14F-4D97-AF65-F5344CB8AC3E}">
-        <p14:creationId xmlns:p14="http://schemas.microsoft.com/office/powerpoint/2010/main" val="4075163429"/>
+        <p14:creationId xmlns:p14="http://schemas.microsoft.com/office/powerpoint/2010/main" val="370295368"/>
       </p:ext>
     </p:extLst>
   </p:cSld>
@@ -5768,7 +5741,7 @@
       </p:grpSpPr>
       <p:sp>
         <p:nvSpPr>
-          <p:cNvPr id="4" name="Title 3"/>
+          <p:cNvPr id="2" name="Title 1"/>
           <p:cNvSpPr>
             <a:spLocks noGrp="1"/>
           </p:cNvSpPr>
@@ -5782,15 +5755,16 @@
           <a:lstStyle/>
           <a:p>
             <a:r>
-              <a:rPr lang="en-US" dirty="0"/>
-              <a:t>The Fundamental Workflow</a:t>
-            </a:r>
-          </a:p>
-        </p:txBody>
-      </p:sp>
-      <p:sp>
-        <p:nvSpPr>
-          <p:cNvPr id="5" name="Content Placeholder 4"/>
+              <a:rPr lang="en-US" dirty="0" smtClean="0"/>
+              <a:t>What Angular Gets Wrong (for us) </a:t>
+            </a:r>
+            <a:endParaRPr lang="en-US" dirty="0"/>
+          </a:p>
+        </p:txBody>
+      </p:sp>
+      <p:sp>
+        <p:nvSpPr>
+          <p:cNvPr id="3" name="Content Placeholder 2"/>
           <p:cNvSpPr>
             <a:spLocks noGrp="1"/>
           </p:cNvSpPr>
@@ -5807,39 +5781,200 @@
               <a:buNone/>
             </a:pPr>
             <a:r>
-              <a:rPr lang="en-US" sz="4000" dirty="0" err="1">
+              <a:rPr lang="en-US" dirty="0" smtClean="0"/>
+              <a:t>Angular, from the very beginning, was </a:t>
+            </a:r>
+            <a:r>
+              <a:rPr lang="en-US" i="1" dirty="0" err="1" smtClean="0"/>
+              <a:t>kinda</a:t>
+            </a:r>
+            <a:r>
+              <a:rPr lang="en-US" i="1" dirty="0" smtClean="0"/>
+              <a:t> </a:t>
+            </a:r>
+            <a:r>
+              <a:rPr lang="en-US" i="1" dirty="0" err="1" smtClean="0"/>
+              <a:t>sorta</a:t>
+            </a:r>
+            <a:r>
+              <a:rPr lang="en-US" i="1" dirty="0" smtClean="0"/>
+              <a:t> </a:t>
+            </a:r>
+            <a:r>
+              <a:rPr lang="en-US" dirty="0" smtClean="0"/>
+              <a:t>an implementation of Web Components. The idea of Web Components, as MDN writes it is:</a:t>
+            </a:r>
+          </a:p>
+          <a:p>
+            <a:pPr marL="574675" lvl="1" indent="0">
+              <a:buNone/>
+            </a:pPr>
+            <a:r>
+              <a:rPr lang="en-US" dirty="0" smtClean="0"/>
+              <a:t>“Web </a:t>
+            </a:r>
+            <a:r>
+              <a:rPr lang="en-US" dirty="0"/>
+              <a:t>Components is a suite of different technologies allowing you to create reusable custom elements — with their functionality encapsulated away from the rest of your code — and utilize them in your web apps</a:t>
+            </a:r>
+            <a:r>
+              <a:rPr lang="en-US" dirty="0" smtClean="0"/>
+              <a:t>.”</a:t>
+            </a:r>
+            <a:endParaRPr lang="en-US" dirty="0" smtClean="0">
+              <a:latin typeface="Consolas" panose="020B0609020204030204" pitchFamily="49" charset="0"/>
+            </a:endParaRPr>
+          </a:p>
+          <a:p>
+            <a:pPr marL="0" indent="0">
+              <a:buNone/>
+            </a:pPr>
+            <a:r>
+              <a:rPr lang="en-US" dirty="0"/>
+              <a:t>Angular 2.0+ implemented the embraces encapsulation fully. The CSS you add to the component is scoped only to that component. </a:t>
+            </a:r>
+            <a:r>
+              <a:rPr lang="en-US" dirty="0"/>
+              <a:t>This is good if you’re </a:t>
+            </a:r>
+            <a:r>
+              <a:rPr lang="en-US" dirty="0" smtClean="0"/>
+              <a:t>truly trying to keep the component separate- if you were publishing a single Angular component to the public web site, for example. </a:t>
+            </a:r>
+            <a:endParaRPr lang="en-US" dirty="0"/>
+          </a:p>
+          <a:p>
+            <a:pPr marL="0" indent="0">
+              <a:buNone/>
+            </a:pPr>
+            <a:r>
+              <a:rPr lang="en-US" dirty="0" smtClean="0"/>
+              <a:t>This is accomplished by using unique attribute selectors</a:t>
+            </a:r>
+          </a:p>
+          <a:p>
+            <a:pPr marL="0" indent="0">
+              <a:buNone/>
+            </a:pPr>
+            <a:r>
+              <a:rPr lang="en-US" dirty="0">
                 <a:latin typeface="Consolas" panose="020B0609020204030204" pitchFamily="49" charset="0"/>
               </a:rPr>
-              <a:t>git</a:t>
-            </a:r>
-            <a:r>
-              <a:rPr lang="en-US" sz="4000" dirty="0">
+              <a:t>&lt;div </a:t>
+            </a:r>
+            <a:r>
+              <a:rPr lang="en-US" b="1" dirty="0">
                 <a:latin typeface="Consolas" panose="020B0609020204030204" pitchFamily="49" charset="0"/>
               </a:rPr>
-              <a:t> status is your best friend. </a:t>
+              <a:t>_ngcontent-ymr-c90</a:t>
+            </a:r>
+            <a:r>
+              <a:rPr lang="en-US" dirty="0">
+                <a:latin typeface="Consolas" panose="020B0609020204030204" pitchFamily="49" charset="0"/>
+              </a:rPr>
+              <a:t>="" dropdown="" class="</a:t>
+            </a:r>
+            <a:r>
+              <a:rPr lang="en-US" dirty="0" err="1" smtClean="0">
+                <a:latin typeface="Consolas" panose="020B0609020204030204" pitchFamily="49" charset="0"/>
+              </a:rPr>
+              <a:t>btn</a:t>
+            </a:r>
+            <a:r>
+              <a:rPr lang="en-US" dirty="0" smtClean="0">
+                <a:latin typeface="Consolas" panose="020B0609020204030204" pitchFamily="49" charset="0"/>
+              </a:rPr>
+              <a:t>-group</a:t>
             </a:r>
           </a:p>
           <a:p>
             <a:pPr marL="0" indent="0">
               <a:buNone/>
             </a:pPr>
-            <a:endParaRPr lang="en-US" dirty="0">
-              <a:latin typeface="+mn-lt"/>
-            </a:endParaRPr>
+            <a:r>
+              <a:rPr lang="en-US" dirty="0" smtClean="0">
+                <a:latin typeface="Consolas" panose="020B0609020204030204" pitchFamily="49" charset="0"/>
+              </a:rPr>
+              <a:t>&lt;/</a:t>
+            </a:r>
+            <a:r>
+              <a:rPr lang="en-US" dirty="0">
+                <a:latin typeface="Consolas" panose="020B0609020204030204" pitchFamily="49" charset="0"/>
+              </a:rPr>
+              <a:t>div&gt;</a:t>
+            </a:r>
           </a:p>
           <a:p>
             <a:pPr marL="0" indent="0">
               <a:buNone/>
             </a:pPr>
-            <a:endParaRPr lang="en-US" dirty="0">
+            <a:r>
+              <a:rPr lang="en-US" dirty="0" smtClean="0">
+                <a:latin typeface="Consolas" panose="020B0609020204030204" pitchFamily="49" charset="0"/>
+              </a:rPr>
+              <a:t>.</a:t>
+            </a:r>
+            <a:r>
+              <a:rPr lang="en-US" dirty="0">
+                <a:latin typeface="Consolas" panose="020B0609020204030204" pitchFamily="49" charset="0"/>
+              </a:rPr>
+              <a:t>dropdown-toggle[</a:t>
+            </a:r>
+            <a:r>
+              <a:rPr lang="en-US" b="1" dirty="0">
+                <a:latin typeface="Consolas" panose="020B0609020204030204" pitchFamily="49" charset="0"/>
+              </a:rPr>
+              <a:t>_ngcontent-ymr-c90</a:t>
+            </a:r>
+            <a:r>
+              <a:rPr lang="en-US" dirty="0">
+                <a:latin typeface="Consolas" panose="020B0609020204030204" pitchFamily="49" charset="0"/>
+              </a:rPr>
+              <a:t>]::after</a:t>
+            </a:r>
+            <a:r>
+              <a:rPr lang="en-US" dirty="0" smtClean="0">
+                <a:latin typeface="Consolas" panose="020B0609020204030204" pitchFamily="49" charset="0"/>
+              </a:rPr>
+              <a:t>{</a:t>
+            </a:r>
+          </a:p>
+          <a:p>
+            <a:pPr marL="0" indent="0">
+              <a:buNone/>
+            </a:pPr>
+            <a:r>
+              <a:rPr lang="en-US" dirty="0">
+                <a:latin typeface="Consolas" panose="020B0609020204030204" pitchFamily="49" charset="0"/>
+              </a:rPr>
+              <a:t>	</a:t>
+            </a:r>
+            <a:r>
+              <a:rPr lang="en-US" dirty="0" err="1" smtClean="0">
+                <a:latin typeface="Consolas" panose="020B0609020204030204" pitchFamily="49" charset="0"/>
+              </a:rPr>
+              <a:t>display:none</a:t>
+            </a:r>
+            <a:endParaRPr lang="en-US" dirty="0" smtClean="0">
               <a:latin typeface="Consolas" panose="020B0609020204030204" pitchFamily="49" charset="0"/>
             </a:endParaRPr>
           </a:p>
-        </p:txBody>
-      </p:sp>
-      <p:sp>
-        <p:nvSpPr>
-          <p:cNvPr id="6" name="Text Placeholder 5"/>
+          <a:p>
+            <a:pPr marL="0" indent="0">
+              <a:buNone/>
+            </a:pPr>
+            <a:r>
+              <a:rPr lang="en-US" dirty="0" smtClean="0">
+                <a:latin typeface="Consolas" panose="020B0609020204030204" pitchFamily="49" charset="0"/>
+              </a:rPr>
+              <a:t>}</a:t>
+            </a:r>
+          </a:p>
+        </p:txBody>
+      </p:sp>
+      <p:sp>
+        <p:nvSpPr>
+          <p:cNvPr id="4" name="Text Placeholder 3"/>
           <p:cNvSpPr>
             <a:spLocks noGrp="1"/>
           </p:cNvSpPr>
@@ -5859,7 +5994,7 @@
     </p:spTree>
     <p:extLst>
       <p:ext uri="{BB962C8B-B14F-4D97-AF65-F5344CB8AC3E}">
-        <p14:creationId xmlns:p14="http://schemas.microsoft.com/office/powerpoint/2010/main" val="1183914367"/>
+        <p14:creationId xmlns:p14="http://schemas.microsoft.com/office/powerpoint/2010/main" val="28767393"/>
       </p:ext>
     </p:extLst>
   </p:cSld>
@@ -5888,7 +6023,7 @@
       </p:grpSpPr>
       <p:sp>
         <p:nvSpPr>
-          <p:cNvPr id="4" name="Title 3"/>
+          <p:cNvPr id="2" name="Title 1"/>
           <p:cNvSpPr>
             <a:spLocks noGrp="1"/>
           </p:cNvSpPr>
@@ -5902,15 +6037,16 @@
           <a:lstStyle/>
           <a:p>
             <a:r>
-              <a:rPr lang="en-US" dirty="0"/>
-              <a:t>The Fundamental Workflow</a:t>
-            </a:r>
-          </a:p>
-        </p:txBody>
-      </p:sp>
-      <p:sp>
-        <p:nvSpPr>
-          <p:cNvPr id="5" name="Content Placeholder 4"/>
+              <a:rPr lang="en-US" dirty="0" smtClean="0"/>
+              <a:t>What Angular Gets Wrong (for us) </a:t>
+            </a:r>
+            <a:endParaRPr lang="en-US" dirty="0"/>
+          </a:p>
+        </p:txBody>
+      </p:sp>
+      <p:sp>
+        <p:nvSpPr>
+          <p:cNvPr id="3" name="Content Placeholder 2"/>
           <p:cNvSpPr>
             <a:spLocks noGrp="1"/>
           </p:cNvSpPr>
@@ -5927,16 +6063,16 @@
               <a:buNone/>
             </a:pPr>
             <a:r>
-              <a:rPr lang="en-US" dirty="0" err="1">
-                <a:latin typeface="Consolas" panose="020B0609020204030204" pitchFamily="49" charset="0"/>
-              </a:rPr>
-              <a:t>Git</a:t>
-            </a:r>
-            <a:r>
-              <a:rPr lang="en-US" dirty="0">
-                <a:latin typeface="Consolas" panose="020B0609020204030204" pitchFamily="49" charset="0"/>
-              </a:rPr>
-              <a:t> checkout</a:t>
+              <a:rPr lang="en-US" dirty="0" smtClean="0"/>
+              <a:t>This technique is better than IDs because it is truly unique, but can be overridden by an extra class of specificity. The problem with it is that any styles applied to that component are </a:t>
+            </a:r>
+            <a:r>
+              <a:rPr lang="en-US" b="1" dirty="0" smtClean="0"/>
+              <a:t>not available to any other elements in the application. </a:t>
+            </a:r>
+            <a:r>
+              <a:rPr lang="en-US" dirty="0" smtClean="0"/>
+              <a:t>In a strict Angular implementation this leads to a lot of code duplication. </a:t>
             </a:r>
           </a:p>
           <a:p>
@@ -5944,181 +6080,22 @@
               <a:buNone/>
             </a:pPr>
             <a:r>
-              <a:rPr lang="en-US" dirty="0">
-                <a:latin typeface="+mn-lt"/>
-              </a:rPr>
-              <a:t>“Updates files in the working tree to match the version in the index or the specified tree. If no </a:t>
-            </a:r>
-            <a:r>
-              <a:rPr lang="en-US" dirty="0" err="1">
-                <a:latin typeface="+mn-lt"/>
-              </a:rPr>
-              <a:t>pathspec</a:t>
-            </a:r>
-            <a:r>
-              <a:rPr lang="en-US" dirty="0">
-                <a:latin typeface="+mn-lt"/>
-              </a:rPr>
-              <a:t> was given, </a:t>
-            </a:r>
-            <a:r>
-              <a:rPr lang="en-US" dirty="0" err="1">
-                <a:latin typeface="+mn-lt"/>
-              </a:rPr>
-              <a:t>git</a:t>
-            </a:r>
-            <a:r>
-              <a:rPr lang="en-US" dirty="0">
-                <a:latin typeface="+mn-lt"/>
-              </a:rPr>
-              <a:t> checkout will also update HEAD to set the specified branch as the current branch.</a:t>
-            </a:r>
+              <a:rPr lang="en-US" dirty="0" smtClean="0"/>
+              <a:t>CSS is designed for a global space and inheritance! Taking away the ability to inherit styles from the rest of the application is an anti-pattern for applications like ours. While we are creating “single page applications” they actually function more like sites and sharing styles across a whole site is a clear best practice. </a:t>
+            </a:r>
+            <a:endParaRPr lang="en-US" dirty="0"/>
           </a:p>
           <a:p>
             <a:pPr marL="0" indent="0">
               <a:buNone/>
             </a:pPr>
-            <a:r>
-              <a:rPr lang="en-US" dirty="0" err="1">
-                <a:latin typeface="+mn-lt"/>
-              </a:rPr>
-              <a:t>git</a:t>
-            </a:r>
-            <a:r>
-              <a:rPr lang="en-US" dirty="0">
-                <a:latin typeface="+mn-lt"/>
-              </a:rPr>
-              <a:t> checkout [&lt;branch&gt;]</a:t>
-            </a:r>
-          </a:p>
-          <a:p>
-            <a:pPr marL="0" indent="0">
-              <a:buNone/>
-            </a:pPr>
-            <a:r>
-              <a:rPr lang="en-US" dirty="0">
-                <a:latin typeface="+mn-lt"/>
-              </a:rPr>
-              <a:t>To prepare for working on &lt;branch&gt;, switch to it by updating the index and the files in the working tree, and by pointing HEAD at the branch. Local modifications to the files in the working tree are kept, so that they can be committed to the &lt;branch&gt;.</a:t>
-            </a:r>
-          </a:p>
-          <a:p>
-            <a:pPr marL="0" indent="0">
-              <a:buNone/>
-            </a:pPr>
-            <a:endParaRPr lang="en-US" dirty="0">
-              <a:latin typeface="+mn-lt"/>
-            </a:endParaRPr>
-          </a:p>
-          <a:p>
-            <a:pPr marL="0" indent="0">
-              <a:buNone/>
-            </a:pPr>
-            <a:r>
-              <a:rPr lang="en-US" dirty="0" err="1">
-                <a:latin typeface="+mn-lt"/>
-              </a:rPr>
-              <a:t>git</a:t>
-            </a:r>
-            <a:r>
-              <a:rPr lang="en-US" dirty="0">
-                <a:latin typeface="+mn-lt"/>
-              </a:rPr>
-              <a:t> checkout -b|-B &lt;</a:t>
-            </a:r>
-            <a:r>
-              <a:rPr lang="en-US" dirty="0" err="1">
-                <a:latin typeface="+mn-lt"/>
-              </a:rPr>
-              <a:t>new_branch</a:t>
-            </a:r>
-            <a:r>
-              <a:rPr lang="en-US" dirty="0">
-                <a:latin typeface="+mn-lt"/>
-              </a:rPr>
-              <a:t>&gt; [&lt;start point&gt;]</a:t>
-            </a:r>
-          </a:p>
-          <a:p>
-            <a:pPr marL="0" indent="0">
-              <a:buNone/>
-            </a:pPr>
-            <a:r>
-              <a:rPr lang="en-US" dirty="0">
-                <a:latin typeface="+mn-lt"/>
-              </a:rPr>
-              <a:t>Specifying -b causes a new branch to be created as if </a:t>
-            </a:r>
-            <a:r>
-              <a:rPr lang="en-US" dirty="0" err="1">
-                <a:latin typeface="+mn-lt"/>
-              </a:rPr>
-              <a:t>git</a:t>
-            </a:r>
-            <a:r>
-              <a:rPr lang="en-US" dirty="0">
-                <a:latin typeface="+mn-lt"/>
-              </a:rPr>
-              <a:t>-branch[1] were called and then checked out. In this case you can use the --track or --no-track options, which will be passed to </a:t>
-            </a:r>
-            <a:r>
-              <a:rPr lang="en-US" dirty="0" err="1">
-                <a:latin typeface="+mn-lt"/>
-              </a:rPr>
-              <a:t>git</a:t>
-            </a:r>
-            <a:r>
-              <a:rPr lang="en-US" dirty="0">
-                <a:latin typeface="+mn-lt"/>
-              </a:rPr>
-              <a:t> branch. As a convenience, --track without -b implies branch creation; see the description of --track below.”</a:t>
-            </a:r>
-          </a:p>
-          <a:p>
-            <a:pPr marL="0" indent="0">
-              <a:buNone/>
-            </a:pPr>
-            <a:endParaRPr lang="en-US" dirty="0">
-              <a:latin typeface="Consolas" panose="020B0609020204030204" pitchFamily="49" charset="0"/>
-            </a:endParaRPr>
-          </a:p>
-          <a:p>
-            <a:pPr marL="0" indent="0">
-              <a:buNone/>
-            </a:pPr>
-            <a:endParaRPr lang="en-US" dirty="0">
-              <a:latin typeface="Consolas" panose="020B0609020204030204" pitchFamily="49" charset="0"/>
-            </a:endParaRPr>
-          </a:p>
-          <a:p>
-            <a:pPr marL="0" indent="0">
-              <a:buNone/>
-            </a:pPr>
-            <a:endParaRPr lang="en-US" dirty="0">
-              <a:latin typeface="Consolas" panose="020B0609020204030204" pitchFamily="49" charset="0"/>
-            </a:endParaRPr>
-          </a:p>
-          <a:p>
-            <a:pPr marL="0" indent="0">
-              <a:buNone/>
-            </a:pPr>
-            <a:endParaRPr lang="en-US" dirty="0">
-              <a:latin typeface="Consolas" panose="020B0609020204030204" pitchFamily="49" charset="0"/>
-            </a:endParaRPr>
-          </a:p>
-          <a:p>
-            <a:pPr marL="0" indent="0">
-              <a:buNone/>
-            </a:pPr>
-            <a:endParaRPr lang="en-US" dirty="0">
-              <a:latin typeface="Consolas" panose="020B0609020204030204" pitchFamily="49" charset="0"/>
-            </a:endParaRPr>
-          </a:p>
-        </p:txBody>
-      </p:sp>
-      <p:sp>
-        <p:nvSpPr>
-          <p:cNvPr id="6" name="Text Placeholder 5"/>
+            <a:endParaRPr lang="en-US" dirty="0" smtClean="0"/>
+          </a:p>
+        </p:txBody>
+      </p:sp>
+      <p:sp>
+        <p:nvSpPr>
+          <p:cNvPr id="4" name="Text Placeholder 3"/>
           <p:cNvSpPr>
             <a:spLocks noGrp="1"/>
           </p:cNvSpPr>
@@ -6138,7 +6115,7 @@
     </p:spTree>
     <p:extLst>
       <p:ext uri="{BB962C8B-B14F-4D97-AF65-F5344CB8AC3E}">
-        <p14:creationId xmlns:p14="http://schemas.microsoft.com/office/powerpoint/2010/main" val="1788241101"/>
+        <p14:creationId xmlns:p14="http://schemas.microsoft.com/office/powerpoint/2010/main" val="3243831217"/>
       </p:ext>
     </p:extLst>
   </p:cSld>
@@ -6167,7 +6144,7 @@
       </p:grpSpPr>
       <p:sp>
         <p:nvSpPr>
-          <p:cNvPr id="4" name="Title 3"/>
+          <p:cNvPr id="2" name="Title 1"/>
           <p:cNvSpPr>
             <a:spLocks noGrp="1"/>
           </p:cNvSpPr>
@@ -6181,15 +6158,16 @@
           <a:lstStyle/>
           <a:p>
             <a:r>
-              <a:rPr lang="en-US" dirty="0"/>
-              <a:t>The Fundamental Workflow</a:t>
-            </a:r>
-          </a:p>
-        </p:txBody>
-      </p:sp>
-      <p:sp>
-        <p:nvSpPr>
-          <p:cNvPr id="5" name="Content Placeholder 4"/>
+              <a:rPr lang="en-US" dirty="0" smtClean="0"/>
+              <a:t>What Angular Gets Wrong (for us) </a:t>
+            </a:r>
+            <a:endParaRPr lang="en-US" dirty="0"/>
+          </a:p>
+        </p:txBody>
+      </p:sp>
+      <p:sp>
+        <p:nvSpPr>
+          <p:cNvPr id="3" name="Content Placeholder 2"/>
           <p:cNvSpPr>
             <a:spLocks noGrp="1"/>
           </p:cNvSpPr>
@@ -6205,81 +6183,13 @@
             <a:pPr marL="0" indent="0">
               <a:buNone/>
             </a:pPr>
-            <a:r>
-              <a:rPr lang="en-US" dirty="0">
-                <a:latin typeface="+mn-lt"/>
-              </a:rPr>
-              <a:t>What is HEAD?</a:t>
-            </a:r>
-          </a:p>
-          <a:p>
-            <a:pPr marL="0" indent="0">
-              <a:buNone/>
-            </a:pPr>
-            <a:r>
-              <a:rPr lang="en-US" dirty="0">
-                <a:latin typeface="+mn-lt"/>
-              </a:rPr>
-              <a:t>“The HEAD in </a:t>
-            </a:r>
-            <a:r>
-              <a:rPr lang="en-US" dirty="0" err="1">
-                <a:latin typeface="+mn-lt"/>
-              </a:rPr>
-              <a:t>Git</a:t>
-            </a:r>
-            <a:r>
-              <a:rPr lang="en-US" dirty="0">
-                <a:latin typeface="+mn-lt"/>
-              </a:rPr>
-              <a:t> is the pointer to the current branch reference, which is in turn a pointer to the last commit you made or the last commit that was checked out into your working directory. That also means it will be the parent of the next commit you do. It's generally simplest to think of it as HEAD is the snapshot of your last commit.”</a:t>
-            </a:r>
-          </a:p>
-          <a:p>
-            <a:pPr marL="0" indent="0">
-              <a:buNone/>
-            </a:pPr>
-            <a:endParaRPr lang="en-US" dirty="0">
-              <a:latin typeface="Consolas" panose="020B0609020204030204" pitchFamily="49" charset="0"/>
-            </a:endParaRPr>
-          </a:p>
-          <a:p>
-            <a:pPr marL="0" indent="0">
-              <a:buNone/>
-            </a:pPr>
-            <a:endParaRPr lang="en-US" dirty="0">
-              <a:latin typeface="Consolas" panose="020B0609020204030204" pitchFamily="49" charset="0"/>
-            </a:endParaRPr>
-          </a:p>
-          <a:p>
-            <a:pPr marL="0" indent="0">
-              <a:buNone/>
-            </a:pPr>
-            <a:endParaRPr lang="en-US" dirty="0">
-              <a:latin typeface="Consolas" panose="020B0609020204030204" pitchFamily="49" charset="0"/>
-            </a:endParaRPr>
-          </a:p>
-          <a:p>
-            <a:pPr marL="0" indent="0">
-              <a:buNone/>
-            </a:pPr>
-            <a:endParaRPr lang="en-US" dirty="0">
-              <a:latin typeface="Consolas" panose="020B0609020204030204" pitchFamily="49" charset="0"/>
-            </a:endParaRPr>
-          </a:p>
-          <a:p>
-            <a:pPr marL="0" indent="0">
-              <a:buNone/>
-            </a:pPr>
-            <a:endParaRPr lang="en-US" dirty="0">
-              <a:latin typeface="Consolas" panose="020B0609020204030204" pitchFamily="49" charset="0"/>
-            </a:endParaRPr>
-          </a:p>
-        </p:txBody>
-      </p:sp>
-      <p:sp>
-        <p:nvSpPr>
-          <p:cNvPr id="6" name="Text Placeholder 5"/>
+            <a:endParaRPr lang="en-US" dirty="0" smtClean="0"/>
+          </a:p>
+        </p:txBody>
+      </p:sp>
+      <p:sp>
+        <p:nvSpPr>
+          <p:cNvPr id="4" name="Text Placeholder 3"/>
           <p:cNvSpPr>
             <a:spLocks noGrp="1"/>
           </p:cNvSpPr>
@@ -6296,10 +6206,34 @@
           </a:p>
         </p:txBody>
       </p:sp>
+      <p:pic>
+        <p:nvPicPr>
+          <p:cNvPr id="7" name="Picture 6"/>
+          <p:cNvPicPr>
+            <a:picLocks noChangeAspect="1"/>
+          </p:cNvPicPr>
+          <p:nvPr/>
+        </p:nvPicPr>
+        <p:blipFill>
+          <a:blip r:embed="rId2"/>
+          <a:stretch>
+            <a:fillRect/>
+          </a:stretch>
+        </p:blipFill>
+        <p:spPr>
+          <a:xfrm>
+            <a:off x="609600" y="1143000"/>
+            <a:ext cx="9397175" cy="4197096"/>
+          </a:xfrm>
+          <a:prstGeom prst="rect">
+            <a:avLst/>
+          </a:prstGeom>
+        </p:spPr>
+      </p:pic>
     </p:spTree>
     <p:extLst>
       <p:ext uri="{BB962C8B-B14F-4D97-AF65-F5344CB8AC3E}">
-        <p14:creationId xmlns:p14="http://schemas.microsoft.com/office/powerpoint/2010/main" val="3341466923"/>
+        <p14:creationId xmlns:p14="http://schemas.microsoft.com/office/powerpoint/2010/main" val="3013452596"/>
       </p:ext>
     </p:extLst>
   </p:cSld>
@@ -6328,7 +6262,7 @@
       </p:grpSpPr>
       <p:sp>
         <p:nvSpPr>
-          <p:cNvPr id="4" name="Title 3"/>
+          <p:cNvPr id="2" name="Title 1"/>
           <p:cNvSpPr>
             <a:spLocks noGrp="1"/>
           </p:cNvSpPr>
@@ -6342,15 +6276,16 @@
           <a:lstStyle/>
           <a:p>
             <a:r>
-              <a:rPr lang="en-US" dirty="0"/>
-              <a:t>The Fundamental Workflow</a:t>
-            </a:r>
-          </a:p>
-        </p:txBody>
-      </p:sp>
-      <p:sp>
-        <p:nvSpPr>
-          <p:cNvPr id="5" name="Content Placeholder 4"/>
+              <a:rPr lang="en-US" dirty="0" smtClean="0"/>
+              <a:t>What Angular Gets Wrong (for us) </a:t>
+            </a:r>
+            <a:endParaRPr lang="en-US" dirty="0"/>
+          </a:p>
+        </p:txBody>
+      </p:sp>
+      <p:sp>
+        <p:nvSpPr>
+          <p:cNvPr id="3" name="Content Placeholder 2"/>
           <p:cNvSpPr>
             <a:spLocks noGrp="1"/>
           </p:cNvSpPr>
@@ -6362,6 +6297,15 @@
         <p:txBody>
           <a:bodyPr/>
           <a:lstStyle/>
+          <a:p>
+            <a:pPr marL="0" indent="0">
+              <a:buNone/>
+            </a:pPr>
+            <a:r>
+              <a:rPr lang="en-US" dirty="0" smtClean="0"/>
+              <a:t>Each one of those .p-title classes would get rendered into the document along with an attribute selector, rendering each unique, but still redundant </a:t>
+            </a:r>
+          </a:p>
           <a:p>
             <a:pPr marL="0" indent="0">
               <a:buNone/>
@@ -6370,7 +6314,40 @@
               <a:rPr lang="en-US" dirty="0">
                 <a:latin typeface="Consolas" panose="020B0609020204030204" pitchFamily="49" charset="0"/>
               </a:rPr>
-              <a:t>code demo.md</a:t>
+              <a:t>&lt;style&gt;.p-title[_ngcontent-ymr-c90]{</a:t>
+            </a:r>
+          </a:p>
+          <a:p>
+            <a:pPr marL="0" indent="0">
+              <a:buNone/>
+            </a:pPr>
+            <a:r>
+              <a:rPr lang="en-US" dirty="0">
+                <a:latin typeface="Consolas" panose="020B0609020204030204" pitchFamily="49" charset="0"/>
+              </a:rPr>
+              <a:t>    font-weight: lighter;</a:t>
+            </a:r>
+          </a:p>
+          <a:p>
+            <a:pPr marL="0" indent="0">
+              <a:buNone/>
+            </a:pPr>
+            <a:r>
+              <a:rPr lang="en-US" dirty="0">
+                <a:latin typeface="Consolas" panose="020B0609020204030204" pitchFamily="49" charset="0"/>
+              </a:rPr>
+              <a:t>    color: #444;</a:t>
+            </a:r>
+          </a:p>
+          <a:p>
+            <a:pPr marL="0" indent="0">
+              <a:buNone/>
+            </a:pPr>
+            <a:r>
+              <a:rPr lang="en-US" dirty="0">
+                <a:latin typeface="Consolas" panose="020B0609020204030204" pitchFamily="49" charset="0"/>
+              </a:rPr>
+              <a:t>}&lt;/style&gt;</a:t>
             </a:r>
           </a:p>
           <a:p>
@@ -6385,6 +6362,50 @@
             <a:pPr marL="0" indent="0">
               <a:buNone/>
             </a:pPr>
+            <a:r>
+              <a:rPr lang="en-US" dirty="0">
+                <a:latin typeface="Consolas" panose="020B0609020204030204" pitchFamily="49" charset="0"/>
+              </a:rPr>
+              <a:t>&lt;style&gt;.p-title[_ngcontent-ymr-c82]{</a:t>
+            </a:r>
+          </a:p>
+          <a:p>
+            <a:pPr marL="0" indent="0">
+              <a:buNone/>
+            </a:pPr>
+            <a:r>
+              <a:rPr lang="en-US" dirty="0">
+                <a:latin typeface="Consolas" panose="020B0609020204030204" pitchFamily="49" charset="0"/>
+              </a:rPr>
+              <a:t>    font-weight: lighter;</a:t>
+            </a:r>
+          </a:p>
+          <a:p>
+            <a:pPr marL="0" indent="0">
+              <a:buNone/>
+            </a:pPr>
+            <a:r>
+              <a:rPr lang="en-US" dirty="0">
+                <a:latin typeface="Consolas" panose="020B0609020204030204" pitchFamily="49" charset="0"/>
+              </a:rPr>
+              <a:t>    color: #444;</a:t>
+            </a:r>
+          </a:p>
+          <a:p>
+            <a:pPr marL="0" indent="0">
+              <a:buNone/>
+            </a:pPr>
+            <a:r>
+              <a:rPr lang="en-US" dirty="0">
+                <a:latin typeface="Consolas" panose="020B0609020204030204" pitchFamily="49" charset="0"/>
+              </a:rPr>
+              <a:t>}&lt;/style&gt;</a:t>
+            </a:r>
+          </a:p>
+          <a:p>
+            <a:pPr marL="0" indent="0">
+              <a:buNone/>
+            </a:pPr>
             <a:endParaRPr lang="en-US" dirty="0">
               <a:latin typeface="Consolas" panose="020B0609020204030204" pitchFamily="49" charset="0"/>
             </a:endParaRPr>
@@ -6393,15 +6414,60 @@
             <a:pPr marL="0" indent="0">
               <a:buNone/>
             </a:pPr>
-            <a:endParaRPr lang="en-US" dirty="0">
+            <a:r>
+              <a:rPr lang="en-US" dirty="0">
+                <a:latin typeface="Consolas" panose="020B0609020204030204" pitchFamily="49" charset="0"/>
+              </a:rPr>
+              <a:t>&lt;style&gt;.p-title[_ngcontent-ymr-c79]{</a:t>
+            </a:r>
+          </a:p>
+          <a:p>
+            <a:pPr marL="0" indent="0">
+              <a:buNone/>
+            </a:pPr>
+            <a:r>
+              <a:rPr lang="en-US" dirty="0">
+                <a:latin typeface="Consolas" panose="020B0609020204030204" pitchFamily="49" charset="0"/>
+              </a:rPr>
+              <a:t>    font-weight: lighter;</a:t>
+            </a:r>
+          </a:p>
+          <a:p>
+            <a:pPr marL="0" indent="0">
+              <a:buNone/>
+            </a:pPr>
+            <a:r>
+              <a:rPr lang="en-US" dirty="0">
+                <a:latin typeface="Consolas" panose="020B0609020204030204" pitchFamily="49" charset="0"/>
+              </a:rPr>
+              <a:t>    color: #444;</a:t>
+            </a:r>
+          </a:p>
+          <a:p>
+            <a:pPr marL="0" indent="0">
+              <a:buNone/>
+            </a:pPr>
+            <a:r>
+              <a:rPr lang="en-US" dirty="0">
+                <a:latin typeface="Consolas" panose="020B0609020204030204" pitchFamily="49" charset="0"/>
+              </a:rPr>
+              <a:t>}&lt;/style&gt;</a:t>
+            </a:r>
+            <a:endParaRPr lang="en-US" dirty="0" smtClean="0">
               <a:latin typeface="Consolas" panose="020B0609020204030204" pitchFamily="49" charset="0"/>
             </a:endParaRPr>
           </a:p>
-        </p:txBody>
-      </p:sp>
-      <p:sp>
-        <p:nvSpPr>
-          <p:cNvPr id="6" name="Text Placeholder 5"/>
+          <a:p>
+            <a:pPr marL="0" indent="0">
+              <a:buNone/>
+            </a:pPr>
+            <a:endParaRPr lang="en-US" dirty="0" smtClean="0"/>
+          </a:p>
+        </p:txBody>
+      </p:sp>
+      <p:sp>
+        <p:nvSpPr>
+          <p:cNvPr id="4" name="Text Placeholder 3"/>
           <p:cNvSpPr>
             <a:spLocks noGrp="1"/>
           </p:cNvSpPr>
@@ -6414,38 +6480,14 @@
           <a:bodyPr/>
           <a:lstStyle/>
           <a:p>
-            <a:endParaRPr lang="en-US"/>
-          </a:p>
-        </p:txBody>
-      </p:sp>
-      <p:pic>
-        <p:nvPicPr>
-          <p:cNvPr id="2" name="Picture 1"/>
-          <p:cNvPicPr>
-            <a:picLocks noChangeAspect="1"/>
-          </p:cNvPicPr>
-          <p:nvPr/>
-        </p:nvPicPr>
-        <p:blipFill>
-          <a:blip r:embed="rId2"/>
-          <a:stretch>
-            <a:fillRect/>
-          </a:stretch>
-        </p:blipFill>
-        <p:spPr>
-          <a:xfrm>
-            <a:off x="609600" y="1618678"/>
-            <a:ext cx="6377369" cy="4629921"/>
-          </a:xfrm>
-          <a:prstGeom prst="rect">
-            <a:avLst/>
-          </a:prstGeom>
-        </p:spPr>
-      </p:pic>
+            <a:endParaRPr lang="en-US" dirty="0"/>
+          </a:p>
+        </p:txBody>
+      </p:sp>
     </p:spTree>
     <p:extLst>
       <p:ext uri="{BB962C8B-B14F-4D97-AF65-F5344CB8AC3E}">
-        <p14:creationId xmlns:p14="http://schemas.microsoft.com/office/powerpoint/2010/main" val="3384631965"/>
+        <p14:creationId xmlns:p14="http://schemas.microsoft.com/office/powerpoint/2010/main" val="1493701060"/>
       </p:ext>
     </p:extLst>
   </p:cSld>
@@ -6474,7 +6516,7 @@
       </p:grpSpPr>
       <p:sp>
         <p:nvSpPr>
-          <p:cNvPr id="4" name="Title 3"/>
+          <p:cNvPr id="2" name="Title 1"/>
           <p:cNvSpPr>
             <a:spLocks noGrp="1"/>
           </p:cNvSpPr>
@@ -6488,111 +6530,22 @@
           <a:lstStyle/>
           <a:p>
             <a:r>
-              <a:rPr lang="en-US" dirty="0"/>
-              <a:t>The Fundamental Workflow</a:t>
-            </a:r>
-          </a:p>
-        </p:txBody>
-      </p:sp>
-      <p:sp>
-        <p:nvSpPr>
-          <p:cNvPr id="5" name="Content Placeholder 4"/>
-          <p:cNvSpPr>
-            <a:spLocks noGrp="1"/>
-          </p:cNvSpPr>
-          <p:nvPr>
-            <p:ph idx="1"/>
-          </p:nvPr>
-        </p:nvSpPr>
-        <p:spPr/>
-        <p:txBody>
-          <a:bodyPr/>
-          <a:lstStyle/>
-          <a:p>
-            <a:pPr marL="0" indent="0">
-              <a:buNone/>
-            </a:pPr>
-            <a:r>
-              <a:rPr lang="en-US" dirty="0" err="1">
-                <a:latin typeface="Consolas" panose="020B0609020204030204" pitchFamily="49" charset="0"/>
-              </a:rPr>
-              <a:t>Git</a:t>
-            </a:r>
-            <a:r>
-              <a:rPr lang="en-US" dirty="0">
-                <a:latin typeface="Consolas" panose="020B0609020204030204" pitchFamily="49" charset="0"/>
-              </a:rPr>
-              <a:t> checkout</a:t>
-            </a:r>
-          </a:p>
-          <a:p>
-            <a:pPr marL="0" indent="0">
-              <a:buNone/>
-            </a:pPr>
-            <a:endParaRPr lang="en-US" dirty="0">
-              <a:latin typeface="Consolas" panose="020B0609020204030204" pitchFamily="49" charset="0"/>
-            </a:endParaRPr>
-          </a:p>
-          <a:p>
-            <a:pPr marL="0" indent="0">
-              <a:buNone/>
-            </a:pPr>
-            <a:endParaRPr lang="en-US" dirty="0">
-              <a:latin typeface="Consolas" panose="020B0609020204030204" pitchFamily="49" charset="0"/>
-            </a:endParaRPr>
-          </a:p>
-          <a:p>
-            <a:pPr marL="0" indent="0">
-              <a:buNone/>
-            </a:pPr>
-            <a:endParaRPr lang="en-US" dirty="0">
-              <a:latin typeface="Consolas" panose="020B0609020204030204" pitchFamily="49" charset="0"/>
-            </a:endParaRPr>
-          </a:p>
-          <a:p>
-            <a:pPr marL="0" indent="0">
-              <a:buNone/>
-            </a:pPr>
-            <a:endParaRPr lang="en-US" dirty="0">
-              <a:latin typeface="Consolas" panose="020B0609020204030204" pitchFamily="49" charset="0"/>
-            </a:endParaRPr>
-          </a:p>
-          <a:p>
-            <a:pPr marL="0" indent="0">
-              <a:buNone/>
-            </a:pPr>
-            <a:endParaRPr lang="en-US" dirty="0">
-              <a:latin typeface="Consolas" panose="020B0609020204030204" pitchFamily="49" charset="0"/>
-            </a:endParaRPr>
-          </a:p>
-        </p:txBody>
-      </p:sp>
-      <p:sp>
-        <p:nvSpPr>
-          <p:cNvPr id="6" name="Text Placeholder 5"/>
-          <p:cNvSpPr>
-            <a:spLocks noGrp="1"/>
-          </p:cNvSpPr>
-          <p:nvPr>
-            <p:ph type="body" sz="quarter" idx="11"/>
-          </p:nvPr>
-        </p:nvSpPr>
-        <p:spPr/>
-        <p:txBody>
-          <a:bodyPr/>
-          <a:lstStyle/>
-          <a:p>
-            <a:endParaRPr lang="en-US"/>
+              <a:rPr lang="en-US" dirty="0" smtClean="0"/>
+              <a:t>What We Do Instead</a:t>
+            </a:r>
+            <a:endParaRPr lang="en-US" dirty="0"/>
           </a:p>
         </p:txBody>
       </p:sp>
       <p:pic>
         <p:nvPicPr>
-          <p:cNvPr id="3" name="Picture 2"/>
+          <p:cNvPr id="5" name="Content Placeholder 4"/>
           <p:cNvPicPr>
-            <a:picLocks noChangeAspect="1"/>
+            <a:picLocks noGrp="1" noChangeAspect="1"/>
           </p:cNvPicPr>
-          <p:nvPr/>
+          <p:nvPr>
+            <p:ph idx="1"/>
+          </p:nvPr>
         </p:nvPicPr>
         <p:blipFill>
           <a:blip r:embed="rId2"/>
@@ -6602,18 +6555,84 @@
         </p:blipFill>
         <p:spPr>
           <a:xfrm>
-            <a:off x="609600" y="1793176"/>
-            <a:ext cx="8808864" cy="3034856"/>
+            <a:off x="972344" y="1290637"/>
+            <a:ext cx="10248900" cy="4276725"/>
           </a:xfrm>
           <a:prstGeom prst="rect">
             <a:avLst/>
           </a:prstGeom>
         </p:spPr>
       </p:pic>
+      <p:sp>
+        <p:nvSpPr>
+          <p:cNvPr id="4" name="Text Placeholder 3"/>
+          <p:cNvSpPr>
+            <a:spLocks noGrp="1"/>
+          </p:cNvSpPr>
+          <p:nvPr>
+            <p:ph type="body" sz="quarter" idx="11"/>
+          </p:nvPr>
+        </p:nvSpPr>
+        <p:spPr/>
+        <p:txBody>
+          <a:bodyPr/>
+          <a:lstStyle/>
+          <a:p>
+            <a:endParaRPr lang="en-US"/>
+          </a:p>
+        </p:txBody>
+      </p:sp>
+      <p:sp>
+        <p:nvSpPr>
+          <p:cNvPr id="6" name="Left Arrow 5"/>
+          <p:cNvSpPr/>
+          <p:nvPr/>
+        </p:nvSpPr>
+        <p:spPr>
+          <a:xfrm>
+            <a:off x="2343150" y="4448175"/>
+            <a:ext cx="1685925" cy="523875"/>
+          </a:xfrm>
+          <a:prstGeom prst="leftArrow">
+            <a:avLst/>
+          </a:prstGeom>
+          <a:solidFill>
+            <a:schemeClr val="tx2"/>
+          </a:solidFill>
+        </p:spPr>
+        <p:txBody>
+          <a:bodyPr wrap="square" lIns="0" tIns="0" rIns="0" bIns="0" rtlCol="0" anchor="ctr">
+            <a:noAutofit/>
+          </a:bodyPr>
+          <a:lstStyle/>
+          <a:p>
+            <a:pPr algn="ctr" defTabSz="1371600" eaLnBrk="0" hangingPunct="0">
+              <a:lnSpc>
+                <a:spcPts val="1400"/>
+              </a:lnSpc>
+              <a:spcBef>
+                <a:spcPts val="0"/>
+              </a:spcBef>
+              <a:spcAft>
+                <a:spcPts val="1200"/>
+              </a:spcAft>
+              <a:buClr>
+                <a:schemeClr val="bg2"/>
+              </a:buClr>
+            </a:pPr>
+            <a:endParaRPr lang="en-US" sz="1100" b="1" dirty="0" smtClean="0">
+              <a:solidFill>
+                <a:schemeClr val="bg1"/>
+              </a:solidFill>
+              <a:ea typeface="Geneva" pitchFamily="-106" charset="-128"/>
+            </a:endParaRPr>
+          </a:p>
+        </p:txBody>
+      </p:sp>
     </p:spTree>
     <p:extLst>
       <p:ext uri="{BB962C8B-B14F-4D97-AF65-F5344CB8AC3E}">
-        <p14:creationId xmlns:p14="http://schemas.microsoft.com/office/powerpoint/2010/main" val="2810580534"/>
+        <p14:creationId xmlns:p14="http://schemas.microsoft.com/office/powerpoint/2010/main" val="1159393124"/>
       </p:ext>
     </p:extLst>
   </p:cSld>
@@ -6642,7 +6661,7 @@
       </p:grpSpPr>
       <p:sp>
         <p:nvSpPr>
-          <p:cNvPr id="4" name="Title 3"/>
+          <p:cNvPr id="2" name="Title 1"/>
           <p:cNvSpPr>
             <a:spLocks noGrp="1"/>
           </p:cNvSpPr>
@@ -6656,15 +6675,16 @@
           <a:lstStyle/>
           <a:p>
             <a:r>
-              <a:rPr lang="en-US" dirty="0"/>
-              <a:t>The Fundamental Workflow</a:t>
-            </a:r>
-          </a:p>
-        </p:txBody>
-      </p:sp>
-      <p:sp>
-        <p:nvSpPr>
-          <p:cNvPr id="5" name="Content Placeholder 4"/>
+              <a:rPr lang="en-US" dirty="0" smtClean="0"/>
+              <a:t>What We Do Instead</a:t>
+            </a:r>
+            <a:endParaRPr lang="en-US" dirty="0"/>
+          </a:p>
+        </p:txBody>
+      </p:sp>
+      <p:sp>
+        <p:nvSpPr>
+          <p:cNvPr id="3" name="Content Placeholder 2"/>
           <p:cNvSpPr>
             <a:spLocks noGrp="1"/>
           </p:cNvSpPr>
@@ -6680,17 +6700,46 @@
             <a:pPr marL="0" indent="0">
               <a:buNone/>
             </a:pPr>
+            <a:r>
+              <a:rPr lang="en-US" dirty="0">
+                <a:latin typeface="Consolas" panose="020B0609020204030204" pitchFamily="49" charset="0"/>
+              </a:rPr>
+              <a:t>/* You can add global styles to this file, and also import other style files */</a:t>
+            </a:r>
+          </a:p>
+          <a:p>
+            <a:pPr marL="0" indent="0">
+              <a:buNone/>
+            </a:pPr>
+            <a:r>
+              <a:rPr lang="en-US" dirty="0">
+                <a:latin typeface="Consolas" panose="020B0609020204030204" pitchFamily="49" charset="0"/>
+              </a:rPr>
+              <a:t>@import "../</a:t>
+            </a:r>
             <a:r>
               <a:rPr lang="en-US" dirty="0" err="1">
                 <a:latin typeface="Consolas" panose="020B0609020204030204" pitchFamily="49" charset="0"/>
               </a:rPr>
-              <a:t>git</a:t>
+              <a:t>node_modules</a:t>
             </a:r>
             <a:r>
               <a:rPr lang="en-US" dirty="0">
                 <a:latin typeface="Consolas" panose="020B0609020204030204" pitchFamily="49" charset="0"/>
               </a:rPr>
-              <a:t> add</a:t>
+              <a:t>/ag-grid-community/</a:t>
+            </a:r>
+            <a:r>
+              <a:rPr lang="en-US" dirty="0" err="1">
+                <a:latin typeface="Consolas" panose="020B0609020204030204" pitchFamily="49" charset="0"/>
+              </a:rPr>
+              <a:t>dist</a:t>
+            </a:r>
+            <a:r>
+              <a:rPr lang="en-US" dirty="0">
+                <a:latin typeface="Consolas" panose="020B0609020204030204" pitchFamily="49" charset="0"/>
+              </a:rPr>
+              <a:t>/styles/ag-grid.css";</a:t>
             </a:r>
           </a:p>
           <a:p>
@@ -6699,17 +6748,82 @@
             </a:pPr>
             <a:r>
               <a:rPr lang="en-US" dirty="0">
-                <a:latin typeface="+mn-lt"/>
+                <a:latin typeface="Consolas" panose="020B0609020204030204" pitchFamily="49" charset="0"/>
               </a:rPr>
-              <a:t>“This command updates the index using the current content found in the working tree, to prepare the content staged for the next commit. It typically adds the current content of existing paths as a whole, but with some options it can also be used to add content with only part of the changes made to the working tree files applied, or remove paths that do not exist in the working tree anymore.</a:t>
+              <a:t>@import "../</a:t>
+            </a:r>
+            <a:r>
+              <a:rPr lang="en-US" dirty="0" err="1">
+                <a:latin typeface="Consolas" panose="020B0609020204030204" pitchFamily="49" charset="0"/>
+              </a:rPr>
+              <a:t>node_modules</a:t>
+            </a:r>
+            <a:r>
+              <a:rPr lang="en-US" dirty="0">
+                <a:latin typeface="Consolas" panose="020B0609020204030204" pitchFamily="49" charset="0"/>
+              </a:rPr>
+              <a:t>/ag-grid-community/</a:t>
+            </a:r>
+            <a:r>
+              <a:rPr lang="en-US" dirty="0" err="1">
+                <a:latin typeface="Consolas" panose="020B0609020204030204" pitchFamily="49" charset="0"/>
+              </a:rPr>
+              <a:t>dist</a:t>
+            </a:r>
+            <a:r>
+              <a:rPr lang="en-US" dirty="0">
+                <a:latin typeface="Consolas" panose="020B0609020204030204" pitchFamily="49" charset="0"/>
+              </a:rPr>
+              <a:t>/styles/ag-theme-balham.css";</a:t>
             </a:r>
           </a:p>
           <a:p>
             <a:pPr marL="0" indent="0">
               <a:buNone/>
             </a:pPr>
+            <a:r>
+              <a:rPr lang="en-US" dirty="0">
+                <a:latin typeface="Consolas" panose="020B0609020204030204" pitchFamily="49" charset="0"/>
+              </a:rPr>
+              <a:t>@import "../</a:t>
+            </a:r>
+            <a:r>
+              <a:rPr lang="en-US" dirty="0" err="1">
+                <a:latin typeface="Consolas" panose="020B0609020204030204" pitchFamily="49" charset="0"/>
+              </a:rPr>
+              <a:t>node_modules</a:t>
+            </a:r>
+            <a:r>
+              <a:rPr lang="en-US" dirty="0">
+                <a:latin typeface="Consolas" panose="020B0609020204030204" pitchFamily="49" charset="0"/>
+              </a:rPr>
+              <a:t>/</a:t>
+            </a:r>
+            <a:r>
+              <a:rPr lang="en-US" dirty="0" err="1">
+                <a:latin typeface="Consolas" panose="020B0609020204030204" pitchFamily="49" charset="0"/>
+              </a:rPr>
+              <a:t>sherpa</a:t>
+            </a:r>
+            <a:r>
+              <a:rPr lang="en-US" dirty="0">
+                <a:latin typeface="Consolas" panose="020B0609020204030204" pitchFamily="49" charset="0"/>
+              </a:rPr>
+              <a:t>-component-library/sherpa-component-library.css</a:t>
+            </a:r>
+            <a:r>
+              <a:rPr lang="en-US" dirty="0" smtClean="0">
+                <a:latin typeface="Consolas" panose="020B0609020204030204" pitchFamily="49" charset="0"/>
+              </a:rPr>
+              <a:t>";</a:t>
+            </a:r>
+          </a:p>
+          <a:p>
+            <a:pPr marL="0" indent="0">
+              <a:buNone/>
+            </a:pPr>
             <a:endParaRPr lang="en-US" dirty="0">
-              <a:latin typeface="+mn-lt"/>
+              <a:latin typeface="Consolas" panose="020B0609020204030204" pitchFamily="49" charset="0"/>
             </a:endParaRPr>
           </a:p>
           <a:p>
@@ -6717,17 +6831,17 @@
               <a:buNone/>
             </a:pPr>
             <a:r>
-              <a:rPr lang="en-US" dirty="0">
-                <a:latin typeface="+mn-lt"/>
+              <a:rPr lang="en-US" dirty="0" smtClean="0">
+                <a:latin typeface="Consolas" panose="020B0609020204030204" pitchFamily="49" charset="0"/>
               </a:rPr>
-              <a:t>The "index" holds a snapshot of the content of the working tree, and it is this snapshot that is taken as the contents of the next commit. Thus after making any changes to the working tree, and before running the commit command, you must use the add command to add any new or modified files to the index.”</a:t>
-            </a:r>
-          </a:p>
-        </p:txBody>
-      </p:sp>
-      <p:sp>
-        <p:nvSpPr>
-          <p:cNvPr id="6" name="Text Placeholder 5"/>
+              <a:t>/* global styles follow */</a:t>
+            </a:r>
+          </a:p>
+        </p:txBody>
+      </p:sp>
+      <p:sp>
+        <p:nvSpPr>
+          <p:cNvPr id="4" name="Text Placeholder 3"/>
           <p:cNvSpPr>
             <a:spLocks noGrp="1"/>
           </p:cNvSpPr>
@@ -6747,7 +6861,7 @@
     </p:spTree>
     <p:extLst>
       <p:ext uri="{BB962C8B-B14F-4D97-AF65-F5344CB8AC3E}">
-        <p14:creationId xmlns:p14="http://schemas.microsoft.com/office/powerpoint/2010/main" val="3614632167"/>
+        <p14:creationId xmlns:p14="http://schemas.microsoft.com/office/powerpoint/2010/main" val="2141909039"/>
       </p:ext>
     </p:extLst>
   </p:cSld>
@@ -6776,7 +6890,242 @@
       </p:grpSpPr>
       <p:sp>
         <p:nvSpPr>
-          <p:cNvPr id="4" name="Title 3"/>
+          <p:cNvPr id="8" name="Content Placeholder 2"/>
+          <p:cNvSpPr txBox="1">
+            <a:spLocks/>
+          </p:cNvSpPr>
+          <p:nvPr/>
+        </p:nvSpPr>
+        <p:spPr bwMode="auto">
+          <a:xfrm>
+            <a:off x="611837" y="1143000"/>
+            <a:ext cx="10970563" cy="4572000"/>
+          </a:xfrm>
+          <a:prstGeom prst="rect">
+            <a:avLst/>
+          </a:prstGeom>
+          <a:noFill/>
+          <a:ln w="9525">
+            <a:noFill/>
+            <a:miter lim="800000"/>
+            <a:headEnd/>
+            <a:tailEnd/>
+          </a:ln>
+        </p:spPr>
+        <p:txBody>
+          <a:bodyPr vert="horz" wrap="square" lIns="0" tIns="0" rIns="0" bIns="0" numCol="1" anchor="t" anchorCtr="0" compatLnSpc="1">
+            <a:prstTxWarp prst="textNoShape">
+              <a:avLst/>
+            </a:prstTxWarp>
+          </a:bodyPr>
+          <a:lstStyle>
+            <a:lvl1pPr marL="168275" indent="-182880" algn="l" rtl="0" eaLnBrk="1" fontAlgn="base" hangingPunct="1">
+              <a:lnSpc>
+                <a:spcPts val="1920"/>
+              </a:lnSpc>
+              <a:spcBef>
+                <a:spcPct val="20000"/>
+              </a:spcBef>
+              <a:spcAft>
+                <a:spcPts val="400"/>
+              </a:spcAft>
+              <a:buClr>
+                <a:schemeClr val="bg1"/>
+              </a:buClr>
+              <a:buSzPct val="100000"/>
+              <a:buFont typeface="Arial" pitchFamily="34" charset="0"/>
+              <a:buChar char="–"/>
+              <a:tabLst/>
+              <a:defRPr sz="1600" b="0" kern="1200">
+                <a:solidFill>
+                  <a:schemeClr val="bg1"/>
+                </a:solidFill>
+                <a:latin typeface="Arial" pitchFamily="34" charset="0"/>
+                <a:ea typeface="ＭＳ Ｐゴシック" charset="-128"/>
+                <a:cs typeface="Arial" pitchFamily="34" charset="0"/>
+              </a:defRPr>
+            </a:lvl1pPr>
+            <a:lvl2pPr marL="742950" indent="-182880" algn="l" rtl="0" eaLnBrk="1" fontAlgn="base" hangingPunct="1">
+              <a:lnSpc>
+                <a:spcPts val="1400"/>
+              </a:lnSpc>
+              <a:spcBef>
+                <a:spcPts val="600"/>
+              </a:spcBef>
+              <a:spcAft>
+                <a:spcPts val="400"/>
+              </a:spcAft>
+              <a:buClr>
+                <a:schemeClr val="bg1"/>
+              </a:buClr>
+              <a:buSzPct val="100000"/>
+              <a:buFont typeface="Arial"/>
+              <a:buChar char="•"/>
+              <a:defRPr sz="1400" b="0" kern="1200">
+                <a:solidFill>
+                  <a:schemeClr val="bg1"/>
+                </a:solidFill>
+                <a:latin typeface="Arial" pitchFamily="34" charset="0"/>
+                <a:ea typeface="ＭＳ Ｐゴシック" charset="-128"/>
+                <a:cs typeface="Arial" pitchFamily="34" charset="0"/>
+              </a:defRPr>
+            </a:lvl2pPr>
+            <a:lvl3pPr marL="1060704" indent="-182880" algn="l" rtl="0" eaLnBrk="1" fontAlgn="base" hangingPunct="1">
+              <a:lnSpc>
+                <a:spcPts val="1400"/>
+              </a:lnSpc>
+              <a:spcBef>
+                <a:spcPts val="600"/>
+              </a:spcBef>
+              <a:spcAft>
+                <a:spcPts val="400"/>
+              </a:spcAft>
+              <a:buClr>
+                <a:schemeClr val="bg1"/>
+              </a:buClr>
+              <a:buSzPct val="100000"/>
+              <a:buFont typeface="Arial" pitchFamily="34" charset="0"/>
+              <a:buNone/>
+              <a:defRPr sz="1100" b="0" kern="1200">
+                <a:solidFill>
+                  <a:schemeClr val="bg1"/>
+                </a:solidFill>
+                <a:latin typeface="Arial" pitchFamily="34" charset="0"/>
+                <a:ea typeface="ＭＳ Ｐゴシック" charset="-128"/>
+                <a:cs typeface="Arial" pitchFamily="34" charset="0"/>
+              </a:defRPr>
+            </a:lvl3pPr>
+            <a:lvl4pPr marL="1143000" indent="-182880" algn="l" rtl="0" eaLnBrk="1" fontAlgn="base" hangingPunct="1">
+              <a:lnSpc>
+                <a:spcPts val="1400"/>
+              </a:lnSpc>
+              <a:spcBef>
+                <a:spcPts val="400"/>
+              </a:spcBef>
+              <a:spcAft>
+                <a:spcPts val="200"/>
+              </a:spcAft>
+              <a:buClr>
+                <a:schemeClr val="bg1"/>
+              </a:buClr>
+              <a:buSzPct val="100000"/>
+              <a:buFont typeface="Lucida Grande"/>
+              <a:buChar char="-"/>
+              <a:defRPr sz="1100" b="0" kern="1200">
+                <a:solidFill>
+                  <a:schemeClr val="bg1"/>
+                </a:solidFill>
+                <a:latin typeface="Arial" pitchFamily="34" charset="0"/>
+                <a:ea typeface="ＭＳ Ｐゴシック" charset="-128"/>
+                <a:cs typeface="Arial" pitchFamily="34" charset="0"/>
+              </a:defRPr>
+            </a:lvl4pPr>
+            <a:lvl5pPr marL="857250" indent="-173038" algn="l" rtl="0" eaLnBrk="1" fontAlgn="base" hangingPunct="1">
+              <a:lnSpc>
+                <a:spcPts val="1400"/>
+              </a:lnSpc>
+              <a:spcBef>
+                <a:spcPts val="0"/>
+              </a:spcBef>
+              <a:spcAft>
+                <a:spcPts val="600"/>
+              </a:spcAft>
+              <a:buClr>
+                <a:schemeClr val="bg1"/>
+              </a:buClr>
+              <a:buFont typeface="Arial" pitchFamily="34" charset="0"/>
+              <a:buChar char="–"/>
+              <a:tabLst/>
+              <a:defRPr sz="1100" b="0" kern="1200">
+                <a:solidFill>
+                  <a:schemeClr val="bg1"/>
+                </a:solidFill>
+                <a:latin typeface="Arial" pitchFamily="34" charset="0"/>
+                <a:ea typeface="Arial" charset="0"/>
+                <a:cs typeface="Arial" pitchFamily="34" charset="0"/>
+              </a:defRPr>
+            </a:lvl5pPr>
+            <a:lvl6pPr marL="2513130" indent="-228465" algn="l" defTabSz="913865" rtl="0" eaLnBrk="1" latinLnBrk="0" hangingPunct="1">
+              <a:spcBef>
+                <a:spcPct val="20000"/>
+              </a:spcBef>
+              <a:buFont typeface="Arial" pitchFamily="34" charset="0"/>
+              <a:buChar char="•"/>
+              <a:defRPr sz="2000" kern="1200">
+                <a:solidFill>
+                  <a:schemeClr val="tx1"/>
+                </a:solidFill>
+                <a:latin typeface="+mn-lt"/>
+                <a:ea typeface="+mn-ea"/>
+                <a:cs typeface="+mn-cs"/>
+              </a:defRPr>
+            </a:lvl6pPr>
+            <a:lvl7pPr marL="2970064" indent="-228465" algn="l" defTabSz="913865" rtl="0" eaLnBrk="1" latinLnBrk="0" hangingPunct="1">
+              <a:spcBef>
+                <a:spcPct val="20000"/>
+              </a:spcBef>
+              <a:buFont typeface="Arial" pitchFamily="34" charset="0"/>
+              <a:buChar char="•"/>
+              <a:defRPr sz="2000" kern="1200">
+                <a:solidFill>
+                  <a:schemeClr val="tx1"/>
+                </a:solidFill>
+                <a:latin typeface="+mn-lt"/>
+                <a:ea typeface="+mn-ea"/>
+                <a:cs typeface="+mn-cs"/>
+              </a:defRPr>
+            </a:lvl7pPr>
+            <a:lvl8pPr marL="3426996" indent="-228465" algn="l" defTabSz="913865" rtl="0" eaLnBrk="1" latinLnBrk="0" hangingPunct="1">
+              <a:spcBef>
+                <a:spcPct val="20000"/>
+              </a:spcBef>
+              <a:buFont typeface="Arial" pitchFamily="34" charset="0"/>
+              <a:buChar char="•"/>
+              <a:defRPr sz="2000" kern="1200">
+                <a:solidFill>
+                  <a:schemeClr val="tx1"/>
+                </a:solidFill>
+                <a:latin typeface="+mn-lt"/>
+                <a:ea typeface="+mn-ea"/>
+                <a:cs typeface="+mn-cs"/>
+              </a:defRPr>
+            </a:lvl8pPr>
+            <a:lvl9pPr marL="3883927" indent="-228465" algn="l" defTabSz="913865" rtl="0" eaLnBrk="1" latinLnBrk="0" hangingPunct="1">
+              <a:spcBef>
+                <a:spcPct val="20000"/>
+              </a:spcBef>
+              <a:buFont typeface="Arial" pitchFamily="34" charset="0"/>
+              <a:buChar char="•"/>
+              <a:defRPr sz="2000" kern="1200">
+                <a:solidFill>
+                  <a:schemeClr val="tx1"/>
+                </a:solidFill>
+                <a:latin typeface="+mn-lt"/>
+                <a:ea typeface="+mn-ea"/>
+                <a:cs typeface="+mn-cs"/>
+              </a:defRPr>
+            </a:lvl9pPr>
+          </a:lstStyle>
+          <a:p>
+            <a:pPr marL="0" indent="0">
+              <a:buFont typeface="Arial" pitchFamily="34" charset="0"/>
+              <a:buNone/>
+            </a:pPr>
+            <a:r>
+              <a:rPr lang="en-US" dirty="0" smtClean="0">
+                <a:latin typeface="Consolas" panose="020B0609020204030204" pitchFamily="49" charset="0"/>
+              </a:rPr>
+              <a:t>Bootstrap, font-awesome and ag-grid</a:t>
+            </a:r>
+            <a:endParaRPr lang="en-US" dirty="0" smtClean="0">
+              <a:latin typeface="Consolas" panose="020B0609020204030204" pitchFamily="49" charset="0"/>
+            </a:endParaRPr>
+          </a:p>
+        </p:txBody>
+      </p:sp>
+      <p:sp>
+        <p:nvSpPr>
+          <p:cNvPr id="2" name="Title 1"/>
           <p:cNvSpPr>
             <a:spLocks noGrp="1"/>
           </p:cNvSpPr>
@@ -6790,86 +7139,22 @@
           <a:lstStyle/>
           <a:p>
             <a:r>
-              <a:rPr lang="en-US" dirty="0"/>
-              <a:t>The Fundamental Workflow</a:t>
-            </a:r>
-          </a:p>
-        </p:txBody>
-      </p:sp>
-      <p:sp>
-        <p:nvSpPr>
-          <p:cNvPr id="5" name="Content Placeholder 4"/>
-          <p:cNvSpPr>
-            <a:spLocks noGrp="1"/>
-          </p:cNvSpPr>
-          <p:nvPr>
-            <p:ph idx="1"/>
-          </p:nvPr>
-        </p:nvSpPr>
-        <p:spPr/>
-        <p:txBody>
-          <a:bodyPr/>
-          <a:lstStyle/>
-          <a:p>
-            <a:pPr marL="0" indent="0">
-              <a:buNone/>
-            </a:pPr>
-            <a:endParaRPr lang="en-US" dirty="0">
-              <a:latin typeface="Consolas" panose="020B0609020204030204" pitchFamily="49" charset="0"/>
-            </a:endParaRPr>
-          </a:p>
-          <a:p>
-            <a:pPr marL="0" indent="0">
-              <a:buNone/>
-            </a:pPr>
-            <a:endParaRPr lang="en-US" dirty="0">
-              <a:latin typeface="Consolas" panose="020B0609020204030204" pitchFamily="49" charset="0"/>
-            </a:endParaRPr>
-          </a:p>
-          <a:p>
-            <a:pPr marL="0" indent="0">
-              <a:buNone/>
-            </a:pPr>
-            <a:endParaRPr lang="en-US" dirty="0">
-              <a:latin typeface="Consolas" panose="020B0609020204030204" pitchFamily="49" charset="0"/>
-            </a:endParaRPr>
-          </a:p>
-          <a:p>
-            <a:pPr marL="0" indent="0">
-              <a:buNone/>
-            </a:pPr>
-            <a:endParaRPr lang="en-US" dirty="0">
-              <a:latin typeface="Consolas" panose="020B0609020204030204" pitchFamily="49" charset="0"/>
-            </a:endParaRPr>
-          </a:p>
-        </p:txBody>
-      </p:sp>
-      <p:sp>
-        <p:nvSpPr>
-          <p:cNvPr id="6" name="Text Placeholder 5"/>
-          <p:cNvSpPr>
-            <a:spLocks noGrp="1"/>
-          </p:cNvSpPr>
-          <p:nvPr>
-            <p:ph type="body" sz="quarter" idx="11"/>
-          </p:nvPr>
-        </p:nvSpPr>
-        <p:spPr/>
-        <p:txBody>
-          <a:bodyPr/>
-          <a:lstStyle/>
-          <a:p>
-            <a:endParaRPr lang="en-US"/>
+              <a:rPr lang="en-US" dirty="0" smtClean="0"/>
+              <a:t>Sherpa Component Library Includes:</a:t>
+            </a:r>
+            <a:endParaRPr lang="en-US" dirty="0"/>
           </a:p>
         </p:txBody>
       </p:sp>
       <p:pic>
         <p:nvPicPr>
-          <p:cNvPr id="7" name="Picture 6"/>
+          <p:cNvPr id="5" name="Content Placeholder 4"/>
           <p:cNvPicPr>
-            <a:picLocks noChangeAspect="1"/>
+            <a:picLocks noGrp="1" noChangeAspect="1"/>
           </p:cNvPicPr>
-          <p:nvPr/>
+          <p:nvPr>
+            <p:ph idx="1"/>
+          </p:nvPr>
         </p:nvPicPr>
         <p:blipFill>
           <a:blip r:embed="rId2"/>
@@ -6879,18 +7164,37 @@
         </p:blipFill>
         <p:spPr>
           <a:xfrm>
-            <a:off x="609600" y="1241845"/>
-            <a:ext cx="7303579" cy="4067492"/>
+            <a:off x="462756" y="1595437"/>
+            <a:ext cx="5743575" cy="2162175"/>
           </a:xfrm>
           <a:prstGeom prst="rect">
             <a:avLst/>
           </a:prstGeom>
         </p:spPr>
       </p:pic>
+      <p:sp>
+        <p:nvSpPr>
+          <p:cNvPr id="4" name="Text Placeholder 3"/>
+          <p:cNvSpPr>
+            <a:spLocks noGrp="1"/>
+          </p:cNvSpPr>
+          <p:nvPr>
+            <p:ph type="body" sz="quarter" idx="11"/>
+          </p:nvPr>
+        </p:nvSpPr>
+        <p:spPr/>
+        <p:txBody>
+          <a:bodyPr/>
+          <a:lstStyle/>
+          <a:p>
+            <a:endParaRPr lang="en-US"/>
+          </a:p>
+        </p:txBody>
+      </p:sp>
     </p:spTree>
     <p:extLst>
       <p:ext uri="{BB962C8B-B14F-4D97-AF65-F5344CB8AC3E}">
-        <p14:creationId xmlns:p14="http://schemas.microsoft.com/office/powerpoint/2010/main" val="49391830"/>
+        <p14:creationId xmlns:p14="http://schemas.microsoft.com/office/powerpoint/2010/main" val="1451687481"/>
       </p:ext>
     </p:extLst>
   </p:cSld>
@@ -6919,7 +7223,7 @@
       </p:grpSpPr>
       <p:sp>
         <p:nvSpPr>
-          <p:cNvPr id="4" name="Title 3"/>
+          <p:cNvPr id="2" name="Title 1"/>
           <p:cNvSpPr>
             <a:spLocks noGrp="1"/>
           </p:cNvSpPr>
@@ -6933,94 +7237,22 @@
           <a:lstStyle/>
           <a:p>
             <a:r>
-              <a:rPr lang="en-US" dirty="0"/>
-              <a:t>The Fundamental Workflow</a:t>
-            </a:r>
-          </a:p>
-        </p:txBody>
-      </p:sp>
-      <p:sp>
-        <p:nvSpPr>
-          <p:cNvPr id="5" name="Content Placeholder 4"/>
-          <p:cNvSpPr>
-            <a:spLocks noGrp="1"/>
-          </p:cNvSpPr>
-          <p:nvPr>
-            <p:ph idx="1"/>
-          </p:nvPr>
-        </p:nvSpPr>
-        <p:spPr/>
-        <p:txBody>
-          <a:bodyPr/>
-          <a:lstStyle/>
-          <a:p>
-            <a:pPr marL="0" indent="0">
-              <a:buNone/>
-            </a:pPr>
-            <a:r>
-              <a:rPr lang="en-US" dirty="0" err="1">
-                <a:latin typeface="Consolas" panose="020B0609020204030204" pitchFamily="49" charset="0"/>
-              </a:rPr>
-              <a:t>git</a:t>
-            </a:r>
-            <a:r>
-              <a:rPr lang="en-US" dirty="0">
-                <a:latin typeface="Consolas" panose="020B0609020204030204" pitchFamily="49" charset="0"/>
-              </a:rPr>
-              <a:t> commit</a:t>
-            </a:r>
-          </a:p>
-          <a:p>
-            <a:pPr marL="0" indent="0">
-              <a:buNone/>
-            </a:pPr>
-            <a:r>
-              <a:rPr lang="en-US" dirty="0">
-                <a:latin typeface="+mn-lt"/>
-              </a:rPr>
-              <a:t>“Create a new commit containing the current contents of the index and the given log message describing the changes. The new commit is a direct child of HEAD, usually the tip of the current branch, and the branch is updated to point to it (unless no branch is associated with the working tree, in which case HEAD is "detached" as described in </a:t>
-            </a:r>
-            <a:r>
-              <a:rPr lang="en-US" dirty="0" err="1">
-                <a:latin typeface="+mn-lt"/>
-              </a:rPr>
-              <a:t>git</a:t>
-            </a:r>
-            <a:r>
-              <a:rPr lang="en-US" dirty="0">
-                <a:latin typeface="+mn-lt"/>
-              </a:rPr>
-              <a:t>-checkout[1]).”</a:t>
-            </a:r>
-          </a:p>
-        </p:txBody>
-      </p:sp>
-      <p:sp>
-        <p:nvSpPr>
-          <p:cNvPr id="6" name="Text Placeholder 5"/>
-          <p:cNvSpPr>
-            <a:spLocks noGrp="1"/>
-          </p:cNvSpPr>
-          <p:nvPr>
-            <p:ph type="body" sz="quarter" idx="11"/>
-          </p:nvPr>
-        </p:nvSpPr>
-        <p:spPr/>
-        <p:txBody>
-          <a:bodyPr/>
-          <a:lstStyle/>
-          <a:p>
-            <a:endParaRPr lang="en-US"/>
+              <a:rPr lang="en-US" dirty="0" smtClean="0"/>
+              <a:t>And then… we write very little!</a:t>
+            </a:r>
+            <a:endParaRPr lang="en-US" dirty="0"/>
           </a:p>
         </p:txBody>
       </p:sp>
       <p:pic>
         <p:nvPicPr>
-          <p:cNvPr id="2" name="Picture 1"/>
+          <p:cNvPr id="5" name="Content Placeholder 4"/>
           <p:cNvPicPr>
-            <a:picLocks noChangeAspect="1"/>
+            <a:picLocks noGrp="1" noChangeAspect="1"/>
           </p:cNvPicPr>
-          <p:nvPr/>
+          <p:nvPr>
+            <p:ph idx="1"/>
+          </p:nvPr>
         </p:nvPicPr>
         <p:blipFill>
           <a:blip r:embed="rId2"/>
@@ -7030,18 +7262,37 @@
         </p:blipFill>
         <p:spPr>
           <a:xfrm>
-            <a:off x="570799" y="2705100"/>
-            <a:ext cx="8311264" cy="2159508"/>
+            <a:off x="609600" y="1192422"/>
+            <a:ext cx="7165910" cy="4572000"/>
           </a:xfrm>
           <a:prstGeom prst="rect">
             <a:avLst/>
           </a:prstGeom>
         </p:spPr>
       </p:pic>
+      <p:sp>
+        <p:nvSpPr>
+          <p:cNvPr id="4" name="Text Placeholder 3"/>
+          <p:cNvSpPr>
+            <a:spLocks noGrp="1"/>
+          </p:cNvSpPr>
+          <p:nvPr>
+            <p:ph type="body" sz="quarter" idx="11"/>
+          </p:nvPr>
+        </p:nvSpPr>
+        <p:spPr/>
+        <p:txBody>
+          <a:bodyPr/>
+          <a:lstStyle/>
+          <a:p>
+            <a:endParaRPr lang="en-US"/>
+          </a:p>
+        </p:txBody>
+      </p:sp>
     </p:spTree>
     <p:extLst>
       <p:ext uri="{BB962C8B-B14F-4D97-AF65-F5344CB8AC3E}">
-        <p14:creationId xmlns:p14="http://schemas.microsoft.com/office/powerpoint/2010/main" val="1593575700"/>
+        <p14:creationId xmlns:p14="http://schemas.microsoft.com/office/powerpoint/2010/main" val="442278608"/>
       </p:ext>
     </p:extLst>
   </p:cSld>
@@ -7070,7 +7321,7 @@
       </p:grpSpPr>
       <p:sp>
         <p:nvSpPr>
-          <p:cNvPr id="4" name="Title 3"/>
+          <p:cNvPr id="2" name="Title 1"/>
           <p:cNvSpPr>
             <a:spLocks noGrp="1"/>
           </p:cNvSpPr>
@@ -7084,20 +7335,41 @@
           <a:lstStyle/>
           <a:p>
             <a:r>
-              <a:rPr lang="en-US" dirty="0"/>
-              <a:t>The Fundamental Workflow</a:t>
-            </a:r>
-          </a:p>
-        </p:txBody>
-      </p:sp>
-      <p:sp>
-        <p:nvSpPr>
-          <p:cNvPr id="5" name="Content Placeholder 4"/>
-          <p:cNvSpPr>
-            <a:spLocks noGrp="1"/>
-          </p:cNvSpPr>
-          <p:nvPr>
-            <p:ph idx="1"/>
+              <a:rPr lang="en-US" dirty="0" smtClean="0"/>
+              <a:t>The Components We’ve Created </a:t>
+            </a:r>
+            <a:r>
+              <a:rPr lang="en-US" dirty="0" smtClean="0"/>
+              <a:t>Help, </a:t>
+            </a:r>
+            <a:r>
+              <a:rPr lang="en-US" dirty="0"/>
+              <a:t>B</a:t>
+            </a:r>
+            <a:r>
+              <a:rPr lang="en-US" dirty="0" smtClean="0"/>
+              <a:t>ut </a:t>
+            </a:r>
+            <a:r>
+              <a:rPr lang="en-US" dirty="0"/>
+              <a:t>S</a:t>
+            </a:r>
+            <a:r>
+              <a:rPr lang="en-US" dirty="0" smtClean="0"/>
+              <a:t>o Does Bootstrap</a:t>
+            </a:r>
+            <a:endParaRPr lang="en-US" dirty="0"/>
+          </a:p>
+        </p:txBody>
+      </p:sp>
+      <p:sp>
+        <p:nvSpPr>
+          <p:cNvPr id="4" name="Text Placeholder 3"/>
+          <p:cNvSpPr>
+            <a:spLocks noGrp="1"/>
+          </p:cNvSpPr>
+          <p:nvPr>
+            <p:ph type="body" sz="quarter" idx="11"/>
           </p:nvPr>
         </p:nvSpPr>
         <p:spPr/>
@@ -7105,66 +7377,57 @@
           <a:bodyPr/>
           <a:lstStyle/>
           <a:p>
-            <a:pPr marL="0" indent="0">
-              <a:buNone/>
-            </a:pPr>
-            <a:r>
-              <a:rPr lang="en-US" dirty="0" err="1">
-                <a:latin typeface="Consolas" panose="020B0609020204030204" pitchFamily="49" charset="0"/>
-              </a:rPr>
-              <a:t>git</a:t>
-            </a:r>
-            <a:r>
-              <a:rPr lang="en-US" dirty="0">
-                <a:latin typeface="Consolas" panose="020B0609020204030204" pitchFamily="49" charset="0"/>
-              </a:rPr>
-              <a:t> push</a:t>
-            </a:r>
-          </a:p>
-          <a:p>
-            <a:pPr marL="0" indent="0">
-              <a:buNone/>
-            </a:pPr>
-            <a:r>
-              <a:rPr lang="en-US" dirty="0">
-                <a:latin typeface="+mn-lt"/>
-              </a:rPr>
-              <a:t>“Updates remote refs using local refs, while sending objects necessary to complete the given refs.”</a:t>
-            </a:r>
-          </a:p>
-          <a:p>
-            <a:pPr marL="0" indent="0">
-              <a:buNone/>
-            </a:pPr>
-            <a:endParaRPr lang="en-US" dirty="0">
-              <a:latin typeface="Consolas" panose="020B0609020204030204" pitchFamily="49" charset="0"/>
-            </a:endParaRPr>
-          </a:p>
-        </p:txBody>
-      </p:sp>
-      <p:sp>
-        <p:nvSpPr>
-          <p:cNvPr id="6" name="Text Placeholder 5"/>
-          <p:cNvSpPr>
-            <a:spLocks noGrp="1"/>
-          </p:cNvSpPr>
-          <p:nvPr>
-            <p:ph type="body" sz="quarter" idx="11"/>
-          </p:nvPr>
-        </p:nvSpPr>
-        <p:spPr/>
-        <p:txBody>
-          <a:bodyPr/>
-          <a:lstStyle/>
-          <a:p>
             <a:endParaRPr lang="en-US"/>
           </a:p>
         </p:txBody>
       </p:sp>
+      <p:pic>
+        <p:nvPicPr>
+          <p:cNvPr id="1026" name="Picture 2" descr="Bootstrap · The most popular HTML, CSS, and JS library in the world."/>
+          <p:cNvPicPr>
+            <a:picLocks noGrp="1" noChangeAspect="1" noChangeArrowheads="1"/>
+          </p:cNvPicPr>
+          <p:nvPr>
+            <p:ph idx="1"/>
+          </p:nvPr>
+        </p:nvPicPr>
+        <p:blipFill>
+          <a:blip r:embed="rId2">
+            <a:extLst>
+              <a:ext uri="{28A0092B-C50C-407E-A947-70E740481C1C}">
+                <a14:useLocalDpi xmlns:a14="http://schemas.microsoft.com/office/drawing/2010/main" val="0"/>
+              </a:ext>
+            </a:extLst>
+          </a:blip>
+          <a:srcRect/>
+          <a:stretch>
+            <a:fillRect/>
+          </a:stretch>
+        </p:blipFill>
+        <p:spPr bwMode="auto">
+          <a:xfrm>
+            <a:off x="3810794" y="1143000"/>
+            <a:ext cx="4572000" cy="4572000"/>
+          </a:xfrm>
+          <a:prstGeom prst="rect">
+            <a:avLst/>
+          </a:prstGeom>
+          <a:noFill/>
+          <a:extLst>
+            <a:ext uri="{909E8E84-426E-40DD-AFC4-6F175D3DCCD1}">
+              <a14:hiddenFill xmlns:a14="http://schemas.microsoft.com/office/drawing/2010/main">
+                <a:solidFill>
+                  <a:srgbClr val="FFFFFF"/>
+                </a:solidFill>
+              </a14:hiddenFill>
+            </a:ext>
+          </a:extLst>
+        </p:spPr>
+      </p:pic>
     </p:spTree>
     <p:extLst>
       <p:ext uri="{BB962C8B-B14F-4D97-AF65-F5344CB8AC3E}">
-        <p14:creationId xmlns:p14="http://schemas.microsoft.com/office/powerpoint/2010/main" val="556425987"/>
+        <p14:creationId xmlns:p14="http://schemas.microsoft.com/office/powerpoint/2010/main" val="1873068179"/>
       </p:ext>
     </p:extLst>
   </p:cSld>
@@ -7295,7 +7558,7 @@
       </p:grpSpPr>
       <p:sp>
         <p:nvSpPr>
-          <p:cNvPr id="4" name="Title 3"/>
+          <p:cNvPr id="2" name="Title 1"/>
           <p:cNvSpPr>
             <a:spLocks noGrp="1"/>
           </p:cNvSpPr>
@@ -7309,41 +7572,36 @@
           <a:lstStyle/>
           <a:p>
             <a:r>
-              <a:rPr lang="en-US" dirty="0"/>
-              <a:t>The Fundamental Workflow</a:t>
-            </a:r>
-          </a:p>
-        </p:txBody>
-      </p:sp>
-      <p:pic>
-        <p:nvPicPr>
-          <p:cNvPr id="3" name="Content Placeholder 2"/>
-          <p:cNvPicPr>
-            <a:picLocks noGrp="1" noChangeAspect="1"/>
-          </p:cNvPicPr>
-          <p:nvPr>
-            <p:ph idx="1"/>
-          </p:nvPr>
-        </p:nvPicPr>
-        <p:blipFill>
-          <a:blip r:embed="rId2"/>
-          <a:stretch>
-            <a:fillRect/>
-          </a:stretch>
-        </p:blipFill>
-        <p:spPr>
-          <a:xfrm>
-            <a:off x="609600" y="1008887"/>
-            <a:ext cx="6679110" cy="5698585"/>
-          </a:xfrm>
-          <a:prstGeom prst="rect">
-            <a:avLst/>
-          </a:prstGeom>
-        </p:spPr>
-      </p:pic>
-      <p:sp>
-        <p:nvSpPr>
-          <p:cNvPr id="6" name="Text Placeholder 5"/>
+              <a:rPr lang="en-US" dirty="0" smtClean="0"/>
+              <a:t>The Components We’ve Created </a:t>
+            </a:r>
+            <a:r>
+              <a:rPr lang="en-US" dirty="0" smtClean="0"/>
+              <a:t>Help, </a:t>
+            </a:r>
+            <a:r>
+              <a:rPr lang="en-US" dirty="0"/>
+              <a:t>B</a:t>
+            </a:r>
+            <a:r>
+              <a:rPr lang="en-US" dirty="0" smtClean="0"/>
+              <a:t>ut </a:t>
+            </a:r>
+            <a:r>
+              <a:rPr lang="en-US" dirty="0"/>
+              <a:t>S</a:t>
+            </a:r>
+            <a:r>
+              <a:rPr lang="en-US" dirty="0" smtClean="0"/>
+              <a:t>o Does Bootstrap</a:t>
+            </a:r>
+            <a:endParaRPr lang="en-US" dirty="0"/>
+          </a:p>
+        </p:txBody>
+      </p:sp>
+      <p:sp>
+        <p:nvSpPr>
+          <p:cNvPr id="4" name="Text Placeholder 3"/>
           <p:cNvSpPr>
             <a:spLocks noGrp="1"/>
           </p:cNvSpPr>
@@ -7357,13 +7615,90 @@
           <a:lstStyle/>
           <a:p>
             <a:endParaRPr lang="en-US"/>
+          </a:p>
+        </p:txBody>
+      </p:sp>
+      <p:sp>
+        <p:nvSpPr>
+          <p:cNvPr id="3" name="Content Placeholder 2"/>
+          <p:cNvSpPr>
+            <a:spLocks noGrp="1"/>
+          </p:cNvSpPr>
+          <p:nvPr>
+            <p:ph idx="1"/>
+          </p:nvPr>
+        </p:nvSpPr>
+        <p:spPr/>
+        <p:txBody>
+          <a:bodyPr/>
+          <a:lstStyle/>
+          <a:p>
+            <a:pPr marL="0" indent="0">
+              <a:buNone/>
+            </a:pPr>
+            <a:r>
+              <a:rPr lang="en-US" dirty="0" smtClean="0"/>
+              <a:t>“Bootstrap</a:t>
+            </a:r>
+            <a:r>
+              <a:rPr lang="en-US" dirty="0"/>
+              <a:t>, the world’s most popular front-end open source toolkit, featuring Sass variables and </a:t>
+            </a:r>
+            <a:r>
+              <a:rPr lang="en-US" dirty="0" err="1"/>
+              <a:t>mixins</a:t>
+            </a:r>
+            <a:r>
+              <a:rPr lang="en-US" dirty="0"/>
+              <a:t>, responsive grid system, extensive prebuilt components, and powerful JavaScript plugins</a:t>
+            </a:r>
+            <a:r>
+              <a:rPr lang="en-US" dirty="0" smtClean="0"/>
+              <a:t>.”</a:t>
+            </a:r>
+          </a:p>
+          <a:p>
+            <a:pPr marL="0" indent="0">
+              <a:buNone/>
+            </a:pPr>
+            <a:r>
+              <a:rPr lang="en-US" dirty="0" smtClean="0"/>
+              <a:t>Bootstrap is one of the top ten most starred projects on GitHub and was, for many years, the #1 starred project. There is significant documentation by the Bootstrap team itself and by the web at large. There is likely nothing you can do in Bootstrap that isn’t documented in five different ways and in 50 different languages. </a:t>
+            </a:r>
+          </a:p>
+          <a:p>
+            <a:pPr marL="0" indent="0">
+              <a:buNone/>
+            </a:pPr>
+            <a:r>
+              <a:rPr lang="en-US" dirty="0" smtClean="0"/>
+              <a:t>We use it as the foundation of our components (they are composed of Bootstrap building blocks) and we build on top of the Bootstrap CSS to create our custom look and feel. </a:t>
+            </a:r>
+          </a:p>
+          <a:p>
+            <a:pPr marL="0" indent="0">
+              <a:buNone/>
+            </a:pPr>
+            <a:r>
+              <a:rPr lang="en-US" dirty="0" smtClean="0"/>
+              <a:t>The Bootstrap components we use are delivered through an Angular wrapper, </a:t>
+            </a:r>
+            <a:r>
+              <a:rPr lang="en-US" dirty="0" err="1" smtClean="0"/>
+              <a:t>ngx</a:t>
+            </a:r>
+            <a:r>
+              <a:rPr lang="en-US" dirty="0" smtClean="0"/>
+              <a:t>-bootstrap. This presentation will talk about the styles. </a:t>
+            </a:r>
+            <a:endParaRPr lang="en-US" dirty="0"/>
           </a:p>
         </p:txBody>
       </p:sp>
     </p:spTree>
     <p:extLst>
       <p:ext uri="{BB962C8B-B14F-4D97-AF65-F5344CB8AC3E}">
-        <p14:creationId xmlns:p14="http://schemas.microsoft.com/office/powerpoint/2010/main" val="1027211612"/>
+        <p14:creationId xmlns:p14="http://schemas.microsoft.com/office/powerpoint/2010/main" val="3669378795"/>
       </p:ext>
     </p:extLst>
   </p:cSld>
@@ -7392,7 +7727,7 @@
       </p:grpSpPr>
       <p:sp>
         <p:nvSpPr>
-          <p:cNvPr id="4" name="Title 3"/>
+          <p:cNvPr id="2" name="Title 1"/>
           <p:cNvSpPr>
             <a:spLocks noGrp="1"/>
           </p:cNvSpPr>
@@ -7406,20 +7741,21 @@
           <a:lstStyle/>
           <a:p>
             <a:r>
-              <a:rPr lang="en-US" dirty="0"/>
-              <a:t>Cheap local branching</a:t>
-            </a:r>
-          </a:p>
-        </p:txBody>
-      </p:sp>
-      <p:sp>
-        <p:nvSpPr>
-          <p:cNvPr id="5" name="Content Placeholder 4"/>
-          <p:cNvSpPr>
-            <a:spLocks noGrp="1"/>
-          </p:cNvSpPr>
-          <p:nvPr>
-            <p:ph idx="1"/>
+              <a:rPr lang="en-US" dirty="0" smtClean="0"/>
+              <a:t>Responsive Web Design</a:t>
+            </a:r>
+            <a:endParaRPr lang="en-US" dirty="0"/>
+          </a:p>
+        </p:txBody>
+      </p:sp>
+      <p:sp>
+        <p:nvSpPr>
+          <p:cNvPr id="4" name="Text Placeholder 3"/>
+          <p:cNvSpPr>
+            <a:spLocks noGrp="1"/>
+          </p:cNvSpPr>
+          <p:nvPr>
+            <p:ph type="body" sz="quarter" idx="11"/>
           </p:nvPr>
         </p:nvSpPr>
         <p:spPr/>
@@ -7427,136 +7763,18 @@
           <a:bodyPr/>
           <a:lstStyle/>
           <a:p>
-            <a:pPr marL="0" indent="0">
-              <a:buNone/>
-            </a:pPr>
-            <a:r>
-              <a:rPr lang="en-US" dirty="0"/>
-              <a:t>How cheap is branching?</a:t>
-            </a:r>
-          </a:p>
-          <a:p>
-            <a:pPr marL="0" indent="0">
-              <a:buNone/>
-            </a:pPr>
-            <a:r>
-              <a:rPr lang="en-US" dirty="0">
-                <a:latin typeface="Consolas" panose="020B0609020204030204" pitchFamily="49" charset="0"/>
-              </a:rPr>
-              <a:t>rlarsen@RLARSEN1 MINGW64 ~/Documents/GitHub/temp/</a:t>
-            </a:r>
-            <a:r>
-              <a:rPr lang="en-US" dirty="0" err="1">
-                <a:latin typeface="Consolas" panose="020B0609020204030204" pitchFamily="49" charset="0"/>
-              </a:rPr>
-              <a:t>sherpa</a:t>
-            </a:r>
-            <a:r>
-              <a:rPr lang="en-US" dirty="0">
-                <a:latin typeface="Consolas" panose="020B0609020204030204" pitchFamily="49" charset="0"/>
-              </a:rPr>
-              <a:t>-enterprise-data-</a:t>
-            </a:r>
-            <a:r>
-              <a:rPr lang="en-US" dirty="0" err="1">
-                <a:latin typeface="Consolas" panose="020B0609020204030204" pitchFamily="49" charset="0"/>
-              </a:rPr>
-              <a:t>ui</a:t>
-            </a:r>
-            <a:r>
-              <a:rPr lang="en-US" dirty="0">
-                <a:latin typeface="Consolas" panose="020B0609020204030204" pitchFamily="49" charset="0"/>
-              </a:rPr>
-              <a:t> (Development)</a:t>
-            </a:r>
-          </a:p>
-          <a:p>
-            <a:pPr marL="0" indent="0">
-              <a:buNone/>
-            </a:pPr>
-            <a:r>
-              <a:rPr lang="en-US" dirty="0">
-                <a:latin typeface="Consolas" panose="020B0609020204030204" pitchFamily="49" charset="0"/>
-              </a:rPr>
-              <a:t>$ </a:t>
-            </a:r>
-            <a:r>
-              <a:rPr lang="en-US" dirty="0" err="1">
-                <a:latin typeface="Consolas" panose="020B0609020204030204" pitchFamily="49" charset="0"/>
-              </a:rPr>
-              <a:t>git</a:t>
-            </a:r>
-            <a:r>
-              <a:rPr lang="en-US" dirty="0">
-                <a:latin typeface="Consolas" panose="020B0609020204030204" pitchFamily="49" charset="0"/>
-              </a:rPr>
-              <a:t> checkout -b </a:t>
-            </a:r>
-            <a:r>
-              <a:rPr lang="en-US" dirty="0" err="1">
-                <a:latin typeface="Consolas" panose="020B0609020204030204" pitchFamily="49" charset="0"/>
-              </a:rPr>
-              <a:t>newbranch</a:t>
-            </a:r>
-            <a:endParaRPr lang="en-US" dirty="0">
-              <a:latin typeface="Consolas" panose="020B0609020204030204" pitchFamily="49" charset="0"/>
-            </a:endParaRPr>
-          </a:p>
-          <a:p>
-            <a:pPr marL="0" indent="0">
-              <a:buNone/>
-            </a:pPr>
-            <a:r>
-              <a:rPr lang="en-US" dirty="0">
-                <a:latin typeface="Consolas" panose="020B0609020204030204" pitchFamily="49" charset="0"/>
-              </a:rPr>
-              <a:t>Switched to a new branch '</a:t>
-            </a:r>
-            <a:r>
-              <a:rPr lang="en-US" dirty="0" err="1">
-                <a:latin typeface="Consolas" panose="020B0609020204030204" pitchFamily="49" charset="0"/>
-              </a:rPr>
-              <a:t>newbranch</a:t>
-            </a:r>
-            <a:r>
-              <a:rPr lang="en-US" dirty="0">
-                <a:latin typeface="Consolas" panose="020B0609020204030204" pitchFamily="49" charset="0"/>
-              </a:rPr>
-              <a:t>‘</a:t>
-            </a:r>
-          </a:p>
-          <a:p>
-            <a:pPr marL="0" indent="0">
-              <a:buNone/>
-            </a:pPr>
-            <a:endParaRPr lang="en-US" dirty="0">
-              <a:latin typeface="Consolas" panose="020B0609020204030204" pitchFamily="49" charset="0"/>
-            </a:endParaRPr>
-          </a:p>
-          <a:p>
-            <a:pPr marL="0" indent="0">
-              <a:buNone/>
-            </a:pPr>
-            <a:endParaRPr lang="en-US" dirty="0">
-              <a:latin typeface="Consolas" panose="020B0609020204030204" pitchFamily="49" charset="0"/>
-            </a:endParaRPr>
-          </a:p>
-          <a:p>
-            <a:pPr marL="0" indent="0">
-              <a:buNone/>
-            </a:pPr>
             <a:endParaRPr lang="en-US" dirty="0"/>
           </a:p>
         </p:txBody>
       </p:sp>
       <p:sp>
         <p:nvSpPr>
-          <p:cNvPr id="6" name="Text Placeholder 5"/>
-          <p:cNvSpPr>
-            <a:spLocks noGrp="1"/>
-          </p:cNvSpPr>
-          <p:nvPr>
-            <p:ph type="body" sz="quarter" idx="11"/>
+          <p:cNvPr id="3" name="Content Placeholder 2"/>
+          <p:cNvSpPr>
+            <a:spLocks noGrp="1"/>
+          </p:cNvSpPr>
+          <p:nvPr>
+            <p:ph idx="1"/>
           </p:nvPr>
         </p:nvSpPr>
         <p:spPr/>
@@ -7564,14 +7782,44 @@
           <a:bodyPr/>
           <a:lstStyle/>
           <a:p>
-            <a:endParaRPr lang="en-US"/>
+            <a:pPr marL="0" indent="0">
+              <a:buNone/>
+            </a:pPr>
+            <a:r>
+              <a:rPr lang="en-US" dirty="0"/>
+              <a:t>The control which designers know in the print medium, and often desire in the web medium, is simply a function of the limitation of the printed page. We should embrace the fact that the web doesn’t have the same constraints, and design for this flexibility. But first, we must accept the ebb and flow of things.</a:t>
+            </a:r>
+          </a:p>
+          <a:p>
+            <a:pPr marL="0" indent="0">
+              <a:buNone/>
+            </a:pPr>
+            <a:endParaRPr lang="en-US" dirty="0"/>
+          </a:p>
+          <a:p>
+            <a:pPr marL="0" indent="0">
+              <a:buNone/>
+            </a:pPr>
+            <a:r>
+              <a:rPr lang="en-US" dirty="0"/>
+              <a:t>— John Allsopp</a:t>
+            </a:r>
+          </a:p>
+          <a:p>
+            <a:pPr marL="0" indent="0">
+              <a:buNone/>
+            </a:pPr>
+            <a:r>
+              <a:rPr lang="en-US" dirty="0"/>
+              <a:t>A Dao of Web Design</a:t>
+            </a:r>
           </a:p>
         </p:txBody>
       </p:sp>
     </p:spTree>
     <p:extLst>
       <p:ext uri="{BB962C8B-B14F-4D97-AF65-F5344CB8AC3E}">
-        <p14:creationId xmlns:p14="http://schemas.microsoft.com/office/powerpoint/2010/main" val="4015422942"/>
+        <p14:creationId xmlns:p14="http://schemas.microsoft.com/office/powerpoint/2010/main" val="1342836213"/>
       </p:ext>
     </p:extLst>
   </p:cSld>
@@ -7600,7 +7848,7 @@
       </p:grpSpPr>
       <p:sp>
         <p:nvSpPr>
-          <p:cNvPr id="4" name="Title 3"/>
+          <p:cNvPr id="2" name="Title 1"/>
           <p:cNvSpPr>
             <a:spLocks noGrp="1"/>
           </p:cNvSpPr>
@@ -7614,20 +7862,21 @@
           <a:lstStyle/>
           <a:p>
             <a:r>
-              <a:rPr lang="en-US" dirty="0"/>
-              <a:t>Cheap local branching</a:t>
-            </a:r>
-          </a:p>
-        </p:txBody>
-      </p:sp>
-      <p:sp>
-        <p:nvSpPr>
-          <p:cNvPr id="5" name="Content Placeholder 4"/>
-          <p:cNvSpPr>
-            <a:spLocks noGrp="1"/>
-          </p:cNvSpPr>
-          <p:nvPr>
-            <p:ph idx="1"/>
+              <a:rPr lang="en-US" dirty="0" smtClean="0"/>
+              <a:t>Responsive Web Design</a:t>
+            </a:r>
+            <a:endParaRPr lang="en-US" dirty="0"/>
+          </a:p>
+        </p:txBody>
+      </p:sp>
+      <p:sp>
+        <p:nvSpPr>
+          <p:cNvPr id="4" name="Text Placeholder 3"/>
+          <p:cNvSpPr>
+            <a:spLocks noGrp="1"/>
+          </p:cNvSpPr>
+          <p:nvPr>
+            <p:ph type="body" sz="quarter" idx="11"/>
           </p:nvPr>
         </p:nvSpPr>
         <p:spPr/>
@@ -7635,46 +7884,18 @@
           <a:bodyPr/>
           <a:lstStyle/>
           <a:p>
-            <a:pPr marL="0" indent="0">
-              <a:buNone/>
-            </a:pPr>
-            <a:r>
-              <a:rPr lang="en-US" dirty="0"/>
-              <a:t>How cheap?</a:t>
-            </a:r>
-          </a:p>
-          <a:p>
-            <a:pPr marL="0" indent="0">
-              <a:buNone/>
-            </a:pPr>
-            <a:endParaRPr lang="en-US" dirty="0">
-              <a:latin typeface="Consolas" panose="020B0609020204030204" pitchFamily="49" charset="0"/>
-            </a:endParaRPr>
-          </a:p>
-          <a:p>
-            <a:pPr marL="0" indent="0">
-              <a:buNone/>
-            </a:pPr>
-            <a:endParaRPr lang="en-US" dirty="0">
-              <a:latin typeface="Consolas" panose="020B0609020204030204" pitchFamily="49" charset="0"/>
-            </a:endParaRPr>
-          </a:p>
-          <a:p>
-            <a:pPr marL="0" indent="0">
-              <a:buNone/>
-            </a:pPr>
             <a:endParaRPr lang="en-US" dirty="0"/>
           </a:p>
         </p:txBody>
       </p:sp>
       <p:sp>
         <p:nvSpPr>
-          <p:cNvPr id="6" name="Text Placeholder 5"/>
-          <p:cNvSpPr>
-            <a:spLocks noGrp="1"/>
-          </p:cNvSpPr>
-          <p:nvPr>
-            <p:ph type="body" sz="quarter" idx="11"/>
+          <p:cNvPr id="3" name="Content Placeholder 2"/>
+          <p:cNvSpPr>
+            <a:spLocks noGrp="1"/>
+          </p:cNvSpPr>
+          <p:nvPr>
+            <p:ph idx="1"/>
           </p:nvPr>
         </p:nvSpPr>
         <p:spPr/>
@@ -7682,38 +7903,44 @@
           <a:bodyPr/>
           <a:lstStyle/>
           <a:p>
-            <a:endParaRPr lang="en-US"/>
-          </a:p>
-        </p:txBody>
-      </p:sp>
-      <p:pic>
-        <p:nvPicPr>
-          <p:cNvPr id="2" name="Picture 1"/>
-          <p:cNvPicPr>
-            <a:picLocks noChangeAspect="1"/>
-          </p:cNvPicPr>
-          <p:nvPr/>
-        </p:nvPicPr>
-        <p:blipFill>
-          <a:blip r:embed="rId2"/>
-          <a:stretch>
-            <a:fillRect/>
-          </a:stretch>
-        </p:blipFill>
-        <p:spPr>
-          <a:xfrm>
-            <a:off x="609600" y="1555831"/>
-            <a:ext cx="7398172" cy="4562813"/>
-          </a:xfrm>
-          <a:prstGeom prst="rect">
-            <a:avLst/>
-          </a:prstGeom>
-        </p:spPr>
-      </p:pic>
+            <a:pPr marL="0" indent="0">
+              <a:buNone/>
+            </a:pPr>
+            <a:r>
+              <a:rPr lang="en-US" dirty="0"/>
+              <a:t>The control which designers know in the print medium, and often desire in the web medium, is simply a function of the limitation of the printed page. We should embrace the fact that the web doesn’t have the same constraints, and design for this flexibility. But first, we must accept the ebb and flow of things.</a:t>
+            </a:r>
+          </a:p>
+          <a:p>
+            <a:pPr marL="0" indent="0">
+              <a:buNone/>
+            </a:pPr>
+            <a:endParaRPr lang="en-US" dirty="0"/>
+          </a:p>
+          <a:p>
+            <a:pPr marL="0" indent="0">
+              <a:buNone/>
+            </a:pPr>
+            <a:r>
+              <a:rPr lang="en-US" dirty="0"/>
+              <a:t>— John Allsopp</a:t>
+            </a:r>
+          </a:p>
+          <a:p>
+            <a:pPr marL="0" indent="0">
+              <a:buNone/>
+            </a:pPr>
+            <a:r>
+              <a:rPr lang="en-US" dirty="0"/>
+              <a:t>A Dao of Web Design</a:t>
+            </a:r>
+          </a:p>
+        </p:txBody>
+      </p:sp>
     </p:spTree>
     <p:extLst>
       <p:ext uri="{BB962C8B-B14F-4D97-AF65-F5344CB8AC3E}">
-        <p14:creationId xmlns:p14="http://schemas.microsoft.com/office/powerpoint/2010/main" val="4041566444"/>
+        <p14:creationId xmlns:p14="http://schemas.microsoft.com/office/powerpoint/2010/main" val="2266627299"/>
       </p:ext>
     </p:extLst>
   </p:cSld>
@@ -7742,7 +7969,7 @@
       </p:grpSpPr>
       <p:sp>
         <p:nvSpPr>
-          <p:cNvPr id="4" name="Title 3"/>
+          <p:cNvPr id="2" name="Title 1"/>
           <p:cNvSpPr>
             <a:spLocks noGrp="1"/>
           </p:cNvSpPr>
@@ -7756,20 +7983,21 @@
           <a:lstStyle/>
           <a:p>
             <a:r>
-              <a:rPr lang="en-US" dirty="0"/>
-              <a:t>Cheap local branching</a:t>
-            </a:r>
-          </a:p>
-        </p:txBody>
-      </p:sp>
-      <p:sp>
-        <p:nvSpPr>
-          <p:cNvPr id="5" name="Content Placeholder 4"/>
-          <p:cNvSpPr>
-            <a:spLocks noGrp="1"/>
-          </p:cNvSpPr>
-          <p:nvPr>
-            <p:ph idx="1"/>
+              <a:rPr lang="en-US" dirty="0" smtClean="0"/>
+              <a:t>Responsive Web Design</a:t>
+            </a:r>
+            <a:endParaRPr lang="en-US" dirty="0"/>
+          </a:p>
+        </p:txBody>
+      </p:sp>
+      <p:sp>
+        <p:nvSpPr>
+          <p:cNvPr id="4" name="Text Placeholder 3"/>
+          <p:cNvSpPr>
+            <a:spLocks noGrp="1"/>
+          </p:cNvSpPr>
+          <p:nvPr>
+            <p:ph type="body" sz="quarter" idx="11"/>
           </p:nvPr>
         </p:nvSpPr>
         <p:spPr/>
@@ -7777,64 +8005,19 @@
           <a:bodyPr/>
           <a:lstStyle/>
           <a:p>
-            <a:pPr marL="0" indent="0">
-              <a:buNone/>
-            </a:pPr>
-            <a:r>
-              <a:rPr lang="en-US" dirty="0"/>
-              <a:t>How cheap?</a:t>
-            </a:r>
-          </a:p>
-          <a:p>
-            <a:pPr marL="0" indent="0">
-              <a:buNone/>
-            </a:pPr>
-            <a:endParaRPr lang="en-US" dirty="0">
-              <a:latin typeface="Consolas" panose="020B0609020204030204" pitchFamily="49" charset="0"/>
-            </a:endParaRPr>
-          </a:p>
-          <a:p>
-            <a:pPr marL="0" indent="0">
-              <a:buNone/>
-            </a:pPr>
-            <a:endParaRPr lang="en-US" dirty="0">
-              <a:latin typeface="Consolas" panose="020B0609020204030204" pitchFamily="49" charset="0"/>
-            </a:endParaRPr>
-          </a:p>
-          <a:p>
-            <a:pPr marL="0" indent="0">
-              <a:buNone/>
-            </a:pPr>
             <a:endParaRPr lang="en-US" dirty="0"/>
-          </a:p>
-        </p:txBody>
-      </p:sp>
-      <p:sp>
-        <p:nvSpPr>
-          <p:cNvPr id="6" name="Text Placeholder 5"/>
-          <p:cNvSpPr>
-            <a:spLocks noGrp="1"/>
-          </p:cNvSpPr>
-          <p:nvPr>
-            <p:ph type="body" sz="quarter" idx="11"/>
-          </p:nvPr>
-        </p:nvSpPr>
-        <p:spPr/>
-        <p:txBody>
-          <a:bodyPr/>
-          <a:lstStyle/>
-          <a:p>
-            <a:endParaRPr lang="en-US"/>
           </a:p>
         </p:txBody>
       </p:sp>
       <p:pic>
         <p:nvPicPr>
-          <p:cNvPr id="3" name="Picture 2"/>
+          <p:cNvPr id="6" name="Content Placeholder 5"/>
           <p:cNvPicPr>
-            <a:picLocks noChangeAspect="1"/>
+            <a:picLocks noGrp="1" noChangeAspect="1"/>
           </p:cNvPicPr>
-          <p:nvPr/>
+          <p:nvPr>
+            <p:ph idx="1"/>
+          </p:nvPr>
         </p:nvPicPr>
         <p:blipFill>
           <a:blip r:embed="rId2"/>
@@ -7844,18 +8027,57 @@
         </p:blipFill>
         <p:spPr>
           <a:xfrm>
-            <a:off x="609600" y="1559304"/>
-            <a:ext cx="6524625" cy="2514600"/>
+            <a:off x="3891440" y="1143000"/>
+            <a:ext cx="4410708" cy="4572000"/>
           </a:xfrm>
           <a:prstGeom prst="rect">
             <a:avLst/>
           </a:prstGeom>
         </p:spPr>
       </p:pic>
+      <p:sp>
+        <p:nvSpPr>
+          <p:cNvPr id="5" name="AutoShape 2" descr="unwb 04in02"/>
+          <p:cNvSpPr>
+            <a:spLocks noChangeAspect="1" noChangeArrowheads="1"/>
+          </p:cNvSpPr>
+          <p:nvPr/>
+        </p:nvSpPr>
+        <p:spPr bwMode="auto">
+          <a:xfrm>
+            <a:off x="155575" y="-144463"/>
+            <a:ext cx="304800" cy="304801"/>
+          </a:xfrm>
+          <a:prstGeom prst="rect">
+            <a:avLst/>
+          </a:prstGeom>
+          <a:noFill/>
+          <a:extLst>
+            <a:ext uri="{909E8E84-426E-40DD-AFC4-6F175D3DCCD1}">
+              <a14:hiddenFill xmlns:a14="http://schemas.microsoft.com/office/drawing/2010/main">
+                <a:solidFill>
+                  <a:srgbClr val="FFFFFF"/>
+                </a:solidFill>
+              </a14:hiddenFill>
+            </a:ext>
+          </a:extLst>
+        </p:spPr>
+        <p:txBody>
+          <a:bodyPr vert="horz" wrap="square" lIns="91440" tIns="45720" rIns="91440" bIns="45720" numCol="1" anchor="t" anchorCtr="0" compatLnSpc="1">
+            <a:prstTxWarp prst="textNoShape">
+              <a:avLst/>
+            </a:prstTxWarp>
+          </a:bodyPr>
+          <a:lstStyle/>
+          <a:p>
+            <a:endParaRPr lang="en-US"/>
+          </a:p>
+        </p:txBody>
+      </p:sp>
     </p:spTree>
     <p:extLst>
       <p:ext uri="{BB962C8B-B14F-4D97-AF65-F5344CB8AC3E}">
-        <p14:creationId xmlns:p14="http://schemas.microsoft.com/office/powerpoint/2010/main" val="3200553207"/>
+        <p14:creationId xmlns:p14="http://schemas.microsoft.com/office/powerpoint/2010/main" val="3566037313"/>
       </p:ext>
     </p:extLst>
   </p:cSld>
@@ -7884,7 +8106,7 @@
       </p:grpSpPr>
       <p:sp>
         <p:nvSpPr>
-          <p:cNvPr id="4" name="Title 3"/>
+          <p:cNvPr id="2" name="Title 1"/>
           <p:cNvSpPr>
             <a:spLocks noGrp="1"/>
           </p:cNvSpPr>
@@ -7898,20 +8120,21 @@
           <a:lstStyle/>
           <a:p>
             <a:r>
-              <a:rPr lang="en-US" dirty="0"/>
-              <a:t>Cheap local branching</a:t>
-            </a:r>
-          </a:p>
-        </p:txBody>
-      </p:sp>
-      <p:sp>
-        <p:nvSpPr>
-          <p:cNvPr id="5" name="Content Placeholder 4"/>
-          <p:cNvSpPr>
-            <a:spLocks noGrp="1"/>
-          </p:cNvSpPr>
-          <p:nvPr>
-            <p:ph idx="1"/>
+              <a:rPr lang="en-US" dirty="0" smtClean="0"/>
+              <a:t>Responsive Web Design</a:t>
+            </a:r>
+            <a:endParaRPr lang="en-US" dirty="0"/>
+          </a:p>
+        </p:txBody>
+      </p:sp>
+      <p:sp>
+        <p:nvSpPr>
+          <p:cNvPr id="4" name="Text Placeholder 3"/>
+          <p:cNvSpPr>
+            <a:spLocks noGrp="1"/>
+          </p:cNvSpPr>
+          <p:nvPr>
+            <p:ph type="body" sz="quarter" idx="11"/>
           </p:nvPr>
         </p:nvSpPr>
         <p:spPr/>
@@ -7919,85 +8142,103 @@
           <a:bodyPr/>
           <a:lstStyle/>
           <a:p>
-            <a:pPr marL="0" indent="0">
-              <a:buNone/>
-            </a:pPr>
-            <a:r>
-              <a:rPr lang="en-US" dirty="0"/>
-              <a:t>How cheap?</a:t>
-            </a:r>
-          </a:p>
-          <a:p>
-            <a:pPr marL="0" indent="0">
-              <a:buNone/>
-            </a:pPr>
-            <a:endParaRPr lang="en-US" dirty="0">
-              <a:latin typeface="Consolas" panose="020B0609020204030204" pitchFamily="49" charset="0"/>
-            </a:endParaRPr>
-          </a:p>
-          <a:p>
-            <a:pPr marL="0" indent="0">
-              <a:buNone/>
-            </a:pPr>
-            <a:endParaRPr lang="en-US" dirty="0">
-              <a:latin typeface="Consolas" panose="020B0609020204030204" pitchFamily="49" charset="0"/>
-            </a:endParaRPr>
-          </a:p>
-          <a:p>
-            <a:pPr marL="0" indent="0">
-              <a:buNone/>
-            </a:pPr>
             <a:endParaRPr lang="en-US" dirty="0"/>
           </a:p>
         </p:txBody>
       </p:sp>
       <p:sp>
         <p:nvSpPr>
-          <p:cNvPr id="6" name="Text Placeholder 5"/>
-          <p:cNvSpPr>
-            <a:spLocks noGrp="1"/>
-          </p:cNvSpPr>
-          <p:nvPr>
-            <p:ph type="body" sz="quarter" idx="11"/>
-          </p:nvPr>
-        </p:nvSpPr>
-        <p:spPr/>
-        <p:txBody>
-          <a:bodyPr/>
-          <a:lstStyle/>
-          <a:p>
-            <a:endParaRPr lang="en-US"/>
-          </a:p>
-        </p:txBody>
-      </p:sp>
-      <p:pic>
-        <p:nvPicPr>
-          <p:cNvPr id="2" name="Picture 1"/>
-          <p:cNvPicPr>
-            <a:picLocks noChangeAspect="1"/>
-          </p:cNvPicPr>
+          <p:cNvPr id="5" name="AutoShape 2" descr="unwb 04in02"/>
+          <p:cNvSpPr>
+            <a:spLocks noChangeAspect="1" noChangeArrowheads="1"/>
+          </p:cNvSpPr>
           <p:nvPr/>
-        </p:nvPicPr>
-        <p:blipFill>
-          <a:blip r:embed="rId2"/>
-          <a:stretch>
-            <a:fillRect/>
-          </a:stretch>
-        </p:blipFill>
-        <p:spPr>
+        </p:nvSpPr>
+        <p:spPr bwMode="auto">
           <a:xfrm>
-            <a:off x="609600" y="1528521"/>
-            <a:ext cx="7756845" cy="4736002"/>
+            <a:off x="155575" y="-144463"/>
+            <a:ext cx="304800" cy="304801"/>
           </a:xfrm>
           <a:prstGeom prst="rect">
             <a:avLst/>
           </a:prstGeom>
+          <a:noFill/>
+          <a:extLst>
+            <a:ext uri="{909E8E84-426E-40DD-AFC4-6F175D3DCCD1}">
+              <a14:hiddenFill xmlns:a14="http://schemas.microsoft.com/office/drawing/2010/main">
+                <a:solidFill>
+                  <a:srgbClr val="FFFFFF"/>
+                </a:solidFill>
+              </a14:hiddenFill>
+            </a:ext>
+          </a:extLst>
         </p:spPr>
-      </p:pic>
+        <p:txBody>
+          <a:bodyPr vert="horz" wrap="square" lIns="91440" tIns="45720" rIns="91440" bIns="45720" numCol="1" anchor="t" anchorCtr="0" compatLnSpc="1">
+            <a:prstTxWarp prst="textNoShape">
+              <a:avLst/>
+            </a:prstTxWarp>
+          </a:bodyPr>
+          <a:lstStyle/>
+          <a:p>
+            <a:endParaRPr lang="en-US"/>
+          </a:p>
+        </p:txBody>
+      </p:sp>
+      <p:sp>
+        <p:nvSpPr>
+          <p:cNvPr id="3" name="Content Placeholder 2"/>
+          <p:cNvSpPr>
+            <a:spLocks noGrp="1"/>
+          </p:cNvSpPr>
+          <p:nvPr>
+            <p:ph idx="1"/>
+          </p:nvPr>
+        </p:nvSpPr>
+        <p:spPr/>
+        <p:txBody>
+          <a:bodyPr/>
+          <a:lstStyle/>
+          <a:p>
+            <a:r>
+              <a:rPr lang="en-US" dirty="0" smtClean="0"/>
+              <a:t>Responsive Web Design was introduced on </a:t>
+            </a:r>
+            <a:r>
+              <a:rPr lang="en-US" dirty="0"/>
+              <a:t>May 25, 2010 when Ethan </a:t>
+            </a:r>
+            <a:r>
+              <a:rPr lang="en-US" dirty="0" err="1"/>
+              <a:t>Marcotte</a:t>
+            </a:r>
+            <a:r>
+              <a:rPr lang="en-US" dirty="0"/>
+              <a:t> published the directly named </a:t>
+            </a:r>
+            <a:r>
+              <a:rPr lang="en-US" dirty="0" smtClean="0"/>
+              <a:t>article </a:t>
+            </a:r>
+            <a:r>
+              <a:rPr lang="en-US" i="1" dirty="0" smtClean="0"/>
+              <a:t>Responsive </a:t>
+            </a:r>
+            <a:r>
+              <a:rPr lang="en-US" i="1" dirty="0"/>
+              <a:t>Web Design</a:t>
+            </a:r>
+            <a:r>
+              <a:rPr lang="en-US" dirty="0"/>
+              <a:t> on A List Apart. In the article he outlines the conceptual and technical framework of RWD, namely using fluid layout grids and CSS3 media queries to create layouts that can adapt and respond to the characteristics of the device or user agent; stretching and shrinking to present layouts that work on a variety of screen sizes without prior knowledge of the device characteristics.</a:t>
+            </a:r>
+          </a:p>
+        </p:txBody>
+      </p:sp>
     </p:spTree>
     <p:extLst>
       <p:ext uri="{BB962C8B-B14F-4D97-AF65-F5344CB8AC3E}">
-        <p14:creationId xmlns:p14="http://schemas.microsoft.com/office/powerpoint/2010/main" val="2668954989"/>
+        <p14:creationId xmlns:p14="http://schemas.microsoft.com/office/powerpoint/2010/main" val="4057666268"/>
       </p:ext>
     </p:extLst>
   </p:cSld>
@@ -8026,7 +8267,7 @@
       </p:grpSpPr>
       <p:sp>
         <p:nvSpPr>
-          <p:cNvPr id="4" name="Title 3"/>
+          <p:cNvPr id="2" name="Title 1"/>
           <p:cNvSpPr>
             <a:spLocks noGrp="1"/>
           </p:cNvSpPr>
@@ -8040,20 +8281,21 @@
           <a:lstStyle/>
           <a:p>
             <a:r>
-              <a:rPr lang="en-US" dirty="0"/>
-              <a:t>Cheap local branching</a:t>
-            </a:r>
-          </a:p>
-        </p:txBody>
-      </p:sp>
-      <p:sp>
-        <p:nvSpPr>
-          <p:cNvPr id="5" name="Content Placeholder 4"/>
-          <p:cNvSpPr>
-            <a:spLocks noGrp="1"/>
-          </p:cNvSpPr>
-          <p:nvPr>
-            <p:ph idx="1"/>
+              <a:rPr lang="en-US" dirty="0" smtClean="0"/>
+              <a:t>Bootstrap’s Responsive grid system</a:t>
+            </a:r>
+            <a:endParaRPr lang="en-US" dirty="0"/>
+          </a:p>
+        </p:txBody>
+      </p:sp>
+      <p:sp>
+        <p:nvSpPr>
+          <p:cNvPr id="4" name="Text Placeholder 3"/>
+          <p:cNvSpPr>
+            <a:spLocks noGrp="1"/>
+          </p:cNvSpPr>
+          <p:nvPr>
+            <p:ph type="body" sz="quarter" idx="11"/>
           </p:nvPr>
         </p:nvSpPr>
         <p:spPr/>
@@ -8061,46 +8303,18 @@
           <a:bodyPr/>
           <a:lstStyle/>
           <a:p>
-            <a:pPr marL="0" indent="0">
-              <a:buNone/>
-            </a:pPr>
-            <a:r>
-              <a:rPr lang="en-US" dirty="0"/>
-              <a:t>How cheap?</a:t>
-            </a:r>
-          </a:p>
-          <a:p>
-            <a:pPr marL="0" indent="0">
-              <a:buNone/>
-            </a:pPr>
-            <a:endParaRPr lang="en-US" dirty="0">
-              <a:latin typeface="Consolas" panose="020B0609020204030204" pitchFamily="49" charset="0"/>
-            </a:endParaRPr>
-          </a:p>
-          <a:p>
-            <a:pPr marL="0" indent="0">
-              <a:buNone/>
-            </a:pPr>
-            <a:endParaRPr lang="en-US" dirty="0">
-              <a:latin typeface="Consolas" panose="020B0609020204030204" pitchFamily="49" charset="0"/>
-            </a:endParaRPr>
-          </a:p>
-          <a:p>
-            <a:pPr marL="0" indent="0">
-              <a:buNone/>
-            </a:pPr>
             <a:endParaRPr lang="en-US" dirty="0"/>
           </a:p>
         </p:txBody>
       </p:sp>
       <p:sp>
         <p:nvSpPr>
-          <p:cNvPr id="6" name="Text Placeholder 5"/>
-          <p:cNvSpPr>
-            <a:spLocks noGrp="1"/>
-          </p:cNvSpPr>
-          <p:nvPr>
-            <p:ph type="body" sz="quarter" idx="11"/>
+          <p:cNvPr id="3" name="Content Placeholder 2"/>
+          <p:cNvSpPr>
+            <a:spLocks noGrp="1"/>
+          </p:cNvSpPr>
+          <p:nvPr>
+            <p:ph idx="1"/>
           </p:nvPr>
         </p:nvSpPr>
         <p:spPr/>
@@ -8108,38 +8322,21 @@
           <a:bodyPr/>
           <a:lstStyle/>
           <a:p>
-            <a:endParaRPr lang="en-US"/>
-          </a:p>
-        </p:txBody>
-      </p:sp>
-      <p:pic>
-        <p:nvPicPr>
-          <p:cNvPr id="2" name="Picture 1"/>
-          <p:cNvPicPr>
-            <a:picLocks noChangeAspect="1"/>
-          </p:cNvPicPr>
-          <p:nvPr/>
-        </p:nvPicPr>
-        <p:blipFill>
-          <a:blip r:embed="rId2"/>
-          <a:stretch>
-            <a:fillRect/>
-          </a:stretch>
-        </p:blipFill>
-        <p:spPr>
-          <a:xfrm>
-            <a:off x="609600" y="1572849"/>
-            <a:ext cx="6841964" cy="3503363"/>
-          </a:xfrm>
-          <a:prstGeom prst="rect">
-            <a:avLst/>
-          </a:prstGeom>
-        </p:spPr>
-      </p:pic>
+            <a:pPr marL="0" indent="0">
+              <a:buNone/>
+            </a:pPr>
+            <a:r>
+              <a:rPr lang="en-US" dirty="0" smtClean="0"/>
+              <a:t>The following will all just come from the excellent Bootstrap docs! We use the Bootstrap grid for 99% of our layout.</a:t>
+            </a:r>
+            <a:endParaRPr lang="en-US" dirty="0"/>
+          </a:p>
+        </p:txBody>
+      </p:sp>
     </p:spTree>
     <p:extLst>
       <p:ext uri="{BB962C8B-B14F-4D97-AF65-F5344CB8AC3E}">
-        <p14:creationId xmlns:p14="http://schemas.microsoft.com/office/powerpoint/2010/main" val="1699366819"/>
+        <p14:creationId xmlns:p14="http://schemas.microsoft.com/office/powerpoint/2010/main" val="2108505335"/>
       </p:ext>
     </p:extLst>
   </p:cSld>
@@ -8168,7 +8365,7 @@
       </p:grpSpPr>
       <p:sp>
         <p:nvSpPr>
-          <p:cNvPr id="4" name="Title 3"/>
+          <p:cNvPr id="2" name="Title 1"/>
           <p:cNvSpPr>
             <a:spLocks noGrp="1"/>
           </p:cNvSpPr>
@@ -8182,20 +8379,21 @@
           <a:lstStyle/>
           <a:p>
             <a:r>
-              <a:rPr lang="en-US" dirty="0"/>
-              <a:t>Cheap local branching</a:t>
-            </a:r>
-          </a:p>
-        </p:txBody>
-      </p:sp>
-      <p:sp>
-        <p:nvSpPr>
-          <p:cNvPr id="5" name="Content Placeholder 4"/>
-          <p:cNvSpPr>
-            <a:spLocks noGrp="1"/>
-          </p:cNvSpPr>
-          <p:nvPr>
-            <p:ph idx="1"/>
+              <a:rPr lang="en-US" dirty="0" smtClean="0"/>
+              <a:t>Breakpoints</a:t>
+            </a:r>
+            <a:endParaRPr lang="en-US" dirty="0"/>
+          </a:p>
+        </p:txBody>
+      </p:sp>
+      <p:sp>
+        <p:nvSpPr>
+          <p:cNvPr id="4" name="Text Placeholder 3"/>
+          <p:cNvSpPr>
+            <a:spLocks noGrp="1"/>
+          </p:cNvSpPr>
+          <p:nvPr>
+            <p:ph type="body" sz="quarter" idx="11"/>
           </p:nvPr>
         </p:nvSpPr>
         <p:spPr/>
@@ -8203,46 +8401,22 @@
           <a:bodyPr/>
           <a:lstStyle/>
           <a:p>
-            <a:pPr marL="0" indent="0">
-              <a:buNone/>
-            </a:pPr>
-            <a:r>
-              <a:rPr lang="en-US" dirty="0"/>
-              <a:t>How cheap?</a:t>
-            </a:r>
-          </a:p>
-          <a:p>
-            <a:pPr marL="0" indent="0">
-              <a:buNone/>
-            </a:pPr>
-            <a:endParaRPr lang="en-US" dirty="0">
-              <a:latin typeface="Consolas" panose="020B0609020204030204" pitchFamily="49" charset="0"/>
-            </a:endParaRPr>
-          </a:p>
-          <a:p>
-            <a:pPr marL="0" indent="0">
-              <a:buNone/>
-            </a:pPr>
-            <a:endParaRPr lang="en-US" dirty="0">
-              <a:latin typeface="Consolas" panose="020B0609020204030204" pitchFamily="49" charset="0"/>
-            </a:endParaRPr>
-          </a:p>
-          <a:p>
-            <a:pPr marL="0" indent="0">
-              <a:buNone/>
-            </a:pPr>
+            <a:r>
+              <a:rPr lang="en-US" dirty="0"/>
+              <a:t>Source Bootstrap Documentation</a:t>
+            </a:r>
             <a:endParaRPr lang="en-US" dirty="0"/>
           </a:p>
         </p:txBody>
       </p:sp>
       <p:sp>
         <p:nvSpPr>
-          <p:cNvPr id="6" name="Text Placeholder 5"/>
-          <p:cNvSpPr>
-            <a:spLocks noGrp="1"/>
-          </p:cNvSpPr>
-          <p:nvPr>
-            <p:ph type="body" sz="quarter" idx="11"/>
+          <p:cNvPr id="3" name="Content Placeholder 2"/>
+          <p:cNvSpPr>
+            <a:spLocks noGrp="1"/>
+          </p:cNvSpPr>
+          <p:nvPr>
+            <p:ph idx="1"/>
           </p:nvPr>
         </p:nvSpPr>
         <p:spPr/>
@@ -8250,38 +8424,1297 @@
           <a:bodyPr/>
           <a:lstStyle/>
           <a:p>
-            <a:endParaRPr lang="en-US"/>
-          </a:p>
-        </p:txBody>
-      </p:sp>
-      <p:pic>
-        <p:nvPicPr>
-          <p:cNvPr id="2" name="Picture 1"/>
-          <p:cNvPicPr>
-            <a:picLocks noChangeAspect="1"/>
-          </p:cNvPicPr>
+            <a:pPr marL="0" indent="0">
+              <a:buNone/>
+            </a:pPr>
+            <a:r>
+              <a:rPr lang="en-US" dirty="0" smtClean="0"/>
+              <a:t>“Breakpoints </a:t>
+            </a:r>
+            <a:r>
+              <a:rPr lang="en-US" dirty="0"/>
+              <a:t>are the triggers in Bootstrap for how your layout responsive changes across device or viewport sizes</a:t>
+            </a:r>
+            <a:r>
+              <a:rPr lang="en-US" dirty="0" smtClean="0"/>
+              <a:t>.”</a:t>
+            </a:r>
+            <a:endParaRPr lang="en-US" dirty="0"/>
+          </a:p>
+          <a:p>
+            <a:pPr marL="0" indent="0">
+              <a:buNone/>
+            </a:pPr>
+            <a:r>
+              <a:rPr lang="en-US" b="1" dirty="0" smtClean="0"/>
+              <a:t>Available Breakpoints:</a:t>
+            </a:r>
+          </a:p>
+          <a:p>
+            <a:pPr marL="0" indent="0">
+              <a:buNone/>
+            </a:pPr>
+            <a:endParaRPr lang="en-US" dirty="0" smtClean="0"/>
+          </a:p>
+        </p:txBody>
+      </p:sp>
+      <p:graphicFrame>
+        <p:nvGraphicFramePr>
+          <p:cNvPr id="5" name="Table 4"/>
+          <p:cNvGraphicFramePr>
+            <a:graphicFrameLocks noGrp="1"/>
+          </p:cNvGraphicFramePr>
           <p:nvPr/>
-        </p:nvPicPr>
-        <p:blipFill>
-          <a:blip r:embed="rId2"/>
-          <a:stretch>
-            <a:fillRect/>
-          </a:stretch>
-        </p:blipFill>
-        <p:spPr>
-          <a:xfrm>
-            <a:off x="609600" y="1579752"/>
-            <a:ext cx="7439025" cy="4000500"/>
-          </a:xfrm>
-          <a:prstGeom prst="rect">
-            <a:avLst/>
-          </a:prstGeom>
-        </p:spPr>
-      </p:pic>
+        </p:nvGraphicFramePr>
+        <p:xfrm>
+          <a:off x="2266950" y="2339340"/>
+          <a:ext cx="7658100" cy="2560320"/>
+        </p:xfrm>
+        <a:graphic>
+          <a:graphicData uri="http://schemas.openxmlformats.org/drawingml/2006/table">
+            <a:tbl>
+              <a:tblPr/>
+              <a:tblGrid>
+                <a:gridCol w="2552700">
+                  <a:extLst>
+                    <a:ext uri="{9D8B030D-6E8A-4147-A177-3AD203B41FA5}">
+                      <a16:colId xmlns:a16="http://schemas.microsoft.com/office/drawing/2014/main" val="2284660285"/>
+                    </a:ext>
+                  </a:extLst>
+                </a:gridCol>
+                <a:gridCol w="2552700">
+                  <a:extLst>
+                    <a:ext uri="{9D8B030D-6E8A-4147-A177-3AD203B41FA5}">
+                      <a16:colId xmlns:a16="http://schemas.microsoft.com/office/drawing/2014/main" val="3004930410"/>
+                    </a:ext>
+                  </a:extLst>
+                </a:gridCol>
+                <a:gridCol w="2552700">
+                  <a:extLst>
+                    <a:ext uri="{9D8B030D-6E8A-4147-A177-3AD203B41FA5}">
+                      <a16:colId xmlns:a16="http://schemas.microsoft.com/office/drawing/2014/main" val="457034254"/>
+                    </a:ext>
+                  </a:extLst>
+                </a:gridCol>
+              </a:tblGrid>
+              <a:tr h="0">
+                <a:tc>
+                  <a:txBody>
+                    <a:bodyPr/>
+                    <a:lstStyle/>
+                    <a:p>
+                      <a:pPr algn="l"/>
+                      <a:r>
+                        <a:rPr lang="en-US">
+                          <a:effectLst/>
+                        </a:rPr>
+                        <a:t>Breakpoint</a:t>
+                      </a:r>
+                    </a:p>
+                  </a:txBody>
+                  <a:tcPr>
+                    <a:lnL w="12700" cap="flat" cmpd="sng" algn="ctr">
+                      <a:solidFill>
+                        <a:srgbClr val="C049C9"/>
+                      </a:solidFill>
+                      <a:prstDash val="solid"/>
+                      <a:round/>
+                      <a:headEnd type="none" w="med" len="med"/>
+                      <a:tailEnd type="none" w="med" len="med"/>
+                    </a:lnL>
+                    <a:lnR w="12700" cap="flat" cmpd="sng" algn="ctr">
+                      <a:solidFill>
+                        <a:srgbClr val="404DC9"/>
+                      </a:solidFill>
+                      <a:prstDash val="solid"/>
+                      <a:round/>
+                      <a:headEnd type="none" w="med" len="med"/>
+                      <a:tailEnd type="none" w="med" len="med"/>
+                    </a:lnR>
+                    <a:lnT w="12700" cap="flat" cmpd="sng" algn="ctr">
+                      <a:solidFill>
+                        <a:srgbClr val="8050C9"/>
+                      </a:solidFill>
+                      <a:prstDash val="solid"/>
+                      <a:round/>
+                      <a:headEnd type="none" w="med" len="med"/>
+                      <a:tailEnd type="none" w="med" len="med"/>
+                    </a:lnT>
+                    <a:lnB w="12700" cap="flat" cmpd="sng" algn="ctr">
+                      <a:solidFill>
+                        <a:srgbClr val="C050C9"/>
+                      </a:solidFill>
+                      <a:prstDash val="solid"/>
+                      <a:round/>
+                      <a:headEnd type="none" w="med" len="med"/>
+                      <a:tailEnd type="none" w="med" len="med"/>
+                    </a:lnB>
+                    <a:solidFill>
+                      <a:srgbClr val="FFFFFF"/>
+                    </a:solidFill>
+                  </a:tcPr>
+                </a:tc>
+                <a:tc>
+                  <a:txBody>
+                    <a:bodyPr/>
+                    <a:lstStyle/>
+                    <a:p>
+                      <a:pPr algn="l"/>
+                      <a:r>
+                        <a:rPr lang="en-US">
+                          <a:effectLst/>
+                        </a:rPr>
+                        <a:t>Class infix</a:t>
+                      </a:r>
+                    </a:p>
+                  </a:txBody>
+                  <a:tcPr>
+                    <a:lnL w="12700" cap="flat" cmpd="sng" algn="ctr">
+                      <a:solidFill>
+                        <a:srgbClr val="404DC9"/>
+                      </a:solidFill>
+                      <a:prstDash val="solid"/>
+                      <a:round/>
+                      <a:headEnd type="none" w="med" len="med"/>
+                      <a:tailEnd type="none" w="med" len="med"/>
+                    </a:lnL>
+                    <a:lnR w="12700" cap="flat" cmpd="sng" algn="ctr">
+                      <a:solidFill>
+                        <a:srgbClr val="204CC9"/>
+                      </a:solidFill>
+                      <a:prstDash val="solid"/>
+                      <a:round/>
+                      <a:headEnd type="none" w="med" len="med"/>
+                      <a:tailEnd type="none" w="med" len="med"/>
+                    </a:lnR>
+                    <a:lnT w="12700" cap="flat" cmpd="sng" algn="ctr">
+                      <a:solidFill>
+                        <a:srgbClr val="4049C9"/>
+                      </a:solidFill>
+                      <a:prstDash val="solid"/>
+                      <a:round/>
+                      <a:headEnd type="none" w="med" len="med"/>
+                      <a:tailEnd type="none" w="med" len="med"/>
+                    </a:lnT>
+                    <a:lnB w="12700" cap="flat" cmpd="sng" algn="ctr">
+                      <a:solidFill>
+                        <a:srgbClr val="E04AC9"/>
+                      </a:solidFill>
+                      <a:prstDash val="solid"/>
+                      <a:round/>
+                      <a:headEnd type="none" w="med" len="med"/>
+                      <a:tailEnd type="none" w="med" len="med"/>
+                    </a:lnB>
+                    <a:solidFill>
+                      <a:srgbClr val="FFFFFF"/>
+                    </a:solidFill>
+                  </a:tcPr>
+                </a:tc>
+                <a:tc>
+                  <a:txBody>
+                    <a:bodyPr/>
+                    <a:lstStyle/>
+                    <a:p>
+                      <a:pPr algn="l"/>
+                      <a:r>
+                        <a:rPr lang="en-US">
+                          <a:effectLst/>
+                        </a:rPr>
+                        <a:t>Dimensions</a:t>
+                      </a:r>
+                    </a:p>
+                  </a:txBody>
+                  <a:tcPr>
+                    <a:lnL w="12700" cap="flat" cmpd="sng" algn="ctr">
+                      <a:solidFill>
+                        <a:srgbClr val="204CC9"/>
+                      </a:solidFill>
+                      <a:prstDash val="solid"/>
+                      <a:round/>
+                      <a:headEnd type="none" w="med" len="med"/>
+                      <a:tailEnd type="none" w="med" len="med"/>
+                    </a:lnL>
+                    <a:lnR w="12700" cap="flat" cmpd="sng" algn="ctr">
+                      <a:solidFill>
+                        <a:srgbClr val="E04AC9"/>
+                      </a:solidFill>
+                      <a:prstDash val="solid"/>
+                      <a:round/>
+                      <a:headEnd type="none" w="med" len="med"/>
+                      <a:tailEnd type="none" w="med" len="med"/>
+                    </a:lnR>
+                    <a:lnT w="12700" cap="flat" cmpd="sng" algn="ctr">
+                      <a:solidFill>
+                        <a:srgbClr val="E04AC9"/>
+                      </a:solidFill>
+                      <a:prstDash val="solid"/>
+                      <a:round/>
+                      <a:headEnd type="none" w="med" len="med"/>
+                      <a:tailEnd type="none" w="med" len="med"/>
+                    </a:lnT>
+                    <a:lnB w="12700" cap="flat" cmpd="sng" algn="ctr">
+                      <a:solidFill>
+                        <a:srgbClr val="E04CC9"/>
+                      </a:solidFill>
+                      <a:prstDash val="solid"/>
+                      <a:round/>
+                      <a:headEnd type="none" w="med" len="med"/>
+                      <a:tailEnd type="none" w="med" len="med"/>
+                    </a:lnB>
+                    <a:solidFill>
+                      <a:srgbClr val="FFFFFF"/>
+                    </a:solidFill>
+                  </a:tcPr>
+                </a:tc>
+                <a:extLst>
+                  <a:ext uri="{0D108BD9-81ED-4DB2-BD59-A6C34878D82A}">
+                    <a16:rowId xmlns:a16="http://schemas.microsoft.com/office/drawing/2014/main" val="3466885639"/>
+                  </a:ext>
+                </a:extLst>
+              </a:tr>
+              <a:tr h="0">
+                <a:tc>
+                  <a:txBody>
+                    <a:bodyPr/>
+                    <a:lstStyle/>
+                    <a:p>
+                      <a:r>
+                        <a:rPr lang="en-US">
+                          <a:effectLst/>
+                        </a:rPr>
+                        <a:t>X-Small</a:t>
+                      </a:r>
+                    </a:p>
+                  </a:txBody>
+                  <a:tcPr>
+                    <a:lnL w="12700" cap="flat" cmpd="sng" algn="ctr">
+                      <a:solidFill>
+                        <a:srgbClr val="C050C9"/>
+                      </a:solidFill>
+                      <a:prstDash val="solid"/>
+                      <a:round/>
+                      <a:headEnd type="none" w="med" len="med"/>
+                      <a:tailEnd type="none" w="med" len="med"/>
+                    </a:lnL>
+                    <a:lnR w="12700" cap="flat" cmpd="sng" algn="ctr">
+                      <a:solidFill>
+                        <a:srgbClr val="E04AC9"/>
+                      </a:solidFill>
+                      <a:prstDash val="solid"/>
+                      <a:round/>
+                      <a:headEnd type="none" w="med" len="med"/>
+                      <a:tailEnd type="none" w="med" len="med"/>
+                    </a:lnR>
+                    <a:lnT w="12700" cap="flat" cmpd="sng" algn="ctr">
+                      <a:solidFill>
+                        <a:srgbClr val="C050C9"/>
+                      </a:solidFill>
+                      <a:prstDash val="solid"/>
+                      <a:round/>
+                      <a:headEnd type="none" w="med" len="med"/>
+                      <a:tailEnd type="none" w="med" len="med"/>
+                    </a:lnT>
+                    <a:lnB w="12700" cap="flat" cmpd="sng" algn="ctr">
+                      <a:solidFill>
+                        <a:srgbClr val="C049C9"/>
+                      </a:solidFill>
+                      <a:prstDash val="solid"/>
+                      <a:round/>
+                      <a:headEnd type="none" w="med" len="med"/>
+                      <a:tailEnd type="none" w="med" len="med"/>
+                    </a:lnB>
+                    <a:solidFill>
+                      <a:srgbClr val="FFFFFF"/>
+                    </a:solidFill>
+                  </a:tcPr>
+                </a:tc>
+                <a:tc>
+                  <a:txBody>
+                    <a:bodyPr/>
+                    <a:lstStyle/>
+                    <a:p>
+                      <a:r>
+                        <a:rPr lang="en-US" i="1">
+                          <a:effectLst/>
+                        </a:rPr>
+                        <a:t>None</a:t>
+                      </a:r>
+                      <a:endParaRPr lang="en-US">
+                        <a:effectLst/>
+                      </a:endParaRPr>
+                    </a:p>
+                  </a:txBody>
+                  <a:tcPr>
+                    <a:lnL w="12700" cap="flat" cmpd="sng" algn="ctr">
+                      <a:solidFill>
+                        <a:srgbClr val="E04AC9"/>
+                      </a:solidFill>
+                      <a:prstDash val="solid"/>
+                      <a:round/>
+                      <a:headEnd type="none" w="med" len="med"/>
+                      <a:tailEnd type="none" w="med" len="med"/>
+                    </a:lnL>
+                    <a:lnR w="12700" cap="flat" cmpd="sng" algn="ctr">
+                      <a:solidFill>
+                        <a:srgbClr val="E04CC9"/>
+                      </a:solidFill>
+                      <a:prstDash val="solid"/>
+                      <a:round/>
+                      <a:headEnd type="none" w="med" len="med"/>
+                      <a:tailEnd type="none" w="med" len="med"/>
+                    </a:lnR>
+                    <a:lnT w="12700" cap="flat" cmpd="sng" algn="ctr">
+                      <a:solidFill>
+                        <a:srgbClr val="E04AC9"/>
+                      </a:solidFill>
+                      <a:prstDash val="solid"/>
+                      <a:round/>
+                      <a:headEnd type="none" w="med" len="med"/>
+                      <a:tailEnd type="none" w="med" len="med"/>
+                    </a:lnT>
+                    <a:lnB w="12700" cap="flat" cmpd="sng" algn="ctr">
+                      <a:solidFill>
+                        <a:srgbClr val="204FC9"/>
+                      </a:solidFill>
+                      <a:prstDash val="solid"/>
+                      <a:round/>
+                      <a:headEnd type="none" w="med" len="med"/>
+                      <a:tailEnd type="none" w="med" len="med"/>
+                    </a:lnB>
+                    <a:solidFill>
+                      <a:srgbClr val="FFFFFF"/>
+                    </a:solidFill>
+                  </a:tcPr>
+                </a:tc>
+                <a:tc>
+                  <a:txBody>
+                    <a:bodyPr/>
+                    <a:lstStyle/>
+                    <a:p>
+                      <a:r>
+                        <a:rPr lang="en-US">
+                          <a:effectLst/>
+                        </a:rPr>
+                        <a:t>&lt;576px</a:t>
+                      </a:r>
+                    </a:p>
+                  </a:txBody>
+                  <a:tcPr>
+                    <a:lnL w="12700" cap="flat" cmpd="sng" algn="ctr">
+                      <a:solidFill>
+                        <a:srgbClr val="E04CC9"/>
+                      </a:solidFill>
+                      <a:prstDash val="solid"/>
+                      <a:round/>
+                      <a:headEnd type="none" w="med" len="med"/>
+                      <a:tailEnd type="none" w="med" len="med"/>
+                    </a:lnL>
+                    <a:lnR w="12700" cap="flat" cmpd="sng" algn="ctr">
+                      <a:solidFill>
+                        <a:srgbClr val="E04CC9"/>
+                      </a:solidFill>
+                      <a:prstDash val="solid"/>
+                      <a:round/>
+                      <a:headEnd type="none" w="med" len="med"/>
+                      <a:tailEnd type="none" w="med" len="med"/>
+                    </a:lnR>
+                    <a:lnT w="12700" cap="flat" cmpd="sng" algn="ctr">
+                      <a:solidFill>
+                        <a:srgbClr val="E04CC9"/>
+                      </a:solidFill>
+                      <a:prstDash val="solid"/>
+                      <a:round/>
+                      <a:headEnd type="none" w="med" len="med"/>
+                      <a:tailEnd type="none" w="med" len="med"/>
+                    </a:lnT>
+                    <a:lnB w="12700" cap="flat" cmpd="sng" algn="ctr">
+                      <a:solidFill>
+                        <a:srgbClr val="604FC9"/>
+                      </a:solidFill>
+                      <a:prstDash val="solid"/>
+                      <a:round/>
+                      <a:headEnd type="none" w="med" len="med"/>
+                      <a:tailEnd type="none" w="med" len="med"/>
+                    </a:lnB>
+                    <a:solidFill>
+                      <a:srgbClr val="FFFFFF"/>
+                    </a:solidFill>
+                  </a:tcPr>
+                </a:tc>
+                <a:extLst>
+                  <a:ext uri="{0D108BD9-81ED-4DB2-BD59-A6C34878D82A}">
+                    <a16:rowId xmlns:a16="http://schemas.microsoft.com/office/drawing/2014/main" val="2843528664"/>
+                  </a:ext>
+                </a:extLst>
+              </a:tr>
+              <a:tr h="0">
+                <a:tc>
+                  <a:txBody>
+                    <a:bodyPr/>
+                    <a:lstStyle/>
+                    <a:p>
+                      <a:r>
+                        <a:rPr lang="en-US">
+                          <a:effectLst/>
+                        </a:rPr>
+                        <a:t>Small</a:t>
+                      </a:r>
+                    </a:p>
+                  </a:txBody>
+                  <a:tcPr>
+                    <a:lnL w="12700" cap="flat" cmpd="sng" algn="ctr">
+                      <a:solidFill>
+                        <a:srgbClr val="C049C9"/>
+                      </a:solidFill>
+                      <a:prstDash val="solid"/>
+                      <a:round/>
+                      <a:headEnd type="none" w="med" len="med"/>
+                      <a:tailEnd type="none" w="med" len="med"/>
+                    </a:lnL>
+                    <a:lnR w="12700" cap="flat" cmpd="sng" algn="ctr">
+                      <a:solidFill>
+                        <a:srgbClr val="204FC9"/>
+                      </a:solidFill>
+                      <a:prstDash val="solid"/>
+                      <a:round/>
+                      <a:headEnd type="none" w="med" len="med"/>
+                      <a:tailEnd type="none" w="med" len="med"/>
+                    </a:lnR>
+                    <a:lnT w="12700" cap="flat" cmpd="sng" algn="ctr">
+                      <a:solidFill>
+                        <a:srgbClr val="C049C9"/>
+                      </a:solidFill>
+                      <a:prstDash val="solid"/>
+                      <a:round/>
+                      <a:headEnd type="none" w="med" len="med"/>
+                      <a:tailEnd type="none" w="med" len="med"/>
+                    </a:lnT>
+                    <a:lnB w="12700" cap="flat" cmpd="sng" algn="ctr">
+                      <a:solidFill>
+                        <a:srgbClr val="0058C9"/>
+                      </a:solidFill>
+                      <a:prstDash val="solid"/>
+                      <a:round/>
+                      <a:headEnd type="none" w="med" len="med"/>
+                      <a:tailEnd type="none" w="med" len="med"/>
+                    </a:lnB>
+                    <a:solidFill>
+                      <a:srgbClr val="FFFFFF"/>
+                    </a:solidFill>
+                  </a:tcPr>
+                </a:tc>
+                <a:tc>
+                  <a:txBody>
+                    <a:bodyPr/>
+                    <a:lstStyle/>
+                    <a:p>
+                      <a:r>
+                        <a:rPr lang="en-US">
+                          <a:effectLst/>
+                        </a:rPr>
+                        <a:t>sm</a:t>
+                      </a:r>
+                    </a:p>
+                  </a:txBody>
+                  <a:tcPr>
+                    <a:lnL w="12700" cap="flat" cmpd="sng" algn="ctr">
+                      <a:solidFill>
+                        <a:srgbClr val="204FC9"/>
+                      </a:solidFill>
+                      <a:prstDash val="solid"/>
+                      <a:round/>
+                      <a:headEnd type="none" w="med" len="med"/>
+                      <a:tailEnd type="none" w="med" len="med"/>
+                    </a:lnL>
+                    <a:lnR w="12700" cap="flat" cmpd="sng" algn="ctr">
+                      <a:solidFill>
+                        <a:srgbClr val="604FC9"/>
+                      </a:solidFill>
+                      <a:prstDash val="solid"/>
+                      <a:round/>
+                      <a:headEnd type="none" w="med" len="med"/>
+                      <a:tailEnd type="none" w="med" len="med"/>
+                    </a:lnR>
+                    <a:lnT w="12700" cap="flat" cmpd="sng" algn="ctr">
+                      <a:solidFill>
+                        <a:srgbClr val="204FC9"/>
+                      </a:solidFill>
+                      <a:prstDash val="solid"/>
+                      <a:round/>
+                      <a:headEnd type="none" w="med" len="med"/>
+                      <a:tailEnd type="none" w="med" len="med"/>
+                    </a:lnT>
+                    <a:lnB w="12700" cap="flat" cmpd="sng" algn="ctr">
+                      <a:solidFill>
+                        <a:srgbClr val="0051C9"/>
+                      </a:solidFill>
+                      <a:prstDash val="solid"/>
+                      <a:round/>
+                      <a:headEnd type="none" w="med" len="med"/>
+                      <a:tailEnd type="none" w="med" len="med"/>
+                    </a:lnB>
+                    <a:solidFill>
+                      <a:srgbClr val="FFFFFF"/>
+                    </a:solidFill>
+                  </a:tcPr>
+                </a:tc>
+                <a:tc>
+                  <a:txBody>
+                    <a:bodyPr/>
+                    <a:lstStyle/>
+                    <a:p>
+                      <a:r>
+                        <a:rPr lang="en-US">
+                          <a:effectLst/>
+                        </a:rPr>
+                        <a:t>≥576px</a:t>
+                      </a:r>
+                    </a:p>
+                  </a:txBody>
+                  <a:tcPr>
+                    <a:lnL w="12700" cap="flat" cmpd="sng" algn="ctr">
+                      <a:solidFill>
+                        <a:srgbClr val="604FC9"/>
+                      </a:solidFill>
+                      <a:prstDash val="solid"/>
+                      <a:round/>
+                      <a:headEnd type="none" w="med" len="med"/>
+                      <a:tailEnd type="none" w="med" len="med"/>
+                    </a:lnL>
+                    <a:lnR w="12700" cap="flat" cmpd="sng" algn="ctr">
+                      <a:solidFill>
+                        <a:srgbClr val="604FC9"/>
+                      </a:solidFill>
+                      <a:prstDash val="solid"/>
+                      <a:round/>
+                      <a:headEnd type="none" w="med" len="med"/>
+                      <a:tailEnd type="none" w="med" len="med"/>
+                    </a:lnR>
+                    <a:lnT w="12700" cap="flat" cmpd="sng" algn="ctr">
+                      <a:solidFill>
+                        <a:srgbClr val="604FC9"/>
+                      </a:solidFill>
+                      <a:prstDash val="solid"/>
+                      <a:round/>
+                      <a:headEnd type="none" w="med" len="med"/>
+                      <a:tailEnd type="none" w="med" len="med"/>
+                    </a:lnT>
+                    <a:lnB w="12700" cap="flat" cmpd="sng" algn="ctr">
+                      <a:solidFill>
+                        <a:srgbClr val="0058C9"/>
+                      </a:solidFill>
+                      <a:prstDash val="solid"/>
+                      <a:round/>
+                      <a:headEnd type="none" w="med" len="med"/>
+                      <a:tailEnd type="none" w="med" len="med"/>
+                    </a:lnB>
+                    <a:solidFill>
+                      <a:srgbClr val="FFFFFF"/>
+                    </a:solidFill>
+                  </a:tcPr>
+                </a:tc>
+                <a:extLst>
+                  <a:ext uri="{0D108BD9-81ED-4DB2-BD59-A6C34878D82A}">
+                    <a16:rowId xmlns:a16="http://schemas.microsoft.com/office/drawing/2014/main" val="3185538076"/>
+                  </a:ext>
+                </a:extLst>
+              </a:tr>
+              <a:tr h="0">
+                <a:tc>
+                  <a:txBody>
+                    <a:bodyPr/>
+                    <a:lstStyle/>
+                    <a:p>
+                      <a:r>
+                        <a:rPr lang="en-US">
+                          <a:effectLst/>
+                        </a:rPr>
+                        <a:t>Medium</a:t>
+                      </a:r>
+                    </a:p>
+                  </a:txBody>
+                  <a:tcPr>
+                    <a:lnL w="12700" cap="flat" cmpd="sng" algn="ctr">
+                      <a:solidFill>
+                        <a:srgbClr val="0058C9"/>
+                      </a:solidFill>
+                      <a:prstDash val="solid"/>
+                      <a:round/>
+                      <a:headEnd type="none" w="med" len="med"/>
+                      <a:tailEnd type="none" w="med" len="med"/>
+                    </a:lnL>
+                    <a:lnR w="12700" cap="flat" cmpd="sng" algn="ctr">
+                      <a:solidFill>
+                        <a:srgbClr val="0051C9"/>
+                      </a:solidFill>
+                      <a:prstDash val="solid"/>
+                      <a:round/>
+                      <a:headEnd type="none" w="med" len="med"/>
+                      <a:tailEnd type="none" w="med" len="med"/>
+                    </a:lnR>
+                    <a:lnT w="12700" cap="flat" cmpd="sng" algn="ctr">
+                      <a:solidFill>
+                        <a:srgbClr val="0058C9"/>
+                      </a:solidFill>
+                      <a:prstDash val="solid"/>
+                      <a:round/>
+                      <a:headEnd type="none" w="med" len="med"/>
+                      <a:tailEnd type="none" w="med" len="med"/>
+                    </a:lnT>
+                    <a:lnB w="12700" cap="flat" cmpd="sng" algn="ctr">
+                      <a:solidFill>
+                        <a:srgbClr val="0051C9"/>
+                      </a:solidFill>
+                      <a:prstDash val="solid"/>
+                      <a:round/>
+                      <a:headEnd type="none" w="med" len="med"/>
+                      <a:tailEnd type="none" w="med" len="med"/>
+                    </a:lnB>
+                    <a:solidFill>
+                      <a:srgbClr val="FFFFFF"/>
+                    </a:solidFill>
+                  </a:tcPr>
+                </a:tc>
+                <a:tc>
+                  <a:txBody>
+                    <a:bodyPr/>
+                    <a:lstStyle/>
+                    <a:p>
+                      <a:r>
+                        <a:rPr lang="en-US">
+                          <a:effectLst/>
+                        </a:rPr>
+                        <a:t>md</a:t>
+                      </a:r>
+                    </a:p>
+                  </a:txBody>
+                  <a:tcPr>
+                    <a:lnL w="12700" cap="flat" cmpd="sng" algn="ctr">
+                      <a:solidFill>
+                        <a:srgbClr val="0051C9"/>
+                      </a:solidFill>
+                      <a:prstDash val="solid"/>
+                      <a:round/>
+                      <a:headEnd type="none" w="med" len="med"/>
+                      <a:tailEnd type="none" w="med" len="med"/>
+                    </a:lnL>
+                    <a:lnR w="12700" cap="flat" cmpd="sng" algn="ctr">
+                      <a:solidFill>
+                        <a:srgbClr val="0058C9"/>
+                      </a:solidFill>
+                      <a:prstDash val="solid"/>
+                      <a:round/>
+                      <a:headEnd type="none" w="med" len="med"/>
+                      <a:tailEnd type="none" w="med" len="med"/>
+                    </a:lnR>
+                    <a:lnT w="12700" cap="flat" cmpd="sng" algn="ctr">
+                      <a:solidFill>
+                        <a:srgbClr val="0051C9"/>
+                      </a:solidFill>
+                      <a:prstDash val="solid"/>
+                      <a:round/>
+                      <a:headEnd type="none" w="med" len="med"/>
+                      <a:tailEnd type="none" w="med" len="med"/>
+                    </a:lnT>
+                    <a:lnB w="12700" cap="flat" cmpd="sng" algn="ctr">
+                      <a:solidFill>
+                        <a:srgbClr val="2054C9"/>
+                      </a:solidFill>
+                      <a:prstDash val="solid"/>
+                      <a:round/>
+                      <a:headEnd type="none" w="med" len="med"/>
+                      <a:tailEnd type="none" w="med" len="med"/>
+                    </a:lnB>
+                    <a:solidFill>
+                      <a:srgbClr val="FFFFFF"/>
+                    </a:solidFill>
+                  </a:tcPr>
+                </a:tc>
+                <a:tc>
+                  <a:txBody>
+                    <a:bodyPr/>
+                    <a:lstStyle/>
+                    <a:p>
+                      <a:r>
+                        <a:rPr lang="en-US">
+                          <a:effectLst/>
+                        </a:rPr>
+                        <a:t>≥768px</a:t>
+                      </a:r>
+                    </a:p>
+                  </a:txBody>
+                  <a:tcPr>
+                    <a:lnL w="12700" cap="flat" cmpd="sng" algn="ctr">
+                      <a:solidFill>
+                        <a:srgbClr val="0058C9"/>
+                      </a:solidFill>
+                      <a:prstDash val="solid"/>
+                      <a:round/>
+                      <a:headEnd type="none" w="med" len="med"/>
+                      <a:tailEnd type="none" w="med" len="med"/>
+                    </a:lnL>
+                    <a:lnR w="12700" cap="flat" cmpd="sng" algn="ctr">
+                      <a:solidFill>
+                        <a:srgbClr val="0058C9"/>
+                      </a:solidFill>
+                      <a:prstDash val="solid"/>
+                      <a:round/>
+                      <a:headEnd type="none" w="med" len="med"/>
+                      <a:tailEnd type="none" w="med" len="med"/>
+                    </a:lnR>
+                    <a:lnT w="12700" cap="flat" cmpd="sng" algn="ctr">
+                      <a:solidFill>
+                        <a:srgbClr val="0058C9"/>
+                      </a:solidFill>
+                      <a:prstDash val="solid"/>
+                      <a:round/>
+                      <a:headEnd type="none" w="med" len="med"/>
+                      <a:tailEnd type="none" w="med" len="med"/>
+                    </a:lnT>
+                    <a:lnB w="12700" cap="flat" cmpd="sng" algn="ctr">
+                      <a:solidFill>
+                        <a:srgbClr val="605BC9"/>
+                      </a:solidFill>
+                      <a:prstDash val="solid"/>
+                      <a:round/>
+                      <a:headEnd type="none" w="med" len="med"/>
+                      <a:tailEnd type="none" w="med" len="med"/>
+                    </a:lnB>
+                    <a:solidFill>
+                      <a:srgbClr val="FFFFFF"/>
+                    </a:solidFill>
+                  </a:tcPr>
+                </a:tc>
+                <a:extLst>
+                  <a:ext uri="{0D108BD9-81ED-4DB2-BD59-A6C34878D82A}">
+                    <a16:rowId xmlns:a16="http://schemas.microsoft.com/office/drawing/2014/main" val="3615754313"/>
+                  </a:ext>
+                </a:extLst>
+              </a:tr>
+              <a:tr h="0">
+                <a:tc>
+                  <a:txBody>
+                    <a:bodyPr/>
+                    <a:lstStyle/>
+                    <a:p>
+                      <a:r>
+                        <a:rPr lang="en-US">
+                          <a:effectLst/>
+                        </a:rPr>
+                        <a:t>Large</a:t>
+                      </a:r>
+                    </a:p>
+                  </a:txBody>
+                  <a:tcPr>
+                    <a:lnL w="12700" cap="flat" cmpd="sng" algn="ctr">
+                      <a:solidFill>
+                        <a:srgbClr val="0051C9"/>
+                      </a:solidFill>
+                      <a:prstDash val="solid"/>
+                      <a:round/>
+                      <a:headEnd type="none" w="med" len="med"/>
+                      <a:tailEnd type="none" w="med" len="med"/>
+                    </a:lnL>
+                    <a:lnR w="12700" cap="flat" cmpd="sng" algn="ctr">
+                      <a:solidFill>
+                        <a:srgbClr val="2054C9"/>
+                      </a:solidFill>
+                      <a:prstDash val="solid"/>
+                      <a:round/>
+                      <a:headEnd type="none" w="med" len="med"/>
+                      <a:tailEnd type="none" w="med" len="med"/>
+                    </a:lnR>
+                    <a:lnT w="12700" cap="flat" cmpd="sng" algn="ctr">
+                      <a:solidFill>
+                        <a:srgbClr val="0051C9"/>
+                      </a:solidFill>
+                      <a:prstDash val="solid"/>
+                      <a:round/>
+                      <a:headEnd type="none" w="med" len="med"/>
+                      <a:tailEnd type="none" w="med" len="med"/>
+                    </a:lnT>
+                    <a:lnB w="12700" cap="flat" cmpd="sng" algn="ctr">
+                      <a:solidFill>
+                        <a:srgbClr val="605CC9"/>
+                      </a:solidFill>
+                      <a:prstDash val="solid"/>
+                      <a:round/>
+                      <a:headEnd type="none" w="med" len="med"/>
+                      <a:tailEnd type="none" w="med" len="med"/>
+                    </a:lnB>
+                    <a:solidFill>
+                      <a:srgbClr val="FFFFFF"/>
+                    </a:solidFill>
+                  </a:tcPr>
+                </a:tc>
+                <a:tc>
+                  <a:txBody>
+                    <a:bodyPr/>
+                    <a:lstStyle/>
+                    <a:p>
+                      <a:r>
+                        <a:rPr lang="en-US">
+                          <a:effectLst/>
+                        </a:rPr>
+                        <a:t>lg</a:t>
+                      </a:r>
+                    </a:p>
+                  </a:txBody>
+                  <a:tcPr>
+                    <a:lnL w="12700" cap="flat" cmpd="sng" algn="ctr">
+                      <a:solidFill>
+                        <a:srgbClr val="2054C9"/>
+                      </a:solidFill>
+                      <a:prstDash val="solid"/>
+                      <a:round/>
+                      <a:headEnd type="none" w="med" len="med"/>
+                      <a:tailEnd type="none" w="med" len="med"/>
+                    </a:lnL>
+                    <a:lnR w="12700" cap="flat" cmpd="sng" algn="ctr">
+                      <a:solidFill>
+                        <a:srgbClr val="605BC9"/>
+                      </a:solidFill>
+                      <a:prstDash val="solid"/>
+                      <a:round/>
+                      <a:headEnd type="none" w="med" len="med"/>
+                      <a:tailEnd type="none" w="med" len="med"/>
+                    </a:lnR>
+                    <a:lnT w="12700" cap="flat" cmpd="sng" algn="ctr">
+                      <a:solidFill>
+                        <a:srgbClr val="2054C9"/>
+                      </a:solidFill>
+                      <a:prstDash val="solid"/>
+                      <a:round/>
+                      <a:headEnd type="none" w="med" len="med"/>
+                      <a:tailEnd type="none" w="med" len="med"/>
+                    </a:lnT>
+                    <a:lnB w="12700" cap="flat" cmpd="sng" algn="ctr">
+                      <a:solidFill>
+                        <a:srgbClr val="605CC9"/>
+                      </a:solidFill>
+                      <a:prstDash val="solid"/>
+                      <a:round/>
+                      <a:headEnd type="none" w="med" len="med"/>
+                      <a:tailEnd type="none" w="med" len="med"/>
+                    </a:lnB>
+                    <a:solidFill>
+                      <a:srgbClr val="FFFFFF"/>
+                    </a:solidFill>
+                  </a:tcPr>
+                </a:tc>
+                <a:tc>
+                  <a:txBody>
+                    <a:bodyPr/>
+                    <a:lstStyle/>
+                    <a:p>
+                      <a:r>
+                        <a:rPr lang="en-US">
+                          <a:effectLst/>
+                        </a:rPr>
+                        <a:t>≥992px</a:t>
+                      </a:r>
+                    </a:p>
+                  </a:txBody>
+                  <a:tcPr>
+                    <a:lnL w="12700" cap="flat" cmpd="sng" algn="ctr">
+                      <a:solidFill>
+                        <a:srgbClr val="605BC9"/>
+                      </a:solidFill>
+                      <a:prstDash val="solid"/>
+                      <a:round/>
+                      <a:headEnd type="none" w="med" len="med"/>
+                      <a:tailEnd type="none" w="med" len="med"/>
+                    </a:lnL>
+                    <a:lnR w="12700" cap="flat" cmpd="sng" algn="ctr">
+                      <a:solidFill>
+                        <a:srgbClr val="605BC9"/>
+                      </a:solidFill>
+                      <a:prstDash val="solid"/>
+                      <a:round/>
+                      <a:headEnd type="none" w="med" len="med"/>
+                      <a:tailEnd type="none" w="med" len="med"/>
+                    </a:lnR>
+                    <a:lnT w="12700" cap="flat" cmpd="sng" algn="ctr">
+                      <a:solidFill>
+                        <a:srgbClr val="605BC9"/>
+                      </a:solidFill>
+                      <a:prstDash val="solid"/>
+                      <a:round/>
+                      <a:headEnd type="none" w="med" len="med"/>
+                      <a:tailEnd type="none" w="med" len="med"/>
+                    </a:lnT>
+                    <a:lnB w="12700" cap="flat" cmpd="sng" algn="ctr">
+                      <a:solidFill>
+                        <a:srgbClr val="005FC9"/>
+                      </a:solidFill>
+                      <a:prstDash val="solid"/>
+                      <a:round/>
+                      <a:headEnd type="none" w="med" len="med"/>
+                      <a:tailEnd type="none" w="med" len="med"/>
+                    </a:lnB>
+                    <a:solidFill>
+                      <a:srgbClr val="FFFFFF"/>
+                    </a:solidFill>
+                  </a:tcPr>
+                </a:tc>
+                <a:extLst>
+                  <a:ext uri="{0D108BD9-81ED-4DB2-BD59-A6C34878D82A}">
+                    <a16:rowId xmlns:a16="http://schemas.microsoft.com/office/drawing/2014/main" val="167357051"/>
+                  </a:ext>
+                </a:extLst>
+              </a:tr>
+              <a:tr h="0">
+                <a:tc>
+                  <a:txBody>
+                    <a:bodyPr/>
+                    <a:lstStyle/>
+                    <a:p>
+                      <a:r>
+                        <a:rPr lang="en-US">
+                          <a:effectLst/>
+                        </a:rPr>
+                        <a:t>Extra large</a:t>
+                      </a:r>
+                    </a:p>
+                  </a:txBody>
+                  <a:tcPr>
+                    <a:lnL w="12700" cap="flat" cmpd="sng" algn="ctr">
+                      <a:solidFill>
+                        <a:srgbClr val="605CC9"/>
+                      </a:solidFill>
+                      <a:prstDash val="solid"/>
+                      <a:round/>
+                      <a:headEnd type="none" w="med" len="med"/>
+                      <a:tailEnd type="none" w="med" len="med"/>
+                    </a:lnL>
+                    <a:lnR w="12700" cap="flat" cmpd="sng" algn="ctr">
+                      <a:solidFill>
+                        <a:srgbClr val="605CC9"/>
+                      </a:solidFill>
+                      <a:prstDash val="solid"/>
+                      <a:round/>
+                      <a:headEnd type="none" w="med" len="med"/>
+                      <a:tailEnd type="none" w="med" len="med"/>
+                    </a:lnR>
+                    <a:lnT w="12700" cap="flat" cmpd="sng" algn="ctr">
+                      <a:solidFill>
+                        <a:srgbClr val="605CC9"/>
+                      </a:solidFill>
+                      <a:prstDash val="solid"/>
+                      <a:round/>
+                      <a:headEnd type="none" w="med" len="med"/>
+                      <a:tailEnd type="none" w="med" len="med"/>
+                    </a:lnT>
+                    <a:lnB w="12700" cap="flat" cmpd="sng" algn="ctr">
+                      <a:solidFill>
+                        <a:srgbClr val="E076C9"/>
+                      </a:solidFill>
+                      <a:prstDash val="solid"/>
+                      <a:round/>
+                      <a:headEnd type="none" w="med" len="med"/>
+                      <a:tailEnd type="none" w="med" len="med"/>
+                    </a:lnB>
+                    <a:solidFill>
+                      <a:srgbClr val="FFFFFF"/>
+                    </a:solidFill>
+                  </a:tcPr>
+                </a:tc>
+                <a:tc>
+                  <a:txBody>
+                    <a:bodyPr/>
+                    <a:lstStyle/>
+                    <a:p>
+                      <a:r>
+                        <a:rPr lang="en-US">
+                          <a:effectLst/>
+                        </a:rPr>
+                        <a:t>xl</a:t>
+                      </a:r>
+                    </a:p>
+                  </a:txBody>
+                  <a:tcPr>
+                    <a:lnL w="12700" cap="flat" cmpd="sng" algn="ctr">
+                      <a:solidFill>
+                        <a:srgbClr val="605CC9"/>
+                      </a:solidFill>
+                      <a:prstDash val="solid"/>
+                      <a:round/>
+                      <a:headEnd type="none" w="med" len="med"/>
+                      <a:tailEnd type="none" w="med" len="med"/>
+                    </a:lnL>
+                    <a:lnR w="12700" cap="flat" cmpd="sng" algn="ctr">
+                      <a:solidFill>
+                        <a:srgbClr val="005FC9"/>
+                      </a:solidFill>
+                      <a:prstDash val="solid"/>
+                      <a:round/>
+                      <a:headEnd type="none" w="med" len="med"/>
+                      <a:tailEnd type="none" w="med" len="med"/>
+                    </a:lnR>
+                    <a:lnT w="12700" cap="flat" cmpd="sng" algn="ctr">
+                      <a:solidFill>
+                        <a:srgbClr val="605CC9"/>
+                      </a:solidFill>
+                      <a:prstDash val="solid"/>
+                      <a:round/>
+                      <a:headEnd type="none" w="med" len="med"/>
+                      <a:tailEnd type="none" w="med" len="med"/>
+                    </a:lnT>
+                    <a:lnB w="12700" cap="flat" cmpd="sng" algn="ctr">
+                      <a:solidFill>
+                        <a:srgbClr val="E075C9"/>
+                      </a:solidFill>
+                      <a:prstDash val="solid"/>
+                      <a:round/>
+                      <a:headEnd type="none" w="med" len="med"/>
+                      <a:tailEnd type="none" w="med" len="med"/>
+                    </a:lnB>
+                    <a:solidFill>
+                      <a:srgbClr val="FFFFFF"/>
+                    </a:solidFill>
+                  </a:tcPr>
+                </a:tc>
+                <a:tc>
+                  <a:txBody>
+                    <a:bodyPr/>
+                    <a:lstStyle/>
+                    <a:p>
+                      <a:r>
+                        <a:rPr lang="en-US">
+                          <a:effectLst/>
+                        </a:rPr>
+                        <a:t>≥1200px</a:t>
+                      </a:r>
+                    </a:p>
+                  </a:txBody>
+                  <a:tcPr>
+                    <a:lnL w="12700" cap="flat" cmpd="sng" algn="ctr">
+                      <a:solidFill>
+                        <a:srgbClr val="005FC9"/>
+                      </a:solidFill>
+                      <a:prstDash val="solid"/>
+                      <a:round/>
+                      <a:headEnd type="none" w="med" len="med"/>
+                      <a:tailEnd type="none" w="med" len="med"/>
+                    </a:lnL>
+                    <a:lnR w="12700" cap="flat" cmpd="sng" algn="ctr">
+                      <a:solidFill>
+                        <a:srgbClr val="005FC9"/>
+                      </a:solidFill>
+                      <a:prstDash val="solid"/>
+                      <a:round/>
+                      <a:headEnd type="none" w="med" len="med"/>
+                      <a:tailEnd type="none" w="med" len="med"/>
+                    </a:lnR>
+                    <a:lnT w="12700" cap="flat" cmpd="sng" algn="ctr">
+                      <a:solidFill>
+                        <a:srgbClr val="005FC9"/>
+                      </a:solidFill>
+                      <a:prstDash val="solid"/>
+                      <a:round/>
+                      <a:headEnd type="none" w="med" len="med"/>
+                      <a:tailEnd type="none" w="med" len="med"/>
+                    </a:lnT>
+                    <a:lnB w="12700" cap="flat" cmpd="sng" algn="ctr">
+                      <a:solidFill>
+                        <a:srgbClr val="C07AC9"/>
+                      </a:solidFill>
+                      <a:prstDash val="solid"/>
+                      <a:round/>
+                      <a:headEnd type="none" w="med" len="med"/>
+                      <a:tailEnd type="none" w="med" len="med"/>
+                    </a:lnB>
+                    <a:solidFill>
+                      <a:srgbClr val="FFFFFF"/>
+                    </a:solidFill>
+                  </a:tcPr>
+                </a:tc>
+                <a:extLst>
+                  <a:ext uri="{0D108BD9-81ED-4DB2-BD59-A6C34878D82A}">
+                    <a16:rowId xmlns:a16="http://schemas.microsoft.com/office/drawing/2014/main" val="1522549732"/>
+                  </a:ext>
+                </a:extLst>
+              </a:tr>
+              <a:tr h="0">
+                <a:tc>
+                  <a:txBody>
+                    <a:bodyPr/>
+                    <a:lstStyle/>
+                    <a:p>
+                      <a:r>
+                        <a:rPr lang="en-US">
+                          <a:effectLst/>
+                        </a:rPr>
+                        <a:t>Extra extra large</a:t>
+                      </a:r>
+                    </a:p>
+                  </a:txBody>
+                  <a:tcPr>
+                    <a:lnL w="12700" cap="flat" cmpd="sng" algn="ctr">
+                      <a:solidFill>
+                        <a:srgbClr val="E076C9"/>
+                      </a:solidFill>
+                      <a:prstDash val="solid"/>
+                      <a:round/>
+                      <a:headEnd type="none" w="med" len="med"/>
+                      <a:tailEnd type="none" w="med" len="med"/>
+                    </a:lnL>
+                    <a:lnR w="12700" cap="flat" cmpd="sng" algn="ctr">
+                      <a:solidFill>
+                        <a:srgbClr val="E075C9"/>
+                      </a:solidFill>
+                      <a:prstDash val="solid"/>
+                      <a:round/>
+                      <a:headEnd type="none" w="med" len="med"/>
+                      <a:tailEnd type="none" w="med" len="med"/>
+                    </a:lnR>
+                    <a:lnT w="12700" cap="flat" cmpd="sng" algn="ctr">
+                      <a:solidFill>
+                        <a:srgbClr val="E076C9"/>
+                      </a:solidFill>
+                      <a:prstDash val="solid"/>
+                      <a:round/>
+                      <a:headEnd type="none" w="med" len="med"/>
+                      <a:tailEnd type="none" w="med" len="med"/>
+                    </a:lnT>
+                    <a:lnB w="9525" cap="flat" cmpd="sng" algn="ctr">
+                      <a:solidFill>
+                        <a:srgbClr val="E076C9"/>
+                      </a:solidFill>
+                      <a:prstDash val="solid"/>
+                      <a:round/>
+                      <a:headEnd type="none" w="med" len="med"/>
+                      <a:tailEnd type="none" w="med" len="med"/>
+                    </a:lnB>
+                    <a:solidFill>
+                      <a:srgbClr val="FFFFFF"/>
+                    </a:solidFill>
+                  </a:tcPr>
+                </a:tc>
+                <a:tc>
+                  <a:txBody>
+                    <a:bodyPr/>
+                    <a:lstStyle/>
+                    <a:p>
+                      <a:r>
+                        <a:rPr lang="en-US">
+                          <a:effectLst/>
+                        </a:rPr>
+                        <a:t>xxl</a:t>
+                      </a:r>
+                    </a:p>
+                  </a:txBody>
+                  <a:tcPr>
+                    <a:lnL w="12700" cap="flat" cmpd="sng" algn="ctr">
+                      <a:solidFill>
+                        <a:srgbClr val="E075C9"/>
+                      </a:solidFill>
+                      <a:prstDash val="solid"/>
+                      <a:round/>
+                      <a:headEnd type="none" w="med" len="med"/>
+                      <a:tailEnd type="none" w="med" len="med"/>
+                    </a:lnL>
+                    <a:lnR w="12700" cap="flat" cmpd="sng" algn="ctr">
+                      <a:solidFill>
+                        <a:srgbClr val="C07AC9"/>
+                      </a:solidFill>
+                      <a:prstDash val="solid"/>
+                      <a:round/>
+                      <a:headEnd type="none" w="med" len="med"/>
+                      <a:tailEnd type="none" w="med" len="med"/>
+                    </a:lnR>
+                    <a:lnT w="12700" cap="flat" cmpd="sng" algn="ctr">
+                      <a:solidFill>
+                        <a:srgbClr val="E075C9"/>
+                      </a:solidFill>
+                      <a:prstDash val="solid"/>
+                      <a:round/>
+                      <a:headEnd type="none" w="med" len="med"/>
+                      <a:tailEnd type="none" w="med" len="med"/>
+                    </a:lnT>
+                    <a:lnB w="9525" cap="flat" cmpd="sng" algn="ctr">
+                      <a:solidFill>
+                        <a:srgbClr val="E075C9"/>
+                      </a:solidFill>
+                      <a:prstDash val="solid"/>
+                      <a:round/>
+                      <a:headEnd type="none" w="med" len="med"/>
+                      <a:tailEnd type="none" w="med" len="med"/>
+                    </a:lnB>
+                    <a:solidFill>
+                      <a:srgbClr val="FFFFFF"/>
+                    </a:solidFill>
+                  </a:tcPr>
+                </a:tc>
+                <a:tc>
+                  <a:txBody>
+                    <a:bodyPr/>
+                    <a:lstStyle/>
+                    <a:p>
+                      <a:r>
+                        <a:rPr lang="en-US" dirty="0">
+                          <a:effectLst/>
+                        </a:rPr>
+                        <a:t>≥1400px</a:t>
+                      </a:r>
+                    </a:p>
+                  </a:txBody>
+                  <a:tcPr>
+                    <a:lnL w="12700" cap="flat" cmpd="sng" algn="ctr">
+                      <a:solidFill>
+                        <a:srgbClr val="C07AC9"/>
+                      </a:solidFill>
+                      <a:prstDash val="solid"/>
+                      <a:round/>
+                      <a:headEnd type="none" w="med" len="med"/>
+                      <a:tailEnd type="none" w="med" len="med"/>
+                    </a:lnL>
+                    <a:lnR w="12700" cap="flat" cmpd="sng" algn="ctr">
+                      <a:solidFill>
+                        <a:srgbClr val="C07AC9"/>
+                      </a:solidFill>
+                      <a:prstDash val="solid"/>
+                      <a:round/>
+                      <a:headEnd type="none" w="med" len="med"/>
+                      <a:tailEnd type="none" w="med" len="med"/>
+                    </a:lnR>
+                    <a:lnT w="12700" cap="flat" cmpd="sng" algn="ctr">
+                      <a:solidFill>
+                        <a:srgbClr val="C07AC9"/>
+                      </a:solidFill>
+                      <a:prstDash val="solid"/>
+                      <a:round/>
+                      <a:headEnd type="none" w="med" len="med"/>
+                      <a:tailEnd type="none" w="med" len="med"/>
+                    </a:lnT>
+                    <a:lnB w="9525" cap="flat" cmpd="sng" algn="ctr">
+                      <a:solidFill>
+                        <a:srgbClr val="C07AC9"/>
+                      </a:solidFill>
+                      <a:prstDash val="solid"/>
+                      <a:round/>
+                      <a:headEnd type="none" w="med" len="med"/>
+                      <a:tailEnd type="none" w="med" len="med"/>
+                    </a:lnB>
+                    <a:solidFill>
+                      <a:srgbClr val="FFFFFF"/>
+                    </a:solidFill>
+                  </a:tcPr>
+                </a:tc>
+                <a:extLst>
+                  <a:ext uri="{0D108BD9-81ED-4DB2-BD59-A6C34878D82A}">
+                    <a16:rowId xmlns:a16="http://schemas.microsoft.com/office/drawing/2014/main" val="3356169633"/>
+                  </a:ext>
+                </a:extLst>
+              </a:tr>
+            </a:tbl>
+          </a:graphicData>
+        </a:graphic>
+      </p:graphicFrame>
     </p:spTree>
     <p:extLst>
       <p:ext uri="{BB962C8B-B14F-4D97-AF65-F5344CB8AC3E}">
-        <p14:creationId xmlns:p14="http://schemas.microsoft.com/office/powerpoint/2010/main" val="314171701"/>
+        <p14:creationId xmlns:p14="http://schemas.microsoft.com/office/powerpoint/2010/main" val="1698275964"/>
       </p:ext>
     </p:extLst>
   </p:cSld>
@@ -8310,7 +9743,7 @@
       </p:grpSpPr>
       <p:sp>
         <p:nvSpPr>
-          <p:cNvPr id="4" name="Title 3"/>
+          <p:cNvPr id="2" name="Title 1"/>
           <p:cNvSpPr>
             <a:spLocks noGrp="1"/>
           </p:cNvSpPr>
@@ -8324,20 +9757,21 @@
           <a:lstStyle/>
           <a:p>
             <a:r>
-              <a:rPr lang="en-US" dirty="0"/>
-              <a:t>Cheap local branching</a:t>
-            </a:r>
-          </a:p>
-        </p:txBody>
-      </p:sp>
-      <p:sp>
-        <p:nvSpPr>
-          <p:cNvPr id="5" name="Content Placeholder 4"/>
-          <p:cNvSpPr>
-            <a:spLocks noGrp="1"/>
-          </p:cNvSpPr>
-          <p:nvPr>
-            <p:ph idx="1"/>
+              <a:rPr lang="en-US" dirty="0" smtClean="0"/>
+              <a:t>Containers</a:t>
+            </a:r>
+            <a:endParaRPr lang="en-US" dirty="0"/>
+          </a:p>
+        </p:txBody>
+      </p:sp>
+      <p:sp>
+        <p:nvSpPr>
+          <p:cNvPr id="4" name="Text Placeholder 3"/>
+          <p:cNvSpPr>
+            <a:spLocks noGrp="1"/>
+          </p:cNvSpPr>
+          <p:nvPr>
+            <p:ph type="body" sz="quarter" idx="11"/>
           </p:nvPr>
         </p:nvSpPr>
         <p:spPr/>
@@ -8345,46 +9779,22 @@
           <a:bodyPr/>
           <a:lstStyle/>
           <a:p>
-            <a:pPr marL="0" indent="0">
-              <a:buNone/>
-            </a:pPr>
-            <a:r>
-              <a:rPr lang="en-US" dirty="0"/>
-              <a:t>How cheap?</a:t>
-            </a:r>
-          </a:p>
-          <a:p>
-            <a:pPr marL="0" indent="0">
-              <a:buNone/>
-            </a:pPr>
-            <a:endParaRPr lang="en-US" dirty="0">
-              <a:latin typeface="Consolas" panose="020B0609020204030204" pitchFamily="49" charset="0"/>
-            </a:endParaRPr>
-          </a:p>
-          <a:p>
-            <a:pPr marL="0" indent="0">
-              <a:buNone/>
-            </a:pPr>
-            <a:endParaRPr lang="en-US" dirty="0">
-              <a:latin typeface="Consolas" panose="020B0609020204030204" pitchFamily="49" charset="0"/>
-            </a:endParaRPr>
-          </a:p>
-          <a:p>
-            <a:pPr marL="0" indent="0">
-              <a:buNone/>
-            </a:pPr>
+            <a:r>
+              <a:rPr lang="en-US" dirty="0"/>
+              <a:t>Source Bootstrap Documentation</a:t>
+            </a:r>
             <a:endParaRPr lang="en-US" dirty="0"/>
           </a:p>
         </p:txBody>
       </p:sp>
       <p:sp>
         <p:nvSpPr>
-          <p:cNvPr id="6" name="Text Placeholder 5"/>
-          <p:cNvSpPr>
-            <a:spLocks noGrp="1"/>
-          </p:cNvSpPr>
-          <p:nvPr>
-            <p:ph type="body" sz="quarter" idx="11"/>
+          <p:cNvPr id="3" name="Content Placeholder 2"/>
+          <p:cNvSpPr>
+            <a:spLocks noGrp="1"/>
+          </p:cNvSpPr>
+          <p:nvPr>
+            <p:ph idx="1"/>
           </p:nvPr>
         </p:nvSpPr>
         <p:spPr/>
@@ -8392,38 +9802,91 @@
           <a:bodyPr/>
           <a:lstStyle/>
           <a:p>
-            <a:endParaRPr lang="en-US"/>
-          </a:p>
-        </p:txBody>
-      </p:sp>
-      <p:pic>
-        <p:nvPicPr>
-          <p:cNvPr id="3" name="Picture 2"/>
-          <p:cNvPicPr>
-            <a:picLocks noChangeAspect="1"/>
-          </p:cNvPicPr>
-          <p:nvPr/>
-        </p:nvPicPr>
-        <p:blipFill>
-          <a:blip r:embed="rId2"/>
-          <a:stretch>
-            <a:fillRect/>
-          </a:stretch>
-        </p:blipFill>
-        <p:spPr>
-          <a:xfrm>
-            <a:off x="609600" y="1696554"/>
-            <a:ext cx="7918027" cy="4220268"/>
-          </a:xfrm>
-          <a:prstGeom prst="rect">
-            <a:avLst/>
-          </a:prstGeom>
-        </p:spPr>
-      </p:pic>
+            <a:pPr marL="0" indent="0">
+              <a:buNone/>
+            </a:pPr>
+            <a:r>
+              <a:rPr lang="en-US" dirty="0" smtClean="0"/>
+              <a:t>“Containers </a:t>
+            </a:r>
+            <a:r>
+              <a:rPr lang="en-US" dirty="0"/>
+              <a:t>are a fundamental building block of Bootstrap that contain, pad, and align your content within a given device or viewport</a:t>
+            </a:r>
+            <a:r>
+              <a:rPr lang="en-US" dirty="0" smtClean="0"/>
+              <a:t>.“</a:t>
+            </a:r>
+          </a:p>
+          <a:p>
+            <a:pPr marL="0" indent="0">
+              <a:buNone/>
+            </a:pPr>
+            <a:r>
+              <a:rPr lang="en-US" dirty="0"/>
+              <a:t>“Containers are the most basic layout element in Bootstrap and are required when using our default grid system. Containers are used to contain, pad, and (sometimes) center the content within them. While containers can be nested, most layouts do not require a nested container</a:t>
+            </a:r>
+            <a:r>
+              <a:rPr lang="en-US" dirty="0" smtClean="0"/>
+              <a:t>.”</a:t>
+            </a:r>
+            <a:endParaRPr lang="en-US" dirty="0"/>
+          </a:p>
+          <a:p>
+            <a:pPr marL="0" indent="0">
+              <a:buNone/>
+            </a:pPr>
+            <a:endParaRPr lang="en-US" dirty="0"/>
+          </a:p>
+          <a:p>
+            <a:pPr marL="0" indent="0">
+              <a:buNone/>
+            </a:pPr>
+            <a:r>
+              <a:rPr lang="en-US" dirty="0"/>
+              <a:t>Bootstrap comes with three different containers:</a:t>
+            </a:r>
+          </a:p>
+          <a:p>
+            <a:pPr marL="0" indent="0">
+              <a:buNone/>
+            </a:pPr>
+            <a:endParaRPr lang="en-US" dirty="0"/>
+          </a:p>
+          <a:p>
+            <a:pPr marL="0" indent="0">
+              <a:buNone/>
+            </a:pPr>
+            <a:r>
+              <a:rPr lang="en-US" dirty="0"/>
+              <a:t>.container, which sets a max-width at each responsive breakpoint</a:t>
+            </a:r>
+          </a:p>
+          <a:p>
+            <a:pPr marL="0" indent="0">
+              <a:buNone/>
+            </a:pPr>
+            <a:r>
+              <a:rPr lang="en-US" dirty="0"/>
+              <a:t>.container-fluid, which is width: 100% at all breakpoints</a:t>
+            </a:r>
+          </a:p>
+          <a:p>
+            <a:pPr marL="0" indent="0">
+              <a:buNone/>
+            </a:pPr>
+            <a:r>
+              <a:rPr lang="en-US" dirty="0"/>
+              <a:t>.container-{breakpoint}, which is width: 100% until the specified breakpoint</a:t>
+            </a:r>
+            <a:endParaRPr lang="en-US" dirty="0" smtClean="0"/>
+          </a:p>
+        </p:txBody>
+      </p:sp>
     </p:spTree>
     <p:extLst>
       <p:ext uri="{BB962C8B-B14F-4D97-AF65-F5344CB8AC3E}">
-        <p14:creationId xmlns:p14="http://schemas.microsoft.com/office/powerpoint/2010/main" val="2569802692"/>
+        <p14:creationId xmlns:p14="http://schemas.microsoft.com/office/powerpoint/2010/main" val="949030336"/>
       </p:ext>
     </p:extLst>
   </p:cSld>
@@ -8466,20 +9929,21 @@
           <a:lstStyle/>
           <a:p>
             <a:r>
-              <a:rPr lang="en-US" dirty="0"/>
-              <a:t>Interactive Rebase, Demystified</a:t>
-            </a:r>
-          </a:p>
-        </p:txBody>
-      </p:sp>
-      <p:sp>
-        <p:nvSpPr>
-          <p:cNvPr id="3" name="Content Placeholder 2"/>
-          <p:cNvSpPr>
-            <a:spLocks noGrp="1"/>
-          </p:cNvSpPr>
-          <p:nvPr>
-            <p:ph idx="1"/>
+              <a:rPr lang="en-US" b="0" dirty="0" smtClean="0"/>
+              <a:t>Grid System - Example</a:t>
+            </a:r>
+            <a:endParaRPr lang="en-US" dirty="0"/>
+          </a:p>
+        </p:txBody>
+      </p:sp>
+      <p:sp>
+        <p:nvSpPr>
+          <p:cNvPr id="4" name="Text Placeholder 3"/>
+          <p:cNvSpPr>
+            <a:spLocks noGrp="1"/>
+          </p:cNvSpPr>
+          <p:nvPr>
+            <p:ph type="body" sz="quarter" idx="11"/>
           </p:nvPr>
         </p:nvSpPr>
         <p:spPr/>
@@ -8487,30 +9951,22 @@
           <a:bodyPr/>
           <a:lstStyle/>
           <a:p>
-            <a:pPr marL="0" indent="0">
-              <a:buNone/>
-            </a:pPr>
-            <a:r>
-              <a:rPr lang="en-US" dirty="0"/>
-              <a:t>(This is advanced! But does this advanced command start to make more sense?)</a:t>
-            </a:r>
-          </a:p>
-          <a:p>
-            <a:pPr marL="0" indent="0">
-              <a:buNone/>
-            </a:pPr>
+            <a:r>
+              <a:rPr lang="en-US" dirty="0"/>
+              <a:t>Source Bootstrap Documentation</a:t>
+            </a:r>
             <a:endParaRPr lang="en-US" dirty="0"/>
           </a:p>
         </p:txBody>
       </p:sp>
       <p:sp>
         <p:nvSpPr>
-          <p:cNvPr id="4" name="Text Placeholder 3"/>
-          <p:cNvSpPr>
-            <a:spLocks noGrp="1"/>
-          </p:cNvSpPr>
-          <p:nvPr>
-            <p:ph type="body" sz="quarter" idx="11"/>
+          <p:cNvPr id="3" name="Content Placeholder 2"/>
+          <p:cNvSpPr>
+            <a:spLocks noGrp="1"/>
+          </p:cNvSpPr>
+          <p:nvPr>
+            <p:ph idx="1"/>
           </p:nvPr>
         </p:nvSpPr>
         <p:spPr/>
@@ -8518,38 +9974,153 @@
           <a:bodyPr/>
           <a:lstStyle/>
           <a:p>
-            <a:endParaRPr lang="en-US"/>
-          </a:p>
-        </p:txBody>
-      </p:sp>
-      <p:pic>
-        <p:nvPicPr>
-          <p:cNvPr id="5" name="Picture 4"/>
-          <p:cNvPicPr>
-            <a:picLocks noChangeAspect="1"/>
-          </p:cNvPicPr>
-          <p:nvPr/>
-        </p:nvPicPr>
-        <p:blipFill>
-          <a:blip r:embed="rId2"/>
-          <a:stretch>
-            <a:fillRect/>
-          </a:stretch>
-        </p:blipFill>
-        <p:spPr>
-          <a:xfrm>
-            <a:off x="609600" y="1676400"/>
-            <a:ext cx="5543550" cy="3505200"/>
-          </a:xfrm>
-          <a:prstGeom prst="rect">
-            <a:avLst/>
-          </a:prstGeom>
-        </p:spPr>
-      </p:pic>
+            <a:pPr marL="0" indent="0">
+              <a:buNone/>
+            </a:pPr>
+            <a:r>
+              <a:rPr lang="en-US" dirty="0"/>
+              <a:t>&lt;div class="container"&gt;</a:t>
+            </a:r>
+          </a:p>
+          <a:p>
+            <a:pPr marL="0" indent="0">
+              <a:buNone/>
+            </a:pPr>
+            <a:r>
+              <a:rPr lang="en-US" dirty="0"/>
+              <a:t>  &lt;div class="row"&gt;</a:t>
+            </a:r>
+          </a:p>
+          <a:p>
+            <a:pPr marL="0" indent="0">
+              <a:buNone/>
+            </a:pPr>
+            <a:r>
+              <a:rPr lang="en-US" dirty="0"/>
+              <a:t>    &lt;div class="col-</a:t>
+            </a:r>
+            <a:r>
+              <a:rPr lang="en-US" dirty="0" err="1"/>
+              <a:t>sm</a:t>
+            </a:r>
+            <a:r>
+              <a:rPr lang="en-US" dirty="0"/>
+              <a:t>"&gt;</a:t>
+            </a:r>
+          </a:p>
+          <a:p>
+            <a:pPr marL="0" indent="0">
+              <a:buNone/>
+            </a:pPr>
+            <a:r>
+              <a:rPr lang="en-US" dirty="0"/>
+              <a:t>      One of three columns</a:t>
+            </a:r>
+          </a:p>
+          <a:p>
+            <a:pPr marL="0" indent="0">
+              <a:buNone/>
+            </a:pPr>
+            <a:r>
+              <a:rPr lang="en-US" dirty="0"/>
+              <a:t>    &lt;/div&gt;</a:t>
+            </a:r>
+          </a:p>
+          <a:p>
+            <a:pPr marL="0" indent="0">
+              <a:buNone/>
+            </a:pPr>
+            <a:r>
+              <a:rPr lang="en-US" dirty="0"/>
+              <a:t>    &lt;div class="col-</a:t>
+            </a:r>
+            <a:r>
+              <a:rPr lang="en-US" dirty="0" err="1"/>
+              <a:t>sm</a:t>
+            </a:r>
+            <a:r>
+              <a:rPr lang="en-US" dirty="0"/>
+              <a:t>"&gt;</a:t>
+            </a:r>
+          </a:p>
+          <a:p>
+            <a:pPr marL="0" indent="0">
+              <a:buNone/>
+            </a:pPr>
+            <a:r>
+              <a:rPr lang="en-US" dirty="0"/>
+              <a:t>      One of three columns</a:t>
+            </a:r>
+          </a:p>
+          <a:p>
+            <a:pPr marL="0" indent="0">
+              <a:buNone/>
+            </a:pPr>
+            <a:r>
+              <a:rPr lang="en-US" dirty="0"/>
+              <a:t>    &lt;/div&gt;</a:t>
+            </a:r>
+          </a:p>
+          <a:p>
+            <a:pPr marL="0" indent="0">
+              <a:buNone/>
+            </a:pPr>
+            <a:r>
+              <a:rPr lang="en-US" dirty="0"/>
+              <a:t>    &lt;div class="col-</a:t>
+            </a:r>
+            <a:r>
+              <a:rPr lang="en-US" dirty="0" err="1"/>
+              <a:t>sm</a:t>
+            </a:r>
+            <a:r>
+              <a:rPr lang="en-US" dirty="0"/>
+              <a:t>"&gt;</a:t>
+            </a:r>
+          </a:p>
+          <a:p>
+            <a:pPr marL="0" indent="0">
+              <a:buNone/>
+            </a:pPr>
+            <a:r>
+              <a:rPr lang="en-US" dirty="0"/>
+              <a:t>      One of three columns</a:t>
+            </a:r>
+          </a:p>
+          <a:p>
+            <a:pPr marL="0" indent="0">
+              <a:buNone/>
+            </a:pPr>
+            <a:r>
+              <a:rPr lang="en-US" dirty="0"/>
+              <a:t>    &lt;/div&gt;</a:t>
+            </a:r>
+          </a:p>
+          <a:p>
+            <a:pPr marL="0" indent="0">
+              <a:buNone/>
+            </a:pPr>
+            <a:r>
+              <a:rPr lang="en-US" dirty="0"/>
+              <a:t>  &lt;/div&gt;</a:t>
+            </a:r>
+          </a:p>
+          <a:p>
+            <a:pPr marL="0" indent="0">
+              <a:buNone/>
+            </a:pPr>
+            <a:r>
+              <a:rPr lang="en-US" dirty="0"/>
+              <a:t>&lt;/div&gt;</a:t>
+            </a:r>
+            <a:endParaRPr lang="en-US" dirty="0"/>
+          </a:p>
+        </p:txBody>
+      </p:sp>
     </p:spTree>
     <p:extLst>
       <p:ext uri="{BB962C8B-B14F-4D97-AF65-F5344CB8AC3E}">
-        <p14:creationId xmlns:p14="http://schemas.microsoft.com/office/powerpoint/2010/main" val="707793158"/>
+        <p14:creationId xmlns:p14="http://schemas.microsoft.com/office/powerpoint/2010/main" val="2659745376"/>
       </p:ext>
     </p:extLst>
   </p:cSld>
@@ -8592,20 +10163,21 @@
           <a:lstStyle/>
           <a:p>
             <a:r>
-              <a:rPr lang="en-US" dirty="0"/>
-              <a:t>Interactive Rebase, Demystified</a:t>
-            </a:r>
-          </a:p>
-        </p:txBody>
-      </p:sp>
-      <p:sp>
-        <p:nvSpPr>
-          <p:cNvPr id="3" name="Content Placeholder 2"/>
-          <p:cNvSpPr>
-            <a:spLocks noGrp="1"/>
-          </p:cNvSpPr>
-          <p:nvPr>
-            <p:ph idx="1"/>
+              <a:rPr lang="en-US" b="0" dirty="0" smtClean="0"/>
+              <a:t>Grid System- How It Works</a:t>
+            </a:r>
+            <a:endParaRPr lang="en-US" dirty="0"/>
+          </a:p>
+        </p:txBody>
+      </p:sp>
+      <p:sp>
+        <p:nvSpPr>
+          <p:cNvPr id="4" name="Text Placeholder 3"/>
+          <p:cNvSpPr>
+            <a:spLocks noGrp="1"/>
+          </p:cNvSpPr>
+          <p:nvPr>
+            <p:ph type="body" sz="quarter" idx="11"/>
           </p:nvPr>
         </p:nvSpPr>
         <p:spPr/>
@@ -8613,30 +10185,22 @@
           <a:bodyPr/>
           <a:lstStyle/>
           <a:p>
-            <a:pPr marL="0" indent="0">
-              <a:buNone/>
-            </a:pPr>
-            <a:r>
-              <a:rPr lang="en-US" dirty="0"/>
-              <a:t>Rewriting history is just rewriting collection of commits which make up a branch- which is just pointing the history to different hashes/sets of changes stored in the index (in some cases you might have to redo merges, but still- it’s just refs)</a:t>
-            </a:r>
-          </a:p>
-          <a:p>
-            <a:pPr marL="0" indent="0">
-              <a:buNone/>
-            </a:pPr>
+            <a:r>
+              <a:rPr lang="en-US" dirty="0"/>
+              <a:t>Source Bootstrap Documentation</a:t>
+            </a:r>
             <a:endParaRPr lang="en-US" dirty="0"/>
           </a:p>
         </p:txBody>
       </p:sp>
       <p:sp>
         <p:nvSpPr>
-          <p:cNvPr id="4" name="Text Placeholder 3"/>
-          <p:cNvSpPr>
-            <a:spLocks noGrp="1"/>
-          </p:cNvSpPr>
-          <p:nvPr>
-            <p:ph type="body" sz="quarter" idx="11"/>
+          <p:cNvPr id="3" name="Content Placeholder 2"/>
+          <p:cNvSpPr>
+            <a:spLocks noGrp="1"/>
+          </p:cNvSpPr>
+          <p:nvPr>
+            <p:ph idx="1"/>
           </p:nvPr>
         </p:nvSpPr>
         <p:spPr/>
@@ -8644,38 +10208,100 @@
           <a:bodyPr/>
           <a:lstStyle/>
           <a:p>
-            <a:endParaRPr lang="en-US"/>
-          </a:p>
-        </p:txBody>
-      </p:sp>
-      <p:pic>
-        <p:nvPicPr>
-          <p:cNvPr id="6" name="Picture 5"/>
-          <p:cNvPicPr>
-            <a:picLocks noChangeAspect="1"/>
-          </p:cNvPicPr>
-          <p:nvPr/>
-        </p:nvPicPr>
-        <p:blipFill>
-          <a:blip r:embed="rId2"/>
-          <a:stretch>
-            <a:fillRect/>
-          </a:stretch>
-        </p:blipFill>
-        <p:spPr>
-          <a:xfrm>
-            <a:off x="609600" y="1690650"/>
-            <a:ext cx="6773848" cy="4533500"/>
-          </a:xfrm>
-          <a:prstGeom prst="rect">
-            <a:avLst/>
-          </a:prstGeom>
-        </p:spPr>
-      </p:pic>
+            <a:pPr marL="285750" indent="-285750"/>
+            <a:r>
+              <a:rPr lang="en-US" dirty="0" smtClean="0"/>
+              <a:t>Our </a:t>
+            </a:r>
+            <a:r>
+              <a:rPr lang="en-US" dirty="0"/>
+              <a:t>grid supports six responsive breakpoints. Breakpoints are based on min-width media queries, meaning they affect that breakpoint and all those above it (e.g., </a:t>
+            </a:r>
+            <a:r>
+              <a:rPr lang="en-US" dirty="0">
+                <a:latin typeface="Consolas" panose="020B0609020204030204" pitchFamily="49" charset="0"/>
+              </a:rPr>
+              <a:t>.col-sm-4</a:t>
+            </a:r>
+            <a:r>
+              <a:rPr lang="en-US" dirty="0"/>
+              <a:t> applies to </a:t>
+            </a:r>
+            <a:r>
+              <a:rPr lang="en-US" dirty="0" err="1"/>
+              <a:t>sm</a:t>
+            </a:r>
+            <a:r>
+              <a:rPr lang="en-US" dirty="0"/>
+              <a:t>, md, </a:t>
+            </a:r>
+            <a:r>
+              <a:rPr lang="en-US" dirty="0" err="1"/>
+              <a:t>lg</a:t>
+            </a:r>
+            <a:r>
+              <a:rPr lang="en-US" dirty="0"/>
+              <a:t>, xl, and </a:t>
+            </a:r>
+            <a:r>
+              <a:rPr lang="en-US" dirty="0" err="1"/>
+              <a:t>xxl</a:t>
+            </a:r>
+            <a:r>
+              <a:rPr lang="en-US" dirty="0"/>
+              <a:t>). This means you can control container and column sizing and behavior by each breakpoint.</a:t>
+            </a:r>
+          </a:p>
+          <a:p>
+            <a:pPr marL="285750" indent="-285750"/>
+            <a:endParaRPr lang="en-US" dirty="0"/>
+          </a:p>
+          <a:p>
+            <a:pPr marL="285750" indent="-285750"/>
+            <a:r>
+              <a:rPr lang="en-US" b="1" dirty="0"/>
+              <a:t>Containers</a:t>
+            </a:r>
+            <a:r>
+              <a:rPr lang="en-US" dirty="0"/>
+              <a:t> center and horizontally pad your content. Use .container for a responsive pixel width, .container-fluid for width: 100% across all viewports and devices, or a responsive container (e.g., .container-md) for a combination of fluid and pixel widths.</a:t>
+            </a:r>
+          </a:p>
+          <a:p>
+            <a:pPr marL="285750" indent="-285750"/>
+            <a:endParaRPr lang="en-US" dirty="0"/>
+          </a:p>
+          <a:p>
+            <a:pPr marL="285750" indent="-285750"/>
+            <a:r>
+              <a:rPr lang="en-US" b="1" dirty="0"/>
+              <a:t>Rows</a:t>
+            </a:r>
+            <a:r>
+              <a:rPr lang="en-US" dirty="0"/>
+              <a:t> are wrappers for columns. Each column has horizontal padding (called a </a:t>
+            </a:r>
+            <a:r>
+              <a:rPr lang="en-US" b="1" dirty="0"/>
+              <a:t>gutter</a:t>
+            </a:r>
+            <a:r>
+              <a:rPr lang="en-US" dirty="0"/>
+              <a:t>) for controlling the space between them. This padding is then counteracted on the rows with negative margins to ensure the content in your columns is visually aligned down the left side. Rows also support modifier classes to uniformly apply column sizing and gutter classes to change the spacing of your content.</a:t>
+            </a:r>
+          </a:p>
+          <a:p>
+            <a:pPr marL="0" indent="0">
+              <a:buNone/>
+            </a:pPr>
+            <a:endParaRPr lang="en-US" dirty="0"/>
+          </a:p>
+        </p:txBody>
+      </p:sp>
     </p:spTree>
     <p:extLst>
       <p:ext uri="{BB962C8B-B14F-4D97-AF65-F5344CB8AC3E}">
-        <p14:creationId xmlns:p14="http://schemas.microsoft.com/office/powerpoint/2010/main" val="1046003358"/>
+        <p14:creationId xmlns:p14="http://schemas.microsoft.com/office/powerpoint/2010/main" val="307553687"/>
       </p:ext>
     </p:extLst>
   </p:cSld>
@@ -8800,7 +10426,7 @@
       </p:grpSpPr>
       <p:sp>
         <p:nvSpPr>
-          <p:cNvPr id="4" name="Title 3"/>
+          <p:cNvPr id="2" name="Title 1"/>
           <p:cNvSpPr>
             <a:spLocks noGrp="1"/>
           </p:cNvSpPr>
@@ -8814,20 +10440,21 @@
           <a:lstStyle/>
           <a:p>
             <a:r>
-              <a:rPr lang="en-US" dirty="0"/>
-              <a:t>Multiple Workflows</a:t>
-            </a:r>
-          </a:p>
-        </p:txBody>
-      </p:sp>
-      <p:sp>
-        <p:nvSpPr>
-          <p:cNvPr id="5" name="Content Placeholder 4"/>
-          <p:cNvSpPr>
-            <a:spLocks noGrp="1"/>
-          </p:cNvSpPr>
-          <p:nvPr>
-            <p:ph idx="1"/>
+              <a:rPr lang="en-US" b="0" dirty="0" smtClean="0"/>
+              <a:t>Grid System- How It Works</a:t>
+            </a:r>
+            <a:endParaRPr lang="en-US" dirty="0"/>
+          </a:p>
+        </p:txBody>
+      </p:sp>
+      <p:sp>
+        <p:nvSpPr>
+          <p:cNvPr id="4" name="Text Placeholder 3"/>
+          <p:cNvSpPr>
+            <a:spLocks noGrp="1"/>
+          </p:cNvSpPr>
+          <p:nvPr>
+            <p:ph type="body" sz="quarter" idx="11"/>
           </p:nvPr>
         </p:nvSpPr>
         <p:spPr/>
@@ -8835,24 +10462,22 @@
           <a:bodyPr/>
           <a:lstStyle/>
           <a:p>
-            <a:pPr marL="0" indent="0">
-              <a:buNone/>
-            </a:pPr>
-            <a:r>
-              <a:rPr lang="en-US" dirty="0"/>
-              <a:t>We have a workflow that we use, but it’s not the only one and because of how flexible Git is, we can (and often have to) adjust our workflow to solve problems that arise during the development process. You can lay as much or as little process on top of Git as you want. </a:t>
-            </a:r>
-          </a:p>
-        </p:txBody>
-      </p:sp>
-      <p:sp>
-        <p:nvSpPr>
-          <p:cNvPr id="6" name="Text Placeholder 5"/>
-          <p:cNvSpPr>
-            <a:spLocks noGrp="1"/>
-          </p:cNvSpPr>
-          <p:nvPr>
-            <p:ph type="body" sz="quarter" idx="11"/>
+            <a:r>
+              <a:rPr lang="en-US" dirty="0"/>
+              <a:t>Source Bootstrap Documentation</a:t>
+            </a:r>
+            <a:endParaRPr lang="en-US" dirty="0"/>
+          </a:p>
+        </p:txBody>
+      </p:sp>
+      <p:sp>
+        <p:nvSpPr>
+          <p:cNvPr id="3" name="Content Placeholder 2"/>
+          <p:cNvSpPr>
+            <a:spLocks noGrp="1"/>
+          </p:cNvSpPr>
+          <p:nvPr>
+            <p:ph idx="1"/>
           </p:nvPr>
         </p:nvSpPr>
         <p:spPr/>
@@ -8860,14 +10485,73 @@
           <a:bodyPr/>
           <a:lstStyle/>
           <a:p>
-            <a:endParaRPr lang="en-US"/>
+            <a:pPr marL="0" indent="0">
+              <a:buNone/>
+            </a:pPr>
+            <a:endParaRPr lang="en-US" dirty="0"/>
+          </a:p>
+          <a:p>
+            <a:pPr marL="285750" indent="-285750"/>
+            <a:r>
+              <a:rPr lang="en-US" b="1" dirty="0"/>
+              <a:t>Columns</a:t>
+            </a:r>
+            <a:r>
+              <a:rPr lang="en-US" dirty="0"/>
+              <a:t> are incredibly flexible. There are </a:t>
+            </a:r>
+            <a:r>
+              <a:rPr lang="en-US" i="1" dirty="0"/>
+              <a:t>12 template columns available per row</a:t>
+            </a:r>
+            <a:r>
+              <a:rPr lang="en-US" dirty="0"/>
+              <a:t>, allowing you to create different combinations of elements that span any number of columns. Column classes indicate the number of template columns to span (e.g., col-4 spans four). widths are set in percentages so you always have the same relative sizing.</a:t>
+            </a:r>
+          </a:p>
+          <a:p>
+            <a:pPr marL="285750" indent="-285750"/>
+            <a:endParaRPr lang="en-US" dirty="0"/>
+          </a:p>
+          <a:p>
+            <a:pPr marL="285750" indent="-285750"/>
+            <a:r>
+              <a:rPr lang="en-US" b="1" dirty="0"/>
+              <a:t>Gutters</a:t>
+            </a:r>
+            <a:r>
+              <a:rPr lang="en-US" dirty="0"/>
+              <a:t> are also responsive and customizable. Gutter classes are available across all breakpoints, with all the same sizes as our margin and padding spacing. Change horizontal gutters with .</a:t>
+            </a:r>
+            <a:r>
+              <a:rPr lang="en-US" dirty="0" err="1"/>
+              <a:t>gx</a:t>
+            </a:r>
+            <a:r>
+              <a:rPr lang="en-US" dirty="0"/>
+              <a:t>-* classes, vertical gutters with .</a:t>
+            </a:r>
+            <a:r>
+              <a:rPr lang="en-US" dirty="0" err="1"/>
+              <a:t>gy</a:t>
+            </a:r>
+            <a:r>
+              <a:rPr lang="en-US" dirty="0"/>
+              <a:t>-*, or all gutters with .g-* classes. .g-0 is also available to remove gutters.</a:t>
+            </a:r>
+          </a:p>
+          <a:p>
+            <a:pPr marL="0" indent="0">
+              <a:buNone/>
+            </a:pPr>
+            <a:endParaRPr lang="en-US" dirty="0"/>
           </a:p>
         </p:txBody>
       </p:sp>
     </p:spTree>
     <p:extLst>
       <p:ext uri="{BB962C8B-B14F-4D97-AF65-F5344CB8AC3E}">
-        <p14:creationId xmlns:p14="http://schemas.microsoft.com/office/powerpoint/2010/main" val="3191693923"/>
+        <p14:creationId xmlns:p14="http://schemas.microsoft.com/office/powerpoint/2010/main" val="2807703049"/>
       </p:ext>
     </p:extLst>
   </p:cSld>
@@ -8896,7 +10580,7 @@
       </p:grpSpPr>
       <p:sp>
         <p:nvSpPr>
-          <p:cNvPr id="4" name="Title 3"/>
+          <p:cNvPr id="2" name="Title 1"/>
           <p:cNvSpPr>
             <a:spLocks noGrp="1"/>
           </p:cNvSpPr>
@@ -8910,20 +10594,21 @@
           <a:lstStyle/>
           <a:p>
             <a:r>
-              <a:rPr lang="en-US" dirty="0"/>
-              <a:t>About GitHub</a:t>
-            </a:r>
-          </a:p>
-        </p:txBody>
-      </p:sp>
-      <p:sp>
-        <p:nvSpPr>
-          <p:cNvPr id="5" name="Content Placeholder 4"/>
-          <p:cNvSpPr>
-            <a:spLocks noGrp="1"/>
-          </p:cNvSpPr>
-          <p:nvPr>
-            <p:ph idx="1"/>
+              <a:rPr lang="en-US" b="0" dirty="0" smtClean="0"/>
+              <a:t>Columns and Gutters</a:t>
+            </a:r>
+            <a:endParaRPr lang="en-US" dirty="0"/>
+          </a:p>
+        </p:txBody>
+      </p:sp>
+      <p:sp>
+        <p:nvSpPr>
+          <p:cNvPr id="4" name="Text Placeholder 3"/>
+          <p:cNvSpPr>
+            <a:spLocks noGrp="1"/>
+          </p:cNvSpPr>
+          <p:nvPr>
+            <p:ph type="body" sz="quarter" idx="11"/>
           </p:nvPr>
         </p:nvSpPr>
         <p:spPr/>
@@ -8931,33 +10616,22 @@
           <a:bodyPr/>
           <a:lstStyle/>
           <a:p>
-            <a:pPr marL="0" indent="0">
-              <a:buNone/>
-            </a:pPr>
-            <a:r>
-              <a:rPr lang="en-US" dirty="0"/>
-              <a:t>GitHub is not Git. Git is not GitHub. Git was created in 2005 by Linux Torvalds to aid in development of the Linux kernel. GitHub, the commercial enterprise, was founded in 2007 and has since built a sprawling ecosystem on top of Git. It is the home to most of the world's largest open source projects. It provides a number of very powerful tools built on top of Git to help with software development.</a:t>
-            </a:r>
-          </a:p>
-          <a:p>
-            <a:pPr marL="0" indent="0">
-              <a:buNone/>
-            </a:pPr>
-            <a:r>
-              <a:rPr lang="en-US" dirty="0"/>
-              <a:t>For our purposes, this means things like Pull Requests, Code Reviews and GitHub Actions (near future)</a:t>
-            </a:r>
-          </a:p>
-        </p:txBody>
-      </p:sp>
-      <p:sp>
-        <p:nvSpPr>
-          <p:cNvPr id="6" name="Text Placeholder 5"/>
-          <p:cNvSpPr>
-            <a:spLocks noGrp="1"/>
-          </p:cNvSpPr>
-          <p:nvPr>
-            <p:ph type="body" sz="quarter" idx="11"/>
+            <a:r>
+              <a:rPr lang="en-US" dirty="0"/>
+              <a:t>Source Bootstrap Documentation</a:t>
+            </a:r>
+            <a:endParaRPr lang="en-US" dirty="0"/>
+          </a:p>
+        </p:txBody>
+      </p:sp>
+      <p:sp>
+        <p:nvSpPr>
+          <p:cNvPr id="3" name="Content Placeholder 2"/>
+          <p:cNvSpPr>
+            <a:spLocks noGrp="1"/>
+          </p:cNvSpPr>
+          <p:nvPr>
+            <p:ph idx="1"/>
           </p:nvPr>
         </p:nvSpPr>
         <p:spPr/>
@@ -8965,14 +10639,58 @@
           <a:bodyPr/>
           <a:lstStyle/>
           <a:p>
-            <a:endParaRPr lang="en-US"/>
+            <a:r>
+              <a:rPr lang="en-US" dirty="0" smtClean="0"/>
+              <a:t>There are cookbooks for working </a:t>
+            </a:r>
+            <a:r>
+              <a:rPr lang="en-US" dirty="0"/>
+              <a:t>with columns (</a:t>
+            </a:r>
+            <a:r>
+              <a:rPr lang="en-US" dirty="0">
+                <a:hlinkClick r:id="rId2"/>
+              </a:rPr>
+              <a:t>https://getbootstrap.com/docs/5.0/layout/columns</a:t>
+            </a:r>
+            <a:r>
+              <a:rPr lang="en-US" dirty="0" smtClean="0">
+                <a:hlinkClick r:id="rId2"/>
+              </a:rPr>
+              <a:t>/</a:t>
+            </a:r>
+            <a:r>
+              <a:rPr lang="en-US" dirty="0" smtClean="0"/>
+              <a:t>) </a:t>
+            </a:r>
+            <a:r>
+              <a:rPr lang="en-US" dirty="0"/>
+              <a:t>and gutters (</a:t>
+            </a:r>
+            <a:r>
+              <a:rPr lang="en-US" dirty="0">
+                <a:hlinkClick r:id="rId3"/>
+              </a:rPr>
+              <a:t>https://getbootstrap.com/docs/5.0/layout/gutters</a:t>
+            </a:r>
+            <a:r>
+              <a:rPr lang="en-US" dirty="0" smtClean="0">
+                <a:hlinkClick r:id="rId3"/>
+              </a:rPr>
+              <a:t>/</a:t>
+            </a:r>
+            <a:r>
+              <a:rPr lang="en-US" dirty="0" smtClean="0"/>
+              <a:t>) for more complicated layouts. </a:t>
+            </a:r>
+            <a:endParaRPr lang="en-US" dirty="0"/>
           </a:p>
         </p:txBody>
       </p:sp>
     </p:spTree>
     <p:extLst>
       <p:ext uri="{BB962C8B-B14F-4D97-AF65-F5344CB8AC3E}">
-        <p14:creationId xmlns:p14="http://schemas.microsoft.com/office/powerpoint/2010/main" val="2005800389"/>
+        <p14:creationId xmlns:p14="http://schemas.microsoft.com/office/powerpoint/2010/main" val="4048489175"/>
       </p:ext>
     </p:extLst>
   </p:cSld>
@@ -9001,7 +10719,7 @@
       </p:grpSpPr>
       <p:sp>
         <p:nvSpPr>
-          <p:cNvPr id="4" name="Title 3"/>
+          <p:cNvPr id="2" name="Title 1"/>
           <p:cNvSpPr>
             <a:spLocks noGrp="1"/>
           </p:cNvSpPr>
@@ -9015,20 +10733,25 @@
           <a:lstStyle/>
           <a:p>
             <a:r>
-              <a:rPr lang="en-US" dirty="0"/>
-              <a:t>Our Workflow</a:t>
-            </a:r>
-          </a:p>
-        </p:txBody>
-      </p:sp>
-      <p:sp>
-        <p:nvSpPr>
-          <p:cNvPr id="5" name="Content Placeholder 4"/>
-          <p:cNvSpPr>
-            <a:spLocks noGrp="1"/>
-          </p:cNvSpPr>
-          <p:nvPr>
-            <p:ph idx="1"/>
+              <a:rPr lang="en-US" b="0" dirty="0" smtClean="0"/>
+              <a:t>Layout Utility Classes</a:t>
+            </a:r>
+            <a:r>
+              <a:rPr lang="en-US" dirty="0"/>
+              <a:t> Changing display</a:t>
+            </a:r>
+            <a:endParaRPr lang="en-US" dirty="0"/>
+          </a:p>
+        </p:txBody>
+      </p:sp>
+      <p:sp>
+        <p:nvSpPr>
+          <p:cNvPr id="4" name="Text Placeholder 3"/>
+          <p:cNvSpPr>
+            <a:spLocks noGrp="1"/>
+          </p:cNvSpPr>
+          <p:nvPr>
+            <p:ph type="body" sz="quarter" idx="11"/>
           </p:nvPr>
         </p:nvSpPr>
         <p:spPr/>
@@ -9036,24 +10759,22 @@
           <a:bodyPr/>
           <a:lstStyle/>
           <a:p>
-            <a:pPr marL="0" indent="0">
-              <a:buNone/>
-            </a:pPr>
-            <a:r>
-              <a:rPr lang="en-US" dirty="0"/>
-              <a:t>Once you've gotten an issue assigned to you or pulled an issue out of the backlog, it's time to work on your task. The Git process for that is in the following slides</a:t>
-            </a:r>
-          </a:p>
-        </p:txBody>
-      </p:sp>
-      <p:sp>
-        <p:nvSpPr>
-          <p:cNvPr id="6" name="Text Placeholder 5"/>
-          <p:cNvSpPr>
-            <a:spLocks noGrp="1"/>
-          </p:cNvSpPr>
-          <p:nvPr>
-            <p:ph type="body" sz="quarter" idx="11"/>
+            <a:r>
+              <a:rPr lang="en-US" dirty="0"/>
+              <a:t>Source Bootstrap Documentation</a:t>
+            </a:r>
+            <a:endParaRPr lang="en-US" dirty="0"/>
+          </a:p>
+        </p:txBody>
+      </p:sp>
+      <p:sp>
+        <p:nvSpPr>
+          <p:cNvPr id="3" name="Content Placeholder 2"/>
+          <p:cNvSpPr>
+            <a:spLocks noGrp="1"/>
+          </p:cNvSpPr>
+          <p:nvPr>
+            <p:ph idx="1"/>
           </p:nvPr>
         </p:nvSpPr>
         <p:spPr/>
@@ -9061,14 +10782,142 @@
           <a:bodyPr/>
           <a:lstStyle/>
           <a:p>
-            <a:endParaRPr lang="en-US"/>
+            <a:pPr marL="0" indent="0">
+              <a:buNone/>
+            </a:pPr>
+            <a:r>
+              <a:rPr lang="en-US" dirty="0" smtClean="0"/>
+              <a:t>Use </a:t>
+            </a:r>
+            <a:r>
+              <a:rPr lang="en-US" dirty="0"/>
+              <a:t>our display utilities for responsively toggling common values of the display property. Mix it with our grid system, content, or components to show or hide them across specific viewports</a:t>
+            </a:r>
+            <a:r>
+              <a:rPr lang="en-US" dirty="0" smtClean="0"/>
+              <a:t>.</a:t>
+            </a:r>
+            <a:endParaRPr lang="en-US" dirty="0"/>
+          </a:p>
+          <a:p>
+            <a:r>
+              <a:rPr lang="en-US" dirty="0"/>
+              <a:t>.d-{value} for </a:t>
+            </a:r>
+            <a:r>
+              <a:rPr lang="en-US" dirty="0" err="1"/>
+              <a:t>xs</a:t>
+            </a:r>
+            <a:endParaRPr lang="en-US" dirty="0"/>
+          </a:p>
+          <a:p>
+            <a:r>
+              <a:rPr lang="en-US" dirty="0"/>
+              <a:t>.d-{breakpoint}-{value} for </a:t>
+            </a:r>
+            <a:r>
+              <a:rPr lang="en-US" dirty="0" err="1"/>
+              <a:t>sm</a:t>
+            </a:r>
+            <a:r>
+              <a:rPr lang="en-US" dirty="0"/>
+              <a:t>, md, </a:t>
+            </a:r>
+            <a:r>
+              <a:rPr lang="en-US" dirty="0" err="1"/>
+              <a:t>lg</a:t>
+            </a:r>
+            <a:r>
+              <a:rPr lang="en-US" dirty="0"/>
+              <a:t>, xl, and </a:t>
+            </a:r>
+            <a:r>
+              <a:rPr lang="en-US" dirty="0" err="1"/>
+              <a:t>xxl</a:t>
+            </a:r>
+            <a:r>
+              <a:rPr lang="en-US" dirty="0"/>
+              <a:t>.</a:t>
+            </a:r>
+          </a:p>
+          <a:p>
+            <a:r>
+              <a:rPr lang="en-US" dirty="0"/>
+              <a:t>Where value is one </a:t>
+            </a:r>
+            <a:r>
+              <a:rPr lang="en-US" dirty="0" smtClean="0"/>
+              <a:t>of</a:t>
+            </a:r>
+            <a:endParaRPr lang="en-US" dirty="0"/>
+          </a:p>
+          <a:p>
+            <a:r>
+              <a:rPr lang="en-US" dirty="0"/>
+              <a:t>none</a:t>
+            </a:r>
+          </a:p>
+          <a:p>
+            <a:r>
+              <a:rPr lang="en-US" dirty="0"/>
+              <a:t>inline</a:t>
+            </a:r>
+          </a:p>
+          <a:p>
+            <a:r>
+              <a:rPr lang="en-US" dirty="0"/>
+              <a:t>inline-block</a:t>
+            </a:r>
+          </a:p>
+          <a:p>
+            <a:r>
+              <a:rPr lang="en-US" dirty="0"/>
+              <a:t>block</a:t>
+            </a:r>
+          </a:p>
+          <a:p>
+            <a:r>
+              <a:rPr lang="en-US" dirty="0"/>
+              <a:t>grid</a:t>
+            </a:r>
+          </a:p>
+          <a:p>
+            <a:r>
+              <a:rPr lang="en-US" dirty="0"/>
+              <a:t>table</a:t>
+            </a:r>
+          </a:p>
+          <a:p>
+            <a:r>
+              <a:rPr lang="en-US" dirty="0"/>
+              <a:t>table-cell</a:t>
+            </a:r>
+          </a:p>
+          <a:p>
+            <a:r>
+              <a:rPr lang="en-US" dirty="0"/>
+              <a:t>table-row</a:t>
+            </a:r>
+          </a:p>
+          <a:p>
+            <a:r>
+              <a:rPr lang="en-US" dirty="0"/>
+              <a:t>flex</a:t>
+            </a:r>
+          </a:p>
+          <a:p>
+            <a:r>
+              <a:rPr lang="en-US" dirty="0"/>
+              <a:t>inline-flex</a:t>
+            </a:r>
+            <a:endParaRPr lang="en-US" dirty="0"/>
           </a:p>
         </p:txBody>
       </p:sp>
     </p:spTree>
     <p:extLst>
       <p:ext uri="{BB962C8B-B14F-4D97-AF65-F5344CB8AC3E}">
-        <p14:creationId xmlns:p14="http://schemas.microsoft.com/office/powerpoint/2010/main" val="4151070049"/>
+        <p14:creationId xmlns:p14="http://schemas.microsoft.com/office/powerpoint/2010/main" val="3035761196"/>
       </p:ext>
     </p:extLst>
   </p:cSld>
@@ -9097,7 +10946,7 @@
       </p:grpSpPr>
       <p:sp>
         <p:nvSpPr>
-          <p:cNvPr id="4" name="Title 3"/>
+          <p:cNvPr id="2" name="Title 1"/>
           <p:cNvSpPr>
             <a:spLocks noGrp="1"/>
           </p:cNvSpPr>
@@ -9111,44 +10960,24 @@
           <a:lstStyle/>
           <a:p>
             <a:r>
-              <a:rPr lang="en-US" dirty="0"/>
-              <a:t>Our Workflow</a:t>
-            </a:r>
-          </a:p>
-        </p:txBody>
-      </p:sp>
-      <p:pic>
-        <p:nvPicPr>
-          <p:cNvPr id="2" name="Content Placeholder 1"/>
-          <p:cNvPicPr>
-            <a:picLocks noGrp="1" noChangeAspect="1"/>
-          </p:cNvPicPr>
-          <p:nvPr>
-            <p:ph idx="1"/>
-          </p:nvPr>
-        </p:nvPicPr>
-        <p:blipFill>
-          <a:blip r:embed="rId2" cstate="print">
-            <a:extLst>
-              <a:ext uri="{28A0092B-C50C-407E-A947-70E740481C1C}">
-                <a14:useLocalDpi xmlns:a14="http://schemas.microsoft.com/office/drawing/2010/main" val="0"/>
-              </a:ext>
-            </a:extLst>
-          </a:blip>
-          <a:stretch>
-            <a:fillRect/>
-          </a:stretch>
-        </p:blipFill>
-        <p:spPr>
-          <a:xfrm>
-            <a:off x="609600" y="1082021"/>
-            <a:ext cx="2971943" cy="4576377"/>
-          </a:xfrm>
-        </p:spPr>
-      </p:pic>
-      <p:sp>
-        <p:nvSpPr>
-          <p:cNvPr id="6" name="Text Placeholder 5"/>
+              <a:rPr lang="en-US" b="0" dirty="0" smtClean="0"/>
+              <a:t>Layout Utility Classes</a:t>
+            </a:r>
+            <a:r>
+              <a:rPr lang="en-US" dirty="0"/>
+              <a:t> </a:t>
+            </a:r>
+            <a:r>
+              <a:rPr lang="en-US" dirty="0" smtClean="0"/>
+              <a:t>Flexbox Utilities</a:t>
+            </a:r>
+            <a:endParaRPr lang="en-US" dirty="0"/>
+          </a:p>
+        </p:txBody>
+      </p:sp>
+      <p:sp>
+        <p:nvSpPr>
+          <p:cNvPr id="4" name="Text Placeholder 3"/>
           <p:cNvSpPr>
             <a:spLocks noGrp="1"/>
           </p:cNvSpPr>
@@ -9161,40 +10990,59 @@
           <a:bodyPr/>
           <a:lstStyle/>
           <a:p>
+            <a:r>
+              <a:rPr lang="en-US" dirty="0"/>
+              <a:t>Source Bootstrap Documentation</a:t>
+            </a:r>
             <a:endParaRPr lang="en-US" dirty="0"/>
           </a:p>
         </p:txBody>
       </p:sp>
       <p:sp>
         <p:nvSpPr>
-          <p:cNvPr id="3" name="Rectangle 2"/>
-          <p:cNvSpPr/>
-          <p:nvPr/>
-        </p:nvSpPr>
-        <p:spPr>
-          <a:xfrm>
-            <a:off x="3581543" y="1082021"/>
-            <a:ext cx="6096000" cy="923330"/>
-          </a:xfrm>
-          <a:prstGeom prst="rect">
-            <a:avLst/>
-          </a:prstGeom>
-        </p:spPr>
-        <p:txBody>
-          <a:bodyPr>
-            <a:spAutoFit/>
-          </a:bodyPr>
+          <p:cNvPr id="3" name="Content Placeholder 2"/>
+          <p:cNvSpPr>
+            <a:spLocks noGrp="1"/>
+          </p:cNvSpPr>
+          <p:nvPr>
+            <p:ph idx="1"/>
+          </p:nvPr>
+        </p:nvSpPr>
+        <p:spPr/>
+        <p:txBody>
+          <a:bodyPr/>
           <a:lstStyle/>
           <a:p>
-            <a:r>
-              <a:rPr lang="en-US" dirty="0">
-                <a:hlinkClick r:id="rId3"/>
-              </a:rPr>
-              <a:t>https://eatonvance.atlassian.net/wiki/spaces/SHER/pages/834699276/Feature+Workflow</a:t>
-            </a:r>
+            <a:pPr marL="0" indent="0">
+              <a:buNone/>
+            </a:pPr>
+            <a:r>
+              <a:rPr lang="en-US" dirty="0"/>
+              <a:t>Bootstrap is built with flexbox, but not every element’s display has been changed to display: flex as this would add many unnecessary overrides and unexpectedly change key browser behaviors. Most of our components are built with flexbox enabled.</a:t>
+            </a:r>
+          </a:p>
+          <a:p>
+            <a:pPr marL="0" indent="0">
+              <a:buNone/>
+            </a:pPr>
             <a:endParaRPr lang="en-US" dirty="0"/>
           </a:p>
           <a:p>
+            <a:pPr marL="0" indent="0">
+              <a:buNone/>
+            </a:pPr>
+            <a:r>
+              <a:rPr lang="en-US" dirty="0"/>
+              <a:t>Should you need to add display: flex to an element, do so with .d-flex or one of the responsive variants (e.g., .d-</a:t>
+            </a:r>
+            <a:r>
+              <a:rPr lang="en-US" dirty="0" err="1"/>
+              <a:t>sm</a:t>
+            </a:r>
+            <a:r>
+              <a:rPr lang="en-US" dirty="0"/>
+              <a:t>-flex). You’ll need this class or display value to allow the use of our extra flexbox utilities for sizing, alignment, spacing, and more.</a:t>
+            </a:r>
             <a:endParaRPr lang="en-US" dirty="0"/>
           </a:p>
         </p:txBody>
@@ -9202,7 +11050,7 @@
     </p:spTree>
     <p:extLst>
       <p:ext uri="{BB962C8B-B14F-4D97-AF65-F5344CB8AC3E}">
-        <p14:creationId xmlns:p14="http://schemas.microsoft.com/office/powerpoint/2010/main" val="2945022893"/>
+        <p14:creationId xmlns:p14="http://schemas.microsoft.com/office/powerpoint/2010/main" val="3736390565"/>
       </p:ext>
     </p:extLst>
   </p:cSld>
@@ -9231,7 +11079,7 @@
       </p:grpSpPr>
       <p:sp>
         <p:nvSpPr>
-          <p:cNvPr id="4" name="Title 3"/>
+          <p:cNvPr id="2" name="Title 1"/>
           <p:cNvSpPr>
             <a:spLocks noGrp="1"/>
           </p:cNvSpPr>
@@ -9245,20 +11093,29 @@
           <a:lstStyle/>
           <a:p>
             <a:r>
-              <a:rPr lang="en-US" dirty="0"/>
-              <a:t>Our Workflow</a:t>
-            </a:r>
-          </a:p>
-        </p:txBody>
-      </p:sp>
-      <p:sp>
-        <p:nvSpPr>
-          <p:cNvPr id="5" name="Content Placeholder 4"/>
-          <p:cNvSpPr>
-            <a:spLocks noGrp="1"/>
-          </p:cNvSpPr>
-          <p:nvPr>
-            <p:ph idx="1"/>
+              <a:rPr lang="en-US" b="0" dirty="0" smtClean="0"/>
+              <a:t>Layout Utility Classes</a:t>
+            </a:r>
+            <a:r>
+              <a:rPr lang="en-US" dirty="0"/>
+              <a:t> </a:t>
+            </a:r>
+            <a:r>
+              <a:rPr lang="en-US" dirty="0" smtClean="0"/>
+              <a:t>Margin and Padding</a:t>
+            </a:r>
+            <a:endParaRPr lang="en-US" dirty="0"/>
+          </a:p>
+        </p:txBody>
+      </p:sp>
+      <p:sp>
+        <p:nvSpPr>
+          <p:cNvPr id="4" name="Text Placeholder 3"/>
+          <p:cNvSpPr>
+            <a:spLocks noGrp="1"/>
+          </p:cNvSpPr>
+          <p:nvPr>
+            <p:ph type="body" sz="quarter" idx="11"/>
           </p:nvPr>
         </p:nvSpPr>
         <p:spPr/>
@@ -9266,132 +11123,22 @@
           <a:bodyPr/>
           <a:lstStyle/>
           <a:p>
-            <a:pPr marL="0" indent="0">
-              <a:buNone/>
-            </a:pPr>
-            <a:r>
-              <a:rPr lang="en-US" dirty="0"/>
-              <a:t>If you’ve never done this before, check to make sure your local repository is in a clean state. This example was run from Development, but you might be in another branch and you want to make sure you’re in a clean state</a:t>
-            </a:r>
-          </a:p>
-          <a:p>
-            <a:pPr marL="0" indent="0">
-              <a:buNone/>
-            </a:pPr>
+            <a:r>
+              <a:rPr lang="en-US" dirty="0"/>
+              <a:t>Source Bootstrap Documentation</a:t>
+            </a:r>
             <a:endParaRPr lang="en-US" dirty="0"/>
           </a:p>
-          <a:p>
-            <a:pPr marL="0" indent="0">
-              <a:buNone/>
-            </a:pPr>
-            <a:r>
-              <a:rPr lang="en-US" dirty="0">
-                <a:latin typeface="Consolas" panose="020B0609020204030204" pitchFamily="49" charset="0"/>
-              </a:rPr>
-              <a:t>rlarsen@RLARSEN1 MINGW64 ~/</a:t>
-            </a:r>
-            <a:r>
-              <a:rPr lang="en-US" dirty="0" err="1">
-                <a:latin typeface="Consolas" panose="020B0609020204030204" pitchFamily="49" charset="0"/>
-              </a:rPr>
-              <a:t>sherpa</a:t>
-            </a:r>
-            <a:r>
-              <a:rPr lang="en-US" dirty="0">
-                <a:latin typeface="Consolas" panose="020B0609020204030204" pitchFamily="49" charset="0"/>
-              </a:rPr>
-              <a:t>-enterprise-data-</a:t>
-            </a:r>
-            <a:r>
-              <a:rPr lang="en-US" dirty="0" err="1">
-                <a:latin typeface="Consolas" panose="020B0609020204030204" pitchFamily="49" charset="0"/>
-              </a:rPr>
-              <a:t>ui</a:t>
-            </a:r>
-            <a:r>
-              <a:rPr lang="en-US" dirty="0">
-                <a:latin typeface="Consolas" panose="020B0609020204030204" pitchFamily="49" charset="0"/>
-              </a:rPr>
-              <a:t> (Development)      </a:t>
-            </a:r>
-          </a:p>
-          <a:p>
-            <a:pPr marL="0" indent="0">
-              <a:buNone/>
-            </a:pPr>
-            <a:r>
-              <a:rPr lang="en-US" dirty="0">
-                <a:latin typeface="Consolas" panose="020B0609020204030204" pitchFamily="49" charset="0"/>
-              </a:rPr>
-              <a:t>$ </a:t>
-            </a:r>
-            <a:r>
-              <a:rPr lang="en-US" dirty="0" err="1">
-                <a:latin typeface="Consolas" panose="020B0609020204030204" pitchFamily="49" charset="0"/>
-              </a:rPr>
-              <a:t>git</a:t>
-            </a:r>
-            <a:r>
-              <a:rPr lang="en-US" dirty="0">
-                <a:latin typeface="Consolas" panose="020B0609020204030204" pitchFamily="49" charset="0"/>
-              </a:rPr>
-              <a:t> status                                                                    </a:t>
-            </a:r>
-          </a:p>
-          <a:p>
-            <a:pPr marL="0" indent="0">
-              <a:buNone/>
-            </a:pPr>
-            <a:r>
-              <a:rPr lang="en-US" dirty="0">
-                <a:latin typeface="Consolas" panose="020B0609020204030204" pitchFamily="49" charset="0"/>
-              </a:rPr>
-              <a:t>On branch Development                                                           </a:t>
-            </a:r>
-          </a:p>
-          <a:p>
-            <a:pPr marL="0" indent="0">
-              <a:buNone/>
-            </a:pPr>
-            <a:r>
-              <a:rPr lang="en-US" dirty="0">
-                <a:latin typeface="Consolas" panose="020B0609020204030204" pitchFamily="49" charset="0"/>
-              </a:rPr>
-              <a:t>Your branch is up to date with 'origin/Development'.                            </a:t>
-            </a:r>
-          </a:p>
-          <a:p>
-            <a:pPr marL="0" indent="0">
-              <a:buNone/>
-            </a:pPr>
-            <a:r>
-              <a:rPr lang="en-US" dirty="0">
-                <a:latin typeface="Consolas" panose="020B0609020204030204" pitchFamily="49" charset="0"/>
-              </a:rPr>
-              <a:t>                                                                                </a:t>
-            </a:r>
-          </a:p>
-          <a:p>
-            <a:pPr marL="0" indent="0">
-              <a:buNone/>
-            </a:pPr>
-            <a:r>
-              <a:rPr lang="en-US" dirty="0">
-                <a:latin typeface="Consolas" panose="020B0609020204030204" pitchFamily="49" charset="0"/>
-              </a:rPr>
-              <a:t>nothing to commit, working tree clean </a:t>
-            </a:r>
-          </a:p>
-        </p:txBody>
-      </p:sp>
-      <p:sp>
-        <p:nvSpPr>
-          <p:cNvPr id="6" name="Text Placeholder 5"/>
-          <p:cNvSpPr>
-            <a:spLocks noGrp="1"/>
-          </p:cNvSpPr>
-          <p:nvPr>
-            <p:ph type="body" sz="quarter" idx="11"/>
+        </p:txBody>
+      </p:sp>
+      <p:sp>
+        <p:nvSpPr>
+          <p:cNvPr id="3" name="Content Placeholder 2"/>
+          <p:cNvSpPr>
+            <a:spLocks noGrp="1"/>
+          </p:cNvSpPr>
+          <p:nvPr>
+            <p:ph idx="1"/>
           </p:nvPr>
         </p:nvSpPr>
         <p:spPr/>
@@ -9399,14 +11146,25 @@
           <a:bodyPr/>
           <a:lstStyle/>
           <a:p>
-            <a:endParaRPr lang="en-US"/>
+            <a:pPr marL="0" indent="0">
+              <a:buNone/>
+            </a:pPr>
+            <a:r>
+              <a:rPr lang="en-US" dirty="0" smtClean="0"/>
+              <a:t>Use </a:t>
+            </a:r>
+            <a:r>
+              <a:rPr lang="en-US" dirty="0"/>
+              <a:t>the margin and padding spacing utilities to control how elements and components are spaced and sized. Bootstrap includes a six-level scale for spacing utilities, based on a 1rem value default $spacer variable. Choose values for all viewports (e.g., .me-3 for margin-right: 1rem in LTR), or pick responsive variants to target specific viewports (e.g., .me-md-3 for margin-right: 1rem —in LTR— starting at the md breakpoint).</a:t>
+            </a:r>
+            <a:endParaRPr lang="en-US" dirty="0"/>
           </a:p>
         </p:txBody>
       </p:sp>
     </p:spTree>
     <p:extLst>
       <p:ext uri="{BB962C8B-B14F-4D97-AF65-F5344CB8AC3E}">
-        <p14:creationId xmlns:p14="http://schemas.microsoft.com/office/powerpoint/2010/main" val="4194661398"/>
+        <p14:creationId xmlns:p14="http://schemas.microsoft.com/office/powerpoint/2010/main" val="1990597627"/>
       </p:ext>
     </p:extLst>
   </p:cSld>
@@ -9435,7 +11193,7 @@
       </p:grpSpPr>
       <p:sp>
         <p:nvSpPr>
-          <p:cNvPr id="4" name="Title 3"/>
+          <p:cNvPr id="2" name="Title 1"/>
           <p:cNvSpPr>
             <a:spLocks noGrp="1"/>
           </p:cNvSpPr>
@@ -9449,20 +11207,29 @@
           <a:lstStyle/>
           <a:p>
             <a:r>
-              <a:rPr lang="en-US" dirty="0"/>
-              <a:t>Our Workflow</a:t>
-            </a:r>
-          </a:p>
-        </p:txBody>
-      </p:sp>
-      <p:sp>
-        <p:nvSpPr>
-          <p:cNvPr id="5" name="Content Placeholder 4"/>
-          <p:cNvSpPr>
-            <a:spLocks noGrp="1"/>
-          </p:cNvSpPr>
-          <p:nvPr>
-            <p:ph idx="1"/>
+              <a:rPr lang="en-US" b="0" dirty="0" smtClean="0"/>
+              <a:t>Layout Utility Classes</a:t>
+            </a:r>
+            <a:r>
+              <a:rPr lang="en-US" dirty="0"/>
+              <a:t> </a:t>
+            </a:r>
+            <a:r>
+              <a:rPr lang="en-US" dirty="0" smtClean="0"/>
+              <a:t>Offsets</a:t>
+            </a:r>
+            <a:endParaRPr lang="en-US" dirty="0"/>
+          </a:p>
+        </p:txBody>
+      </p:sp>
+      <p:sp>
+        <p:nvSpPr>
+          <p:cNvPr id="4" name="Text Placeholder 3"/>
+          <p:cNvSpPr>
+            <a:spLocks noGrp="1"/>
+          </p:cNvSpPr>
+          <p:nvPr>
+            <p:ph type="body" sz="quarter" idx="11"/>
           </p:nvPr>
         </p:nvSpPr>
         <p:spPr/>
@@ -9470,12 +11237,35 @@
           <a:bodyPr/>
           <a:lstStyle/>
           <a:p>
+            <a:r>
+              <a:rPr lang="en-US" dirty="0"/>
+              <a:t>Source Bootstrap Documentation</a:t>
+            </a:r>
+            <a:endParaRPr lang="en-US" dirty="0"/>
+          </a:p>
+        </p:txBody>
+      </p:sp>
+      <p:sp>
+        <p:nvSpPr>
+          <p:cNvPr id="3" name="Content Placeholder 2"/>
+          <p:cNvSpPr>
+            <a:spLocks noGrp="1"/>
+          </p:cNvSpPr>
+          <p:nvPr>
+            <p:ph idx="1"/>
+          </p:nvPr>
+        </p:nvSpPr>
+        <p:spPr/>
+        <p:txBody>
+          <a:bodyPr/>
+          <a:lstStyle/>
+          <a:p>
             <a:pPr marL="0" indent="0">
               <a:buNone/>
             </a:pPr>
             <a:r>
               <a:rPr lang="en-US" dirty="0"/>
-              <a:t>If your working tree is clean, then go onto the next step. If it’s not either Git stash your changes or commit them to your branch.</a:t>
+              <a:t>Offset classes</a:t>
             </a:r>
           </a:p>
           <a:p>
@@ -9484,130 +11274,167 @@
             </a:pPr>
             <a:r>
               <a:rPr lang="en-US" dirty="0"/>
-              <a:t>To get started, run:</a:t>
+              <a:t>Move columns to the right using .offset-md-* classes. These classes increase the left margin of a column by * columns. For example, .offset-md-4 moves .col-md-4 over four columns.</a:t>
             </a:r>
           </a:p>
           <a:p>
             <a:pPr marL="0" indent="0">
               <a:buNone/>
             </a:pPr>
-            <a:endParaRPr lang="en-US" dirty="0"/>
-          </a:p>
-          <a:p>
-            <a:pPr marL="0" indent="0">
-              <a:buNone/>
-            </a:pPr>
-            <a:r>
-              <a:rPr lang="en-US" dirty="0" err="1">
+            <a:r>
+              <a:rPr lang="en-US" dirty="0" smtClean="0">
                 <a:latin typeface="Consolas" panose="020B0609020204030204" pitchFamily="49" charset="0"/>
               </a:rPr>
-              <a:t>git</a:t>
+              <a:t>&lt;</a:t>
             </a:r>
             <a:r>
               <a:rPr lang="en-US" dirty="0">
                 <a:latin typeface="Consolas" panose="020B0609020204030204" pitchFamily="49" charset="0"/>
               </a:rPr>
-              <a:t> checkout Development</a:t>
+              <a:t>div class="container"&gt;</a:t>
             </a:r>
           </a:p>
           <a:p>
             <a:pPr marL="0" indent="0">
               <a:buNone/>
             </a:pPr>
-            <a:r>
-              <a:rPr lang="en-US" dirty="0" err="1">
-                <a:latin typeface="Consolas" panose="020B0609020204030204" pitchFamily="49" charset="0"/>
-              </a:rPr>
-              <a:t>git</a:t>
-            </a:r>
             <a:r>
               <a:rPr lang="en-US" dirty="0">
                 <a:latin typeface="Consolas" panose="020B0609020204030204" pitchFamily="49" charset="0"/>
               </a:rPr>
-              <a:t> pull</a:t>
+              <a:t>  &lt;div class="row"&gt;</a:t>
             </a:r>
           </a:p>
           <a:p>
             <a:pPr marL="0" indent="0">
               <a:buNone/>
             </a:pPr>
-            <a:r>
-              <a:rPr lang="en-US" dirty="0" err="1">
-                <a:latin typeface="Consolas" panose="020B0609020204030204" pitchFamily="49" charset="0"/>
-              </a:rPr>
-              <a:t>git</a:t>
-            </a:r>
             <a:r>
               <a:rPr lang="en-US" dirty="0">
                 <a:latin typeface="Consolas" panose="020B0609020204030204" pitchFamily="49" charset="0"/>
               </a:rPr>
-              <a:t> checkout -b [branch name from options below]</a:t>
+              <a:t>    &lt;div class="col-md-4"&gt;.col-md-4&lt;/div&gt;</a:t>
             </a:r>
           </a:p>
           <a:p>
             <a:pPr marL="0" indent="0">
               <a:buNone/>
             </a:pPr>
-            <a:endParaRPr lang="en-US" dirty="0"/>
-          </a:p>
-          <a:p>
-            <a:pPr marL="285750" indent="-285750"/>
-            <a:r>
-              <a:rPr lang="en-US" dirty="0"/>
-              <a:t>bug/[JIRA Issue Name]</a:t>
-            </a:r>
-          </a:p>
-          <a:p>
-            <a:pPr marL="285750" indent="-285750"/>
-            <a:r>
-              <a:rPr lang="en-US" dirty="0"/>
-              <a:t>feature/[JIRA Issue Name]</a:t>
-            </a:r>
-          </a:p>
-          <a:p>
-            <a:pPr marL="285750" indent="-285750"/>
-            <a:r>
-              <a:rPr lang="en-US" dirty="0"/>
-              <a:t>[other]/[description of work] Used for refactoring, net new features, etc.</a:t>
+            <a:r>
+              <a:rPr lang="en-US" dirty="0">
+                <a:latin typeface="Consolas" panose="020B0609020204030204" pitchFamily="49" charset="0"/>
+              </a:rPr>
+              <a:t>    &lt;div class="col-md-4 offset-md-4"&gt;.col-md-4 .offset-md-4&lt;/div&gt;</a:t>
             </a:r>
           </a:p>
           <a:p>
             <a:pPr marL="0" indent="0">
               <a:buNone/>
             </a:pPr>
-            <a:endParaRPr lang="en-US" dirty="0"/>
+            <a:r>
+              <a:rPr lang="en-US" dirty="0">
+                <a:latin typeface="Consolas" panose="020B0609020204030204" pitchFamily="49" charset="0"/>
+              </a:rPr>
+              <a:t>  &lt;/div&gt;</a:t>
+            </a:r>
           </a:p>
           <a:p>
             <a:pPr marL="0" indent="0">
               <a:buNone/>
             </a:pPr>
-            <a:endParaRPr lang="en-US" dirty="0"/>
-          </a:p>
-        </p:txBody>
-      </p:sp>
-      <p:sp>
-        <p:nvSpPr>
-          <p:cNvPr id="6" name="Text Placeholder 5"/>
-          <p:cNvSpPr>
-            <a:spLocks noGrp="1"/>
-          </p:cNvSpPr>
-          <p:nvPr>
-            <p:ph type="body" sz="quarter" idx="11"/>
-          </p:nvPr>
-        </p:nvSpPr>
-        <p:spPr/>
-        <p:txBody>
-          <a:bodyPr/>
-          <a:lstStyle/>
-          <a:p>
-            <a:endParaRPr lang="en-US"/>
+            <a:r>
+              <a:rPr lang="en-US" dirty="0">
+                <a:latin typeface="Consolas" panose="020B0609020204030204" pitchFamily="49" charset="0"/>
+              </a:rPr>
+              <a:t>  &lt;div class="row"&gt;</a:t>
+            </a:r>
+          </a:p>
+          <a:p>
+            <a:pPr marL="0" indent="0">
+              <a:buNone/>
+            </a:pPr>
+            <a:r>
+              <a:rPr lang="en-US" dirty="0">
+                <a:latin typeface="Consolas" panose="020B0609020204030204" pitchFamily="49" charset="0"/>
+              </a:rPr>
+              <a:t>    &lt;div class="col-md-3 offset-md-3"&gt;.col-md-3 .offset-md-3&lt;/div&gt;</a:t>
+            </a:r>
+          </a:p>
+          <a:p>
+            <a:pPr marL="0" indent="0">
+              <a:buNone/>
+            </a:pPr>
+            <a:r>
+              <a:rPr lang="en-US" dirty="0">
+                <a:latin typeface="Consolas" panose="020B0609020204030204" pitchFamily="49" charset="0"/>
+              </a:rPr>
+              <a:t>    &lt;div class="col-md-3 offset-md-3"&gt;.col-md-3 .offset-md-3&lt;/div&gt;</a:t>
+            </a:r>
+          </a:p>
+          <a:p>
+            <a:pPr marL="0" indent="0">
+              <a:buNone/>
+            </a:pPr>
+            <a:r>
+              <a:rPr lang="en-US" dirty="0">
+                <a:latin typeface="Consolas" panose="020B0609020204030204" pitchFamily="49" charset="0"/>
+              </a:rPr>
+              <a:t>  &lt;/div&gt;</a:t>
+            </a:r>
+          </a:p>
+          <a:p>
+            <a:pPr marL="0" indent="0">
+              <a:buNone/>
+            </a:pPr>
+            <a:r>
+              <a:rPr lang="en-US" dirty="0">
+                <a:latin typeface="Consolas" panose="020B0609020204030204" pitchFamily="49" charset="0"/>
+              </a:rPr>
+              <a:t>  &lt;div class="row"&gt;</a:t>
+            </a:r>
+          </a:p>
+          <a:p>
+            <a:pPr marL="0" indent="0">
+              <a:buNone/>
+            </a:pPr>
+            <a:r>
+              <a:rPr lang="en-US" dirty="0">
+                <a:latin typeface="Consolas" panose="020B0609020204030204" pitchFamily="49" charset="0"/>
+              </a:rPr>
+              <a:t>    &lt;div class="col-md-6 offset-md-3"&gt;.col-md-6 .offset-md-3&lt;/div&gt;</a:t>
+            </a:r>
+          </a:p>
+          <a:p>
+            <a:pPr marL="0" indent="0">
+              <a:buNone/>
+            </a:pPr>
+            <a:r>
+              <a:rPr lang="en-US" dirty="0">
+                <a:latin typeface="Consolas" panose="020B0609020204030204" pitchFamily="49" charset="0"/>
+              </a:rPr>
+              <a:t>  &lt;/div&gt;</a:t>
+            </a:r>
+          </a:p>
+          <a:p>
+            <a:pPr marL="0" indent="0">
+              <a:buNone/>
+            </a:pPr>
+            <a:r>
+              <a:rPr lang="en-US" dirty="0">
+                <a:latin typeface="Consolas" panose="020B0609020204030204" pitchFamily="49" charset="0"/>
+              </a:rPr>
+              <a:t>&lt;/div&gt;</a:t>
+            </a:r>
+            <a:endParaRPr lang="en-US" dirty="0">
+              <a:latin typeface="Consolas" panose="020B0609020204030204" pitchFamily="49" charset="0"/>
+            </a:endParaRPr>
           </a:p>
         </p:txBody>
       </p:sp>
     </p:spTree>
     <p:extLst>
       <p:ext uri="{BB962C8B-B14F-4D97-AF65-F5344CB8AC3E}">
-        <p14:creationId xmlns:p14="http://schemas.microsoft.com/office/powerpoint/2010/main" val="3336633769"/>
+        <p14:creationId xmlns:p14="http://schemas.microsoft.com/office/powerpoint/2010/main" val="3644086986"/>
       </p:ext>
     </p:extLst>
   </p:cSld>
@@ -9636,7 +11463,7 @@
       </p:grpSpPr>
       <p:sp>
         <p:nvSpPr>
-          <p:cNvPr id="4" name="Title 3"/>
+          <p:cNvPr id="2" name="Title 1"/>
           <p:cNvSpPr>
             <a:spLocks noGrp="1"/>
           </p:cNvSpPr>
@@ -9650,20 +11477,29 @@
           <a:lstStyle/>
           <a:p>
             <a:r>
-              <a:rPr lang="en-US" dirty="0"/>
-              <a:t>Our Workflow</a:t>
-            </a:r>
-          </a:p>
-        </p:txBody>
-      </p:sp>
-      <p:sp>
-        <p:nvSpPr>
-          <p:cNvPr id="5" name="Content Placeholder 4"/>
-          <p:cNvSpPr>
-            <a:spLocks noGrp="1"/>
-          </p:cNvSpPr>
-          <p:nvPr>
-            <p:ph idx="1"/>
+              <a:rPr lang="en-US" b="0" dirty="0" smtClean="0"/>
+              <a:t>Layout Utility Classes</a:t>
+            </a:r>
+            <a:r>
+              <a:rPr lang="en-US" dirty="0"/>
+              <a:t> </a:t>
+            </a:r>
+            <a:r>
+              <a:rPr lang="en-US" dirty="0" smtClean="0"/>
+              <a:t>Offsets</a:t>
+            </a:r>
+            <a:endParaRPr lang="en-US" dirty="0"/>
+          </a:p>
+        </p:txBody>
+      </p:sp>
+      <p:sp>
+        <p:nvSpPr>
+          <p:cNvPr id="4" name="Text Placeholder 3"/>
+          <p:cNvSpPr>
+            <a:spLocks noGrp="1"/>
+          </p:cNvSpPr>
+          <p:nvPr>
+            <p:ph type="body" sz="quarter" idx="11"/>
           </p:nvPr>
         </p:nvSpPr>
         <p:spPr/>
@@ -9671,39 +11507,44 @@
           <a:bodyPr/>
           <a:lstStyle/>
           <a:p>
-            <a:pPr marL="0" indent="0">
-              <a:buNone/>
-            </a:pPr>
-            <a:r>
-              <a:rPr lang="en-US" dirty="0"/>
-              <a:t>As you work on your task, be sure to pull in the latest changes from Development often and push your code to your branch often. Because we will squash your commits in the pull request process, there's no real penalty for committing early and often.</a:t>
-            </a:r>
-          </a:p>
-        </p:txBody>
-      </p:sp>
-      <p:sp>
-        <p:nvSpPr>
-          <p:cNvPr id="6" name="Text Placeholder 5"/>
-          <p:cNvSpPr>
-            <a:spLocks noGrp="1"/>
-          </p:cNvSpPr>
-          <p:nvPr>
-            <p:ph type="body" sz="quarter" idx="11"/>
-          </p:nvPr>
-        </p:nvSpPr>
-        <p:spPr/>
-        <p:txBody>
-          <a:bodyPr/>
-          <a:lstStyle/>
-          <a:p>
+            <a:r>
+              <a:rPr lang="en-US" dirty="0"/>
+              <a:t>Source Bootstrap Documentation</a:t>
+            </a:r>
             <a:endParaRPr lang="en-US" dirty="0"/>
           </a:p>
         </p:txBody>
       </p:sp>
+      <p:pic>
+        <p:nvPicPr>
+          <p:cNvPr id="5" name="Content Placeholder 4"/>
+          <p:cNvPicPr>
+            <a:picLocks noGrp="1" noChangeAspect="1"/>
+          </p:cNvPicPr>
+          <p:nvPr>
+            <p:ph idx="1"/>
+          </p:nvPr>
+        </p:nvPicPr>
+        <p:blipFill>
+          <a:blip r:embed="rId2"/>
+          <a:stretch>
+            <a:fillRect/>
+          </a:stretch>
+        </p:blipFill>
+        <p:spPr>
+          <a:xfrm>
+            <a:off x="2182019" y="2257425"/>
+            <a:ext cx="7829550" cy="2343150"/>
+          </a:xfrm>
+          <a:prstGeom prst="rect">
+            <a:avLst/>
+          </a:prstGeom>
+        </p:spPr>
+      </p:pic>
     </p:spTree>
     <p:extLst>
       <p:ext uri="{BB962C8B-B14F-4D97-AF65-F5344CB8AC3E}">
-        <p14:creationId xmlns:p14="http://schemas.microsoft.com/office/powerpoint/2010/main" val="1919543426"/>
+        <p14:creationId xmlns:p14="http://schemas.microsoft.com/office/powerpoint/2010/main" val="3338841304"/>
       </p:ext>
     </p:extLst>
   </p:cSld>
@@ -9746,20 +11587,29 @@
           <a:lstStyle/>
           <a:p>
             <a:r>
-              <a:rPr lang="en-US" dirty="0"/>
-              <a:t>Our Workflow</a:t>
-            </a:r>
-          </a:p>
-        </p:txBody>
-      </p:sp>
-      <p:sp>
-        <p:nvSpPr>
-          <p:cNvPr id="3" name="Content Placeholder 2"/>
-          <p:cNvSpPr>
-            <a:spLocks noGrp="1"/>
-          </p:cNvSpPr>
-          <p:nvPr>
-            <p:ph idx="1"/>
+              <a:rPr lang="en-US" b="0" dirty="0" smtClean="0"/>
+              <a:t>Utility Classes</a:t>
+            </a:r>
+            <a:r>
+              <a:rPr lang="en-US" dirty="0"/>
+              <a:t> </a:t>
+            </a:r>
+            <a:r>
+              <a:rPr lang="en-US" dirty="0" smtClean="0"/>
+              <a:t>(So Many More)</a:t>
+            </a:r>
+            <a:endParaRPr lang="en-US" dirty="0"/>
+          </a:p>
+        </p:txBody>
+      </p:sp>
+      <p:sp>
+        <p:nvSpPr>
+          <p:cNvPr id="4" name="Text Placeholder 3"/>
+          <p:cNvSpPr>
+            <a:spLocks noGrp="1"/>
+          </p:cNvSpPr>
+          <p:nvPr>
+            <p:ph type="body" sz="quarter" idx="11"/>
           </p:nvPr>
         </p:nvSpPr>
         <p:spPr/>
@@ -9767,105 +11617,68 @@
           <a:bodyPr/>
           <a:lstStyle/>
           <a:p>
-            <a:pPr marL="0" indent="0">
-              <a:buNone/>
-            </a:pPr>
-            <a:r>
-              <a:rPr lang="en-US" dirty="0"/>
-              <a:t>Working with Pull Requests</a:t>
-            </a:r>
-          </a:p>
-          <a:p>
-            <a:pPr marL="0" indent="0">
-              <a:buNone/>
-            </a:pPr>
-            <a:r>
-              <a:rPr lang="en-US" dirty="0"/>
-              <a:t>As soon as you have complete some work, commit your code and push your branch to GitHub. If your branch is called bug/SHERPA-1999 you would run the following commands:</a:t>
-            </a:r>
-          </a:p>
-          <a:p>
-            <a:pPr marL="0" indent="0">
-              <a:buNone/>
-            </a:pPr>
             <a:endParaRPr lang="en-US" dirty="0"/>
           </a:p>
-          <a:p>
-            <a:pPr marL="0" indent="0">
-              <a:buNone/>
-            </a:pPr>
-            <a:r>
-              <a:rPr lang="en-US" dirty="0" err="1">
-                <a:latin typeface="Consolas" panose="020B0609020204030204" pitchFamily="49" charset="0"/>
-              </a:rPr>
-              <a:t>git</a:t>
-            </a:r>
-            <a:r>
-              <a:rPr lang="en-US" dirty="0">
-                <a:latin typeface="Consolas" panose="020B0609020204030204" pitchFamily="49" charset="0"/>
-              </a:rPr>
-              <a:t> add .</a:t>
-            </a:r>
-          </a:p>
-          <a:p>
-            <a:pPr marL="0" indent="0">
-              <a:buNone/>
-            </a:pPr>
-            <a:r>
-              <a:rPr lang="en-US" dirty="0" err="1">
-                <a:latin typeface="Consolas" panose="020B0609020204030204" pitchFamily="49" charset="0"/>
-              </a:rPr>
-              <a:t>git</a:t>
-            </a:r>
-            <a:r>
-              <a:rPr lang="en-US" dirty="0">
-                <a:latin typeface="Consolas" panose="020B0609020204030204" pitchFamily="49" charset="0"/>
-              </a:rPr>
-              <a:t> commit -m "these are my changes"</a:t>
-            </a:r>
-          </a:p>
-          <a:p>
-            <a:pPr marL="0" indent="0">
-              <a:buNone/>
-            </a:pPr>
-            <a:r>
-              <a:rPr lang="en-US" dirty="0" err="1">
-                <a:latin typeface="Consolas" panose="020B0609020204030204" pitchFamily="49" charset="0"/>
-              </a:rPr>
-              <a:t>git</a:t>
-            </a:r>
-            <a:r>
-              <a:rPr lang="en-US" dirty="0">
-                <a:latin typeface="Consolas" panose="020B0609020204030204" pitchFamily="49" charset="0"/>
-              </a:rPr>
-              <a:t> push --set-upstream origin bug/SHERPA-1999</a:t>
-            </a:r>
-          </a:p>
-        </p:txBody>
-      </p:sp>
-      <p:sp>
-        <p:nvSpPr>
-          <p:cNvPr id="4" name="Text Placeholder 3"/>
-          <p:cNvSpPr>
-            <a:spLocks noGrp="1"/>
-          </p:cNvSpPr>
-          <p:nvPr>
-            <p:ph type="body" sz="quarter" idx="11"/>
-          </p:nvPr>
-        </p:nvSpPr>
-        <p:spPr/>
-        <p:txBody>
-          <a:bodyPr/>
+        </p:txBody>
+      </p:sp>
+      <p:pic>
+        <p:nvPicPr>
+          <p:cNvPr id="7" name="Content Placeholder 6"/>
+          <p:cNvPicPr>
+            <a:picLocks noGrp="1" noChangeAspect="1"/>
+          </p:cNvPicPr>
+          <p:nvPr>
+            <p:ph idx="1"/>
+          </p:nvPr>
+        </p:nvPicPr>
+        <p:blipFill>
+          <a:blip r:embed="rId2"/>
+          <a:stretch>
+            <a:fillRect/>
+          </a:stretch>
+        </p:blipFill>
+        <p:spPr>
+          <a:xfrm>
+            <a:off x="4783372" y="1143000"/>
+            <a:ext cx="2626843" cy="4572000"/>
+          </a:xfrm>
+          <a:prstGeom prst="rect">
+            <a:avLst/>
+          </a:prstGeom>
+        </p:spPr>
+      </p:pic>
+      <p:sp>
+        <p:nvSpPr>
+          <p:cNvPr id="8" name="Rectangle 7"/>
+          <p:cNvSpPr/>
+          <p:nvPr/>
+        </p:nvSpPr>
+        <p:spPr>
+          <a:xfrm>
+            <a:off x="609600" y="5835133"/>
+            <a:ext cx="5121915" cy="369332"/>
+          </a:xfrm>
+          <a:prstGeom prst="rect">
+            <a:avLst/>
+          </a:prstGeom>
+        </p:spPr>
+        <p:txBody>
+          <a:bodyPr wrap="none">
+            <a:spAutoFit/>
+          </a:bodyPr>
           <a:lstStyle/>
           <a:p>
-            <a:endParaRPr lang="en-US"/>
+            <a:r>
+              <a:rPr lang="en-US" dirty="0"/>
+              <a:t>https://hackerthemes.com/bootstrap-cheatsheet/</a:t>
+            </a:r>
           </a:p>
         </p:txBody>
       </p:sp>
     </p:spTree>
     <p:extLst>
       <p:ext uri="{BB962C8B-B14F-4D97-AF65-F5344CB8AC3E}">
-        <p14:creationId xmlns:p14="http://schemas.microsoft.com/office/powerpoint/2010/main" val="2108417135"/>
+        <p14:creationId xmlns:p14="http://schemas.microsoft.com/office/powerpoint/2010/main" val="3903128076"/>
       </p:ext>
     </p:extLst>
   </p:cSld>
@@ -9908,20 +11721,29 @@
           <a:lstStyle/>
           <a:p>
             <a:r>
-              <a:rPr lang="en-US" dirty="0"/>
-              <a:t>Our Workflow</a:t>
-            </a:r>
-          </a:p>
-        </p:txBody>
-      </p:sp>
-      <p:sp>
-        <p:nvSpPr>
-          <p:cNvPr id="3" name="Content Placeholder 2"/>
-          <p:cNvSpPr>
-            <a:spLocks noGrp="1"/>
-          </p:cNvSpPr>
-          <p:nvPr>
-            <p:ph idx="1"/>
+              <a:rPr lang="en-US" b="0" dirty="0" smtClean="0"/>
+              <a:t>Utility Classes</a:t>
+            </a:r>
+            <a:r>
+              <a:rPr lang="en-US" dirty="0"/>
+              <a:t> </a:t>
+            </a:r>
+            <a:r>
+              <a:rPr lang="en-US" dirty="0" smtClean="0"/>
+              <a:t>(So Many More)</a:t>
+            </a:r>
+            <a:endParaRPr lang="en-US" dirty="0"/>
+          </a:p>
+        </p:txBody>
+      </p:sp>
+      <p:sp>
+        <p:nvSpPr>
+          <p:cNvPr id="4" name="Text Placeholder 3"/>
+          <p:cNvSpPr>
+            <a:spLocks noGrp="1"/>
+          </p:cNvSpPr>
+          <p:nvPr>
+            <p:ph type="body" sz="quarter" idx="11"/>
           </p:nvPr>
         </p:nvSpPr>
         <p:spPr/>
@@ -9929,111 +11751,22 @@
           <a:bodyPr/>
           <a:lstStyle/>
           <a:p>
-            <a:pPr marL="0" indent="0">
-              <a:buNone/>
-            </a:pPr>
-            <a:r>
-              <a:rPr lang="en-US" dirty="0"/>
-              <a:t>Alternatively, you can set something like Visual Studio Code to be your default editor in </a:t>
-            </a:r>
-            <a:r>
-              <a:rPr lang="en-US" dirty="0" err="1"/>
-              <a:t>git</a:t>
-            </a:r>
-            <a:r>
-              <a:rPr lang="en-US" dirty="0"/>
-              <a:t> and can therefore more easily write longer commit messages. The custom is to keep the subject of a commit short and add more detail, if needed, in the description. This is easiest to do in a real text editor and VS Code is handy. </a:t>
-            </a:r>
-          </a:p>
-          <a:p>
-            <a:pPr marL="0" indent="0">
-              <a:buNone/>
-            </a:pPr>
+            <a:r>
+              <a:rPr lang="en-US" dirty="0"/>
+              <a:t>Source Bootstrap Documentation</a:t>
+            </a:r>
             <a:endParaRPr lang="en-US" dirty="0"/>
           </a:p>
-          <a:p>
-            <a:pPr marL="0" indent="0">
-              <a:buNone/>
-            </a:pPr>
-            <a:r>
-              <a:rPr lang="en-US" dirty="0"/>
-              <a:t>To set VS Code as your Git editor, edit your root .</a:t>
-            </a:r>
-            <a:r>
-              <a:rPr lang="en-US" dirty="0" err="1"/>
-              <a:t>gitconfig</a:t>
-            </a:r>
-            <a:r>
-              <a:rPr lang="en-US" dirty="0"/>
-              <a:t> (C:\Users\</a:t>
-            </a:r>
-            <a:r>
-              <a:rPr lang="en-US" dirty="0" err="1"/>
-              <a:t>UserName</a:t>
-            </a:r>
-            <a:r>
-              <a:rPr lang="en-US" dirty="0"/>
-              <a:t>\.</a:t>
-            </a:r>
-            <a:r>
-              <a:rPr lang="en-US" dirty="0" err="1"/>
-              <a:t>gitconfig</a:t>
-            </a:r>
-            <a:r>
-              <a:rPr lang="en-US" dirty="0"/>
-              <a:t>) to point to your VS Code installation</a:t>
-            </a:r>
-          </a:p>
-          <a:p>
-            <a:pPr marL="0" indent="0">
-              <a:buNone/>
-            </a:pPr>
-            <a:endParaRPr lang="en-US" dirty="0"/>
-          </a:p>
-          <a:p>
-            <a:pPr marL="0" indent="0">
-              <a:buNone/>
-            </a:pPr>
-            <a:r>
-              <a:rPr lang="en-US" dirty="0"/>
-              <a:t>[core]</a:t>
-            </a:r>
-          </a:p>
-          <a:p>
-            <a:pPr marL="0" indent="0">
-              <a:buNone/>
-            </a:pPr>
-            <a:r>
-              <a:rPr lang="en-US" dirty="0"/>
-              <a:t>  editor = 'C:\\Users\\</a:t>
-            </a:r>
-            <a:r>
-              <a:rPr lang="en-US" dirty="0" err="1"/>
-              <a:t>UserName</a:t>
-            </a:r>
-            <a:r>
-              <a:rPr lang="en-US" dirty="0"/>
-              <a:t>\\</a:t>
-            </a:r>
-            <a:r>
-              <a:rPr lang="en-US" dirty="0" err="1"/>
-              <a:t>AppData</a:t>
-            </a:r>
-            <a:r>
-              <a:rPr lang="en-US" dirty="0"/>
-              <a:t>\\Local\\Programs\\Microsoft VS Code\\Code.exe' --wait</a:t>
-            </a:r>
-          </a:p>
-        </p:txBody>
-      </p:sp>
-      <p:sp>
-        <p:nvSpPr>
-          <p:cNvPr id="4" name="Text Placeholder 3"/>
-          <p:cNvSpPr>
-            <a:spLocks noGrp="1"/>
-          </p:cNvSpPr>
-          <p:nvPr>
-            <p:ph type="body" sz="quarter" idx="11"/>
+        </p:txBody>
+      </p:sp>
+      <p:sp>
+        <p:nvSpPr>
+          <p:cNvPr id="3" name="Content Placeholder 2"/>
+          <p:cNvSpPr>
+            <a:spLocks noGrp="1"/>
+          </p:cNvSpPr>
+          <p:nvPr>
+            <p:ph idx="1"/>
           </p:nvPr>
         </p:nvSpPr>
         <p:spPr/>
@@ -10041,14 +11774,140 @@
           <a:bodyPr/>
           <a:lstStyle/>
           <a:p>
-            <a:endParaRPr lang="en-US"/>
+            <a:r>
+              <a:rPr lang="en-US" b="1" dirty="0"/>
+              <a:t>Borders</a:t>
+            </a:r>
+          </a:p>
+          <a:p>
+            <a:r>
+              <a:rPr lang="en-US" dirty="0"/>
+              <a:t>Use border utilities to quickly style the border and border-radius of an element. Great for images, buttons, or any other element</a:t>
+            </a:r>
+            <a:r>
+              <a:rPr lang="en-US" dirty="0" smtClean="0"/>
+              <a:t>.</a:t>
+            </a:r>
+          </a:p>
+          <a:p>
+            <a:r>
+              <a:rPr lang="en-US" b="1" dirty="0"/>
+              <a:t>Colors</a:t>
+            </a:r>
+          </a:p>
+          <a:p>
+            <a:r>
+              <a:rPr lang="en-US" dirty="0"/>
+              <a:t>Convey meaning through color with a handful of color utility classes. Includes support for styling links with hover states, </a:t>
+            </a:r>
+            <a:r>
+              <a:rPr lang="en-US" dirty="0" smtClean="0"/>
+              <a:t>too</a:t>
+            </a:r>
+          </a:p>
+          <a:p>
+            <a:r>
+              <a:rPr lang="en-US" b="1" dirty="0"/>
+              <a:t>Interactions</a:t>
+            </a:r>
+          </a:p>
+          <a:p>
+            <a:r>
+              <a:rPr lang="en-US" dirty="0"/>
+              <a:t>Utility classes that change how users interact with contents of a website</a:t>
+            </a:r>
+            <a:r>
+              <a:rPr lang="en-US" dirty="0" smtClean="0"/>
+              <a:t>.</a:t>
+            </a:r>
+          </a:p>
+          <a:p>
+            <a:r>
+              <a:rPr lang="en-US" b="1" dirty="0"/>
+              <a:t>Overflow</a:t>
+            </a:r>
+          </a:p>
+          <a:p>
+            <a:r>
+              <a:rPr lang="en-US" dirty="0"/>
+              <a:t>Use these shorthand utilities for quickly configuring how content overflows an element</a:t>
+            </a:r>
+            <a:r>
+              <a:rPr lang="en-US" dirty="0" smtClean="0"/>
+              <a:t>.</a:t>
+            </a:r>
+          </a:p>
+          <a:p>
+            <a:r>
+              <a:rPr lang="en-US" b="1" dirty="0"/>
+              <a:t>Shadows</a:t>
+            </a:r>
+          </a:p>
+          <a:p>
+            <a:r>
+              <a:rPr lang="en-US" dirty="0"/>
+              <a:t>Add or remove shadows to elements with box-shadow utilities</a:t>
+            </a:r>
+            <a:r>
+              <a:rPr lang="en-US" dirty="0" smtClean="0"/>
+              <a:t>.</a:t>
+            </a:r>
+          </a:p>
+          <a:p>
+            <a:r>
+              <a:rPr lang="en-US" b="1" dirty="0"/>
+              <a:t>Text</a:t>
+            </a:r>
+          </a:p>
+          <a:p>
+            <a:r>
+              <a:rPr lang="en-US" dirty="0"/>
+              <a:t>Documentation and examples for common text utilities to control alignment, wrapping, weight, and more</a:t>
+            </a:r>
+            <a:r>
+              <a:rPr lang="en-US" dirty="0" smtClean="0"/>
+              <a:t>.</a:t>
+            </a:r>
+          </a:p>
+          <a:p>
+            <a:r>
+              <a:rPr lang="en-US" dirty="0" smtClean="0"/>
+              <a:t>And </a:t>
+            </a:r>
+            <a:r>
+              <a:rPr lang="en-US" dirty="0"/>
+              <a:t>m</a:t>
+            </a:r>
+            <a:r>
+              <a:rPr lang="en-US" dirty="0" smtClean="0"/>
+              <a:t>any more!</a:t>
+            </a:r>
+            <a:endParaRPr lang="en-US" dirty="0"/>
+          </a:p>
+          <a:p>
+            <a:endParaRPr lang="en-US" dirty="0"/>
+          </a:p>
+          <a:p>
+            <a:endParaRPr lang="en-US" dirty="0"/>
+          </a:p>
+          <a:p>
+            <a:endParaRPr lang="en-US" dirty="0"/>
+          </a:p>
+          <a:p>
+            <a:endParaRPr lang="en-US" dirty="0"/>
+          </a:p>
+          <a:p>
+            <a:endParaRPr lang="en-US" dirty="0" smtClean="0"/>
+          </a:p>
+          <a:p>
+            <a:endParaRPr lang="en-US" dirty="0"/>
           </a:p>
         </p:txBody>
       </p:sp>
     </p:spTree>
     <p:extLst>
       <p:ext uri="{BB962C8B-B14F-4D97-AF65-F5344CB8AC3E}">
-        <p14:creationId xmlns:p14="http://schemas.microsoft.com/office/powerpoint/2010/main" val="3165099079"/>
+        <p14:creationId xmlns:p14="http://schemas.microsoft.com/office/powerpoint/2010/main" val="2795602191"/>
       </p:ext>
     </p:extLst>
   </p:cSld>
@@ -10091,20 +11950,29 @@
           <a:lstStyle/>
           <a:p>
             <a:r>
-              <a:rPr lang="en-US" dirty="0"/>
-              <a:t>Our Workflow</a:t>
-            </a:r>
-          </a:p>
-        </p:txBody>
-      </p:sp>
-      <p:sp>
-        <p:nvSpPr>
-          <p:cNvPr id="3" name="Content Placeholder 2"/>
-          <p:cNvSpPr>
-            <a:spLocks noGrp="1"/>
-          </p:cNvSpPr>
-          <p:nvPr>
-            <p:ph idx="1"/>
+              <a:rPr lang="en-US" b="0" dirty="0" smtClean="0"/>
+              <a:t>Utility Classes</a:t>
+            </a:r>
+            <a:r>
+              <a:rPr lang="en-US" dirty="0"/>
+              <a:t> </a:t>
+            </a:r>
+            <a:r>
+              <a:rPr lang="en-US" dirty="0" smtClean="0"/>
+              <a:t>(So Many More)</a:t>
+            </a:r>
+            <a:endParaRPr lang="en-US" dirty="0"/>
+          </a:p>
+        </p:txBody>
+      </p:sp>
+      <p:sp>
+        <p:nvSpPr>
+          <p:cNvPr id="4" name="Text Placeholder 3"/>
+          <p:cNvSpPr>
+            <a:spLocks noGrp="1"/>
+          </p:cNvSpPr>
+          <p:nvPr>
+            <p:ph type="body" sz="quarter" idx="11"/>
           </p:nvPr>
         </p:nvSpPr>
         <p:spPr/>
@@ -10112,21 +11980,22 @@
           <a:bodyPr/>
           <a:lstStyle/>
           <a:p>
-            <a:pPr marL="0" indent="0">
-              <a:buNone/>
-            </a:pPr>
+            <a:r>
+              <a:rPr lang="en-US" dirty="0"/>
+              <a:t>Source Bootstrap Documentation</a:t>
+            </a:r>
             <a:endParaRPr lang="en-US" dirty="0"/>
           </a:p>
         </p:txBody>
       </p:sp>
       <p:sp>
         <p:nvSpPr>
-          <p:cNvPr id="4" name="Text Placeholder 3"/>
-          <p:cNvSpPr>
-            <a:spLocks noGrp="1"/>
-          </p:cNvSpPr>
-          <p:nvPr>
-            <p:ph type="body" sz="quarter" idx="11"/>
+          <p:cNvPr id="3" name="Content Placeholder 2"/>
+          <p:cNvSpPr>
+            <a:spLocks noGrp="1"/>
+          </p:cNvSpPr>
+          <p:nvPr>
+            <p:ph idx="1"/>
           </p:nvPr>
         </p:nvSpPr>
         <p:spPr/>
@@ -10134,38 +12003,83 @@
           <a:bodyPr/>
           <a:lstStyle/>
           <a:p>
-            <a:endParaRPr lang="en-US"/>
-          </a:p>
-        </p:txBody>
-      </p:sp>
-      <p:pic>
-        <p:nvPicPr>
-          <p:cNvPr id="5" name="Picture 4"/>
-          <p:cNvPicPr>
-            <a:picLocks noChangeAspect="1"/>
-          </p:cNvPicPr>
-          <p:nvPr/>
-        </p:nvPicPr>
-        <p:blipFill>
-          <a:blip r:embed="rId2"/>
-          <a:stretch>
-            <a:fillRect/>
-          </a:stretch>
-        </p:blipFill>
-        <p:spPr>
-          <a:xfrm>
-            <a:off x="2700337" y="1004887"/>
-            <a:ext cx="6791325" cy="4848225"/>
-          </a:xfrm>
-          <a:prstGeom prst="rect">
-            <a:avLst/>
-          </a:prstGeom>
-        </p:spPr>
-      </p:pic>
+            <a:pPr marL="0" indent="0">
+              <a:buNone/>
+            </a:pPr>
+            <a:r>
+              <a:rPr lang="en-US" dirty="0" smtClean="0"/>
+              <a:t>Embracing Bootstrap is good for a few reasons- </a:t>
+            </a:r>
+          </a:p>
+          <a:p>
+            <a:pPr marL="342900" indent="-342900">
+              <a:buFont typeface="+mj-lt"/>
+              <a:buAutoNum type="arabicPeriod"/>
+            </a:pPr>
+            <a:r>
+              <a:rPr lang="en-US" dirty="0" smtClean="0"/>
+              <a:t>You write less code</a:t>
+            </a:r>
+            <a:endParaRPr lang="en-US" dirty="0"/>
+          </a:p>
+          <a:p>
+            <a:pPr marL="342900" indent="-342900">
+              <a:buFont typeface="+mj-lt"/>
+              <a:buAutoNum type="arabicPeriod"/>
+            </a:pPr>
+            <a:r>
+              <a:rPr lang="en-US" dirty="0" smtClean="0"/>
+              <a:t>Everything is based on the same system so is consistent. One developer isn’t writing pixel values for margin while another is writing relative values like % or REM. </a:t>
+            </a:r>
+          </a:p>
+          <a:p>
+            <a:pPr marL="342900" indent="-342900">
+              <a:buFont typeface="+mj-lt"/>
+              <a:buAutoNum type="arabicPeriod"/>
+            </a:pPr>
+            <a:r>
+              <a:rPr lang="en-US" dirty="0" smtClean="0"/>
+              <a:t>If you refrain from writing custom styles, you never have to worry about hunting for an instance of a color or a pixel definition of a layout. It’s all relative and all tied directly into the core Bootstrap system so you can make changes to the Bootstrap theme and everything just flows down to your app</a:t>
+            </a:r>
+          </a:p>
+          <a:p>
+            <a:pPr marL="342900" indent="-342900">
+              <a:buFont typeface="+mj-lt"/>
+              <a:buAutoNum type="arabicPeriod"/>
+            </a:pPr>
+            <a:r>
+              <a:rPr lang="en-US" dirty="0" smtClean="0"/>
+              <a:t>You don’t actually need to know CSS. You just need to know what class you need for the thing you’re trying to accomplish. You don’t need to know what flexbox even is or what media queries are. You just follow the Bootstrap pattern and it just works </a:t>
+            </a:r>
+          </a:p>
+          <a:p>
+            <a:pPr marL="342900" indent="-342900">
+              <a:buFont typeface="+mj-lt"/>
+              <a:buAutoNum type="arabicPeriod"/>
+            </a:pPr>
+            <a:endParaRPr lang="en-US" dirty="0"/>
+          </a:p>
+          <a:p>
+            <a:endParaRPr lang="en-US" dirty="0"/>
+          </a:p>
+          <a:p>
+            <a:endParaRPr lang="en-US" dirty="0"/>
+          </a:p>
+          <a:p>
+            <a:endParaRPr lang="en-US" dirty="0"/>
+          </a:p>
+          <a:p>
+            <a:endParaRPr lang="en-US" dirty="0" smtClean="0"/>
+          </a:p>
+          <a:p>
+            <a:endParaRPr lang="en-US" dirty="0"/>
+          </a:p>
+        </p:txBody>
+      </p:sp>
     </p:spTree>
     <p:extLst>
       <p:ext uri="{BB962C8B-B14F-4D97-AF65-F5344CB8AC3E}">
-        <p14:creationId xmlns:p14="http://schemas.microsoft.com/office/powerpoint/2010/main" val="1322784567"/>
+        <p14:creationId xmlns:p14="http://schemas.microsoft.com/office/powerpoint/2010/main" val="1698667710"/>
       </p:ext>
     </p:extLst>
   </p:cSld>
@@ -10402,20 +12316,21 @@
           <a:lstStyle/>
           <a:p>
             <a:r>
-              <a:rPr lang="en-US" dirty="0"/>
-              <a:t>Our Workflow</a:t>
-            </a:r>
-          </a:p>
-        </p:txBody>
-      </p:sp>
-      <p:sp>
-        <p:nvSpPr>
-          <p:cNvPr id="3" name="Content Placeholder 2"/>
-          <p:cNvSpPr>
-            <a:spLocks noGrp="1"/>
-          </p:cNvSpPr>
-          <p:nvPr>
-            <p:ph idx="1"/>
+              <a:rPr lang="en-US" b="0" dirty="0" smtClean="0"/>
+              <a:t>Resources</a:t>
+            </a:r>
+            <a:endParaRPr lang="en-US" dirty="0"/>
+          </a:p>
+        </p:txBody>
+      </p:sp>
+      <p:sp>
+        <p:nvSpPr>
+          <p:cNvPr id="4" name="Text Placeholder 3"/>
+          <p:cNvSpPr>
+            <a:spLocks noGrp="1"/>
+          </p:cNvSpPr>
+          <p:nvPr>
+            <p:ph type="body" sz="quarter" idx="11"/>
           </p:nvPr>
         </p:nvSpPr>
         <p:spPr/>
@@ -10423,39 +12338,22 @@
           <a:bodyPr/>
           <a:lstStyle/>
           <a:p>
-            <a:pPr marL="0" indent="0">
-              <a:buNone/>
-            </a:pPr>
-            <a:r>
-              <a:rPr lang="en-US" dirty="0"/>
-              <a:t>Once you have pushed your changes to GitHub, open a pull request.</a:t>
-            </a:r>
-          </a:p>
-          <a:p>
-            <a:pPr marL="0" indent="0">
-              <a:buNone/>
-            </a:pPr>
+            <a:r>
+              <a:rPr lang="en-US" dirty="0"/>
+              <a:t>Source Bootstrap Documentation</a:t>
+            </a:r>
             <a:endParaRPr lang="en-US" dirty="0"/>
           </a:p>
-          <a:p>
-            <a:pPr marL="0" indent="0">
-              <a:buNone/>
-            </a:pPr>
-            <a:r>
-              <a:rPr lang="en-US" dirty="0"/>
-              <a:t>There are two aspects of working with pull requests, one is as a developer and the other is as a reviewer. You're going to be expected to take part in both roles.</a:t>
-            </a:r>
-          </a:p>
-        </p:txBody>
-      </p:sp>
-      <p:sp>
-        <p:nvSpPr>
-          <p:cNvPr id="4" name="Text Placeholder 3"/>
-          <p:cNvSpPr>
-            <a:spLocks noGrp="1"/>
-          </p:cNvSpPr>
-          <p:nvPr>
-            <p:ph type="body" sz="quarter" idx="11"/>
+        </p:txBody>
+      </p:sp>
+      <p:sp>
+        <p:nvSpPr>
+          <p:cNvPr id="3" name="Content Placeholder 2"/>
+          <p:cNvSpPr>
+            <a:spLocks noGrp="1"/>
+          </p:cNvSpPr>
+          <p:nvPr>
+            <p:ph idx="1"/>
           </p:nvPr>
         </p:nvSpPr>
         <p:spPr/>
@@ -10463,532 +12361,130 @@
           <a:bodyPr/>
           <a:lstStyle/>
           <a:p>
-            <a:endParaRPr lang="en-US"/>
+            <a:pPr marL="342900" indent="-342900">
+              <a:buFont typeface="+mj-lt"/>
+              <a:buAutoNum type="arabicPeriod"/>
+            </a:pPr>
+            <a:r>
+              <a:rPr lang="en-US" dirty="0"/>
+              <a:t>MDN CSS </a:t>
+            </a:r>
+            <a:r>
+              <a:rPr lang="en-US" dirty="0" smtClean="0"/>
+              <a:t>- </a:t>
+            </a:r>
+            <a:r>
+              <a:rPr lang="en-US" dirty="0" smtClean="0">
+                <a:hlinkClick r:id="rId2"/>
+              </a:rPr>
+              <a:t>https</a:t>
+            </a:r>
+            <a:r>
+              <a:rPr lang="en-US" dirty="0">
+                <a:hlinkClick r:id="rId2"/>
+              </a:rPr>
+              <a:t>://</a:t>
+            </a:r>
+            <a:r>
+              <a:rPr lang="en-US" dirty="0" smtClean="0">
+                <a:hlinkClick r:id="rId2"/>
+              </a:rPr>
+              <a:t>developer.mozilla.org/en-US/docs/Web/CSS</a:t>
+            </a:r>
+            <a:endParaRPr lang="en-US" dirty="0" smtClean="0"/>
+          </a:p>
+          <a:p>
+            <a:pPr marL="342900" indent="-342900">
+              <a:buFont typeface="+mj-lt"/>
+              <a:buAutoNum type="arabicPeriod"/>
+            </a:pPr>
+            <a:r>
+              <a:rPr lang="en-US" dirty="0"/>
+              <a:t>Bootstrap Docs - </a:t>
+            </a:r>
+            <a:r>
+              <a:rPr lang="en-US" dirty="0">
+                <a:hlinkClick r:id="rId3"/>
+              </a:rPr>
+              <a:t>https://getbootstrap.com</a:t>
+            </a:r>
+            <a:r>
+              <a:rPr lang="en-US" dirty="0" smtClean="0">
+                <a:hlinkClick r:id="rId3"/>
+              </a:rPr>
+              <a:t>/</a:t>
+            </a:r>
+            <a:endParaRPr lang="en-US" dirty="0" smtClean="0"/>
+          </a:p>
+          <a:p>
+            <a:pPr marL="342900" indent="-342900">
+              <a:buFont typeface="+mj-lt"/>
+              <a:buAutoNum type="arabicPeriod"/>
+            </a:pPr>
+            <a:r>
+              <a:rPr lang="en-US" dirty="0" err="1" smtClean="0"/>
+              <a:t>Ngx</a:t>
+            </a:r>
+            <a:r>
+              <a:rPr lang="en-US" dirty="0"/>
+              <a:t>-bootstrap - </a:t>
+            </a:r>
+            <a:r>
+              <a:rPr lang="en-US" dirty="0">
+                <a:hlinkClick r:id="rId4"/>
+              </a:rPr>
+              <a:t>https://valor-software.com/ngx-bootstrap</a:t>
+            </a:r>
+            <a:r>
+              <a:rPr lang="en-US" dirty="0" smtClean="0">
+                <a:hlinkClick r:id="rId4"/>
+              </a:rPr>
+              <a:t>/#/</a:t>
+            </a:r>
+            <a:endParaRPr lang="en-US" dirty="0" smtClean="0"/>
+          </a:p>
+          <a:p>
+            <a:pPr marL="342900" indent="-342900">
+              <a:buFont typeface="+mj-lt"/>
+              <a:buAutoNum type="arabicPeriod"/>
+            </a:pPr>
+            <a:endParaRPr lang="en-US" dirty="0" smtClean="0"/>
+          </a:p>
+          <a:p>
+            <a:pPr marL="342900" indent="-342900">
+              <a:buFont typeface="+mj-lt"/>
+              <a:buAutoNum type="arabicPeriod"/>
+            </a:pPr>
+            <a:endParaRPr lang="en-US" dirty="0" smtClean="0"/>
+          </a:p>
+          <a:p>
+            <a:pPr marL="342900" indent="-342900">
+              <a:buFont typeface="+mj-lt"/>
+              <a:buAutoNum type="arabicPeriod"/>
+            </a:pPr>
+            <a:endParaRPr lang="en-US" dirty="0"/>
+          </a:p>
+          <a:p>
+            <a:endParaRPr lang="en-US" dirty="0"/>
+          </a:p>
+          <a:p>
+            <a:endParaRPr lang="en-US" dirty="0"/>
+          </a:p>
+          <a:p>
+            <a:endParaRPr lang="en-US" dirty="0"/>
+          </a:p>
+          <a:p>
+            <a:endParaRPr lang="en-US" dirty="0" smtClean="0"/>
+          </a:p>
+          <a:p>
+            <a:endParaRPr lang="en-US" dirty="0"/>
           </a:p>
         </p:txBody>
       </p:sp>
     </p:spTree>
     <p:extLst>
       <p:ext uri="{BB962C8B-B14F-4D97-AF65-F5344CB8AC3E}">
-        <p14:creationId xmlns:p14="http://schemas.microsoft.com/office/powerpoint/2010/main" val="1047804675"/>
-      </p:ext>
-    </p:extLst>
-  </p:cSld>
-  <p:clrMapOvr>
-    <a:masterClrMapping/>
-  </p:clrMapOvr>
-</p:sld>
-</file>
-
-<file path=ppt/slides/slide41.xml><?xml version="1.0" encoding="utf-8"?>
-<p:sld xmlns:a="http://schemas.openxmlformats.org/drawingml/2006/main" xmlns:r="http://schemas.openxmlformats.org/officeDocument/2006/relationships" xmlns:p="http://schemas.openxmlformats.org/presentationml/2006/main">
-  <p:cSld>
-    <p:spTree>
-      <p:nvGrpSpPr>
-        <p:cNvPr id="1" name=""/>
-        <p:cNvGrpSpPr/>
-        <p:nvPr/>
-      </p:nvGrpSpPr>
-      <p:grpSpPr>
-        <a:xfrm>
-          <a:off x="0" y="0"/>
-          <a:ext cx="0" cy="0"/>
-          <a:chOff x="0" y="0"/>
-          <a:chExt cx="0" cy="0"/>
-        </a:xfrm>
-      </p:grpSpPr>
-      <p:sp>
-        <p:nvSpPr>
-          <p:cNvPr id="2" name="Title 1"/>
-          <p:cNvSpPr>
-            <a:spLocks noGrp="1"/>
-          </p:cNvSpPr>
-          <p:nvPr>
-            <p:ph type="title"/>
-          </p:nvPr>
-        </p:nvSpPr>
-        <p:spPr/>
-        <p:txBody>
-          <a:bodyPr/>
-          <a:lstStyle/>
-          <a:p>
-            <a:r>
-              <a:rPr lang="en-US" dirty="0"/>
-              <a:t>Our Workflow</a:t>
-            </a:r>
-          </a:p>
-        </p:txBody>
-      </p:sp>
-      <p:sp>
-        <p:nvSpPr>
-          <p:cNvPr id="3" name="Content Placeholder 2"/>
-          <p:cNvSpPr>
-            <a:spLocks noGrp="1"/>
-          </p:cNvSpPr>
-          <p:nvPr>
-            <p:ph idx="1"/>
-          </p:nvPr>
-        </p:nvSpPr>
-        <p:spPr/>
-        <p:txBody>
-          <a:bodyPr/>
-          <a:lstStyle/>
-          <a:p>
-            <a:pPr marL="0" indent="0">
-              <a:buNone/>
-            </a:pPr>
-            <a:r>
-              <a:rPr lang="en-US" dirty="0"/>
-              <a:t>Developer</a:t>
-            </a:r>
-          </a:p>
-          <a:p>
-            <a:pPr marL="285750" indent="-285750"/>
-            <a:r>
-              <a:rPr lang="en-US" dirty="0"/>
-              <a:t>Open pull request within GitHub</a:t>
-            </a:r>
-          </a:p>
-          <a:p>
-            <a:pPr marL="285750" indent="-285750"/>
-            <a:r>
-              <a:rPr lang="en-US" dirty="0"/>
-              <a:t>Enter short summary of work completed.</a:t>
-            </a:r>
-          </a:p>
-          <a:p>
-            <a:pPr marL="285750" indent="-285750"/>
-            <a:r>
-              <a:rPr lang="en-US" dirty="0"/>
-              <a:t>Assign team-</a:t>
-            </a:r>
-            <a:r>
-              <a:rPr lang="en-US" dirty="0" err="1"/>
-              <a:t>sherpa</a:t>
-            </a:r>
-            <a:r>
-              <a:rPr lang="en-US" dirty="0"/>
-              <a:t> as reviewers</a:t>
-            </a:r>
-          </a:p>
-          <a:p>
-            <a:pPr marL="285750" indent="-285750"/>
-            <a:r>
-              <a:rPr lang="en-US" dirty="0"/>
-              <a:t>Assign yourself as the assignee</a:t>
-            </a:r>
-          </a:p>
-          <a:p>
-            <a:pPr marL="285750" indent="-285750"/>
-            <a:r>
-              <a:rPr lang="en-US" dirty="0"/>
-              <a:t>If the code is "ready to review" then tag it that way and mention that the code is ready to review in Microsoft Teams</a:t>
-            </a:r>
-          </a:p>
-          <a:p>
-            <a:pPr marL="285750" indent="-285750"/>
-            <a:r>
-              <a:rPr lang="en-US" dirty="0"/>
-              <a:t>If it's not ready, tag is "work in progress" or add WIP to the title.</a:t>
-            </a:r>
-          </a:p>
-          <a:p>
-            <a:pPr marL="285750" indent="-285750"/>
-            <a:r>
-              <a:rPr lang="en-US" dirty="0"/>
-              <a:t>When you're ready for review, personally review files for the PR. Ensure there are no accidental files added to the PR.</a:t>
-            </a:r>
-          </a:p>
-          <a:p>
-            <a:pPr marL="285750" indent="-285750"/>
-            <a:r>
-              <a:rPr lang="en-US" dirty="0"/>
-              <a:t>At this point it should also be ready for testing. Build the code to our integration environment and move the ticket to testing so the product team can know to test it. </a:t>
-            </a:r>
-          </a:p>
-          <a:p>
-            <a:pPr marL="860425" lvl="1" indent="-285750"/>
-            <a:r>
-              <a:rPr lang="en-US" dirty="0"/>
-              <a:t>If the product team is not satisfied with your work and you need to continue to make changes, make sure you’re merging Development into your branch as you continue to work on your issue</a:t>
-            </a:r>
-          </a:p>
-          <a:p>
-            <a:pPr marL="285750" indent="-285750"/>
-            <a:r>
-              <a:rPr lang="en-US" dirty="0"/>
-              <a:t>Once you have received one or more positive reviews and the code is approved by the product team. Squash and merge your PR and delete the branch.</a:t>
-            </a:r>
-          </a:p>
-          <a:p>
-            <a:pPr marL="285750" indent="-285750"/>
-            <a:endParaRPr lang="en-US" dirty="0"/>
-          </a:p>
-          <a:p>
-            <a:pPr marL="285750" indent="-285750"/>
-            <a:endParaRPr lang="en-US" dirty="0"/>
-          </a:p>
-        </p:txBody>
-      </p:sp>
-      <p:sp>
-        <p:nvSpPr>
-          <p:cNvPr id="4" name="Text Placeholder 3"/>
-          <p:cNvSpPr>
-            <a:spLocks noGrp="1"/>
-          </p:cNvSpPr>
-          <p:nvPr>
-            <p:ph type="body" sz="quarter" idx="11"/>
-          </p:nvPr>
-        </p:nvSpPr>
-        <p:spPr/>
-        <p:txBody>
-          <a:bodyPr/>
-          <a:lstStyle/>
-          <a:p>
-            <a:endParaRPr lang="en-US"/>
-          </a:p>
-        </p:txBody>
-      </p:sp>
-    </p:spTree>
-    <p:extLst>
-      <p:ext uri="{BB962C8B-B14F-4D97-AF65-F5344CB8AC3E}">
-        <p14:creationId xmlns:p14="http://schemas.microsoft.com/office/powerpoint/2010/main" val="2835047296"/>
-      </p:ext>
-    </p:extLst>
-  </p:cSld>
-  <p:clrMapOvr>
-    <a:masterClrMapping/>
-  </p:clrMapOvr>
-</p:sld>
-</file>
-
-<file path=ppt/slides/slide42.xml><?xml version="1.0" encoding="utf-8"?>
-<p:sld xmlns:a="http://schemas.openxmlformats.org/drawingml/2006/main" xmlns:r="http://schemas.openxmlformats.org/officeDocument/2006/relationships" xmlns:p="http://schemas.openxmlformats.org/presentationml/2006/main">
-  <p:cSld>
-    <p:spTree>
-      <p:nvGrpSpPr>
-        <p:cNvPr id="1" name=""/>
-        <p:cNvGrpSpPr/>
-        <p:nvPr/>
-      </p:nvGrpSpPr>
-      <p:grpSpPr>
-        <a:xfrm>
-          <a:off x="0" y="0"/>
-          <a:ext cx="0" cy="0"/>
-          <a:chOff x="0" y="0"/>
-          <a:chExt cx="0" cy="0"/>
-        </a:xfrm>
-      </p:grpSpPr>
-      <p:sp>
-        <p:nvSpPr>
-          <p:cNvPr id="2" name="Title 1"/>
-          <p:cNvSpPr>
-            <a:spLocks noGrp="1"/>
-          </p:cNvSpPr>
-          <p:nvPr>
-            <p:ph type="title"/>
-          </p:nvPr>
-        </p:nvSpPr>
-        <p:spPr/>
-        <p:txBody>
-          <a:bodyPr/>
-          <a:lstStyle/>
-          <a:p>
-            <a:r>
-              <a:rPr lang="en-US" dirty="0"/>
-              <a:t>Our Workflow</a:t>
-            </a:r>
-          </a:p>
-        </p:txBody>
-      </p:sp>
-      <p:sp>
-        <p:nvSpPr>
-          <p:cNvPr id="3" name="Content Placeholder 2"/>
-          <p:cNvSpPr>
-            <a:spLocks noGrp="1"/>
-          </p:cNvSpPr>
-          <p:nvPr>
-            <p:ph idx="1"/>
-          </p:nvPr>
-        </p:nvSpPr>
-        <p:spPr/>
-        <p:txBody>
-          <a:bodyPr/>
-          <a:lstStyle/>
-          <a:p>
-            <a:pPr marL="0" indent="0">
-              <a:buNone/>
-            </a:pPr>
-            <a:r>
-              <a:rPr lang="en-US" dirty="0"/>
-              <a:t>Reviewer</a:t>
-            </a:r>
-          </a:p>
-          <a:p>
-            <a:pPr marL="285750" indent="-285750"/>
-            <a:r>
-              <a:rPr lang="en-US" dirty="0"/>
-              <a:t>Review files changed and check for things like:</a:t>
-            </a:r>
-          </a:p>
-          <a:p>
-            <a:pPr marL="285750" indent="-285750"/>
-            <a:r>
-              <a:rPr lang="en-US" dirty="0"/>
-              <a:t>Merge conflicts</a:t>
-            </a:r>
-          </a:p>
-          <a:p>
-            <a:pPr marL="285750" indent="-285750"/>
-            <a:r>
-              <a:rPr lang="en-US" dirty="0"/>
-              <a:t>Confusing/Inefficient/unnecessary code</a:t>
-            </a:r>
-          </a:p>
-          <a:p>
-            <a:pPr marL="285750" indent="-285750"/>
-            <a:r>
-              <a:rPr lang="en-US" dirty="0"/>
-              <a:t>Undocumented/out of scope additions </a:t>
-            </a:r>
-          </a:p>
-          <a:p>
-            <a:pPr marL="285750" indent="-285750"/>
-            <a:r>
-              <a:rPr lang="en-US" dirty="0"/>
-              <a:t>Dependency modifications</a:t>
-            </a:r>
-          </a:p>
-          <a:p>
-            <a:pPr marL="285750" indent="-285750"/>
-            <a:r>
-              <a:rPr lang="en-US" dirty="0"/>
-              <a:t>Strange looking </a:t>
-            </a:r>
-            <a:r>
-              <a:rPr lang="en-US" dirty="0" err="1"/>
-              <a:t>git</a:t>
-            </a:r>
-            <a:r>
-              <a:rPr lang="en-US" dirty="0"/>
-              <a:t> history</a:t>
-            </a:r>
-          </a:p>
-          <a:p>
-            <a:pPr marL="285750" indent="-285750"/>
-            <a:r>
-              <a:rPr lang="en-US" dirty="0"/>
-              <a:t>Test the branch</a:t>
-            </a:r>
-          </a:p>
-          <a:p>
-            <a:pPr marL="0" indent="0">
-              <a:buNone/>
-            </a:pPr>
-            <a:r>
-              <a:rPr lang="en-US" dirty="0" err="1">
-                <a:latin typeface="Consolas" panose="020B0609020204030204" pitchFamily="49" charset="0"/>
-              </a:rPr>
-              <a:t>git</a:t>
-            </a:r>
-            <a:r>
-              <a:rPr lang="en-US" dirty="0">
-                <a:latin typeface="Consolas" panose="020B0609020204030204" pitchFamily="49" charset="0"/>
-              </a:rPr>
-              <a:t> fetch origin  </a:t>
-            </a:r>
-          </a:p>
-          <a:p>
-            <a:pPr marL="0" indent="0">
-              <a:buNone/>
-            </a:pPr>
-            <a:r>
-              <a:rPr lang="en-US" dirty="0" err="1">
-                <a:latin typeface="Consolas" panose="020B0609020204030204" pitchFamily="49" charset="0"/>
-              </a:rPr>
-              <a:t>git</a:t>
-            </a:r>
-            <a:r>
-              <a:rPr lang="en-US" dirty="0">
-                <a:latin typeface="Consolas" panose="020B0609020204030204" pitchFamily="49" charset="0"/>
-              </a:rPr>
-              <a:t> checkout -b [branch name] origin/[branch name]   </a:t>
-            </a:r>
-          </a:p>
-          <a:p>
-            <a:pPr marL="0" indent="0">
-              <a:buNone/>
-            </a:pPr>
-            <a:r>
-              <a:rPr lang="en-US" dirty="0" err="1">
-                <a:latin typeface="Consolas" panose="020B0609020204030204" pitchFamily="49" charset="0"/>
-              </a:rPr>
-              <a:t>git</a:t>
-            </a:r>
-            <a:r>
-              <a:rPr lang="en-US" dirty="0">
-                <a:latin typeface="Consolas" panose="020B0609020204030204" pitchFamily="49" charset="0"/>
-              </a:rPr>
-              <a:t> merge Development</a:t>
-            </a:r>
-          </a:p>
-          <a:p>
-            <a:pPr marL="285750" indent="-285750"/>
-            <a:r>
-              <a:rPr lang="en-US" dirty="0"/>
-              <a:t>Ensure that it builds without errors</a:t>
-            </a:r>
-          </a:p>
-          <a:p>
-            <a:pPr marL="285750" indent="-285750"/>
-            <a:r>
-              <a:rPr lang="en-US" dirty="0"/>
-              <a:t>Ensure that the homepage, apps, and lists load and that you can create an app.</a:t>
-            </a:r>
-          </a:p>
-          <a:p>
-            <a:pPr marL="285750" indent="-285750"/>
-            <a:r>
-              <a:rPr lang="en-US" dirty="0"/>
-              <a:t>Approve or deny the pull request. If you deny it, ask questions. PRs should be the place where you as a reviewer learn about the code being written for the project and this is the best place to ask questions. </a:t>
-            </a:r>
-          </a:p>
-          <a:p>
-            <a:pPr marL="0" indent="0">
-              <a:buNone/>
-            </a:pPr>
-            <a:endParaRPr lang="en-US" dirty="0"/>
-          </a:p>
-        </p:txBody>
-      </p:sp>
-      <p:sp>
-        <p:nvSpPr>
-          <p:cNvPr id="4" name="Text Placeholder 3"/>
-          <p:cNvSpPr>
-            <a:spLocks noGrp="1"/>
-          </p:cNvSpPr>
-          <p:nvPr>
-            <p:ph type="body" sz="quarter" idx="11"/>
-          </p:nvPr>
-        </p:nvSpPr>
-        <p:spPr/>
-        <p:txBody>
-          <a:bodyPr/>
-          <a:lstStyle/>
-          <a:p>
-            <a:endParaRPr lang="en-US"/>
-          </a:p>
-        </p:txBody>
-      </p:sp>
-    </p:spTree>
-    <p:extLst>
-      <p:ext uri="{BB962C8B-B14F-4D97-AF65-F5344CB8AC3E}">
-        <p14:creationId xmlns:p14="http://schemas.microsoft.com/office/powerpoint/2010/main" val="4047370492"/>
-      </p:ext>
-    </p:extLst>
-  </p:cSld>
-  <p:clrMapOvr>
-    <a:masterClrMapping/>
-  </p:clrMapOvr>
-</p:sld>
-</file>
-
-<file path=ppt/slides/slide43.xml><?xml version="1.0" encoding="utf-8"?>
-<p:sld xmlns:a="http://schemas.openxmlformats.org/drawingml/2006/main" xmlns:r="http://schemas.openxmlformats.org/officeDocument/2006/relationships" xmlns:p="http://schemas.openxmlformats.org/presentationml/2006/main">
-  <p:cSld>
-    <p:spTree>
-      <p:nvGrpSpPr>
-        <p:cNvPr id="1" name=""/>
-        <p:cNvGrpSpPr/>
-        <p:nvPr/>
-      </p:nvGrpSpPr>
-      <p:grpSpPr>
-        <a:xfrm>
-          <a:off x="0" y="0"/>
-          <a:ext cx="0" cy="0"/>
-          <a:chOff x="0" y="0"/>
-          <a:chExt cx="0" cy="0"/>
-        </a:xfrm>
-      </p:grpSpPr>
-      <p:sp>
-        <p:nvSpPr>
-          <p:cNvPr id="2" name="Title 1"/>
-          <p:cNvSpPr>
-            <a:spLocks noGrp="1"/>
-          </p:cNvSpPr>
-          <p:nvPr>
-            <p:ph type="title"/>
-          </p:nvPr>
-        </p:nvSpPr>
-        <p:spPr/>
-        <p:txBody>
-          <a:bodyPr/>
-          <a:lstStyle/>
-          <a:p>
-            <a:r>
-              <a:rPr lang="en-US" dirty="0"/>
-              <a:t>Our Workflow</a:t>
-            </a:r>
-          </a:p>
-        </p:txBody>
-      </p:sp>
-      <p:sp>
-        <p:nvSpPr>
-          <p:cNvPr id="3" name="Content Placeholder 2"/>
-          <p:cNvSpPr>
-            <a:spLocks noGrp="1"/>
-          </p:cNvSpPr>
-          <p:nvPr>
-            <p:ph idx="1"/>
-          </p:nvPr>
-        </p:nvSpPr>
-        <p:spPr/>
-        <p:txBody>
-          <a:bodyPr/>
-          <a:lstStyle/>
-          <a:p>
-            <a:pPr marL="0" indent="0">
-              <a:buNone/>
-            </a:pPr>
-            <a:r>
-              <a:rPr lang="en-US" dirty="0"/>
-              <a:t>The release happens through a PR into the master branch. Do not squash and merge into the master branch.</a:t>
-            </a:r>
-            <a:endParaRPr lang="en-US" dirty="0">
-              <a:latin typeface="Consolas" panose="020B0609020204030204" pitchFamily="49" charset="0"/>
-            </a:endParaRPr>
-          </a:p>
-          <a:p>
-            <a:pPr marL="0" indent="0">
-              <a:buNone/>
-            </a:pPr>
-            <a:endParaRPr lang="en-US" dirty="0"/>
-          </a:p>
-        </p:txBody>
-      </p:sp>
-      <p:sp>
-        <p:nvSpPr>
-          <p:cNvPr id="4" name="Text Placeholder 3"/>
-          <p:cNvSpPr>
-            <a:spLocks noGrp="1"/>
-          </p:cNvSpPr>
-          <p:nvPr>
-            <p:ph type="body" sz="quarter" idx="11"/>
-          </p:nvPr>
-        </p:nvSpPr>
-        <p:spPr/>
-        <p:txBody>
-          <a:bodyPr/>
-          <a:lstStyle/>
-          <a:p>
-            <a:endParaRPr lang="en-US"/>
-          </a:p>
-        </p:txBody>
-      </p:sp>
-    </p:spTree>
-    <p:extLst>
-      <p:ext uri="{BB962C8B-B14F-4D97-AF65-F5344CB8AC3E}">
-        <p14:creationId xmlns:p14="http://schemas.microsoft.com/office/powerpoint/2010/main" val="80372192"/>
+        <p14:creationId xmlns:p14="http://schemas.microsoft.com/office/powerpoint/2010/main" val="309400918"/>
       </p:ext>
     </p:extLst>
   </p:cSld>
@@ -11594,11 +13090,175 @@
               <a:buNone/>
             </a:pPr>
             <a:r>
+              <a:rPr lang="en-US" dirty="0" smtClean="0">
+                <a:latin typeface="Consolas" panose="020B0609020204030204" pitchFamily="49" charset="0"/>
+              </a:rPr>
+              <a:t>Examples</a:t>
+            </a:r>
+            <a:endParaRPr lang="en-US" dirty="0">
+              <a:latin typeface="Consolas" panose="020B0609020204030204" pitchFamily="49" charset="0"/>
+            </a:endParaRPr>
+          </a:p>
+          <a:p>
+            <a:pPr marL="0" indent="0">
+              <a:buNone/>
+            </a:pPr>
+            <a:r>
               <a:rPr lang="en-US" dirty="0">
                 <a:latin typeface="Consolas" panose="020B0609020204030204" pitchFamily="49" charset="0"/>
               </a:rPr>
-              <a:t>Examples</a:t>
-            </a:r>
+              <a:t>tree-root .angular-tree-component-</a:t>
+            </a:r>
+            <a:r>
+              <a:rPr lang="en-US" dirty="0" err="1">
+                <a:latin typeface="Consolas" panose="020B0609020204030204" pitchFamily="49" charset="0"/>
+              </a:rPr>
+              <a:t>rtl</a:t>
+            </a:r>
+            <a:r>
+              <a:rPr lang="en-US" dirty="0">
+                <a:latin typeface="Consolas" panose="020B0609020204030204" pitchFamily="49" charset="0"/>
+              </a:rPr>
+              <a:t> .toggle-children-wrapper-collapsed .</a:t>
+            </a:r>
+            <a:r>
+              <a:rPr lang="en-US" dirty="0" smtClean="0">
+                <a:latin typeface="Consolas" panose="020B0609020204030204" pitchFamily="49" charset="0"/>
+              </a:rPr>
+              <a:t>toggle-children</a:t>
+            </a:r>
+            <a:endParaRPr lang="en-US" dirty="0">
+              <a:latin typeface="Consolas" panose="020B0609020204030204" pitchFamily="49" charset="0"/>
+            </a:endParaRPr>
+          </a:p>
+          <a:p>
+            <a:pPr marL="0" indent="0">
+              <a:buNone/>
+            </a:pPr>
+            <a:r>
+              <a:rPr lang="en-US" dirty="0" smtClean="0">
+                <a:latin typeface="Consolas" panose="020B0609020204030204" pitchFamily="49" charset="0"/>
+              </a:rPr>
+              <a:t>0 3 1 (three classes and one element)</a:t>
+            </a:r>
+          </a:p>
+          <a:p>
+            <a:pPr marL="0" indent="0">
+              <a:buNone/>
+            </a:pPr>
+            <a:r>
+              <a:rPr lang="en-US" dirty="0">
+                <a:latin typeface="Consolas" panose="020B0609020204030204" pitchFamily="49" charset="0"/>
+              </a:rPr>
+              <a:t>.ag-theme-</a:t>
+            </a:r>
+            <a:r>
+              <a:rPr lang="en-US" dirty="0" err="1">
+                <a:latin typeface="Consolas" panose="020B0609020204030204" pitchFamily="49" charset="0"/>
+              </a:rPr>
+              <a:t>balham</a:t>
+            </a:r>
+            <a:r>
+              <a:rPr lang="en-US" dirty="0">
+                <a:latin typeface="Consolas" panose="020B0609020204030204" pitchFamily="49" charset="0"/>
+              </a:rPr>
+              <a:t> input[class^=ag-]:not([type]):</a:t>
+            </a:r>
+            <a:r>
+              <a:rPr lang="en-US" dirty="0" smtClean="0">
+                <a:latin typeface="Consolas" panose="020B0609020204030204" pitchFamily="49" charset="0"/>
+              </a:rPr>
+              <a:t>focus</a:t>
+            </a:r>
+            <a:endParaRPr lang="en-US" dirty="0">
+              <a:latin typeface="Consolas" panose="020B0609020204030204" pitchFamily="49" charset="0"/>
+            </a:endParaRPr>
+          </a:p>
+          <a:p>
+            <a:pPr marL="0" indent="0">
+              <a:buNone/>
+            </a:pPr>
+            <a:r>
+              <a:rPr lang="en-US" dirty="0" smtClean="0">
+                <a:latin typeface="Consolas" panose="020B0609020204030204" pitchFamily="49" charset="0"/>
+              </a:rPr>
+              <a:t>0 4 1 (one class, one attribute selector, two pseudo-classes and one element) </a:t>
+            </a:r>
+          </a:p>
+          <a:p>
+            <a:pPr marL="0" indent="0">
+              <a:buNone/>
+            </a:pPr>
+            <a:r>
+              <a:rPr lang="en-US" dirty="0">
+                <a:latin typeface="Consolas" panose="020B0609020204030204" pitchFamily="49" charset="0"/>
+              </a:rPr>
+              <a:t>.ag-theme-</a:t>
+            </a:r>
+            <a:r>
+              <a:rPr lang="en-US" dirty="0" err="1">
+                <a:latin typeface="Consolas" panose="020B0609020204030204" pitchFamily="49" charset="0"/>
+              </a:rPr>
+              <a:t>balham</a:t>
+            </a:r>
+            <a:r>
+              <a:rPr lang="en-US" dirty="0">
+                <a:latin typeface="Consolas" panose="020B0609020204030204" pitchFamily="49" charset="0"/>
+              </a:rPr>
+              <a:t> .ag-</a:t>
+            </a:r>
+            <a:r>
+              <a:rPr lang="en-US" dirty="0" err="1">
+                <a:latin typeface="Consolas" panose="020B0609020204030204" pitchFamily="49" charset="0"/>
+              </a:rPr>
+              <a:t>ltr</a:t>
+            </a:r>
+            <a:r>
+              <a:rPr lang="en-US" dirty="0">
+                <a:latin typeface="Consolas" panose="020B0609020204030204" pitchFamily="49" charset="0"/>
+              </a:rPr>
+              <a:t> .</a:t>
+            </a:r>
+            <a:r>
+              <a:rPr lang="en-US" dirty="0" err="1">
+                <a:latin typeface="Consolas" panose="020B0609020204030204" pitchFamily="49" charset="0"/>
+              </a:rPr>
+              <a:t>ag-cell.ag-cell-range-selected:not</a:t>
+            </a:r>
+            <a:r>
+              <a:rPr lang="en-US" dirty="0">
+                <a:latin typeface="Consolas" panose="020B0609020204030204" pitchFamily="49" charset="0"/>
+              </a:rPr>
+              <a:t>(.ag-cell-range-single-cell).</a:t>
+            </a:r>
+            <a:r>
+              <a:rPr lang="en-US" dirty="0" smtClean="0">
+                <a:latin typeface="Consolas" panose="020B0609020204030204" pitchFamily="49" charset="0"/>
+              </a:rPr>
+              <a:t>ag-cell-range-left</a:t>
+            </a:r>
+          </a:p>
+          <a:p>
+            <a:pPr marL="0" indent="0">
+              <a:buNone/>
+            </a:pPr>
+            <a:r>
+              <a:rPr lang="en-US" dirty="0" smtClean="0">
+                <a:latin typeface="Consolas" panose="020B0609020204030204" pitchFamily="49" charset="0"/>
+              </a:rPr>
+              <a:t>0 6 0 (five classes and one pseudo class)</a:t>
+            </a:r>
+            <a:endParaRPr lang="en-US" dirty="0">
+              <a:latin typeface="Consolas" panose="020B0609020204030204" pitchFamily="49" charset="0"/>
+            </a:endParaRPr>
+          </a:p>
+          <a:p>
+            <a:pPr marL="0" indent="0">
+              <a:buNone/>
+            </a:pPr>
+            <a:endParaRPr lang="en-US" dirty="0">
+              <a:latin typeface="Consolas" panose="020B0609020204030204" pitchFamily="49" charset="0"/>
+            </a:endParaRPr>
           </a:p>
           <a:p>
             <a:pPr marL="0" indent="0">
@@ -11683,9 +13343,10 @@
           <a:lstStyle/>
           <a:p>
             <a:r>
-              <a:rPr lang="en-US" dirty="0"/>
-              <a:t>The Fundamental Workflow</a:t>
-            </a:r>
+              <a:rPr lang="en-US" dirty="0" smtClean="0"/>
+              <a:t>Why does this matter?</a:t>
+            </a:r>
+            <a:endParaRPr lang="en-US" dirty="0"/>
           </a:p>
         </p:txBody>
       </p:sp>
@@ -11704,28 +13365,111 @@
           <a:bodyPr/>
           <a:lstStyle/>
           <a:p>
-            <a:r>
-              <a:rPr lang="en-US" dirty="0"/>
-              <a:t>Tools</a:t>
-            </a:r>
-          </a:p>
-          <a:p>
-            <a:r>
-              <a:rPr lang="en-US" dirty="0"/>
-              <a:t>75% Command Line + 25% GitHub Desktop</a:t>
-            </a:r>
-          </a:p>
-          <a:p>
-            <a:r>
-              <a:rPr lang="en-US" dirty="0"/>
-              <a:t>Any tools you use call the exact same commands, using the exact same binary. If you understand the command you want to run and can figure out how to do it in your tool, go nuts. That said, the command line is the only place where you will never run out of functionality. </a:t>
-            </a:r>
-          </a:p>
-          <a:p>
-            <a:endParaRPr lang="en-US" dirty="0"/>
-          </a:p>
-          <a:p>
-            <a:endParaRPr lang="en-US" dirty="0"/>
+            <a:pPr marL="0" indent="0">
+              <a:buNone/>
+            </a:pPr>
+            <a:r>
+              <a:rPr lang="en-US" dirty="0" smtClean="0"/>
+              <a:t>It’s an illustration of why layering multiple classes is the preferred method of applying styles to an element.</a:t>
+            </a:r>
+            <a:r>
+              <a:rPr lang="en-US" dirty="0"/>
+              <a:t> </a:t>
+            </a:r>
+            <a:r>
+              <a:rPr lang="en-US" dirty="0" smtClean="0"/>
+              <a:t>You can always add more classes to a selector to mix and match anything you need. Overriding the previous selector is just a matter of adding a single class to the selector (dark-mode) and the weight is now 0 7 0 (which will override the previous 0 6 0) </a:t>
+            </a:r>
+            <a:endParaRPr lang="en-US" dirty="0">
+              <a:latin typeface="Consolas" panose="020B0609020204030204" pitchFamily="49" charset="0"/>
+            </a:endParaRPr>
+          </a:p>
+          <a:p>
+            <a:pPr marL="0" indent="0">
+              <a:buNone/>
+            </a:pPr>
+            <a:r>
+              <a:rPr lang="en-US" dirty="0" smtClean="0">
+                <a:latin typeface="Consolas" panose="020B0609020204030204" pitchFamily="49" charset="0"/>
+              </a:rPr>
+              <a:t>.ag-theme-</a:t>
+            </a:r>
+            <a:r>
+              <a:rPr lang="en-US" dirty="0" err="1" smtClean="0">
+                <a:latin typeface="Consolas" panose="020B0609020204030204" pitchFamily="49" charset="0"/>
+              </a:rPr>
+              <a:t>balham.dark</a:t>
+            </a:r>
+            <a:r>
+              <a:rPr lang="en-US" dirty="0" smtClean="0">
+                <a:latin typeface="Consolas" panose="020B0609020204030204" pitchFamily="49" charset="0"/>
+              </a:rPr>
+              <a:t>-mode</a:t>
+            </a:r>
+            <a:r>
+              <a:rPr lang="en-US" dirty="0">
+                <a:latin typeface="Consolas" panose="020B0609020204030204" pitchFamily="49" charset="0"/>
+              </a:rPr>
+              <a:t> .ag-</a:t>
+            </a:r>
+            <a:r>
+              <a:rPr lang="en-US" dirty="0" err="1">
+                <a:latin typeface="Consolas" panose="020B0609020204030204" pitchFamily="49" charset="0"/>
+              </a:rPr>
+              <a:t>ltr</a:t>
+            </a:r>
+            <a:r>
+              <a:rPr lang="en-US" dirty="0">
+                <a:latin typeface="Consolas" panose="020B0609020204030204" pitchFamily="49" charset="0"/>
+              </a:rPr>
+              <a:t> .</a:t>
+            </a:r>
+            <a:r>
+              <a:rPr lang="en-US" dirty="0" err="1">
+                <a:latin typeface="Consolas" panose="020B0609020204030204" pitchFamily="49" charset="0"/>
+              </a:rPr>
+              <a:t>ag-cell.ag-cell-range-selected:not</a:t>
+            </a:r>
+            <a:r>
+              <a:rPr lang="en-US" dirty="0">
+                <a:latin typeface="Consolas" panose="020B0609020204030204" pitchFamily="49" charset="0"/>
+              </a:rPr>
+              <a:t>(.ag-cell-range-single-cell).</a:t>
+            </a:r>
+            <a:r>
+              <a:rPr lang="en-US" dirty="0" smtClean="0">
+                <a:latin typeface="Consolas" panose="020B0609020204030204" pitchFamily="49" charset="0"/>
+              </a:rPr>
+              <a:t>ag-cell-range-left</a:t>
+            </a:r>
+            <a:endParaRPr lang="en-US" dirty="0">
+              <a:latin typeface="Consolas" panose="020B0609020204030204" pitchFamily="49" charset="0"/>
+            </a:endParaRPr>
+          </a:p>
+          <a:p>
+            <a:pPr marL="0" indent="0">
+              <a:buNone/>
+            </a:pPr>
+            <a:r>
+              <a:rPr lang="en-US" dirty="0" smtClean="0"/>
+              <a:t>So, instead of simply throwing !important everywhere and getting into an !important fight with </a:t>
+            </a:r>
+            <a:r>
+              <a:rPr lang="en-US" dirty="0" err="1" smtClean="0"/>
+              <a:t>yourselve</a:t>
+            </a:r>
+            <a:r>
+              <a:rPr lang="en-US" dirty="0" smtClean="0"/>
+              <a:t> (no one wants that) be </a:t>
+            </a:r>
+            <a:r>
+              <a:rPr lang="en-US" i="1" dirty="0" smtClean="0"/>
+              <a:t>more specific</a:t>
+            </a:r>
+            <a:r>
+              <a:rPr lang="en-US" dirty="0" smtClean="0"/>
+              <a:t> in your selectors.</a:t>
+            </a:r>
           </a:p>
         </p:txBody>
       </p:sp>
@@ -12107,4 +13851,215 @@
   </a:objectDefaults>
   <a:extraClrSchemeLst/>
 </a:theme>
+</file>
+
+<file path=customXml/item1.xml><?xml version="1.0" encoding="utf-8"?>
+<ct:contentTypeSchema xmlns:ct="http://schemas.microsoft.com/office/2006/metadata/contentType" xmlns:ma="http://schemas.microsoft.com/office/2006/metadata/properties/metaAttributes" ct:_="" ma:_="" ma:contentTypeName="Document" ma:contentTypeID="0x010100DBB6FACA7386E448B57B2CFDEE3F51C5" ma:contentTypeVersion="10" ma:contentTypeDescription="Create a new document." ma:contentTypeScope="" ma:versionID="1beebc60e08e34f0d4d81c3f3988b39d">
+  <xsd:schema xmlns:xsd="http://www.w3.org/2001/XMLSchema" xmlns:xs="http://www.w3.org/2001/XMLSchema" xmlns:p="http://schemas.microsoft.com/office/2006/metadata/properties" xmlns:ns2="626007e5-b064-401d-93ab-6ae5a43b92e7" targetNamespace="http://schemas.microsoft.com/office/2006/metadata/properties" ma:root="true" ma:fieldsID="7a7c21f20e8c10a0e3069b858335ba01" ns2:_="">
+    <xsd:import namespace="626007e5-b064-401d-93ab-6ae5a43b92e7"/>
+    <xsd:element name="properties">
+      <xsd:complexType>
+        <xsd:sequence>
+          <xsd:element name="documentManagement">
+            <xsd:complexType>
+              <xsd:all>
+                <xsd:element ref="ns2:MediaServiceMetadata" minOccurs="0"/>
+                <xsd:element ref="ns2:MediaServiceFastMetadata" minOccurs="0"/>
+                <xsd:element ref="ns2:MediaServiceAutoTags" minOccurs="0"/>
+                <xsd:element ref="ns2:MediaServiceOCR" minOccurs="0"/>
+                <xsd:element ref="ns2:MediaServiceDateTaken" minOccurs="0"/>
+                <xsd:element ref="ns2:MediaServiceLocation" minOccurs="0"/>
+                <xsd:element ref="ns2:MediaServiceGenerationTime" minOccurs="0"/>
+                <xsd:element ref="ns2:MediaServiceEventHashCode" minOccurs="0"/>
+                <xsd:element ref="ns2:MediaServiceAutoKeyPoints" minOccurs="0"/>
+                <xsd:element ref="ns2:MediaServiceKeyPoints" minOccurs="0"/>
+              </xsd:all>
+            </xsd:complexType>
+          </xsd:element>
+        </xsd:sequence>
+      </xsd:complexType>
+    </xsd:element>
+  </xsd:schema>
+  <xsd:schema xmlns:xsd="http://www.w3.org/2001/XMLSchema" xmlns:xs="http://www.w3.org/2001/XMLSchema" xmlns:dms="http://schemas.microsoft.com/office/2006/documentManagement/types" xmlns:pc="http://schemas.microsoft.com/office/infopath/2007/PartnerControls" targetNamespace="626007e5-b064-401d-93ab-6ae5a43b92e7" elementFormDefault="qualified">
+    <xsd:import namespace="http://schemas.microsoft.com/office/2006/documentManagement/types"/>
+    <xsd:import namespace="http://schemas.microsoft.com/office/infopath/2007/PartnerControls"/>
+    <xsd:element name="MediaServiceMetadata" ma:index="8" nillable="true" ma:displayName="MediaServiceMetadata" ma:hidden="true" ma:internalName="MediaServiceMetadata" ma:readOnly="true">
+      <xsd:simpleType>
+        <xsd:restriction base="dms:Note"/>
+      </xsd:simpleType>
+    </xsd:element>
+    <xsd:element name="MediaServiceFastMetadata" ma:index="9" nillable="true" ma:displayName="MediaServiceFastMetadata" ma:hidden="true" ma:internalName="MediaServiceFastMetadata" ma:readOnly="true">
+      <xsd:simpleType>
+        <xsd:restriction base="dms:Note"/>
+      </xsd:simpleType>
+    </xsd:element>
+    <xsd:element name="MediaServiceAutoTags" ma:index="10" nillable="true" ma:displayName="Tags" ma:internalName="MediaServiceAutoTags" ma:readOnly="true">
+      <xsd:simpleType>
+        <xsd:restriction base="dms:Text"/>
+      </xsd:simpleType>
+    </xsd:element>
+    <xsd:element name="MediaServiceOCR" ma:index="11" nillable="true" ma:displayName="Extracted Text" ma:internalName="MediaServiceOCR" ma:readOnly="true">
+      <xsd:simpleType>
+        <xsd:restriction base="dms:Note">
+          <xsd:maxLength value="255"/>
+        </xsd:restriction>
+      </xsd:simpleType>
+    </xsd:element>
+    <xsd:element name="MediaServiceDateTaken" ma:index="12" nillable="true" ma:displayName="MediaServiceDateTaken" ma:hidden="true" ma:internalName="MediaServiceDateTaken" ma:readOnly="true">
+      <xsd:simpleType>
+        <xsd:restriction base="dms:Text"/>
+      </xsd:simpleType>
+    </xsd:element>
+    <xsd:element name="MediaServiceLocation" ma:index="13" nillable="true" ma:displayName="Location" ma:internalName="MediaServiceLocation" ma:readOnly="true">
+      <xsd:simpleType>
+        <xsd:restriction base="dms:Text"/>
+      </xsd:simpleType>
+    </xsd:element>
+    <xsd:element name="MediaServiceGenerationTime" ma:index="14" nillable="true" ma:displayName="MediaServiceGenerationTime" ma:hidden="true" ma:internalName="MediaServiceGenerationTime" ma:readOnly="true">
+      <xsd:simpleType>
+        <xsd:restriction base="dms:Text"/>
+      </xsd:simpleType>
+    </xsd:element>
+    <xsd:element name="MediaServiceEventHashCode" ma:index="15" nillable="true" ma:displayName="MediaServiceEventHashCode" ma:hidden="true" ma:internalName="MediaServiceEventHashCode" ma:readOnly="true">
+      <xsd:simpleType>
+        <xsd:restriction base="dms:Text"/>
+      </xsd:simpleType>
+    </xsd:element>
+    <xsd:element name="MediaServiceAutoKeyPoints" ma:index="16" nillable="true" ma:displayName="MediaServiceAutoKeyPoints" ma:hidden="true" ma:internalName="MediaServiceAutoKeyPoints" ma:readOnly="true">
+      <xsd:simpleType>
+        <xsd:restriction base="dms:Note"/>
+      </xsd:simpleType>
+    </xsd:element>
+    <xsd:element name="MediaServiceKeyPoints" ma:index="17" nillable="true" ma:displayName="KeyPoints" ma:internalName="MediaServiceKeyPoints" ma:readOnly="true">
+      <xsd:simpleType>
+        <xsd:restriction base="dms:Note">
+          <xsd:maxLength value="255"/>
+        </xsd:restriction>
+      </xsd:simpleType>
+    </xsd:element>
+  </xsd:schema>
+  <xsd:schema xmlns="http://schemas.openxmlformats.org/package/2006/metadata/core-properties" xmlns:xsd="http://www.w3.org/2001/XMLSchema" xmlns:xsi="http://www.w3.org/2001/XMLSchema-instance" xmlns:dc="http://purl.org/dc/elements/1.1/" xmlns:dcterms="http://purl.org/dc/terms/" xmlns:odoc="http://schemas.microsoft.com/internal/obd" targetNamespace="http://schemas.openxmlformats.org/package/2006/metadata/core-properties" elementFormDefault="qualified" attributeFormDefault="unqualified" blockDefault="#all">
+    <xsd:import namespace="http://purl.org/dc/elements/1.1/" schemaLocation="http://dublincore.org/schemas/xmls/qdc/2003/04/02/dc.xsd"/>
+    <xsd:import namespace="http://purl.org/dc/terms/" schemaLocation="http://dublincore.org/schemas/xmls/qdc/2003/04/02/dcterms.xsd"/>
+    <xsd:element name="coreProperties" type="CT_coreProperties"/>
+    <xsd:complexType name="CT_coreProperties">
+      <xsd:all>
+        <xsd:element ref="dc:creator" minOccurs="0" maxOccurs="1"/>
+        <xsd:element ref="dcterms:created" minOccurs="0" maxOccurs="1"/>
+        <xsd:element ref="dc:identifier" minOccurs="0" maxOccurs="1"/>
+        <xsd:element name="contentType" minOccurs="0" maxOccurs="1" type="xsd:string" ma:index="0" ma:displayName="Content Type"/>
+        <xsd:element ref="dc:title" minOccurs="0" maxOccurs="1" ma:index="4" ma:displayName="Title"/>
+        <xsd:element ref="dc:subject" minOccurs="0" maxOccurs="1"/>
+        <xsd:element ref="dc:description" minOccurs="0" maxOccurs="1"/>
+        <xsd:element name="keywords" minOccurs="0" maxOccurs="1" type="xsd:string"/>
+        <xsd:element ref="dc:language" minOccurs="0" maxOccurs="1"/>
+        <xsd:element name="category" minOccurs="0" maxOccurs="1" type="xsd:string"/>
+        <xsd:element name="version" minOccurs="0" maxOccurs="1" type="xsd:string"/>
+        <xsd:element name="revision" minOccurs="0" maxOccurs="1" type="xsd:string">
+          <xsd:annotation>
+            <xsd:documentation>
+                        This value indicates the number of saves or revisions. The application is responsible for updating this value after each revision.
+                    </xsd:documentation>
+          </xsd:annotation>
+        </xsd:element>
+        <xsd:element name="lastModifiedBy" minOccurs="0" maxOccurs="1" type="xsd:string"/>
+        <xsd:element ref="dcterms:modified" minOccurs="0" maxOccurs="1"/>
+        <xsd:element name="contentStatus" minOccurs="0" maxOccurs="1" type="xsd:string"/>
+      </xsd:all>
+    </xsd:complexType>
+  </xsd:schema>
+  <xs:schema xmlns:pc="http://schemas.microsoft.com/office/infopath/2007/PartnerControls" xmlns:xs="http://www.w3.org/2001/XMLSchema" targetNamespace="http://schemas.microsoft.com/office/infopath/2007/PartnerControls" elementFormDefault="qualified" attributeFormDefault="unqualified">
+    <xs:element name="Person">
+      <xs:complexType>
+        <xs:sequence>
+          <xs:element ref="pc:DisplayName" minOccurs="0"/>
+          <xs:element ref="pc:AccountId" minOccurs="0"/>
+          <xs:element ref="pc:AccountType" minOccurs="0"/>
+        </xs:sequence>
+      </xs:complexType>
+    </xs:element>
+    <xs:element name="DisplayName" type="xs:string"/>
+    <xs:element name="AccountId" type="xs:string"/>
+    <xs:element name="AccountType" type="xs:string"/>
+    <xs:element name="BDCAssociatedEntity">
+      <xs:complexType>
+        <xs:sequence>
+          <xs:element ref="pc:BDCEntity" minOccurs="0" maxOccurs="unbounded"/>
+        </xs:sequence>
+        <xs:attribute ref="pc:EntityNamespace"/>
+        <xs:attribute ref="pc:EntityName"/>
+        <xs:attribute ref="pc:SystemInstanceName"/>
+        <xs:attribute ref="pc:AssociationName"/>
+      </xs:complexType>
+    </xs:element>
+    <xs:attribute name="EntityNamespace" type="xs:string"/>
+    <xs:attribute name="EntityName" type="xs:string"/>
+    <xs:attribute name="SystemInstanceName" type="xs:string"/>
+    <xs:attribute name="AssociationName" type="xs:string"/>
+    <xs:element name="BDCEntity">
+      <xs:complexType>
+        <xs:sequence>
+          <xs:element ref="pc:EntityDisplayName" minOccurs="0"/>
+          <xs:element ref="pc:EntityInstanceReference" minOccurs="0"/>
+          <xs:element ref="pc:EntityId1" minOccurs="0"/>
+          <xs:element ref="pc:EntityId2" minOccurs="0"/>
+          <xs:element ref="pc:EntityId3" minOccurs="0"/>
+          <xs:element ref="pc:EntityId4" minOccurs="0"/>
+          <xs:element ref="pc:EntityId5" minOccurs="0"/>
+        </xs:sequence>
+      </xs:complexType>
+    </xs:element>
+    <xs:element name="EntityDisplayName" type="xs:string"/>
+    <xs:element name="EntityInstanceReference" type="xs:string"/>
+    <xs:element name="EntityId1" type="xs:string"/>
+    <xs:element name="EntityId2" type="xs:string"/>
+    <xs:element name="EntityId3" type="xs:string"/>
+    <xs:element name="EntityId4" type="xs:string"/>
+    <xs:element name="EntityId5" type="xs:string"/>
+    <xs:element name="Terms">
+      <xs:complexType>
+        <xs:sequence>
+          <xs:element ref="pc:TermInfo" minOccurs="0" maxOccurs="unbounded"/>
+        </xs:sequence>
+      </xs:complexType>
+    </xs:element>
+    <xs:element name="TermInfo">
+      <xs:complexType>
+        <xs:sequence>
+          <xs:element ref="pc:TermName" minOccurs="0"/>
+          <xs:element ref="pc:TermId" minOccurs="0"/>
+        </xs:sequence>
+      </xs:complexType>
+    </xs:element>
+    <xs:element name="TermName" type="xs:string"/>
+    <xs:element name="TermId" type="xs:string"/>
+  </xs:schema>
+</ct:contentTypeSchema>
+</file>
+
+<file path=customXml/item2.xml><?xml version="1.0" encoding="utf-8"?>
+<?mso-contentType ?>
+<FormTemplates xmlns="http://schemas.microsoft.com/sharepoint/v3/contenttype/forms">
+  <Display>DocumentLibraryForm</Display>
+  <Edit>DocumentLibraryForm</Edit>
+  <New>DocumentLibraryForm</New>
+</FormTemplates>
+</file>
+
+<file path=customXml/item3.xml><?xml version="1.0" encoding="utf-8"?>
+<p:properties xmlns:p="http://schemas.microsoft.com/office/2006/metadata/properties" xmlns:xsi="http://www.w3.org/2001/XMLSchema-instance" xmlns:pc="http://schemas.microsoft.com/office/infopath/2007/PartnerControls">
+  <documentManagement/>
+</p:properties>
+</file>
+
+<file path=customXml/itemProps1.xml><?xml version="1.0" encoding="utf-8"?>
+<ds:datastoreItem xmlns:ds="http://schemas.openxmlformats.org/officeDocument/2006/customXml" ds:itemID="{D35E3518-18D4-499C-845C-70FD957FCDF8}"/>
+</file>
+
+<file path=customXml/itemProps2.xml><?xml version="1.0" encoding="utf-8"?>
+<ds:datastoreItem xmlns:ds="http://schemas.openxmlformats.org/officeDocument/2006/customXml" ds:itemID="{1DD1C9EA-8D79-46C5-A3C2-918B1E32B269}"/>
+</file>
+
+<file path=customXml/itemProps3.xml><?xml version="1.0" encoding="utf-8"?>
+<ds:datastoreItem xmlns:ds="http://schemas.openxmlformats.org/officeDocument/2006/customXml" ds:itemID="{CCCCD45D-70D6-4F6B-AF5D-7BCF1A719A74}"/>
 </file>